--- a/design/P2P.pptx
+++ b/design/P2P.pptx
@@ -11,6 +11,9 @@
     <p:sldId id="259" r:id="rId5"/>
     <p:sldId id="260" r:id="rId6"/>
     <p:sldId id="261" r:id="rId7"/>
+    <p:sldId id="262" r:id="rId8"/>
+    <p:sldId id="263" r:id="rId9"/>
+    <p:sldId id="264" r:id="rId10"/>
   </p:sldIdLst>
   <p:sldSz cx="12192000" cy="6858000"/>
   <p:notesSz cx="6858000" cy="9144000"/>
@@ -270,7 +273,7 @@
           <a:p>
             <a:fld id="{09C70CA6-45EA-44C9-9E1B-CEA7ADA56BDC}" type="datetimeFigureOut">
               <a:rPr lang="zh-CN" altLang="en-US" smtClean="0"/>
-              <a:t>2018/5/27</a:t>
+              <a:t>2018/5/29</a:t>
             </a:fld>
             <a:endParaRPr lang="zh-CN" altLang="en-US"/>
           </a:p>
@@ -470,7 +473,7 @@
           <a:p>
             <a:fld id="{09C70CA6-45EA-44C9-9E1B-CEA7ADA56BDC}" type="datetimeFigureOut">
               <a:rPr lang="zh-CN" altLang="en-US" smtClean="0"/>
-              <a:t>2018/5/27</a:t>
+              <a:t>2018/5/29</a:t>
             </a:fld>
             <a:endParaRPr lang="zh-CN" altLang="en-US"/>
           </a:p>
@@ -680,7 +683,7 @@
           <a:p>
             <a:fld id="{09C70CA6-45EA-44C9-9E1B-CEA7ADA56BDC}" type="datetimeFigureOut">
               <a:rPr lang="zh-CN" altLang="en-US" smtClean="0"/>
-              <a:t>2018/5/27</a:t>
+              <a:t>2018/5/29</a:t>
             </a:fld>
             <a:endParaRPr lang="zh-CN" altLang="en-US"/>
           </a:p>
@@ -880,7 +883,7 @@
           <a:p>
             <a:fld id="{09C70CA6-45EA-44C9-9E1B-CEA7ADA56BDC}" type="datetimeFigureOut">
               <a:rPr lang="zh-CN" altLang="en-US" smtClean="0"/>
-              <a:t>2018/5/27</a:t>
+              <a:t>2018/5/29</a:t>
             </a:fld>
             <a:endParaRPr lang="zh-CN" altLang="en-US"/>
           </a:p>
@@ -1156,7 +1159,7 @@
           <a:p>
             <a:fld id="{09C70CA6-45EA-44C9-9E1B-CEA7ADA56BDC}" type="datetimeFigureOut">
               <a:rPr lang="zh-CN" altLang="en-US" smtClean="0"/>
-              <a:t>2018/5/27</a:t>
+              <a:t>2018/5/29</a:t>
             </a:fld>
             <a:endParaRPr lang="zh-CN" altLang="en-US"/>
           </a:p>
@@ -1424,7 +1427,7 @@
           <a:p>
             <a:fld id="{09C70CA6-45EA-44C9-9E1B-CEA7ADA56BDC}" type="datetimeFigureOut">
               <a:rPr lang="zh-CN" altLang="en-US" smtClean="0"/>
-              <a:t>2018/5/27</a:t>
+              <a:t>2018/5/29</a:t>
             </a:fld>
             <a:endParaRPr lang="zh-CN" altLang="en-US"/>
           </a:p>
@@ -1839,7 +1842,7 @@
           <a:p>
             <a:fld id="{09C70CA6-45EA-44C9-9E1B-CEA7ADA56BDC}" type="datetimeFigureOut">
               <a:rPr lang="zh-CN" altLang="en-US" smtClean="0"/>
-              <a:t>2018/5/27</a:t>
+              <a:t>2018/5/29</a:t>
             </a:fld>
             <a:endParaRPr lang="zh-CN" altLang="en-US"/>
           </a:p>
@@ -1981,7 +1984,7 @@
           <a:p>
             <a:fld id="{09C70CA6-45EA-44C9-9E1B-CEA7ADA56BDC}" type="datetimeFigureOut">
               <a:rPr lang="zh-CN" altLang="en-US" smtClean="0"/>
-              <a:t>2018/5/27</a:t>
+              <a:t>2018/5/29</a:t>
             </a:fld>
             <a:endParaRPr lang="zh-CN" altLang="en-US"/>
           </a:p>
@@ -2094,7 +2097,7 @@
           <a:p>
             <a:fld id="{09C70CA6-45EA-44C9-9E1B-CEA7ADA56BDC}" type="datetimeFigureOut">
               <a:rPr lang="zh-CN" altLang="en-US" smtClean="0"/>
-              <a:t>2018/5/27</a:t>
+              <a:t>2018/5/29</a:t>
             </a:fld>
             <a:endParaRPr lang="zh-CN" altLang="en-US"/>
           </a:p>
@@ -2407,7 +2410,7 @@
           <a:p>
             <a:fld id="{09C70CA6-45EA-44C9-9E1B-CEA7ADA56BDC}" type="datetimeFigureOut">
               <a:rPr lang="zh-CN" altLang="en-US" smtClean="0"/>
-              <a:t>2018/5/27</a:t>
+              <a:t>2018/5/29</a:t>
             </a:fld>
             <a:endParaRPr lang="zh-CN" altLang="en-US"/>
           </a:p>
@@ -2696,7 +2699,7 @@
           <a:p>
             <a:fld id="{09C70CA6-45EA-44C9-9E1B-CEA7ADA56BDC}" type="datetimeFigureOut">
               <a:rPr lang="zh-CN" altLang="en-US" smtClean="0"/>
-              <a:t>2018/5/27</a:t>
+              <a:t>2018/5/29</a:t>
             </a:fld>
             <a:endParaRPr lang="zh-CN" altLang="en-US"/>
           </a:p>
@@ -2939,7 +2942,7 @@
           <a:p>
             <a:fld id="{09C70CA6-45EA-44C9-9E1B-CEA7ADA56BDC}" type="datetimeFigureOut">
               <a:rPr lang="zh-CN" altLang="en-US" smtClean="0"/>
-              <a:t>2018/5/27</a:t>
+              <a:t>2018/5/29</a:t>
             </a:fld>
             <a:endParaRPr lang="zh-CN" altLang="en-US"/>
           </a:p>
@@ -3698,7 +3701,7 @@
         </p:nvSpPr>
         <p:spPr>
           <a:xfrm>
-            <a:off x="4267232" y="1836659"/>
+            <a:off x="4276805" y="1391816"/>
             <a:ext cx="1400433" cy="444843"/>
           </a:xfrm>
           <a:prstGeom prst="rect">
@@ -3755,7 +3758,7 @@
         </p:nvSpPr>
         <p:spPr>
           <a:xfrm>
-            <a:off x="4267231" y="2465253"/>
+            <a:off x="4277800" y="2169844"/>
             <a:ext cx="1400433" cy="444843"/>
           </a:xfrm>
           <a:prstGeom prst="rect">
@@ -3926,7 +3929,7 @@
         </p:nvSpPr>
         <p:spPr>
           <a:xfrm>
-            <a:off x="6662104" y="2862387"/>
+            <a:off x="6662104" y="2169844"/>
             <a:ext cx="1400433" cy="444843"/>
           </a:xfrm>
           <a:prstGeom prst="rect">
@@ -4322,9 +4325,9 @@
           <p:nvPr/>
         </p:nvCxnSpPr>
         <p:spPr>
-          <a:xfrm flipH="1">
-            <a:off x="4967448" y="2281502"/>
-            <a:ext cx="1" cy="183751"/>
+          <a:xfrm>
+            <a:off x="4977022" y="1836659"/>
+            <a:ext cx="995" cy="333185"/>
           </a:xfrm>
           <a:prstGeom prst="straightConnector1">
             <a:avLst/>
@@ -4514,7 +4517,7 @@
         </p:nvSpPr>
         <p:spPr>
           <a:xfrm>
-            <a:off x="4276806" y="3268559"/>
+            <a:off x="4276806" y="2907477"/>
             <a:ext cx="1400433" cy="444843"/>
           </a:xfrm>
           <a:prstGeom prst="rect">
@@ -4575,93 +4578,8 @@
         </p:nvCxnSpPr>
         <p:spPr>
           <a:xfrm rot="5400000">
-            <a:off x="6427905" y="2556564"/>
-            <a:ext cx="183751" cy="1685082"/>
-          </a:xfrm>
-          <a:prstGeom prst="bentConnector2">
-            <a:avLst/>
-          </a:prstGeom>
-          <a:ln>
-            <a:tailEnd type="triangle"/>
-          </a:ln>
-        </p:spPr>
-        <p:style>
-          <a:lnRef idx="1">
-            <a:schemeClr val="accent1"/>
-          </a:lnRef>
-          <a:fillRef idx="0">
-            <a:schemeClr val="accent1"/>
-          </a:fillRef>
-          <a:effectRef idx="0">
-            <a:schemeClr val="accent1"/>
-          </a:effectRef>
-          <a:fontRef idx="minor">
-            <a:schemeClr val="tx1"/>
-          </a:fontRef>
-        </p:style>
-      </p:cxnSp>
-      <p:cxnSp>
-        <p:nvCxnSpPr>
-          <p:cNvPr id="55" name="Connector: Elbow 54">
-            <a:extLst>
-              <a:ext uri="{FF2B5EF4-FFF2-40B4-BE49-F238E27FC236}">
-                <a16:creationId xmlns:a16="http://schemas.microsoft.com/office/drawing/2014/main" id="{EEB3F37E-2C2F-41B0-B7CC-F72633A8ACBF}"/>
-              </a:ext>
-            </a:extLst>
-          </p:cNvPr>
-          <p:cNvCxnSpPr>
-            <a:cxnSpLocks/>
-            <a:endCxn id="5" idx="1"/>
-          </p:cNvCxnSpPr>
-          <p:nvPr/>
-        </p:nvCxnSpPr>
-        <p:spPr>
-          <a:xfrm rot="16200000" flipH="1">
-            <a:off x="3187965" y="979813"/>
-            <a:ext cx="406171" cy="1752363"/>
-          </a:xfrm>
-          <a:prstGeom prst="bentConnector2">
-            <a:avLst/>
-          </a:prstGeom>
-          <a:ln>
-            <a:tailEnd type="triangle"/>
-          </a:ln>
-        </p:spPr>
-        <p:style>
-          <a:lnRef idx="1">
-            <a:schemeClr val="accent1"/>
-          </a:lnRef>
-          <a:fillRef idx="0">
-            <a:schemeClr val="accent1"/>
-          </a:fillRef>
-          <a:effectRef idx="0">
-            <a:schemeClr val="accent1"/>
-          </a:effectRef>
-          <a:fontRef idx="minor">
-            <a:schemeClr val="tx1"/>
-          </a:fontRef>
-        </p:style>
-      </p:cxnSp>
-      <p:cxnSp>
-        <p:nvCxnSpPr>
-          <p:cNvPr id="93" name="Connector: Elbow 92">
-            <a:extLst>
-              <a:ext uri="{FF2B5EF4-FFF2-40B4-BE49-F238E27FC236}">
-                <a16:creationId xmlns:a16="http://schemas.microsoft.com/office/drawing/2014/main" id="{DC80C3F1-04AC-4116-83CF-57431F8B4B94}"/>
-              </a:ext>
-            </a:extLst>
-          </p:cNvPr>
-          <p:cNvCxnSpPr>
-            <a:cxnSpLocks/>
-            <a:stCxn id="6" idx="2"/>
-            <a:endCxn id="9" idx="1"/>
-          </p:cNvCxnSpPr>
-          <p:nvPr/>
-        </p:nvCxnSpPr>
-        <p:spPr>
-          <a:xfrm rot="16200000" flipH="1">
-            <a:off x="5727420" y="2150124"/>
-            <a:ext cx="174713" cy="1694656"/>
+            <a:off x="6262174" y="2029752"/>
+            <a:ext cx="515212" cy="1685082"/>
           </a:xfrm>
           <a:prstGeom prst="bentConnector2">
             <a:avLst/>
@@ -4741,7 +4659,7 @@
         </p:nvSpPr>
         <p:spPr>
           <a:xfrm>
-            <a:off x="4276806" y="3837558"/>
+            <a:off x="4276805" y="3671151"/>
             <a:ext cx="1400433" cy="444843"/>
           </a:xfrm>
           <a:prstGeom prst="rect">
@@ -4985,7 +4903,7 @@
         <p:spPr>
           <a:xfrm>
             <a:off x="7362321" y="1128583"/>
-            <a:ext cx="0" cy="1733804"/>
+            <a:ext cx="0" cy="1041261"/>
           </a:xfrm>
           <a:prstGeom prst="straightConnector1">
             <a:avLst/>
@@ -5166,6 +5084,174 @@
           <a:xfrm>
             <a:off x="7362322" y="5957053"/>
             <a:ext cx="0" cy="360936"/>
+          </a:xfrm>
+          <a:prstGeom prst="straightConnector1">
+            <a:avLst/>
+          </a:prstGeom>
+          <a:ln>
+            <a:tailEnd type="triangle"/>
+          </a:ln>
+        </p:spPr>
+        <p:style>
+          <a:lnRef idx="1">
+            <a:schemeClr val="accent1"/>
+          </a:lnRef>
+          <a:fillRef idx="0">
+            <a:schemeClr val="accent1"/>
+          </a:fillRef>
+          <a:effectRef idx="0">
+            <a:schemeClr val="accent1"/>
+          </a:effectRef>
+          <a:fontRef idx="minor">
+            <a:schemeClr val="tx1"/>
+          </a:fontRef>
+        </p:style>
+      </p:cxnSp>
+      <p:cxnSp>
+        <p:nvCxnSpPr>
+          <p:cNvPr id="15" name="Straight Arrow Connector 14">
+            <a:extLst>
+              <a:ext uri="{FF2B5EF4-FFF2-40B4-BE49-F238E27FC236}">
+                <a16:creationId xmlns:a16="http://schemas.microsoft.com/office/drawing/2014/main" id="{B21A08C1-6795-49DF-BA77-7950A4A22BBD}"/>
+              </a:ext>
+            </a:extLst>
+          </p:cNvPr>
+          <p:cNvCxnSpPr>
+            <a:stCxn id="37" idx="2"/>
+            <a:endCxn id="115" idx="0"/>
+          </p:cNvCxnSpPr>
+          <p:nvPr/>
+        </p:nvCxnSpPr>
+        <p:spPr>
+          <a:xfrm flipH="1">
+            <a:off x="4977022" y="3352320"/>
+            <a:ext cx="1" cy="318831"/>
+          </a:xfrm>
+          <a:prstGeom prst="straightConnector1">
+            <a:avLst/>
+          </a:prstGeom>
+          <a:ln>
+            <a:tailEnd type="triangle"/>
+          </a:ln>
+        </p:spPr>
+        <p:style>
+          <a:lnRef idx="1">
+            <a:schemeClr val="accent1"/>
+          </a:lnRef>
+          <a:fillRef idx="0">
+            <a:schemeClr val="accent1"/>
+          </a:fillRef>
+          <a:effectRef idx="0">
+            <a:schemeClr val="accent1"/>
+          </a:effectRef>
+          <a:fontRef idx="minor">
+            <a:schemeClr val="tx1"/>
+          </a:fontRef>
+        </p:style>
+      </p:cxnSp>
+      <p:cxnSp>
+        <p:nvCxnSpPr>
+          <p:cNvPr id="18" name="Straight Arrow Connector 17">
+            <a:extLst>
+              <a:ext uri="{FF2B5EF4-FFF2-40B4-BE49-F238E27FC236}">
+                <a16:creationId xmlns:a16="http://schemas.microsoft.com/office/drawing/2014/main" id="{0399B1D1-55EF-42D0-B3E4-DCC4C6B8B9BF}"/>
+              </a:ext>
+            </a:extLst>
+          </p:cNvPr>
+          <p:cNvCxnSpPr>
+            <a:stCxn id="115" idx="2"/>
+            <a:endCxn id="10" idx="0"/>
+          </p:cNvCxnSpPr>
+          <p:nvPr/>
+        </p:nvCxnSpPr>
+        <p:spPr>
+          <a:xfrm>
+            <a:off x="4977022" y="4115994"/>
+            <a:ext cx="1" cy="393409"/>
+          </a:xfrm>
+          <a:prstGeom prst="straightConnector1">
+            <a:avLst/>
+          </a:prstGeom>
+          <a:ln>
+            <a:tailEnd type="triangle"/>
+          </a:ln>
+        </p:spPr>
+        <p:style>
+          <a:lnRef idx="1">
+            <a:schemeClr val="accent1"/>
+          </a:lnRef>
+          <a:fillRef idx="0">
+            <a:schemeClr val="accent1"/>
+          </a:fillRef>
+          <a:effectRef idx="0">
+            <a:schemeClr val="accent1"/>
+          </a:effectRef>
+          <a:fontRef idx="minor">
+            <a:schemeClr val="tx1"/>
+          </a:fontRef>
+        </p:style>
+      </p:cxnSp>
+      <p:cxnSp>
+        <p:nvCxnSpPr>
+          <p:cNvPr id="22" name="Straight Arrow Connector 21">
+            <a:extLst>
+              <a:ext uri="{FF2B5EF4-FFF2-40B4-BE49-F238E27FC236}">
+                <a16:creationId xmlns:a16="http://schemas.microsoft.com/office/drawing/2014/main" id="{4E09D77D-DE2B-45F6-9309-11E1A4FE16DA}"/>
+              </a:ext>
+            </a:extLst>
+          </p:cNvPr>
+          <p:cNvCxnSpPr>
+            <a:stCxn id="4" idx="3"/>
+            <a:endCxn id="5" idx="1"/>
+          </p:cNvCxnSpPr>
+          <p:nvPr/>
+        </p:nvCxnSpPr>
+        <p:spPr>
+          <a:xfrm>
+            <a:off x="3224661" y="1614238"/>
+            <a:ext cx="1052144" cy="0"/>
+          </a:xfrm>
+          <a:prstGeom prst="straightConnector1">
+            <a:avLst/>
+          </a:prstGeom>
+          <a:ln>
+            <a:tailEnd type="triangle"/>
+          </a:ln>
+        </p:spPr>
+        <p:style>
+          <a:lnRef idx="1">
+            <a:schemeClr val="accent1"/>
+          </a:lnRef>
+          <a:fillRef idx="0">
+            <a:schemeClr val="accent1"/>
+          </a:fillRef>
+          <a:effectRef idx="0">
+            <a:schemeClr val="accent1"/>
+          </a:effectRef>
+          <a:fontRef idx="minor">
+            <a:schemeClr val="tx1"/>
+          </a:fontRef>
+        </p:style>
+      </p:cxnSp>
+      <p:cxnSp>
+        <p:nvCxnSpPr>
+          <p:cNvPr id="31" name="Straight Arrow Connector 30">
+            <a:extLst>
+              <a:ext uri="{FF2B5EF4-FFF2-40B4-BE49-F238E27FC236}">
+                <a16:creationId xmlns:a16="http://schemas.microsoft.com/office/drawing/2014/main" id="{2BF76C12-FBD0-4048-BAAE-667A4D2A2C90}"/>
+              </a:ext>
+            </a:extLst>
+          </p:cNvPr>
+          <p:cNvCxnSpPr>
+            <a:stCxn id="6" idx="3"/>
+            <a:endCxn id="9" idx="1"/>
+          </p:cNvCxnSpPr>
+          <p:nvPr/>
+        </p:nvCxnSpPr>
+        <p:spPr>
+          <a:xfrm>
+            <a:off x="5678233" y="2392266"/>
+            <a:ext cx="983871" cy="0"/>
           </a:xfrm>
           <a:prstGeom prst="straightConnector1">
             <a:avLst/>
@@ -6654,10 +6740,3003 @@
           <a:chExt cx="0" cy="0"/>
         </a:xfrm>
       </p:grpSpPr>
+      <p:sp>
+        <p:nvSpPr>
+          <p:cNvPr id="2" name="Rectangle 1">
+            <a:extLst>
+              <a:ext uri="{FF2B5EF4-FFF2-40B4-BE49-F238E27FC236}">
+                <a16:creationId xmlns:a16="http://schemas.microsoft.com/office/drawing/2014/main" id="{5A4619E4-837F-4D63-B9E5-AC0F9E8204EF}"/>
+              </a:ext>
+            </a:extLst>
+          </p:cNvPr>
+          <p:cNvSpPr/>
+          <p:nvPr/>
+        </p:nvSpPr>
+        <p:spPr>
+          <a:xfrm>
+            <a:off x="2916195" y="2940909"/>
+            <a:ext cx="2891481" cy="1532237"/>
+          </a:xfrm>
+          <a:prstGeom prst="rect">
+            <a:avLst/>
+          </a:prstGeom>
+          <a:solidFill>
+            <a:schemeClr val="accent5">
+              <a:lumMod val="20000"/>
+              <a:lumOff val="80000"/>
+            </a:schemeClr>
+          </a:solidFill>
+          <a:ln w="3175">
+            <a:solidFill>
+              <a:schemeClr val="accent5">
+                <a:lumMod val="40000"/>
+                <a:lumOff val="60000"/>
+              </a:schemeClr>
+            </a:solidFill>
+          </a:ln>
+        </p:spPr>
+        <p:style>
+          <a:lnRef idx="2">
+            <a:schemeClr val="accent1">
+              <a:shade val="50000"/>
+            </a:schemeClr>
+          </a:lnRef>
+          <a:fillRef idx="1">
+            <a:schemeClr val="accent1"/>
+          </a:fillRef>
+          <a:effectRef idx="0">
+            <a:schemeClr val="accent1"/>
+          </a:effectRef>
+          <a:fontRef idx="minor">
+            <a:schemeClr val="lt1"/>
+          </a:fontRef>
+        </p:style>
+        <p:txBody>
+          <a:bodyPr rtlCol="0" anchor="b"/>
+          <a:lstStyle/>
+          <a:p>
+            <a:pPr algn="ctr"/>
+            <a:r>
+              <a:rPr lang="zh-CN" altLang="en-US" dirty="0">
+                <a:solidFill>
+                  <a:schemeClr val="accent5">
+                    <a:lumMod val="50000"/>
+                  </a:schemeClr>
+                </a:solidFill>
+              </a:rPr>
+              <a:t>支付机构</a:t>
+            </a:r>
+          </a:p>
+        </p:txBody>
+      </p:sp>
+      <p:sp>
+        <p:nvSpPr>
+          <p:cNvPr id="3" name="Rectangle: Rounded Corners 2">
+            <a:extLst>
+              <a:ext uri="{FF2B5EF4-FFF2-40B4-BE49-F238E27FC236}">
+                <a16:creationId xmlns:a16="http://schemas.microsoft.com/office/drawing/2014/main" id="{9C621ED0-26DF-43D5-AAD4-9E1D4BE3820B}"/>
+              </a:ext>
+            </a:extLst>
+          </p:cNvPr>
+          <p:cNvSpPr/>
+          <p:nvPr/>
+        </p:nvSpPr>
+        <p:spPr>
+          <a:xfrm>
+            <a:off x="3237470" y="3171568"/>
+            <a:ext cx="2232454" cy="774357"/>
+          </a:xfrm>
+          <a:prstGeom prst="roundRect">
+            <a:avLst/>
+          </a:prstGeom>
+          <a:solidFill>
+            <a:schemeClr val="accent5">
+              <a:lumMod val="50000"/>
+            </a:schemeClr>
+          </a:solidFill>
+        </p:spPr>
+        <p:style>
+          <a:lnRef idx="2">
+            <a:schemeClr val="accent1">
+              <a:shade val="50000"/>
+            </a:schemeClr>
+          </a:lnRef>
+          <a:fillRef idx="1">
+            <a:schemeClr val="accent1"/>
+          </a:fillRef>
+          <a:effectRef idx="0">
+            <a:schemeClr val="accent1"/>
+          </a:effectRef>
+          <a:fontRef idx="minor">
+            <a:schemeClr val="lt1"/>
+          </a:fontRef>
+        </p:style>
+        <p:txBody>
+          <a:bodyPr rtlCol="0" anchor="ctr"/>
+          <a:lstStyle/>
+          <a:p>
+            <a:pPr algn="ctr"/>
+            <a:r>
+              <a:rPr lang="en-US" altLang="zh-CN" dirty="0"/>
+              <a:t>P2P</a:t>
+            </a:r>
+            <a:r>
+              <a:rPr lang="zh-CN" altLang="en-US" dirty="0"/>
+              <a:t>公司支付账户</a:t>
+            </a:r>
+          </a:p>
+        </p:txBody>
+      </p:sp>
+      <p:sp>
+        <p:nvSpPr>
+          <p:cNvPr id="4" name="Rectangle 3">
+            <a:extLst>
+              <a:ext uri="{FF2B5EF4-FFF2-40B4-BE49-F238E27FC236}">
+                <a16:creationId xmlns:a16="http://schemas.microsoft.com/office/drawing/2014/main" id="{982E9F94-46EC-4B70-969D-41008E2935A7}"/>
+              </a:ext>
+            </a:extLst>
+          </p:cNvPr>
+          <p:cNvSpPr/>
+          <p:nvPr/>
+        </p:nvSpPr>
+        <p:spPr>
+          <a:xfrm>
+            <a:off x="2916195" y="955590"/>
+            <a:ext cx="2891481" cy="1532237"/>
+          </a:xfrm>
+          <a:prstGeom prst="rect">
+            <a:avLst/>
+          </a:prstGeom>
+          <a:solidFill>
+            <a:schemeClr val="accent6">
+              <a:lumMod val="20000"/>
+              <a:lumOff val="80000"/>
+            </a:schemeClr>
+          </a:solidFill>
+          <a:ln w="3175">
+            <a:solidFill>
+              <a:schemeClr val="accent6">
+                <a:lumMod val="40000"/>
+                <a:lumOff val="60000"/>
+              </a:schemeClr>
+            </a:solidFill>
+          </a:ln>
+        </p:spPr>
+        <p:style>
+          <a:lnRef idx="2">
+            <a:schemeClr val="accent1">
+              <a:shade val="50000"/>
+            </a:schemeClr>
+          </a:lnRef>
+          <a:fillRef idx="1">
+            <a:schemeClr val="accent1"/>
+          </a:fillRef>
+          <a:effectRef idx="0">
+            <a:schemeClr val="accent1"/>
+          </a:effectRef>
+          <a:fontRef idx="minor">
+            <a:schemeClr val="lt1"/>
+          </a:fontRef>
+        </p:style>
+        <p:txBody>
+          <a:bodyPr rtlCol="0" anchor="t"/>
+          <a:lstStyle/>
+          <a:p>
+            <a:pPr algn="ctr"/>
+            <a:r>
+              <a:rPr lang="en-US" altLang="zh-CN" dirty="0">
+                <a:solidFill>
+                  <a:schemeClr val="accent6">
+                    <a:lumMod val="50000"/>
+                  </a:schemeClr>
+                </a:solidFill>
+              </a:rPr>
+              <a:t>P2P</a:t>
+            </a:r>
+            <a:r>
+              <a:rPr lang="zh-CN" altLang="en-US" dirty="0">
+                <a:solidFill>
+                  <a:schemeClr val="accent6">
+                    <a:lumMod val="50000"/>
+                  </a:schemeClr>
+                </a:solidFill>
+              </a:rPr>
+              <a:t>平台</a:t>
+            </a:r>
+          </a:p>
+        </p:txBody>
+      </p:sp>
+      <p:sp>
+        <p:nvSpPr>
+          <p:cNvPr id="5" name="Rectangle: Rounded Corners 4">
+            <a:extLst>
+              <a:ext uri="{FF2B5EF4-FFF2-40B4-BE49-F238E27FC236}">
+                <a16:creationId xmlns:a16="http://schemas.microsoft.com/office/drawing/2014/main" id="{EDA94B32-150D-4A4B-AA65-F5398666A2A6}"/>
+              </a:ext>
+            </a:extLst>
+          </p:cNvPr>
+          <p:cNvSpPr/>
+          <p:nvPr/>
+        </p:nvSpPr>
+        <p:spPr>
+          <a:xfrm>
+            <a:off x="3237470" y="1589901"/>
+            <a:ext cx="988540" cy="708453"/>
+          </a:xfrm>
+          <a:prstGeom prst="roundRect">
+            <a:avLst/>
+          </a:prstGeom>
+          <a:solidFill>
+            <a:schemeClr val="accent6">
+              <a:lumMod val="50000"/>
+            </a:schemeClr>
+          </a:solidFill>
+          <a:ln>
+            <a:noFill/>
+          </a:ln>
+        </p:spPr>
+        <p:style>
+          <a:lnRef idx="2">
+            <a:schemeClr val="accent1">
+              <a:shade val="50000"/>
+            </a:schemeClr>
+          </a:lnRef>
+          <a:fillRef idx="1">
+            <a:schemeClr val="accent1"/>
+          </a:fillRef>
+          <a:effectRef idx="0">
+            <a:schemeClr val="accent1"/>
+          </a:effectRef>
+          <a:fontRef idx="minor">
+            <a:schemeClr val="lt1"/>
+          </a:fontRef>
+        </p:style>
+        <p:txBody>
+          <a:bodyPr rtlCol="0" anchor="ctr"/>
+          <a:lstStyle/>
+          <a:p>
+            <a:pPr algn="ctr"/>
+            <a:r>
+              <a:rPr lang="zh-CN" altLang="en-US" dirty="0"/>
+              <a:t>投资人账户</a:t>
+            </a:r>
+          </a:p>
+        </p:txBody>
+      </p:sp>
+      <p:sp>
+        <p:nvSpPr>
+          <p:cNvPr id="6" name="Rectangle: Rounded Corners 5">
+            <a:extLst>
+              <a:ext uri="{FF2B5EF4-FFF2-40B4-BE49-F238E27FC236}">
+                <a16:creationId xmlns:a16="http://schemas.microsoft.com/office/drawing/2014/main" id="{FAC42D10-6287-4B50-AC05-2DBC93B2335F}"/>
+              </a:ext>
+            </a:extLst>
+          </p:cNvPr>
+          <p:cNvSpPr/>
+          <p:nvPr/>
+        </p:nvSpPr>
+        <p:spPr>
+          <a:xfrm>
+            <a:off x="4481384" y="1589902"/>
+            <a:ext cx="988540" cy="708453"/>
+          </a:xfrm>
+          <a:prstGeom prst="roundRect">
+            <a:avLst/>
+          </a:prstGeom>
+          <a:solidFill>
+            <a:schemeClr val="accent6">
+              <a:lumMod val="50000"/>
+            </a:schemeClr>
+          </a:solidFill>
+          <a:ln>
+            <a:noFill/>
+          </a:ln>
+        </p:spPr>
+        <p:style>
+          <a:lnRef idx="2">
+            <a:schemeClr val="accent1">
+              <a:shade val="50000"/>
+            </a:schemeClr>
+          </a:lnRef>
+          <a:fillRef idx="1">
+            <a:schemeClr val="accent1"/>
+          </a:fillRef>
+          <a:effectRef idx="0">
+            <a:schemeClr val="accent1"/>
+          </a:effectRef>
+          <a:fontRef idx="minor">
+            <a:schemeClr val="lt1"/>
+          </a:fontRef>
+        </p:style>
+        <p:txBody>
+          <a:bodyPr rtlCol="0" anchor="ctr"/>
+          <a:lstStyle/>
+          <a:p>
+            <a:pPr algn="ctr"/>
+            <a:r>
+              <a:rPr lang="zh-CN" altLang="en-US" dirty="0"/>
+              <a:t>借款人账户</a:t>
+            </a:r>
+          </a:p>
+        </p:txBody>
+      </p:sp>
+      <p:sp>
+        <p:nvSpPr>
+          <p:cNvPr id="8" name="Rectangle: Rounded Corners 7">
+            <a:extLst>
+              <a:ext uri="{FF2B5EF4-FFF2-40B4-BE49-F238E27FC236}">
+                <a16:creationId xmlns:a16="http://schemas.microsoft.com/office/drawing/2014/main" id="{32AD37B3-27D3-47F0-82E1-9CE9A07294EA}"/>
+              </a:ext>
+            </a:extLst>
+          </p:cNvPr>
+          <p:cNvSpPr/>
+          <p:nvPr/>
+        </p:nvSpPr>
+        <p:spPr>
+          <a:xfrm>
+            <a:off x="6474942" y="3204517"/>
+            <a:ext cx="988540" cy="708453"/>
+          </a:xfrm>
+          <a:prstGeom prst="roundRect">
+            <a:avLst/>
+          </a:prstGeom>
+          <a:solidFill>
+            <a:schemeClr val="tx2">
+              <a:lumMod val="50000"/>
+            </a:schemeClr>
+          </a:solidFill>
+          <a:ln>
+            <a:noFill/>
+          </a:ln>
+        </p:spPr>
+        <p:style>
+          <a:lnRef idx="2">
+            <a:schemeClr val="accent1">
+              <a:shade val="50000"/>
+            </a:schemeClr>
+          </a:lnRef>
+          <a:fillRef idx="1">
+            <a:schemeClr val="accent1"/>
+          </a:fillRef>
+          <a:effectRef idx="0">
+            <a:schemeClr val="accent1"/>
+          </a:effectRef>
+          <a:fontRef idx="minor">
+            <a:schemeClr val="lt1"/>
+          </a:fontRef>
+        </p:style>
+        <p:txBody>
+          <a:bodyPr rtlCol="0" anchor="ctr"/>
+          <a:lstStyle/>
+          <a:p>
+            <a:pPr algn="ctr"/>
+            <a:r>
+              <a:rPr lang="zh-CN" altLang="en-US" dirty="0"/>
+              <a:t>外部</a:t>
+            </a:r>
+            <a:endParaRPr lang="en-US" altLang="zh-CN" dirty="0"/>
+          </a:p>
+          <a:p>
+            <a:pPr algn="ctr"/>
+            <a:r>
+              <a:rPr lang="zh-CN" altLang="en-US" dirty="0"/>
+              <a:t>账户</a:t>
+            </a:r>
+          </a:p>
+        </p:txBody>
+      </p:sp>
+      <p:cxnSp>
+        <p:nvCxnSpPr>
+          <p:cNvPr id="10" name="Straight Arrow Connector 9">
+            <a:extLst>
+              <a:ext uri="{FF2B5EF4-FFF2-40B4-BE49-F238E27FC236}">
+                <a16:creationId xmlns:a16="http://schemas.microsoft.com/office/drawing/2014/main" id="{B79D5F32-D6CC-4F85-A924-C827D763F43D}"/>
+              </a:ext>
+            </a:extLst>
+          </p:cNvPr>
+          <p:cNvCxnSpPr>
+            <a:cxnSpLocks/>
+            <a:endCxn id="6" idx="2"/>
+          </p:cNvCxnSpPr>
+          <p:nvPr/>
+        </p:nvCxnSpPr>
+        <p:spPr>
+          <a:xfrm flipV="1">
+            <a:off x="4975654" y="2298355"/>
+            <a:ext cx="0" cy="840260"/>
+          </a:xfrm>
+          <a:prstGeom prst="straightConnector1">
+            <a:avLst/>
+          </a:prstGeom>
+          <a:ln>
+            <a:prstDash val="dash"/>
+            <a:tailEnd type="triangle"/>
+          </a:ln>
+        </p:spPr>
+        <p:style>
+          <a:lnRef idx="1">
+            <a:schemeClr val="accent1"/>
+          </a:lnRef>
+          <a:fillRef idx="0">
+            <a:schemeClr val="accent1"/>
+          </a:fillRef>
+          <a:effectRef idx="0">
+            <a:schemeClr val="accent1"/>
+          </a:effectRef>
+          <a:fontRef idx="minor">
+            <a:schemeClr val="tx1"/>
+          </a:fontRef>
+        </p:style>
+      </p:cxnSp>
+      <p:cxnSp>
+        <p:nvCxnSpPr>
+          <p:cNvPr id="12" name="Straight Arrow Connector 11">
+            <a:extLst>
+              <a:ext uri="{FF2B5EF4-FFF2-40B4-BE49-F238E27FC236}">
+                <a16:creationId xmlns:a16="http://schemas.microsoft.com/office/drawing/2014/main" id="{6D3271DA-742C-4D9D-87EB-F9534C4DB91B}"/>
+              </a:ext>
+            </a:extLst>
+          </p:cNvPr>
+          <p:cNvCxnSpPr>
+            <a:stCxn id="8" idx="1"/>
+            <a:endCxn id="3" idx="3"/>
+          </p:cNvCxnSpPr>
+          <p:nvPr/>
+        </p:nvCxnSpPr>
+        <p:spPr>
+          <a:xfrm flipH="1">
+            <a:off x="5469924" y="3558744"/>
+            <a:ext cx="1005018" cy="3"/>
+          </a:xfrm>
+          <a:prstGeom prst="straightConnector1">
+            <a:avLst/>
+          </a:prstGeom>
+          <a:ln>
+            <a:tailEnd type="triangle"/>
+          </a:ln>
+        </p:spPr>
+        <p:style>
+          <a:lnRef idx="1">
+            <a:schemeClr val="accent1"/>
+          </a:lnRef>
+          <a:fillRef idx="0">
+            <a:schemeClr val="accent1"/>
+          </a:fillRef>
+          <a:effectRef idx="0">
+            <a:schemeClr val="accent1"/>
+          </a:effectRef>
+          <a:fontRef idx="minor">
+            <a:schemeClr val="tx1"/>
+          </a:fontRef>
+        </p:style>
+      </p:cxnSp>
+      <p:sp>
+        <p:nvSpPr>
+          <p:cNvPr id="13" name="TextBox 12">
+            <a:extLst>
+              <a:ext uri="{FF2B5EF4-FFF2-40B4-BE49-F238E27FC236}">
+                <a16:creationId xmlns:a16="http://schemas.microsoft.com/office/drawing/2014/main" id="{BFA22FBA-A362-494A-A28C-19C09BB0E8F3}"/>
+              </a:ext>
+            </a:extLst>
+          </p:cNvPr>
+          <p:cNvSpPr txBox="1"/>
+          <p:nvPr/>
+        </p:nvSpPr>
+        <p:spPr>
+          <a:xfrm>
+            <a:off x="5807676" y="3204517"/>
+            <a:ext cx="646331" cy="369332"/>
+          </a:xfrm>
+          <a:prstGeom prst="rect">
+            <a:avLst/>
+          </a:prstGeom>
+          <a:noFill/>
+        </p:spPr>
+        <p:txBody>
+          <a:bodyPr wrap="none" rtlCol="0">
+            <a:spAutoFit/>
+          </a:bodyPr>
+          <a:lstStyle/>
+          <a:p>
+            <a:r>
+              <a:rPr lang="zh-CN" altLang="en-US" dirty="0"/>
+              <a:t>返款</a:t>
+            </a:r>
+            <a:endParaRPr lang="en-US" altLang="zh-CN" dirty="0"/>
+          </a:p>
+        </p:txBody>
+      </p:sp>
+      <p:sp>
+        <p:nvSpPr>
+          <p:cNvPr id="16" name="Rectangle: Rounded Corners 15">
+            <a:extLst>
+              <a:ext uri="{FF2B5EF4-FFF2-40B4-BE49-F238E27FC236}">
+                <a16:creationId xmlns:a16="http://schemas.microsoft.com/office/drawing/2014/main" id="{4810EA72-E975-4042-A730-AA6580EA444E}"/>
+              </a:ext>
+            </a:extLst>
+          </p:cNvPr>
+          <p:cNvSpPr/>
+          <p:nvPr/>
+        </p:nvSpPr>
+        <p:spPr>
+          <a:xfrm>
+            <a:off x="1379838" y="3204520"/>
+            <a:ext cx="988540" cy="708453"/>
+          </a:xfrm>
+          <a:prstGeom prst="roundRect">
+            <a:avLst/>
+          </a:prstGeom>
+          <a:solidFill>
+            <a:schemeClr val="tx2">
+              <a:lumMod val="50000"/>
+            </a:schemeClr>
+          </a:solidFill>
+          <a:ln>
+            <a:noFill/>
+          </a:ln>
+        </p:spPr>
+        <p:style>
+          <a:lnRef idx="2">
+            <a:schemeClr val="accent1">
+              <a:shade val="50000"/>
+            </a:schemeClr>
+          </a:lnRef>
+          <a:fillRef idx="1">
+            <a:schemeClr val="accent1"/>
+          </a:fillRef>
+          <a:effectRef idx="0">
+            <a:schemeClr val="accent1"/>
+          </a:effectRef>
+          <a:fontRef idx="minor">
+            <a:schemeClr val="lt1"/>
+          </a:fontRef>
+        </p:style>
+        <p:txBody>
+          <a:bodyPr rot="0" spcFirstLastPara="0" vertOverflow="overflow" horzOverflow="overflow" vert="horz" wrap="square" lIns="91440" tIns="45720" rIns="91440" bIns="45720" numCol="1" spcCol="0" rtlCol="0" fromWordArt="0" anchor="ctr" anchorCtr="0" forceAA="0" compatLnSpc="1">
+            <a:prstTxWarp prst="textNoShape">
+              <a:avLst/>
+            </a:prstTxWarp>
+            <a:noAutofit/>
+          </a:bodyPr>
+          <a:lstStyle/>
+          <a:p>
+            <a:pPr algn="ctr"/>
+            <a:r>
+              <a:rPr lang="zh-CN" altLang="en-US"/>
+              <a:t>外部</a:t>
+            </a:r>
+            <a:endParaRPr lang="en-US" altLang="zh-CN" dirty="0"/>
+          </a:p>
+          <a:p>
+            <a:pPr algn="ctr"/>
+            <a:r>
+              <a:rPr lang="zh-CN" altLang="en-US" dirty="0"/>
+              <a:t>账户</a:t>
+            </a:r>
+          </a:p>
+        </p:txBody>
+      </p:sp>
+      <p:cxnSp>
+        <p:nvCxnSpPr>
+          <p:cNvPr id="18" name="Straight Arrow Connector 17">
+            <a:extLst>
+              <a:ext uri="{FF2B5EF4-FFF2-40B4-BE49-F238E27FC236}">
+                <a16:creationId xmlns:a16="http://schemas.microsoft.com/office/drawing/2014/main" id="{239D083B-D655-4E95-859E-E86C7825C68F}"/>
+              </a:ext>
+            </a:extLst>
+          </p:cNvPr>
+          <p:cNvCxnSpPr>
+            <a:cxnSpLocks/>
+            <a:endCxn id="5" idx="2"/>
+          </p:cNvCxnSpPr>
+          <p:nvPr/>
+        </p:nvCxnSpPr>
+        <p:spPr>
+          <a:xfrm flipV="1">
+            <a:off x="3731740" y="2298354"/>
+            <a:ext cx="0" cy="856738"/>
+          </a:xfrm>
+          <a:prstGeom prst="straightConnector1">
+            <a:avLst/>
+          </a:prstGeom>
+          <a:ln>
+            <a:prstDash val="dash"/>
+            <a:tailEnd type="triangle"/>
+          </a:ln>
+        </p:spPr>
+        <p:style>
+          <a:lnRef idx="1">
+            <a:schemeClr val="accent1"/>
+          </a:lnRef>
+          <a:fillRef idx="0">
+            <a:schemeClr val="accent1"/>
+          </a:fillRef>
+          <a:effectRef idx="0">
+            <a:schemeClr val="accent1"/>
+          </a:effectRef>
+          <a:fontRef idx="minor">
+            <a:schemeClr val="tx1"/>
+          </a:fontRef>
+        </p:style>
+      </p:cxnSp>
+      <p:cxnSp>
+        <p:nvCxnSpPr>
+          <p:cNvPr id="20" name="Straight Arrow Connector 19">
+            <a:extLst>
+              <a:ext uri="{FF2B5EF4-FFF2-40B4-BE49-F238E27FC236}">
+                <a16:creationId xmlns:a16="http://schemas.microsoft.com/office/drawing/2014/main" id="{290B659C-C0F4-480E-9921-D1729856E8AA}"/>
+              </a:ext>
+            </a:extLst>
+          </p:cNvPr>
+          <p:cNvCxnSpPr>
+            <a:cxnSpLocks/>
+            <a:stCxn id="16" idx="3"/>
+            <a:endCxn id="3" idx="1"/>
+          </p:cNvCxnSpPr>
+          <p:nvPr/>
+        </p:nvCxnSpPr>
+        <p:spPr>
+          <a:xfrm>
+            <a:off x="2368378" y="3558747"/>
+            <a:ext cx="869092" cy="0"/>
+          </a:xfrm>
+          <a:prstGeom prst="straightConnector1">
+            <a:avLst/>
+          </a:prstGeom>
+          <a:ln>
+            <a:tailEnd type="triangle"/>
+          </a:ln>
+        </p:spPr>
+        <p:style>
+          <a:lnRef idx="1">
+            <a:schemeClr val="accent1"/>
+          </a:lnRef>
+          <a:fillRef idx="0">
+            <a:schemeClr val="accent1"/>
+          </a:fillRef>
+          <a:effectRef idx="0">
+            <a:schemeClr val="accent1"/>
+          </a:effectRef>
+          <a:fontRef idx="minor">
+            <a:schemeClr val="tx1"/>
+          </a:fontRef>
+        </p:style>
+      </p:cxnSp>
+      <p:sp>
+        <p:nvSpPr>
+          <p:cNvPr id="21" name="TextBox 20">
+            <a:extLst>
+              <a:ext uri="{FF2B5EF4-FFF2-40B4-BE49-F238E27FC236}">
+                <a16:creationId xmlns:a16="http://schemas.microsoft.com/office/drawing/2014/main" id="{C0A3DC8A-7F69-4B78-B4D1-99D83D251F9A}"/>
+              </a:ext>
+            </a:extLst>
+          </p:cNvPr>
+          <p:cNvSpPr txBox="1"/>
+          <p:nvPr/>
+        </p:nvSpPr>
+        <p:spPr>
+          <a:xfrm>
+            <a:off x="2315341" y="3198339"/>
+            <a:ext cx="646331" cy="369332"/>
+          </a:xfrm>
+          <a:prstGeom prst="rect">
+            <a:avLst/>
+          </a:prstGeom>
+          <a:noFill/>
+        </p:spPr>
+        <p:txBody>
+          <a:bodyPr wrap="none" rtlCol="0">
+            <a:spAutoFit/>
+          </a:bodyPr>
+          <a:lstStyle/>
+          <a:p>
+            <a:r>
+              <a:rPr lang="zh-CN" altLang="en-US" dirty="0"/>
+              <a:t>充值</a:t>
+            </a:r>
+            <a:endParaRPr lang="en-US" altLang="zh-CN" dirty="0"/>
+          </a:p>
+        </p:txBody>
+      </p:sp>
     </p:spTree>
     <p:extLst>
       <p:ext uri="{BB962C8B-B14F-4D97-AF65-F5344CB8AC3E}">
         <p14:creationId xmlns:p14="http://schemas.microsoft.com/office/powerpoint/2010/main" val="769770552"/>
+      </p:ext>
+    </p:extLst>
+  </p:cSld>
+  <p:clrMapOvr>
+    <a:masterClrMapping/>
+  </p:clrMapOvr>
+</p:sld>
+</file>
+
+<file path=ppt/slides/slide7.xml><?xml version="1.0" encoding="utf-8"?>
+<p:sld xmlns:a="http://schemas.openxmlformats.org/drawingml/2006/main" xmlns:r="http://schemas.openxmlformats.org/officeDocument/2006/relationships" xmlns:p="http://schemas.openxmlformats.org/presentationml/2006/main">
+  <p:cSld>
+    <p:spTree>
+      <p:nvGrpSpPr>
+        <p:cNvPr id="1" name=""/>
+        <p:cNvGrpSpPr/>
+        <p:nvPr/>
+      </p:nvGrpSpPr>
+      <p:grpSpPr>
+        <a:xfrm>
+          <a:off x="0" y="0"/>
+          <a:ext cx="0" cy="0"/>
+          <a:chOff x="0" y="0"/>
+          <a:chExt cx="0" cy="0"/>
+        </a:xfrm>
+      </p:grpSpPr>
+      <p:sp>
+        <p:nvSpPr>
+          <p:cNvPr id="2" name="Rectangle 1">
+            <a:extLst>
+              <a:ext uri="{FF2B5EF4-FFF2-40B4-BE49-F238E27FC236}">
+                <a16:creationId xmlns:a16="http://schemas.microsoft.com/office/drawing/2014/main" id="{5A4619E4-837F-4D63-B9E5-AC0F9E8204EF}"/>
+              </a:ext>
+            </a:extLst>
+          </p:cNvPr>
+          <p:cNvSpPr/>
+          <p:nvPr/>
+        </p:nvSpPr>
+        <p:spPr>
+          <a:xfrm>
+            <a:off x="1993901" y="1511300"/>
+            <a:ext cx="4483100" cy="1968500"/>
+          </a:xfrm>
+          <a:prstGeom prst="rect">
+            <a:avLst/>
+          </a:prstGeom>
+          <a:solidFill>
+            <a:schemeClr val="accent5">
+              <a:lumMod val="20000"/>
+              <a:lumOff val="80000"/>
+            </a:schemeClr>
+          </a:solidFill>
+          <a:ln w="3175">
+            <a:solidFill>
+              <a:schemeClr val="accent5">
+                <a:lumMod val="40000"/>
+                <a:lumOff val="60000"/>
+              </a:schemeClr>
+            </a:solidFill>
+          </a:ln>
+        </p:spPr>
+        <p:style>
+          <a:lnRef idx="2">
+            <a:schemeClr val="accent1">
+              <a:shade val="50000"/>
+            </a:schemeClr>
+          </a:lnRef>
+          <a:fillRef idx="1">
+            <a:schemeClr val="accent1"/>
+          </a:fillRef>
+          <a:effectRef idx="0">
+            <a:schemeClr val="accent1"/>
+          </a:effectRef>
+          <a:fontRef idx="minor">
+            <a:schemeClr val="lt1"/>
+          </a:fontRef>
+        </p:style>
+        <p:txBody>
+          <a:bodyPr rtlCol="0" anchor="b"/>
+          <a:lstStyle/>
+          <a:p>
+            <a:pPr algn="ctr"/>
+            <a:r>
+              <a:rPr lang="zh-CN" altLang="en-US" dirty="0">
+                <a:solidFill>
+                  <a:schemeClr val="accent5">
+                    <a:lumMod val="50000"/>
+                  </a:schemeClr>
+                </a:solidFill>
+              </a:rPr>
+              <a:t>支付机构</a:t>
+            </a:r>
+          </a:p>
+        </p:txBody>
+      </p:sp>
+      <p:sp>
+        <p:nvSpPr>
+          <p:cNvPr id="35" name="Rectangle: Rounded Corners 34">
+            <a:extLst>
+              <a:ext uri="{FF2B5EF4-FFF2-40B4-BE49-F238E27FC236}">
+                <a16:creationId xmlns:a16="http://schemas.microsoft.com/office/drawing/2014/main" id="{A51AE306-4AB1-4DFE-98ED-4BBE16D27336}"/>
+              </a:ext>
+            </a:extLst>
+          </p:cNvPr>
+          <p:cNvSpPr/>
+          <p:nvPr/>
+        </p:nvSpPr>
+        <p:spPr>
+          <a:xfrm>
+            <a:off x="2252982" y="1606550"/>
+            <a:ext cx="3970018" cy="1530350"/>
+          </a:xfrm>
+          <a:prstGeom prst="roundRect">
+            <a:avLst>
+              <a:gd name="adj" fmla="val 7538"/>
+            </a:avLst>
+          </a:prstGeom>
+          <a:solidFill>
+            <a:schemeClr val="accent5">
+              <a:lumMod val="50000"/>
+            </a:schemeClr>
+          </a:solidFill>
+        </p:spPr>
+        <p:style>
+          <a:lnRef idx="2">
+            <a:schemeClr val="accent1">
+              <a:shade val="50000"/>
+            </a:schemeClr>
+          </a:lnRef>
+          <a:fillRef idx="1">
+            <a:schemeClr val="accent1"/>
+          </a:fillRef>
+          <a:effectRef idx="0">
+            <a:schemeClr val="accent1"/>
+          </a:effectRef>
+          <a:fontRef idx="minor">
+            <a:schemeClr val="lt1"/>
+          </a:fontRef>
+        </p:style>
+        <p:txBody>
+          <a:bodyPr rot="0" spcFirstLastPara="0" vertOverflow="overflow" horzOverflow="overflow" vert="horz" wrap="square" lIns="91440" tIns="45720" rIns="91440" bIns="45720" numCol="1" spcCol="0" rtlCol="0" fromWordArt="0" anchor="t" anchorCtr="0" forceAA="0" compatLnSpc="1">
+            <a:prstTxWarp prst="textNoShape">
+              <a:avLst/>
+            </a:prstTxWarp>
+            <a:noAutofit/>
+          </a:bodyPr>
+          <a:lstStyle/>
+          <a:p>
+            <a:pPr algn="ctr"/>
+            <a:r>
+              <a:rPr lang="zh-CN" altLang="en-US" dirty="0"/>
+              <a:t>结算账户</a:t>
+            </a:r>
+          </a:p>
+        </p:txBody>
+      </p:sp>
+      <p:sp>
+        <p:nvSpPr>
+          <p:cNvPr id="3" name="Rectangle: Rounded Corners 2">
+            <a:extLst>
+              <a:ext uri="{FF2B5EF4-FFF2-40B4-BE49-F238E27FC236}">
+                <a16:creationId xmlns:a16="http://schemas.microsoft.com/office/drawing/2014/main" id="{9C621ED0-26DF-43D5-AAD4-9E1D4BE3820B}"/>
+              </a:ext>
+            </a:extLst>
+          </p:cNvPr>
+          <p:cNvSpPr/>
+          <p:nvPr/>
+        </p:nvSpPr>
+        <p:spPr>
+          <a:xfrm>
+            <a:off x="3769669" y="2253383"/>
+            <a:ext cx="1080000" cy="720000"/>
+          </a:xfrm>
+          <a:prstGeom prst="roundRect">
+            <a:avLst>
+              <a:gd name="adj" fmla="val 11308"/>
+            </a:avLst>
+          </a:prstGeom>
+          <a:solidFill>
+            <a:schemeClr val="bg1"/>
+          </a:solidFill>
+        </p:spPr>
+        <p:style>
+          <a:lnRef idx="2">
+            <a:schemeClr val="accent1">
+              <a:shade val="50000"/>
+            </a:schemeClr>
+          </a:lnRef>
+          <a:fillRef idx="1">
+            <a:schemeClr val="accent1"/>
+          </a:fillRef>
+          <a:effectRef idx="0">
+            <a:schemeClr val="accent1"/>
+          </a:effectRef>
+          <a:fontRef idx="minor">
+            <a:schemeClr val="lt1"/>
+          </a:fontRef>
+        </p:style>
+        <p:txBody>
+          <a:bodyPr rtlCol="0" anchor="ctr"/>
+          <a:lstStyle/>
+          <a:p>
+            <a:pPr algn="ctr"/>
+            <a:r>
+              <a:rPr lang="en-US" altLang="zh-CN" dirty="0">
+                <a:solidFill>
+                  <a:schemeClr val="accent1">
+                    <a:lumMod val="50000"/>
+                  </a:schemeClr>
+                </a:solidFill>
+              </a:rPr>
+              <a:t>P2P</a:t>
+            </a:r>
+            <a:r>
+              <a:rPr lang="zh-CN" altLang="en-US" dirty="0">
+                <a:solidFill>
+                  <a:schemeClr val="accent1">
+                    <a:lumMod val="50000"/>
+                  </a:schemeClr>
+                </a:solidFill>
+              </a:rPr>
+              <a:t>收益子账户</a:t>
+            </a:r>
+          </a:p>
+        </p:txBody>
+      </p:sp>
+      <p:sp>
+        <p:nvSpPr>
+          <p:cNvPr id="4" name="Rectangle 3">
+            <a:extLst>
+              <a:ext uri="{FF2B5EF4-FFF2-40B4-BE49-F238E27FC236}">
+                <a16:creationId xmlns:a16="http://schemas.microsoft.com/office/drawing/2014/main" id="{982E9F94-46EC-4B70-969D-41008E2935A7}"/>
+              </a:ext>
+            </a:extLst>
+          </p:cNvPr>
+          <p:cNvSpPr/>
+          <p:nvPr/>
+        </p:nvSpPr>
+        <p:spPr>
+          <a:xfrm>
+            <a:off x="1993901" y="794102"/>
+            <a:ext cx="4483100" cy="469548"/>
+          </a:xfrm>
+          <a:prstGeom prst="rect">
+            <a:avLst/>
+          </a:prstGeom>
+          <a:solidFill>
+            <a:schemeClr val="accent6">
+              <a:lumMod val="20000"/>
+              <a:lumOff val="80000"/>
+            </a:schemeClr>
+          </a:solidFill>
+          <a:ln w="3175">
+            <a:solidFill>
+              <a:schemeClr val="accent6">
+                <a:lumMod val="40000"/>
+                <a:lumOff val="60000"/>
+              </a:schemeClr>
+            </a:solidFill>
+          </a:ln>
+        </p:spPr>
+        <p:style>
+          <a:lnRef idx="2">
+            <a:schemeClr val="accent1">
+              <a:shade val="50000"/>
+            </a:schemeClr>
+          </a:lnRef>
+          <a:fillRef idx="1">
+            <a:schemeClr val="accent1"/>
+          </a:fillRef>
+          <a:effectRef idx="0">
+            <a:schemeClr val="accent1"/>
+          </a:effectRef>
+          <a:fontRef idx="minor">
+            <a:schemeClr val="lt1"/>
+          </a:fontRef>
+        </p:style>
+        <p:txBody>
+          <a:bodyPr rtlCol="0" anchor="t"/>
+          <a:lstStyle/>
+          <a:p>
+            <a:pPr algn="ctr"/>
+            <a:r>
+              <a:rPr lang="en-US" altLang="zh-CN" dirty="0">
+                <a:solidFill>
+                  <a:schemeClr val="accent6">
+                    <a:lumMod val="50000"/>
+                  </a:schemeClr>
+                </a:solidFill>
+              </a:rPr>
+              <a:t>P2P</a:t>
+            </a:r>
+            <a:r>
+              <a:rPr lang="zh-CN" altLang="en-US" dirty="0">
+                <a:solidFill>
+                  <a:schemeClr val="accent6">
+                    <a:lumMod val="50000"/>
+                  </a:schemeClr>
+                </a:solidFill>
+              </a:rPr>
+              <a:t>平台</a:t>
+            </a:r>
+          </a:p>
+        </p:txBody>
+      </p:sp>
+      <p:sp>
+        <p:nvSpPr>
+          <p:cNvPr id="5" name="Rectangle: Rounded Corners 4">
+            <a:extLst>
+              <a:ext uri="{FF2B5EF4-FFF2-40B4-BE49-F238E27FC236}">
+                <a16:creationId xmlns:a16="http://schemas.microsoft.com/office/drawing/2014/main" id="{EDA94B32-150D-4A4B-AA65-F5398666A2A6}"/>
+              </a:ext>
+            </a:extLst>
+          </p:cNvPr>
+          <p:cNvSpPr/>
+          <p:nvPr/>
+        </p:nvSpPr>
+        <p:spPr>
+          <a:xfrm>
+            <a:off x="2445436" y="2252705"/>
+            <a:ext cx="1080000" cy="720000"/>
+          </a:xfrm>
+          <a:prstGeom prst="roundRect">
+            <a:avLst/>
+          </a:prstGeom>
+          <a:solidFill>
+            <a:schemeClr val="bg1"/>
+          </a:solidFill>
+        </p:spPr>
+        <p:style>
+          <a:lnRef idx="2">
+            <a:schemeClr val="accent1">
+              <a:shade val="50000"/>
+            </a:schemeClr>
+          </a:lnRef>
+          <a:fillRef idx="1">
+            <a:schemeClr val="accent1"/>
+          </a:fillRef>
+          <a:effectRef idx="0">
+            <a:schemeClr val="accent1"/>
+          </a:effectRef>
+          <a:fontRef idx="minor">
+            <a:schemeClr val="lt1"/>
+          </a:fontRef>
+        </p:style>
+        <p:txBody>
+          <a:bodyPr rot="0" spcFirstLastPara="0" vertOverflow="overflow" horzOverflow="overflow" vert="horz" wrap="square" lIns="91440" tIns="45720" rIns="91440" bIns="45720" numCol="1" spcCol="0" rtlCol="0" fromWordArt="0" anchor="ctr" anchorCtr="0" forceAA="0" compatLnSpc="1">
+            <a:prstTxWarp prst="textNoShape">
+              <a:avLst/>
+            </a:prstTxWarp>
+            <a:noAutofit/>
+          </a:bodyPr>
+          <a:lstStyle/>
+          <a:p>
+            <a:pPr algn="ctr"/>
+            <a:r>
+              <a:rPr lang="zh-CN" altLang="en-US" dirty="0">
+                <a:solidFill>
+                  <a:schemeClr val="accent1">
+                    <a:lumMod val="50000"/>
+                  </a:schemeClr>
+                </a:solidFill>
+              </a:rPr>
+              <a:t>投资人子账户</a:t>
+            </a:r>
+          </a:p>
+        </p:txBody>
+      </p:sp>
+      <p:sp>
+        <p:nvSpPr>
+          <p:cNvPr id="6" name="Rectangle: Rounded Corners 5">
+            <a:extLst>
+              <a:ext uri="{FF2B5EF4-FFF2-40B4-BE49-F238E27FC236}">
+                <a16:creationId xmlns:a16="http://schemas.microsoft.com/office/drawing/2014/main" id="{FAC42D10-6287-4B50-AC05-2DBC93B2335F}"/>
+              </a:ext>
+            </a:extLst>
+          </p:cNvPr>
+          <p:cNvSpPr/>
+          <p:nvPr/>
+        </p:nvSpPr>
+        <p:spPr>
+          <a:xfrm>
+            <a:off x="5000365" y="2227991"/>
+            <a:ext cx="1080000" cy="720000"/>
+          </a:xfrm>
+          <a:prstGeom prst="roundRect">
+            <a:avLst/>
+          </a:prstGeom>
+          <a:solidFill>
+            <a:schemeClr val="bg1"/>
+          </a:solidFill>
+        </p:spPr>
+        <p:style>
+          <a:lnRef idx="2">
+            <a:schemeClr val="accent1">
+              <a:shade val="50000"/>
+            </a:schemeClr>
+          </a:lnRef>
+          <a:fillRef idx="1">
+            <a:schemeClr val="accent1"/>
+          </a:fillRef>
+          <a:effectRef idx="0">
+            <a:schemeClr val="accent1"/>
+          </a:effectRef>
+          <a:fontRef idx="minor">
+            <a:schemeClr val="lt1"/>
+          </a:fontRef>
+        </p:style>
+        <p:txBody>
+          <a:bodyPr rot="0" spcFirstLastPara="0" vertOverflow="overflow" horzOverflow="overflow" vert="horz" wrap="square" lIns="91440" tIns="45720" rIns="91440" bIns="45720" numCol="1" spcCol="0" rtlCol="0" fromWordArt="0" anchor="ctr" anchorCtr="0" forceAA="0" compatLnSpc="1">
+            <a:prstTxWarp prst="textNoShape">
+              <a:avLst/>
+            </a:prstTxWarp>
+            <a:noAutofit/>
+          </a:bodyPr>
+          <a:lstStyle/>
+          <a:p>
+            <a:pPr algn="ctr"/>
+            <a:r>
+              <a:rPr lang="zh-CN" altLang="en-US" dirty="0">
+                <a:solidFill>
+                  <a:schemeClr val="accent1">
+                    <a:lumMod val="50000"/>
+                  </a:schemeClr>
+                </a:solidFill>
+              </a:rPr>
+              <a:t>借款人子账户</a:t>
+            </a:r>
+          </a:p>
+        </p:txBody>
+      </p:sp>
+      <p:sp>
+        <p:nvSpPr>
+          <p:cNvPr id="8" name="Rectangle: Rounded Corners 7">
+            <a:extLst>
+              <a:ext uri="{FF2B5EF4-FFF2-40B4-BE49-F238E27FC236}">
+                <a16:creationId xmlns:a16="http://schemas.microsoft.com/office/drawing/2014/main" id="{32AD37B3-27D3-47F0-82E1-9CE9A07294EA}"/>
+              </a:ext>
+            </a:extLst>
+          </p:cNvPr>
+          <p:cNvSpPr/>
+          <p:nvPr/>
+        </p:nvSpPr>
+        <p:spPr>
+          <a:xfrm>
+            <a:off x="7103041" y="2233764"/>
+            <a:ext cx="988540" cy="708453"/>
+          </a:xfrm>
+          <a:prstGeom prst="roundRect">
+            <a:avLst/>
+          </a:prstGeom>
+          <a:solidFill>
+            <a:schemeClr val="tx2">
+              <a:lumMod val="50000"/>
+            </a:schemeClr>
+          </a:solidFill>
+          <a:ln>
+            <a:noFill/>
+          </a:ln>
+        </p:spPr>
+        <p:style>
+          <a:lnRef idx="2">
+            <a:schemeClr val="accent1">
+              <a:shade val="50000"/>
+            </a:schemeClr>
+          </a:lnRef>
+          <a:fillRef idx="1">
+            <a:schemeClr val="accent1"/>
+          </a:fillRef>
+          <a:effectRef idx="0">
+            <a:schemeClr val="accent1"/>
+          </a:effectRef>
+          <a:fontRef idx="minor">
+            <a:schemeClr val="lt1"/>
+          </a:fontRef>
+        </p:style>
+        <p:txBody>
+          <a:bodyPr rtlCol="0" anchor="ctr"/>
+          <a:lstStyle/>
+          <a:p>
+            <a:pPr algn="ctr"/>
+            <a:r>
+              <a:rPr lang="zh-CN" altLang="en-US" dirty="0"/>
+              <a:t>外部</a:t>
+            </a:r>
+            <a:endParaRPr lang="en-US" altLang="zh-CN" dirty="0"/>
+          </a:p>
+          <a:p>
+            <a:pPr algn="ctr"/>
+            <a:r>
+              <a:rPr lang="zh-CN" altLang="en-US" dirty="0"/>
+              <a:t>账户</a:t>
+            </a:r>
+          </a:p>
+        </p:txBody>
+      </p:sp>
+      <p:sp>
+        <p:nvSpPr>
+          <p:cNvPr id="13" name="TextBox 12">
+            <a:extLst>
+              <a:ext uri="{FF2B5EF4-FFF2-40B4-BE49-F238E27FC236}">
+                <a16:creationId xmlns:a16="http://schemas.microsoft.com/office/drawing/2014/main" id="{BFA22FBA-A362-494A-A28C-19C09BB0E8F3}"/>
+              </a:ext>
+            </a:extLst>
+          </p:cNvPr>
+          <p:cNvSpPr txBox="1"/>
+          <p:nvPr/>
+        </p:nvSpPr>
+        <p:spPr>
+          <a:xfrm>
+            <a:off x="6425239" y="2243373"/>
+            <a:ext cx="646331" cy="369332"/>
+          </a:xfrm>
+          <a:prstGeom prst="rect">
+            <a:avLst/>
+          </a:prstGeom>
+          <a:noFill/>
+        </p:spPr>
+        <p:txBody>
+          <a:bodyPr wrap="none" rtlCol="0">
+            <a:spAutoFit/>
+          </a:bodyPr>
+          <a:lstStyle/>
+          <a:p>
+            <a:r>
+              <a:rPr lang="zh-CN" altLang="en-US" dirty="0"/>
+              <a:t>返款</a:t>
+            </a:r>
+            <a:endParaRPr lang="en-US" altLang="zh-CN" dirty="0"/>
+          </a:p>
+        </p:txBody>
+      </p:sp>
+      <p:sp>
+        <p:nvSpPr>
+          <p:cNvPr id="16" name="Rectangle: Rounded Corners 15">
+            <a:extLst>
+              <a:ext uri="{FF2B5EF4-FFF2-40B4-BE49-F238E27FC236}">
+                <a16:creationId xmlns:a16="http://schemas.microsoft.com/office/drawing/2014/main" id="{4810EA72-E975-4042-A730-AA6580EA444E}"/>
+              </a:ext>
+            </a:extLst>
+          </p:cNvPr>
+          <p:cNvSpPr/>
+          <p:nvPr/>
+        </p:nvSpPr>
+        <p:spPr>
+          <a:xfrm>
+            <a:off x="518897" y="2264252"/>
+            <a:ext cx="988540" cy="708453"/>
+          </a:xfrm>
+          <a:prstGeom prst="roundRect">
+            <a:avLst/>
+          </a:prstGeom>
+          <a:solidFill>
+            <a:schemeClr val="tx2">
+              <a:lumMod val="50000"/>
+            </a:schemeClr>
+          </a:solidFill>
+          <a:ln>
+            <a:noFill/>
+          </a:ln>
+        </p:spPr>
+        <p:style>
+          <a:lnRef idx="2">
+            <a:schemeClr val="accent1">
+              <a:shade val="50000"/>
+            </a:schemeClr>
+          </a:lnRef>
+          <a:fillRef idx="1">
+            <a:schemeClr val="accent1"/>
+          </a:fillRef>
+          <a:effectRef idx="0">
+            <a:schemeClr val="accent1"/>
+          </a:effectRef>
+          <a:fontRef idx="minor">
+            <a:schemeClr val="lt1"/>
+          </a:fontRef>
+        </p:style>
+        <p:txBody>
+          <a:bodyPr rot="0" spcFirstLastPara="0" vertOverflow="overflow" horzOverflow="overflow" vert="horz" wrap="square" lIns="91440" tIns="45720" rIns="91440" bIns="45720" numCol="1" spcCol="0" rtlCol="0" fromWordArt="0" anchor="ctr" anchorCtr="0" forceAA="0" compatLnSpc="1">
+            <a:prstTxWarp prst="textNoShape">
+              <a:avLst/>
+            </a:prstTxWarp>
+            <a:noAutofit/>
+          </a:bodyPr>
+          <a:lstStyle/>
+          <a:p>
+            <a:pPr algn="ctr"/>
+            <a:r>
+              <a:rPr lang="zh-CN" altLang="en-US"/>
+              <a:t>外部</a:t>
+            </a:r>
+            <a:endParaRPr lang="en-US" altLang="zh-CN" dirty="0"/>
+          </a:p>
+          <a:p>
+            <a:pPr algn="ctr"/>
+            <a:r>
+              <a:rPr lang="zh-CN" altLang="en-US" dirty="0"/>
+              <a:t>账户</a:t>
+            </a:r>
+          </a:p>
+        </p:txBody>
+      </p:sp>
+      <p:sp>
+        <p:nvSpPr>
+          <p:cNvPr id="21" name="TextBox 20">
+            <a:extLst>
+              <a:ext uri="{FF2B5EF4-FFF2-40B4-BE49-F238E27FC236}">
+                <a16:creationId xmlns:a16="http://schemas.microsoft.com/office/drawing/2014/main" id="{C0A3DC8A-7F69-4B78-B4D1-99D83D251F9A}"/>
+              </a:ext>
+            </a:extLst>
+          </p:cNvPr>
+          <p:cNvSpPr txBox="1"/>
+          <p:nvPr/>
+        </p:nvSpPr>
+        <p:spPr>
+          <a:xfrm>
+            <a:off x="1487705" y="2243438"/>
+            <a:ext cx="646331" cy="369332"/>
+          </a:xfrm>
+          <a:prstGeom prst="rect">
+            <a:avLst/>
+          </a:prstGeom>
+          <a:noFill/>
+        </p:spPr>
+        <p:txBody>
+          <a:bodyPr wrap="none" rtlCol="0">
+            <a:spAutoFit/>
+          </a:bodyPr>
+          <a:lstStyle/>
+          <a:p>
+            <a:r>
+              <a:rPr lang="zh-CN" altLang="en-US" dirty="0"/>
+              <a:t>充值</a:t>
+            </a:r>
+            <a:endParaRPr lang="en-US" altLang="zh-CN" dirty="0"/>
+          </a:p>
+        </p:txBody>
+      </p:sp>
+      <p:cxnSp>
+        <p:nvCxnSpPr>
+          <p:cNvPr id="30" name="Straight Arrow Connector 29">
+            <a:extLst>
+              <a:ext uri="{FF2B5EF4-FFF2-40B4-BE49-F238E27FC236}">
+                <a16:creationId xmlns:a16="http://schemas.microsoft.com/office/drawing/2014/main" id="{5D95213B-1507-488C-AAF3-6A486350F1D8}"/>
+              </a:ext>
+            </a:extLst>
+          </p:cNvPr>
+          <p:cNvCxnSpPr/>
+          <p:nvPr/>
+        </p:nvCxnSpPr>
+        <p:spPr>
+          <a:xfrm flipH="1">
+            <a:off x="6080365" y="2587990"/>
+            <a:ext cx="1022676" cy="0"/>
+          </a:xfrm>
+          <a:prstGeom prst="straightConnector1">
+            <a:avLst/>
+          </a:prstGeom>
+          <a:ln>
+            <a:tailEnd type="triangle"/>
+          </a:ln>
+        </p:spPr>
+        <p:style>
+          <a:lnRef idx="1">
+            <a:schemeClr val="accent1"/>
+          </a:lnRef>
+          <a:fillRef idx="0">
+            <a:schemeClr val="accent1"/>
+          </a:fillRef>
+          <a:effectRef idx="0">
+            <a:schemeClr val="accent1"/>
+          </a:effectRef>
+          <a:fontRef idx="minor">
+            <a:schemeClr val="tx1"/>
+          </a:fontRef>
+        </p:style>
+      </p:cxnSp>
+      <p:cxnSp>
+        <p:nvCxnSpPr>
+          <p:cNvPr id="32" name="Straight Arrow Connector 31">
+            <a:extLst>
+              <a:ext uri="{FF2B5EF4-FFF2-40B4-BE49-F238E27FC236}">
+                <a16:creationId xmlns:a16="http://schemas.microsoft.com/office/drawing/2014/main" id="{18F714EC-AD26-450A-808A-EC1E750326F3}"/>
+              </a:ext>
+            </a:extLst>
+          </p:cNvPr>
+          <p:cNvCxnSpPr>
+            <a:stCxn id="16" idx="3"/>
+            <a:endCxn id="5" idx="1"/>
+          </p:cNvCxnSpPr>
+          <p:nvPr/>
+        </p:nvCxnSpPr>
+        <p:spPr>
+          <a:xfrm flipV="1">
+            <a:off x="1507437" y="2612705"/>
+            <a:ext cx="937999" cy="5774"/>
+          </a:xfrm>
+          <a:prstGeom prst="straightConnector1">
+            <a:avLst/>
+          </a:prstGeom>
+          <a:ln>
+            <a:tailEnd type="triangle"/>
+          </a:ln>
+        </p:spPr>
+        <p:style>
+          <a:lnRef idx="1">
+            <a:schemeClr val="accent1"/>
+          </a:lnRef>
+          <a:fillRef idx="0">
+            <a:schemeClr val="accent1"/>
+          </a:fillRef>
+          <a:effectRef idx="0">
+            <a:schemeClr val="accent1"/>
+          </a:effectRef>
+          <a:fontRef idx="minor">
+            <a:schemeClr val="tx1"/>
+          </a:fontRef>
+        </p:style>
+      </p:cxnSp>
+      <p:cxnSp>
+        <p:nvCxnSpPr>
+          <p:cNvPr id="37" name="Straight Arrow Connector 36">
+            <a:extLst>
+              <a:ext uri="{FF2B5EF4-FFF2-40B4-BE49-F238E27FC236}">
+                <a16:creationId xmlns:a16="http://schemas.microsoft.com/office/drawing/2014/main" id="{DDDC8A23-03EA-4296-930B-ACEEF5A83040}"/>
+              </a:ext>
+            </a:extLst>
+          </p:cNvPr>
+          <p:cNvCxnSpPr>
+            <a:stCxn id="4" idx="2"/>
+            <a:endCxn id="35" idx="0"/>
+          </p:cNvCxnSpPr>
+          <p:nvPr/>
+        </p:nvCxnSpPr>
+        <p:spPr>
+          <a:xfrm>
+            <a:off x="4235451" y="1263650"/>
+            <a:ext cx="2540" cy="342900"/>
+          </a:xfrm>
+          <a:prstGeom prst="straightConnector1">
+            <a:avLst/>
+          </a:prstGeom>
+          <a:ln>
+            <a:tailEnd type="triangle"/>
+          </a:ln>
+        </p:spPr>
+        <p:style>
+          <a:lnRef idx="1">
+            <a:schemeClr val="accent1"/>
+          </a:lnRef>
+          <a:fillRef idx="0">
+            <a:schemeClr val="accent1"/>
+          </a:fillRef>
+          <a:effectRef idx="0">
+            <a:schemeClr val="accent1"/>
+          </a:effectRef>
+          <a:fontRef idx="minor">
+            <a:schemeClr val="tx1"/>
+          </a:fontRef>
+        </p:style>
+      </p:cxnSp>
+    </p:spTree>
+    <p:extLst>
+      <p:ext uri="{BB962C8B-B14F-4D97-AF65-F5344CB8AC3E}">
+        <p14:creationId xmlns:p14="http://schemas.microsoft.com/office/powerpoint/2010/main" val="1249336265"/>
+      </p:ext>
+    </p:extLst>
+  </p:cSld>
+  <p:clrMapOvr>
+    <a:masterClrMapping/>
+  </p:clrMapOvr>
+</p:sld>
+</file>
+
+<file path=ppt/slides/slide8.xml><?xml version="1.0" encoding="utf-8"?>
+<p:sld xmlns:a="http://schemas.openxmlformats.org/drawingml/2006/main" xmlns:r="http://schemas.openxmlformats.org/officeDocument/2006/relationships" xmlns:p="http://schemas.openxmlformats.org/presentationml/2006/main">
+  <p:cSld>
+    <p:spTree>
+      <p:nvGrpSpPr>
+        <p:cNvPr id="1" name=""/>
+        <p:cNvGrpSpPr/>
+        <p:nvPr/>
+      </p:nvGrpSpPr>
+      <p:grpSpPr>
+        <a:xfrm>
+          <a:off x="0" y="0"/>
+          <a:ext cx="0" cy="0"/>
+          <a:chOff x="0" y="0"/>
+          <a:chExt cx="0" cy="0"/>
+        </a:xfrm>
+      </p:grpSpPr>
+      <p:sp>
+        <p:nvSpPr>
+          <p:cNvPr id="15" name="Rectangle 14">
+            <a:extLst>
+              <a:ext uri="{FF2B5EF4-FFF2-40B4-BE49-F238E27FC236}">
+                <a16:creationId xmlns:a16="http://schemas.microsoft.com/office/drawing/2014/main" id="{6A39465E-40F5-48EC-811B-E7B903F435DE}"/>
+              </a:ext>
+            </a:extLst>
+          </p:cNvPr>
+          <p:cNvSpPr/>
+          <p:nvPr/>
+        </p:nvSpPr>
+        <p:spPr>
+          <a:xfrm>
+            <a:off x="1993901" y="1511300"/>
+            <a:ext cx="4483100" cy="1968500"/>
+          </a:xfrm>
+          <a:prstGeom prst="rect">
+            <a:avLst/>
+          </a:prstGeom>
+          <a:solidFill>
+            <a:schemeClr val="accent5">
+              <a:lumMod val="20000"/>
+              <a:lumOff val="80000"/>
+            </a:schemeClr>
+          </a:solidFill>
+          <a:ln w="3175">
+            <a:solidFill>
+              <a:schemeClr val="accent5">
+                <a:lumMod val="40000"/>
+                <a:lumOff val="60000"/>
+              </a:schemeClr>
+            </a:solidFill>
+          </a:ln>
+        </p:spPr>
+        <p:style>
+          <a:lnRef idx="2">
+            <a:schemeClr val="accent1">
+              <a:shade val="50000"/>
+            </a:schemeClr>
+          </a:lnRef>
+          <a:fillRef idx="1">
+            <a:schemeClr val="accent1"/>
+          </a:fillRef>
+          <a:effectRef idx="0">
+            <a:schemeClr val="accent1"/>
+          </a:effectRef>
+          <a:fontRef idx="minor">
+            <a:schemeClr val="lt1"/>
+          </a:fontRef>
+        </p:style>
+        <p:txBody>
+          <a:bodyPr rtlCol="0" anchor="b"/>
+          <a:lstStyle/>
+          <a:p>
+            <a:pPr algn="ctr"/>
+            <a:r>
+              <a:rPr lang="zh-CN" altLang="en-US" dirty="0">
+                <a:solidFill>
+                  <a:schemeClr val="accent5">
+                    <a:lumMod val="50000"/>
+                  </a:schemeClr>
+                </a:solidFill>
+              </a:rPr>
+              <a:t>支付机构</a:t>
+            </a:r>
+          </a:p>
+        </p:txBody>
+      </p:sp>
+      <p:sp>
+        <p:nvSpPr>
+          <p:cNvPr id="18" name="Rectangle: Rounded Corners 17">
+            <a:extLst>
+              <a:ext uri="{FF2B5EF4-FFF2-40B4-BE49-F238E27FC236}">
+                <a16:creationId xmlns:a16="http://schemas.microsoft.com/office/drawing/2014/main" id="{637E9158-C493-4201-94E2-BE2B32D9E0E8}"/>
+              </a:ext>
+            </a:extLst>
+          </p:cNvPr>
+          <p:cNvSpPr/>
+          <p:nvPr/>
+        </p:nvSpPr>
+        <p:spPr>
+          <a:xfrm>
+            <a:off x="3769669" y="2253383"/>
+            <a:ext cx="1080000" cy="720000"/>
+          </a:xfrm>
+          <a:prstGeom prst="roundRect">
+            <a:avLst>
+              <a:gd name="adj" fmla="val 11308"/>
+            </a:avLst>
+          </a:prstGeom>
+          <a:solidFill>
+            <a:schemeClr val="accent5">
+              <a:lumMod val="50000"/>
+            </a:schemeClr>
+          </a:solidFill>
+        </p:spPr>
+        <p:style>
+          <a:lnRef idx="2">
+            <a:schemeClr val="accent1">
+              <a:shade val="50000"/>
+            </a:schemeClr>
+          </a:lnRef>
+          <a:fillRef idx="1">
+            <a:schemeClr val="accent1"/>
+          </a:fillRef>
+          <a:effectRef idx="0">
+            <a:schemeClr val="accent1"/>
+          </a:effectRef>
+          <a:fontRef idx="minor">
+            <a:schemeClr val="lt1"/>
+          </a:fontRef>
+        </p:style>
+        <p:txBody>
+          <a:bodyPr rot="0" spcFirstLastPara="0" vertOverflow="overflow" horzOverflow="overflow" vert="horz" wrap="square" lIns="91440" tIns="45720" rIns="91440" bIns="45720" numCol="1" spcCol="0" rtlCol="0" fromWordArt="0" anchor="t" anchorCtr="0" forceAA="0" compatLnSpc="1">
+            <a:prstTxWarp prst="textNoShape">
+              <a:avLst/>
+            </a:prstTxWarp>
+            <a:noAutofit/>
+          </a:bodyPr>
+          <a:lstStyle/>
+          <a:p>
+            <a:pPr algn="ctr"/>
+            <a:r>
+              <a:rPr lang="en-US" altLang="zh-CN" dirty="0"/>
+              <a:t>P2P</a:t>
+            </a:r>
+            <a:r>
+              <a:rPr lang="zh-CN" altLang="en-US" dirty="0"/>
+              <a:t>收益账户</a:t>
+            </a:r>
+          </a:p>
+        </p:txBody>
+      </p:sp>
+      <p:sp>
+        <p:nvSpPr>
+          <p:cNvPr id="19" name="Rectangle 18">
+            <a:extLst>
+              <a:ext uri="{FF2B5EF4-FFF2-40B4-BE49-F238E27FC236}">
+                <a16:creationId xmlns:a16="http://schemas.microsoft.com/office/drawing/2014/main" id="{E1978540-1C31-4251-A393-DBC8B38A8DE8}"/>
+              </a:ext>
+            </a:extLst>
+          </p:cNvPr>
+          <p:cNvSpPr/>
+          <p:nvPr/>
+        </p:nvSpPr>
+        <p:spPr>
+          <a:xfrm>
+            <a:off x="1993901" y="794102"/>
+            <a:ext cx="4483100" cy="469548"/>
+          </a:xfrm>
+          <a:prstGeom prst="rect">
+            <a:avLst/>
+          </a:prstGeom>
+          <a:solidFill>
+            <a:schemeClr val="accent6">
+              <a:lumMod val="20000"/>
+              <a:lumOff val="80000"/>
+            </a:schemeClr>
+          </a:solidFill>
+          <a:ln w="3175">
+            <a:solidFill>
+              <a:schemeClr val="accent6">
+                <a:lumMod val="40000"/>
+                <a:lumOff val="60000"/>
+              </a:schemeClr>
+            </a:solidFill>
+          </a:ln>
+        </p:spPr>
+        <p:style>
+          <a:lnRef idx="2">
+            <a:schemeClr val="accent1">
+              <a:shade val="50000"/>
+            </a:schemeClr>
+          </a:lnRef>
+          <a:fillRef idx="1">
+            <a:schemeClr val="accent1"/>
+          </a:fillRef>
+          <a:effectRef idx="0">
+            <a:schemeClr val="accent1"/>
+          </a:effectRef>
+          <a:fontRef idx="minor">
+            <a:schemeClr val="lt1"/>
+          </a:fontRef>
+        </p:style>
+        <p:txBody>
+          <a:bodyPr rtlCol="0" anchor="t"/>
+          <a:lstStyle/>
+          <a:p>
+            <a:pPr algn="ctr"/>
+            <a:r>
+              <a:rPr lang="en-US" altLang="zh-CN" dirty="0">
+                <a:solidFill>
+                  <a:schemeClr val="accent6">
+                    <a:lumMod val="50000"/>
+                  </a:schemeClr>
+                </a:solidFill>
+              </a:rPr>
+              <a:t>P2P</a:t>
+            </a:r>
+            <a:r>
+              <a:rPr lang="zh-CN" altLang="en-US" dirty="0">
+                <a:solidFill>
+                  <a:schemeClr val="accent6">
+                    <a:lumMod val="50000"/>
+                  </a:schemeClr>
+                </a:solidFill>
+              </a:rPr>
+              <a:t>平台</a:t>
+            </a:r>
+          </a:p>
+        </p:txBody>
+      </p:sp>
+      <p:sp>
+        <p:nvSpPr>
+          <p:cNvPr id="20" name="Rectangle: Rounded Corners 19">
+            <a:extLst>
+              <a:ext uri="{FF2B5EF4-FFF2-40B4-BE49-F238E27FC236}">
+                <a16:creationId xmlns:a16="http://schemas.microsoft.com/office/drawing/2014/main" id="{9CDDFC9C-FD69-4163-9F2B-C7D1A3DEA6C3}"/>
+              </a:ext>
+            </a:extLst>
+          </p:cNvPr>
+          <p:cNvSpPr/>
+          <p:nvPr/>
+        </p:nvSpPr>
+        <p:spPr>
+          <a:xfrm>
+            <a:off x="2445436" y="2252705"/>
+            <a:ext cx="1080000" cy="720000"/>
+          </a:xfrm>
+          <a:prstGeom prst="roundRect">
+            <a:avLst/>
+          </a:prstGeom>
+          <a:solidFill>
+            <a:schemeClr val="accent5">
+              <a:lumMod val="50000"/>
+            </a:schemeClr>
+          </a:solidFill>
+        </p:spPr>
+        <p:style>
+          <a:lnRef idx="2">
+            <a:schemeClr val="accent1">
+              <a:shade val="50000"/>
+            </a:schemeClr>
+          </a:lnRef>
+          <a:fillRef idx="1">
+            <a:schemeClr val="accent1"/>
+          </a:fillRef>
+          <a:effectRef idx="0">
+            <a:schemeClr val="accent1"/>
+          </a:effectRef>
+          <a:fontRef idx="minor">
+            <a:schemeClr val="lt1"/>
+          </a:fontRef>
+        </p:style>
+        <p:txBody>
+          <a:bodyPr rot="0" spcFirstLastPara="0" vertOverflow="overflow" horzOverflow="overflow" vert="horz" wrap="square" lIns="91440" tIns="45720" rIns="91440" bIns="45720" numCol="1" spcCol="0" rtlCol="0" fromWordArt="0" anchor="t" anchorCtr="0" forceAA="0" compatLnSpc="1">
+            <a:prstTxWarp prst="textNoShape">
+              <a:avLst/>
+            </a:prstTxWarp>
+            <a:noAutofit/>
+          </a:bodyPr>
+          <a:lstStyle/>
+          <a:p>
+            <a:pPr algn="ctr"/>
+            <a:r>
+              <a:rPr lang="zh-CN" altLang="en-US" dirty="0"/>
+              <a:t>投资人账户</a:t>
+            </a:r>
+          </a:p>
+        </p:txBody>
+      </p:sp>
+      <p:sp>
+        <p:nvSpPr>
+          <p:cNvPr id="22" name="Rectangle: Rounded Corners 21">
+            <a:extLst>
+              <a:ext uri="{FF2B5EF4-FFF2-40B4-BE49-F238E27FC236}">
+                <a16:creationId xmlns:a16="http://schemas.microsoft.com/office/drawing/2014/main" id="{5E13C32E-0A34-430C-A58D-BC4A2B011A58}"/>
+              </a:ext>
+            </a:extLst>
+          </p:cNvPr>
+          <p:cNvSpPr/>
+          <p:nvPr/>
+        </p:nvSpPr>
+        <p:spPr>
+          <a:xfrm>
+            <a:off x="5000365" y="2227991"/>
+            <a:ext cx="1080000" cy="720000"/>
+          </a:xfrm>
+          <a:prstGeom prst="roundRect">
+            <a:avLst/>
+          </a:prstGeom>
+          <a:solidFill>
+            <a:schemeClr val="accent5">
+              <a:lumMod val="50000"/>
+            </a:schemeClr>
+          </a:solidFill>
+        </p:spPr>
+        <p:style>
+          <a:lnRef idx="2">
+            <a:schemeClr val="accent1">
+              <a:shade val="50000"/>
+            </a:schemeClr>
+          </a:lnRef>
+          <a:fillRef idx="1">
+            <a:schemeClr val="accent1"/>
+          </a:fillRef>
+          <a:effectRef idx="0">
+            <a:schemeClr val="accent1"/>
+          </a:effectRef>
+          <a:fontRef idx="minor">
+            <a:schemeClr val="lt1"/>
+          </a:fontRef>
+        </p:style>
+        <p:txBody>
+          <a:bodyPr rot="0" spcFirstLastPara="0" vertOverflow="overflow" horzOverflow="overflow" vert="horz" wrap="square" lIns="91440" tIns="45720" rIns="91440" bIns="45720" numCol="1" spcCol="0" rtlCol="0" fromWordArt="0" anchor="t" anchorCtr="0" forceAA="0" compatLnSpc="1">
+            <a:prstTxWarp prst="textNoShape">
+              <a:avLst/>
+            </a:prstTxWarp>
+            <a:noAutofit/>
+          </a:bodyPr>
+          <a:lstStyle/>
+          <a:p>
+            <a:pPr algn="ctr"/>
+            <a:r>
+              <a:rPr lang="zh-CN" altLang="en-US" dirty="0"/>
+              <a:t>借款人账户</a:t>
+            </a:r>
+          </a:p>
+        </p:txBody>
+      </p:sp>
+      <p:sp>
+        <p:nvSpPr>
+          <p:cNvPr id="23" name="Rectangle: Rounded Corners 22">
+            <a:extLst>
+              <a:ext uri="{FF2B5EF4-FFF2-40B4-BE49-F238E27FC236}">
+                <a16:creationId xmlns:a16="http://schemas.microsoft.com/office/drawing/2014/main" id="{9CE64891-EB14-4926-842B-C1DD6296D596}"/>
+              </a:ext>
+            </a:extLst>
+          </p:cNvPr>
+          <p:cNvSpPr/>
+          <p:nvPr/>
+        </p:nvSpPr>
+        <p:spPr>
+          <a:xfrm>
+            <a:off x="7103041" y="2233764"/>
+            <a:ext cx="988540" cy="708453"/>
+          </a:xfrm>
+          <a:prstGeom prst="roundRect">
+            <a:avLst/>
+          </a:prstGeom>
+          <a:solidFill>
+            <a:schemeClr val="tx2">
+              <a:lumMod val="50000"/>
+            </a:schemeClr>
+          </a:solidFill>
+          <a:ln>
+            <a:noFill/>
+          </a:ln>
+        </p:spPr>
+        <p:style>
+          <a:lnRef idx="2">
+            <a:schemeClr val="accent1">
+              <a:shade val="50000"/>
+            </a:schemeClr>
+          </a:lnRef>
+          <a:fillRef idx="1">
+            <a:schemeClr val="accent1"/>
+          </a:fillRef>
+          <a:effectRef idx="0">
+            <a:schemeClr val="accent1"/>
+          </a:effectRef>
+          <a:fontRef idx="minor">
+            <a:schemeClr val="lt1"/>
+          </a:fontRef>
+        </p:style>
+        <p:txBody>
+          <a:bodyPr rtlCol="0" anchor="ctr"/>
+          <a:lstStyle/>
+          <a:p>
+            <a:pPr algn="ctr"/>
+            <a:r>
+              <a:rPr lang="zh-CN" altLang="en-US" dirty="0"/>
+              <a:t>外部</a:t>
+            </a:r>
+            <a:endParaRPr lang="en-US" altLang="zh-CN" dirty="0"/>
+          </a:p>
+          <a:p>
+            <a:pPr algn="ctr"/>
+            <a:r>
+              <a:rPr lang="zh-CN" altLang="en-US" dirty="0"/>
+              <a:t>账户</a:t>
+            </a:r>
+          </a:p>
+        </p:txBody>
+      </p:sp>
+      <p:sp>
+        <p:nvSpPr>
+          <p:cNvPr id="24" name="TextBox 23">
+            <a:extLst>
+              <a:ext uri="{FF2B5EF4-FFF2-40B4-BE49-F238E27FC236}">
+                <a16:creationId xmlns:a16="http://schemas.microsoft.com/office/drawing/2014/main" id="{4CA3892A-2A47-44C5-BE98-FF063467ADC5}"/>
+              </a:ext>
+            </a:extLst>
+          </p:cNvPr>
+          <p:cNvSpPr txBox="1"/>
+          <p:nvPr/>
+        </p:nvSpPr>
+        <p:spPr>
+          <a:xfrm>
+            <a:off x="6425239" y="2243373"/>
+            <a:ext cx="646331" cy="369332"/>
+          </a:xfrm>
+          <a:prstGeom prst="rect">
+            <a:avLst/>
+          </a:prstGeom>
+          <a:noFill/>
+        </p:spPr>
+        <p:txBody>
+          <a:bodyPr wrap="none" rtlCol="0">
+            <a:spAutoFit/>
+          </a:bodyPr>
+          <a:lstStyle/>
+          <a:p>
+            <a:r>
+              <a:rPr lang="zh-CN" altLang="en-US" dirty="0"/>
+              <a:t>返款</a:t>
+            </a:r>
+            <a:endParaRPr lang="en-US" altLang="zh-CN" dirty="0"/>
+          </a:p>
+        </p:txBody>
+      </p:sp>
+      <p:sp>
+        <p:nvSpPr>
+          <p:cNvPr id="25" name="Rectangle: Rounded Corners 24">
+            <a:extLst>
+              <a:ext uri="{FF2B5EF4-FFF2-40B4-BE49-F238E27FC236}">
+                <a16:creationId xmlns:a16="http://schemas.microsoft.com/office/drawing/2014/main" id="{0F3B3333-0EDC-464A-B16F-1F7E18EC9BF0}"/>
+              </a:ext>
+            </a:extLst>
+          </p:cNvPr>
+          <p:cNvSpPr/>
+          <p:nvPr/>
+        </p:nvSpPr>
+        <p:spPr>
+          <a:xfrm>
+            <a:off x="518897" y="2264252"/>
+            <a:ext cx="988540" cy="708453"/>
+          </a:xfrm>
+          <a:prstGeom prst="roundRect">
+            <a:avLst/>
+          </a:prstGeom>
+          <a:solidFill>
+            <a:schemeClr val="tx2">
+              <a:lumMod val="50000"/>
+            </a:schemeClr>
+          </a:solidFill>
+          <a:ln>
+            <a:noFill/>
+          </a:ln>
+        </p:spPr>
+        <p:style>
+          <a:lnRef idx="2">
+            <a:schemeClr val="accent1">
+              <a:shade val="50000"/>
+            </a:schemeClr>
+          </a:lnRef>
+          <a:fillRef idx="1">
+            <a:schemeClr val="accent1"/>
+          </a:fillRef>
+          <a:effectRef idx="0">
+            <a:schemeClr val="accent1"/>
+          </a:effectRef>
+          <a:fontRef idx="minor">
+            <a:schemeClr val="lt1"/>
+          </a:fontRef>
+        </p:style>
+        <p:txBody>
+          <a:bodyPr rot="0" spcFirstLastPara="0" vertOverflow="overflow" horzOverflow="overflow" vert="horz" wrap="square" lIns="91440" tIns="45720" rIns="91440" bIns="45720" numCol="1" spcCol="0" rtlCol="0" fromWordArt="0" anchor="ctr" anchorCtr="0" forceAA="0" compatLnSpc="1">
+            <a:prstTxWarp prst="textNoShape">
+              <a:avLst/>
+            </a:prstTxWarp>
+            <a:noAutofit/>
+          </a:bodyPr>
+          <a:lstStyle/>
+          <a:p>
+            <a:pPr algn="ctr"/>
+            <a:r>
+              <a:rPr lang="zh-CN" altLang="en-US"/>
+              <a:t>外部</a:t>
+            </a:r>
+            <a:endParaRPr lang="en-US" altLang="zh-CN" dirty="0"/>
+          </a:p>
+          <a:p>
+            <a:pPr algn="ctr"/>
+            <a:r>
+              <a:rPr lang="zh-CN" altLang="en-US" dirty="0"/>
+              <a:t>账户</a:t>
+            </a:r>
+          </a:p>
+        </p:txBody>
+      </p:sp>
+      <p:sp>
+        <p:nvSpPr>
+          <p:cNvPr id="26" name="TextBox 25">
+            <a:extLst>
+              <a:ext uri="{FF2B5EF4-FFF2-40B4-BE49-F238E27FC236}">
+                <a16:creationId xmlns:a16="http://schemas.microsoft.com/office/drawing/2014/main" id="{A358B1A4-54C1-45A2-AAC1-D116576E1722}"/>
+              </a:ext>
+            </a:extLst>
+          </p:cNvPr>
+          <p:cNvSpPr txBox="1"/>
+          <p:nvPr/>
+        </p:nvSpPr>
+        <p:spPr>
+          <a:xfrm>
+            <a:off x="1626562" y="2192893"/>
+            <a:ext cx="646331" cy="369332"/>
+          </a:xfrm>
+          <a:prstGeom prst="rect">
+            <a:avLst/>
+          </a:prstGeom>
+          <a:noFill/>
+        </p:spPr>
+        <p:txBody>
+          <a:bodyPr wrap="none" rtlCol="0">
+            <a:spAutoFit/>
+          </a:bodyPr>
+          <a:lstStyle/>
+          <a:p>
+            <a:r>
+              <a:rPr lang="zh-CN" altLang="en-US" dirty="0"/>
+              <a:t>充值</a:t>
+            </a:r>
+            <a:endParaRPr lang="en-US" altLang="zh-CN" dirty="0"/>
+          </a:p>
+        </p:txBody>
+      </p:sp>
+      <p:cxnSp>
+        <p:nvCxnSpPr>
+          <p:cNvPr id="27" name="Straight Arrow Connector 26">
+            <a:extLst>
+              <a:ext uri="{FF2B5EF4-FFF2-40B4-BE49-F238E27FC236}">
+                <a16:creationId xmlns:a16="http://schemas.microsoft.com/office/drawing/2014/main" id="{6EEB4717-8EB1-4F37-9C50-EC54CD2C5A2B}"/>
+              </a:ext>
+            </a:extLst>
+          </p:cNvPr>
+          <p:cNvCxnSpPr/>
+          <p:nvPr/>
+        </p:nvCxnSpPr>
+        <p:spPr>
+          <a:xfrm flipH="1">
+            <a:off x="6080365" y="2587990"/>
+            <a:ext cx="1022676" cy="0"/>
+          </a:xfrm>
+          <a:prstGeom prst="straightConnector1">
+            <a:avLst/>
+          </a:prstGeom>
+          <a:ln>
+            <a:tailEnd type="triangle"/>
+          </a:ln>
+        </p:spPr>
+        <p:style>
+          <a:lnRef idx="1">
+            <a:schemeClr val="accent1"/>
+          </a:lnRef>
+          <a:fillRef idx="0">
+            <a:schemeClr val="accent1"/>
+          </a:fillRef>
+          <a:effectRef idx="0">
+            <a:schemeClr val="accent1"/>
+          </a:effectRef>
+          <a:fontRef idx="minor">
+            <a:schemeClr val="tx1"/>
+          </a:fontRef>
+        </p:style>
+      </p:cxnSp>
+      <p:cxnSp>
+        <p:nvCxnSpPr>
+          <p:cNvPr id="28" name="Straight Arrow Connector 27">
+            <a:extLst>
+              <a:ext uri="{FF2B5EF4-FFF2-40B4-BE49-F238E27FC236}">
+                <a16:creationId xmlns:a16="http://schemas.microsoft.com/office/drawing/2014/main" id="{D5BEF8A2-46CF-4F71-897F-B561ADA6E614}"/>
+              </a:ext>
+            </a:extLst>
+          </p:cNvPr>
+          <p:cNvCxnSpPr>
+            <a:cxnSpLocks/>
+          </p:cNvCxnSpPr>
+          <p:nvPr/>
+        </p:nvCxnSpPr>
+        <p:spPr>
+          <a:xfrm flipV="1">
+            <a:off x="1506192" y="2515528"/>
+            <a:ext cx="937999" cy="5774"/>
+          </a:xfrm>
+          <a:prstGeom prst="straightConnector1">
+            <a:avLst/>
+          </a:prstGeom>
+          <a:ln>
+            <a:tailEnd type="triangle"/>
+          </a:ln>
+        </p:spPr>
+        <p:style>
+          <a:lnRef idx="1">
+            <a:schemeClr val="accent1"/>
+          </a:lnRef>
+          <a:fillRef idx="0">
+            <a:schemeClr val="accent1"/>
+          </a:fillRef>
+          <a:effectRef idx="0">
+            <a:schemeClr val="accent1"/>
+          </a:effectRef>
+          <a:fontRef idx="minor">
+            <a:schemeClr val="tx1"/>
+          </a:fontRef>
+        </p:style>
+      </p:cxnSp>
+      <p:cxnSp>
+        <p:nvCxnSpPr>
+          <p:cNvPr id="29" name="Straight Arrow Connector 28">
+            <a:extLst>
+              <a:ext uri="{FF2B5EF4-FFF2-40B4-BE49-F238E27FC236}">
+                <a16:creationId xmlns:a16="http://schemas.microsoft.com/office/drawing/2014/main" id="{4C350400-F3FE-4C11-A70B-F2824BF39E71}"/>
+              </a:ext>
+            </a:extLst>
+          </p:cNvPr>
+          <p:cNvCxnSpPr>
+            <a:cxnSpLocks/>
+            <a:stCxn id="19" idx="2"/>
+          </p:cNvCxnSpPr>
+          <p:nvPr/>
+        </p:nvCxnSpPr>
+        <p:spPr>
+          <a:xfrm>
+            <a:off x="4235451" y="1263650"/>
+            <a:ext cx="2540" cy="342900"/>
+          </a:xfrm>
+          <a:prstGeom prst="straightConnector1">
+            <a:avLst/>
+          </a:prstGeom>
+          <a:ln>
+            <a:tailEnd type="triangle"/>
+          </a:ln>
+        </p:spPr>
+        <p:style>
+          <a:lnRef idx="1">
+            <a:schemeClr val="accent1"/>
+          </a:lnRef>
+          <a:fillRef idx="0">
+            <a:schemeClr val="accent1"/>
+          </a:fillRef>
+          <a:effectRef idx="0">
+            <a:schemeClr val="accent1"/>
+          </a:effectRef>
+          <a:fontRef idx="minor">
+            <a:schemeClr val="tx1"/>
+          </a:fontRef>
+        </p:style>
+      </p:cxnSp>
+      <p:cxnSp>
+        <p:nvCxnSpPr>
+          <p:cNvPr id="9" name="Straight Arrow Connector 8">
+            <a:extLst>
+              <a:ext uri="{FF2B5EF4-FFF2-40B4-BE49-F238E27FC236}">
+                <a16:creationId xmlns:a16="http://schemas.microsoft.com/office/drawing/2014/main" id="{A1A15BE8-9BBF-4B37-95D0-59E3E2D55F5A}"/>
+              </a:ext>
+            </a:extLst>
+          </p:cNvPr>
+          <p:cNvCxnSpPr/>
+          <p:nvPr/>
+        </p:nvCxnSpPr>
+        <p:spPr>
+          <a:xfrm flipH="1">
+            <a:off x="1493939" y="2686050"/>
+            <a:ext cx="924501" cy="0"/>
+          </a:xfrm>
+          <a:prstGeom prst="straightConnector1">
+            <a:avLst/>
+          </a:prstGeom>
+          <a:ln>
+            <a:tailEnd type="triangle"/>
+          </a:ln>
+        </p:spPr>
+        <p:style>
+          <a:lnRef idx="1">
+            <a:schemeClr val="accent1"/>
+          </a:lnRef>
+          <a:fillRef idx="0">
+            <a:schemeClr val="accent1"/>
+          </a:fillRef>
+          <a:effectRef idx="0">
+            <a:schemeClr val="accent1"/>
+          </a:effectRef>
+          <a:fontRef idx="minor">
+            <a:schemeClr val="tx1"/>
+          </a:fontRef>
+        </p:style>
+      </p:cxnSp>
+      <p:sp>
+        <p:nvSpPr>
+          <p:cNvPr id="31" name="TextBox 30">
+            <a:extLst>
+              <a:ext uri="{FF2B5EF4-FFF2-40B4-BE49-F238E27FC236}">
+                <a16:creationId xmlns:a16="http://schemas.microsoft.com/office/drawing/2014/main" id="{D33494CE-78B9-491E-92C0-4EF51740D19B}"/>
+              </a:ext>
+            </a:extLst>
+          </p:cNvPr>
+          <p:cNvSpPr txBox="1"/>
+          <p:nvPr/>
+        </p:nvSpPr>
+        <p:spPr>
+          <a:xfrm>
+            <a:off x="1665382" y="2659271"/>
+            <a:ext cx="646331" cy="369332"/>
+          </a:xfrm>
+          <a:prstGeom prst="rect">
+            <a:avLst/>
+          </a:prstGeom>
+          <a:noFill/>
+        </p:spPr>
+        <p:txBody>
+          <a:bodyPr wrap="none" rtlCol="0">
+            <a:spAutoFit/>
+          </a:bodyPr>
+          <a:lstStyle/>
+          <a:p>
+            <a:r>
+              <a:rPr lang="zh-CN" altLang="en-US" dirty="0"/>
+              <a:t>提现</a:t>
+            </a:r>
+            <a:endParaRPr lang="en-US" altLang="zh-CN" dirty="0"/>
+          </a:p>
+        </p:txBody>
+      </p:sp>
+    </p:spTree>
+    <p:extLst>
+      <p:ext uri="{BB962C8B-B14F-4D97-AF65-F5344CB8AC3E}">
+        <p14:creationId xmlns:p14="http://schemas.microsoft.com/office/powerpoint/2010/main" val="1699288369"/>
+      </p:ext>
+    </p:extLst>
+  </p:cSld>
+  <p:clrMapOvr>
+    <a:masterClrMapping/>
+  </p:clrMapOvr>
+</p:sld>
+</file>
+
+<file path=ppt/slides/slide9.xml><?xml version="1.0" encoding="utf-8"?>
+<p:sld xmlns:a="http://schemas.openxmlformats.org/drawingml/2006/main" xmlns:r="http://schemas.openxmlformats.org/officeDocument/2006/relationships" xmlns:p="http://schemas.openxmlformats.org/presentationml/2006/main">
+  <p:cSld>
+    <p:spTree>
+      <p:nvGrpSpPr>
+        <p:cNvPr id="1" name=""/>
+        <p:cNvGrpSpPr/>
+        <p:nvPr/>
+      </p:nvGrpSpPr>
+      <p:grpSpPr>
+        <a:xfrm>
+          <a:off x="0" y="0"/>
+          <a:ext cx="0" cy="0"/>
+          <a:chOff x="0" y="0"/>
+          <a:chExt cx="0" cy="0"/>
+        </a:xfrm>
+      </p:grpSpPr>
+      <p:sp>
+        <p:nvSpPr>
+          <p:cNvPr id="15" name="Rectangle 14">
+            <a:extLst>
+              <a:ext uri="{FF2B5EF4-FFF2-40B4-BE49-F238E27FC236}">
+                <a16:creationId xmlns:a16="http://schemas.microsoft.com/office/drawing/2014/main" id="{6A39465E-40F5-48EC-811B-E7B903F435DE}"/>
+              </a:ext>
+            </a:extLst>
+          </p:cNvPr>
+          <p:cNvSpPr/>
+          <p:nvPr/>
+        </p:nvSpPr>
+        <p:spPr>
+          <a:xfrm>
+            <a:off x="1993901" y="1511300"/>
+            <a:ext cx="4483100" cy="1968500"/>
+          </a:xfrm>
+          <a:prstGeom prst="rect">
+            <a:avLst/>
+          </a:prstGeom>
+          <a:solidFill>
+            <a:schemeClr val="accent5">
+              <a:lumMod val="20000"/>
+              <a:lumOff val="80000"/>
+            </a:schemeClr>
+          </a:solidFill>
+          <a:ln w="3175">
+            <a:solidFill>
+              <a:schemeClr val="accent5">
+                <a:lumMod val="40000"/>
+                <a:lumOff val="60000"/>
+              </a:schemeClr>
+            </a:solidFill>
+          </a:ln>
+        </p:spPr>
+        <p:style>
+          <a:lnRef idx="2">
+            <a:schemeClr val="accent1">
+              <a:shade val="50000"/>
+            </a:schemeClr>
+          </a:lnRef>
+          <a:fillRef idx="1">
+            <a:schemeClr val="accent1"/>
+          </a:fillRef>
+          <a:effectRef idx="0">
+            <a:schemeClr val="accent1"/>
+          </a:effectRef>
+          <a:fontRef idx="minor">
+            <a:schemeClr val="lt1"/>
+          </a:fontRef>
+        </p:style>
+        <p:txBody>
+          <a:bodyPr rtlCol="0" anchor="b"/>
+          <a:lstStyle/>
+          <a:p>
+            <a:pPr algn="ctr"/>
+            <a:r>
+              <a:rPr lang="zh-CN" altLang="en-US" dirty="0">
+                <a:solidFill>
+                  <a:schemeClr val="accent5">
+                    <a:lumMod val="50000"/>
+                  </a:schemeClr>
+                </a:solidFill>
+              </a:rPr>
+              <a:t>支付机构</a:t>
+            </a:r>
+          </a:p>
+        </p:txBody>
+      </p:sp>
+      <p:sp>
+        <p:nvSpPr>
+          <p:cNvPr id="18" name="Rectangle: Rounded Corners 17">
+            <a:extLst>
+              <a:ext uri="{FF2B5EF4-FFF2-40B4-BE49-F238E27FC236}">
+                <a16:creationId xmlns:a16="http://schemas.microsoft.com/office/drawing/2014/main" id="{637E9158-C493-4201-94E2-BE2B32D9E0E8}"/>
+              </a:ext>
+            </a:extLst>
+          </p:cNvPr>
+          <p:cNvSpPr/>
+          <p:nvPr/>
+        </p:nvSpPr>
+        <p:spPr>
+          <a:xfrm>
+            <a:off x="3769669" y="2253383"/>
+            <a:ext cx="1080000" cy="720000"/>
+          </a:xfrm>
+          <a:prstGeom prst="roundRect">
+            <a:avLst>
+              <a:gd name="adj" fmla="val 11308"/>
+            </a:avLst>
+          </a:prstGeom>
+          <a:solidFill>
+            <a:schemeClr val="accent5">
+              <a:lumMod val="50000"/>
+            </a:schemeClr>
+          </a:solidFill>
+        </p:spPr>
+        <p:style>
+          <a:lnRef idx="2">
+            <a:schemeClr val="accent1">
+              <a:shade val="50000"/>
+            </a:schemeClr>
+          </a:lnRef>
+          <a:fillRef idx="1">
+            <a:schemeClr val="accent1"/>
+          </a:fillRef>
+          <a:effectRef idx="0">
+            <a:schemeClr val="accent1"/>
+          </a:effectRef>
+          <a:fontRef idx="minor">
+            <a:schemeClr val="lt1"/>
+          </a:fontRef>
+        </p:style>
+        <p:txBody>
+          <a:bodyPr rot="0" spcFirstLastPara="0" vertOverflow="overflow" horzOverflow="overflow" vert="horz" wrap="square" lIns="91440" tIns="45720" rIns="91440" bIns="45720" numCol="1" spcCol="0" rtlCol="0" fromWordArt="0" anchor="t" anchorCtr="0" forceAA="0" compatLnSpc="1">
+            <a:prstTxWarp prst="textNoShape">
+              <a:avLst/>
+            </a:prstTxWarp>
+            <a:noAutofit/>
+          </a:bodyPr>
+          <a:lstStyle/>
+          <a:p>
+            <a:pPr algn="ctr"/>
+            <a:r>
+              <a:rPr lang="en-US" altLang="zh-CN" dirty="0"/>
+              <a:t>P2P</a:t>
+            </a:r>
+            <a:r>
+              <a:rPr lang="zh-CN" altLang="en-US" dirty="0"/>
+              <a:t>收益账户</a:t>
+            </a:r>
+          </a:p>
+        </p:txBody>
+      </p:sp>
+      <p:sp>
+        <p:nvSpPr>
+          <p:cNvPr id="19" name="Rectangle 18">
+            <a:extLst>
+              <a:ext uri="{FF2B5EF4-FFF2-40B4-BE49-F238E27FC236}">
+                <a16:creationId xmlns:a16="http://schemas.microsoft.com/office/drawing/2014/main" id="{E1978540-1C31-4251-A393-DBC8B38A8DE8}"/>
+              </a:ext>
+            </a:extLst>
+          </p:cNvPr>
+          <p:cNvSpPr/>
+          <p:nvPr/>
+        </p:nvSpPr>
+        <p:spPr>
+          <a:xfrm>
+            <a:off x="1993901" y="794102"/>
+            <a:ext cx="4483100" cy="469548"/>
+          </a:xfrm>
+          <a:prstGeom prst="rect">
+            <a:avLst/>
+          </a:prstGeom>
+          <a:solidFill>
+            <a:schemeClr val="accent6">
+              <a:lumMod val="20000"/>
+              <a:lumOff val="80000"/>
+            </a:schemeClr>
+          </a:solidFill>
+          <a:ln w="3175">
+            <a:solidFill>
+              <a:schemeClr val="accent6">
+                <a:lumMod val="40000"/>
+                <a:lumOff val="60000"/>
+              </a:schemeClr>
+            </a:solidFill>
+          </a:ln>
+        </p:spPr>
+        <p:style>
+          <a:lnRef idx="2">
+            <a:schemeClr val="accent1">
+              <a:shade val="50000"/>
+            </a:schemeClr>
+          </a:lnRef>
+          <a:fillRef idx="1">
+            <a:schemeClr val="accent1"/>
+          </a:fillRef>
+          <a:effectRef idx="0">
+            <a:schemeClr val="accent1"/>
+          </a:effectRef>
+          <a:fontRef idx="minor">
+            <a:schemeClr val="lt1"/>
+          </a:fontRef>
+        </p:style>
+        <p:txBody>
+          <a:bodyPr rtlCol="0" anchor="t"/>
+          <a:lstStyle/>
+          <a:p>
+            <a:pPr algn="ctr"/>
+            <a:r>
+              <a:rPr lang="en-US" altLang="zh-CN" dirty="0">
+                <a:solidFill>
+                  <a:schemeClr val="accent6">
+                    <a:lumMod val="50000"/>
+                  </a:schemeClr>
+                </a:solidFill>
+              </a:rPr>
+              <a:t>P2P</a:t>
+            </a:r>
+            <a:r>
+              <a:rPr lang="zh-CN" altLang="en-US" dirty="0">
+                <a:solidFill>
+                  <a:schemeClr val="accent6">
+                    <a:lumMod val="50000"/>
+                  </a:schemeClr>
+                </a:solidFill>
+              </a:rPr>
+              <a:t>平台</a:t>
+            </a:r>
+          </a:p>
+        </p:txBody>
+      </p:sp>
+      <p:sp>
+        <p:nvSpPr>
+          <p:cNvPr id="20" name="Rectangle: Rounded Corners 19">
+            <a:extLst>
+              <a:ext uri="{FF2B5EF4-FFF2-40B4-BE49-F238E27FC236}">
+                <a16:creationId xmlns:a16="http://schemas.microsoft.com/office/drawing/2014/main" id="{9CDDFC9C-FD69-4163-9F2B-C7D1A3DEA6C3}"/>
+              </a:ext>
+            </a:extLst>
+          </p:cNvPr>
+          <p:cNvSpPr/>
+          <p:nvPr/>
+        </p:nvSpPr>
+        <p:spPr>
+          <a:xfrm>
+            <a:off x="2445436" y="2252705"/>
+            <a:ext cx="1080000" cy="720000"/>
+          </a:xfrm>
+          <a:prstGeom prst="roundRect">
+            <a:avLst/>
+          </a:prstGeom>
+          <a:solidFill>
+            <a:schemeClr val="accent5">
+              <a:lumMod val="50000"/>
+            </a:schemeClr>
+          </a:solidFill>
+        </p:spPr>
+        <p:style>
+          <a:lnRef idx="2">
+            <a:schemeClr val="accent1">
+              <a:shade val="50000"/>
+            </a:schemeClr>
+          </a:lnRef>
+          <a:fillRef idx="1">
+            <a:schemeClr val="accent1"/>
+          </a:fillRef>
+          <a:effectRef idx="0">
+            <a:schemeClr val="accent1"/>
+          </a:effectRef>
+          <a:fontRef idx="minor">
+            <a:schemeClr val="lt1"/>
+          </a:fontRef>
+        </p:style>
+        <p:txBody>
+          <a:bodyPr rot="0" spcFirstLastPara="0" vertOverflow="overflow" horzOverflow="overflow" vert="horz" wrap="square" lIns="91440" tIns="45720" rIns="91440" bIns="45720" numCol="1" spcCol="0" rtlCol="0" fromWordArt="0" anchor="t" anchorCtr="0" forceAA="0" compatLnSpc="1">
+            <a:prstTxWarp prst="textNoShape">
+              <a:avLst/>
+            </a:prstTxWarp>
+            <a:noAutofit/>
+          </a:bodyPr>
+          <a:lstStyle/>
+          <a:p>
+            <a:pPr algn="ctr"/>
+            <a:r>
+              <a:rPr lang="zh-CN" altLang="en-US" dirty="0"/>
+              <a:t>投资人账户</a:t>
+            </a:r>
+          </a:p>
+        </p:txBody>
+      </p:sp>
+      <p:sp>
+        <p:nvSpPr>
+          <p:cNvPr id="22" name="Rectangle: Rounded Corners 21">
+            <a:extLst>
+              <a:ext uri="{FF2B5EF4-FFF2-40B4-BE49-F238E27FC236}">
+                <a16:creationId xmlns:a16="http://schemas.microsoft.com/office/drawing/2014/main" id="{5E13C32E-0A34-430C-A58D-BC4A2B011A58}"/>
+              </a:ext>
+            </a:extLst>
+          </p:cNvPr>
+          <p:cNvSpPr/>
+          <p:nvPr/>
+        </p:nvSpPr>
+        <p:spPr>
+          <a:xfrm>
+            <a:off x="5000365" y="2227991"/>
+            <a:ext cx="1080000" cy="720000"/>
+          </a:xfrm>
+          <a:prstGeom prst="roundRect">
+            <a:avLst/>
+          </a:prstGeom>
+          <a:solidFill>
+            <a:schemeClr val="accent5">
+              <a:lumMod val="50000"/>
+            </a:schemeClr>
+          </a:solidFill>
+        </p:spPr>
+        <p:style>
+          <a:lnRef idx="2">
+            <a:schemeClr val="accent1">
+              <a:shade val="50000"/>
+            </a:schemeClr>
+          </a:lnRef>
+          <a:fillRef idx="1">
+            <a:schemeClr val="accent1"/>
+          </a:fillRef>
+          <a:effectRef idx="0">
+            <a:schemeClr val="accent1"/>
+          </a:effectRef>
+          <a:fontRef idx="minor">
+            <a:schemeClr val="lt1"/>
+          </a:fontRef>
+        </p:style>
+        <p:txBody>
+          <a:bodyPr rot="0" spcFirstLastPara="0" vertOverflow="overflow" horzOverflow="overflow" vert="horz" wrap="square" lIns="91440" tIns="45720" rIns="91440" bIns="45720" numCol="1" spcCol="0" rtlCol="0" fromWordArt="0" anchor="t" anchorCtr="0" forceAA="0" compatLnSpc="1">
+            <a:prstTxWarp prst="textNoShape">
+              <a:avLst/>
+            </a:prstTxWarp>
+            <a:noAutofit/>
+          </a:bodyPr>
+          <a:lstStyle/>
+          <a:p>
+            <a:pPr algn="ctr"/>
+            <a:r>
+              <a:rPr lang="zh-CN" altLang="en-US" dirty="0"/>
+              <a:t>借款人账户</a:t>
+            </a:r>
+          </a:p>
+        </p:txBody>
+      </p:sp>
+      <p:sp>
+        <p:nvSpPr>
+          <p:cNvPr id="23" name="Rectangle: Rounded Corners 22">
+            <a:extLst>
+              <a:ext uri="{FF2B5EF4-FFF2-40B4-BE49-F238E27FC236}">
+                <a16:creationId xmlns:a16="http://schemas.microsoft.com/office/drawing/2014/main" id="{9CE64891-EB14-4926-842B-C1DD6296D596}"/>
+              </a:ext>
+            </a:extLst>
+          </p:cNvPr>
+          <p:cNvSpPr/>
+          <p:nvPr/>
+        </p:nvSpPr>
+        <p:spPr>
+          <a:xfrm>
+            <a:off x="7103041" y="2233764"/>
+            <a:ext cx="988540" cy="708453"/>
+          </a:xfrm>
+          <a:prstGeom prst="roundRect">
+            <a:avLst/>
+          </a:prstGeom>
+          <a:solidFill>
+            <a:schemeClr val="tx2">
+              <a:lumMod val="50000"/>
+            </a:schemeClr>
+          </a:solidFill>
+          <a:ln>
+            <a:noFill/>
+          </a:ln>
+        </p:spPr>
+        <p:style>
+          <a:lnRef idx="2">
+            <a:schemeClr val="accent1">
+              <a:shade val="50000"/>
+            </a:schemeClr>
+          </a:lnRef>
+          <a:fillRef idx="1">
+            <a:schemeClr val="accent1"/>
+          </a:fillRef>
+          <a:effectRef idx="0">
+            <a:schemeClr val="accent1"/>
+          </a:effectRef>
+          <a:fontRef idx="minor">
+            <a:schemeClr val="lt1"/>
+          </a:fontRef>
+        </p:style>
+        <p:txBody>
+          <a:bodyPr rtlCol="0" anchor="ctr"/>
+          <a:lstStyle/>
+          <a:p>
+            <a:pPr algn="ctr"/>
+            <a:r>
+              <a:rPr lang="zh-CN" altLang="en-US" dirty="0"/>
+              <a:t>外部</a:t>
+            </a:r>
+            <a:endParaRPr lang="en-US" altLang="zh-CN" dirty="0"/>
+          </a:p>
+          <a:p>
+            <a:pPr algn="ctr"/>
+            <a:r>
+              <a:rPr lang="zh-CN" altLang="en-US" dirty="0"/>
+              <a:t>账户</a:t>
+            </a:r>
+          </a:p>
+        </p:txBody>
+      </p:sp>
+      <p:sp>
+        <p:nvSpPr>
+          <p:cNvPr id="24" name="TextBox 23">
+            <a:extLst>
+              <a:ext uri="{FF2B5EF4-FFF2-40B4-BE49-F238E27FC236}">
+                <a16:creationId xmlns:a16="http://schemas.microsoft.com/office/drawing/2014/main" id="{4CA3892A-2A47-44C5-BE98-FF063467ADC5}"/>
+              </a:ext>
+            </a:extLst>
+          </p:cNvPr>
+          <p:cNvSpPr txBox="1"/>
+          <p:nvPr/>
+        </p:nvSpPr>
+        <p:spPr>
+          <a:xfrm>
+            <a:off x="6425239" y="2243373"/>
+            <a:ext cx="646331" cy="369332"/>
+          </a:xfrm>
+          <a:prstGeom prst="rect">
+            <a:avLst/>
+          </a:prstGeom>
+          <a:noFill/>
+        </p:spPr>
+        <p:txBody>
+          <a:bodyPr wrap="none" rtlCol="0">
+            <a:spAutoFit/>
+          </a:bodyPr>
+          <a:lstStyle/>
+          <a:p>
+            <a:r>
+              <a:rPr lang="zh-CN" altLang="en-US" dirty="0"/>
+              <a:t>返款</a:t>
+            </a:r>
+            <a:endParaRPr lang="en-US" altLang="zh-CN" dirty="0"/>
+          </a:p>
+        </p:txBody>
+      </p:sp>
+      <p:sp>
+        <p:nvSpPr>
+          <p:cNvPr id="25" name="Rectangle: Rounded Corners 24">
+            <a:extLst>
+              <a:ext uri="{FF2B5EF4-FFF2-40B4-BE49-F238E27FC236}">
+                <a16:creationId xmlns:a16="http://schemas.microsoft.com/office/drawing/2014/main" id="{0F3B3333-0EDC-464A-B16F-1F7E18EC9BF0}"/>
+              </a:ext>
+            </a:extLst>
+          </p:cNvPr>
+          <p:cNvSpPr/>
+          <p:nvPr/>
+        </p:nvSpPr>
+        <p:spPr>
+          <a:xfrm>
+            <a:off x="518897" y="2264252"/>
+            <a:ext cx="988540" cy="708453"/>
+          </a:xfrm>
+          <a:prstGeom prst="roundRect">
+            <a:avLst/>
+          </a:prstGeom>
+          <a:solidFill>
+            <a:schemeClr val="tx2">
+              <a:lumMod val="50000"/>
+            </a:schemeClr>
+          </a:solidFill>
+          <a:ln>
+            <a:noFill/>
+          </a:ln>
+        </p:spPr>
+        <p:style>
+          <a:lnRef idx="2">
+            <a:schemeClr val="accent1">
+              <a:shade val="50000"/>
+            </a:schemeClr>
+          </a:lnRef>
+          <a:fillRef idx="1">
+            <a:schemeClr val="accent1"/>
+          </a:fillRef>
+          <a:effectRef idx="0">
+            <a:schemeClr val="accent1"/>
+          </a:effectRef>
+          <a:fontRef idx="minor">
+            <a:schemeClr val="lt1"/>
+          </a:fontRef>
+        </p:style>
+        <p:txBody>
+          <a:bodyPr rot="0" spcFirstLastPara="0" vertOverflow="overflow" horzOverflow="overflow" vert="horz" wrap="square" lIns="91440" tIns="45720" rIns="91440" bIns="45720" numCol="1" spcCol="0" rtlCol="0" fromWordArt="0" anchor="ctr" anchorCtr="0" forceAA="0" compatLnSpc="1">
+            <a:prstTxWarp prst="textNoShape">
+              <a:avLst/>
+            </a:prstTxWarp>
+            <a:noAutofit/>
+          </a:bodyPr>
+          <a:lstStyle/>
+          <a:p>
+            <a:pPr algn="ctr"/>
+            <a:r>
+              <a:rPr lang="zh-CN" altLang="en-US"/>
+              <a:t>外部</a:t>
+            </a:r>
+            <a:endParaRPr lang="en-US" altLang="zh-CN" dirty="0"/>
+          </a:p>
+          <a:p>
+            <a:pPr algn="ctr"/>
+            <a:r>
+              <a:rPr lang="zh-CN" altLang="en-US" dirty="0"/>
+              <a:t>账户</a:t>
+            </a:r>
+          </a:p>
+        </p:txBody>
+      </p:sp>
+      <p:sp>
+        <p:nvSpPr>
+          <p:cNvPr id="26" name="TextBox 25">
+            <a:extLst>
+              <a:ext uri="{FF2B5EF4-FFF2-40B4-BE49-F238E27FC236}">
+                <a16:creationId xmlns:a16="http://schemas.microsoft.com/office/drawing/2014/main" id="{A358B1A4-54C1-45A2-AAC1-D116576E1722}"/>
+              </a:ext>
+            </a:extLst>
+          </p:cNvPr>
+          <p:cNvSpPr txBox="1"/>
+          <p:nvPr/>
+        </p:nvSpPr>
+        <p:spPr>
+          <a:xfrm>
+            <a:off x="1626562" y="2192893"/>
+            <a:ext cx="646331" cy="369332"/>
+          </a:xfrm>
+          <a:prstGeom prst="rect">
+            <a:avLst/>
+          </a:prstGeom>
+          <a:noFill/>
+        </p:spPr>
+        <p:txBody>
+          <a:bodyPr wrap="none" rtlCol="0">
+            <a:spAutoFit/>
+          </a:bodyPr>
+          <a:lstStyle/>
+          <a:p>
+            <a:r>
+              <a:rPr lang="zh-CN" altLang="en-US" dirty="0"/>
+              <a:t>充值</a:t>
+            </a:r>
+            <a:endParaRPr lang="en-US" altLang="zh-CN" dirty="0"/>
+          </a:p>
+        </p:txBody>
+      </p:sp>
+      <p:cxnSp>
+        <p:nvCxnSpPr>
+          <p:cNvPr id="27" name="Straight Arrow Connector 26">
+            <a:extLst>
+              <a:ext uri="{FF2B5EF4-FFF2-40B4-BE49-F238E27FC236}">
+                <a16:creationId xmlns:a16="http://schemas.microsoft.com/office/drawing/2014/main" id="{6EEB4717-8EB1-4F37-9C50-EC54CD2C5A2B}"/>
+              </a:ext>
+            </a:extLst>
+          </p:cNvPr>
+          <p:cNvCxnSpPr/>
+          <p:nvPr/>
+        </p:nvCxnSpPr>
+        <p:spPr>
+          <a:xfrm flipH="1">
+            <a:off x="6080365" y="2587990"/>
+            <a:ext cx="1022676" cy="0"/>
+          </a:xfrm>
+          <a:prstGeom prst="straightConnector1">
+            <a:avLst/>
+          </a:prstGeom>
+          <a:ln>
+            <a:tailEnd type="triangle"/>
+          </a:ln>
+        </p:spPr>
+        <p:style>
+          <a:lnRef idx="1">
+            <a:schemeClr val="accent1"/>
+          </a:lnRef>
+          <a:fillRef idx="0">
+            <a:schemeClr val="accent1"/>
+          </a:fillRef>
+          <a:effectRef idx="0">
+            <a:schemeClr val="accent1"/>
+          </a:effectRef>
+          <a:fontRef idx="minor">
+            <a:schemeClr val="tx1"/>
+          </a:fontRef>
+        </p:style>
+      </p:cxnSp>
+      <p:cxnSp>
+        <p:nvCxnSpPr>
+          <p:cNvPr id="28" name="Straight Arrow Connector 27">
+            <a:extLst>
+              <a:ext uri="{FF2B5EF4-FFF2-40B4-BE49-F238E27FC236}">
+                <a16:creationId xmlns:a16="http://schemas.microsoft.com/office/drawing/2014/main" id="{D5BEF8A2-46CF-4F71-897F-B561ADA6E614}"/>
+              </a:ext>
+            </a:extLst>
+          </p:cNvPr>
+          <p:cNvCxnSpPr>
+            <a:cxnSpLocks/>
+          </p:cNvCxnSpPr>
+          <p:nvPr/>
+        </p:nvCxnSpPr>
+        <p:spPr>
+          <a:xfrm flipV="1">
+            <a:off x="1506192" y="2515528"/>
+            <a:ext cx="937999" cy="5774"/>
+          </a:xfrm>
+          <a:prstGeom prst="straightConnector1">
+            <a:avLst/>
+          </a:prstGeom>
+          <a:ln>
+            <a:tailEnd type="triangle"/>
+          </a:ln>
+        </p:spPr>
+        <p:style>
+          <a:lnRef idx="1">
+            <a:schemeClr val="accent1"/>
+          </a:lnRef>
+          <a:fillRef idx="0">
+            <a:schemeClr val="accent1"/>
+          </a:fillRef>
+          <a:effectRef idx="0">
+            <a:schemeClr val="accent1"/>
+          </a:effectRef>
+          <a:fontRef idx="minor">
+            <a:schemeClr val="tx1"/>
+          </a:fontRef>
+        </p:style>
+      </p:cxnSp>
+      <p:cxnSp>
+        <p:nvCxnSpPr>
+          <p:cNvPr id="29" name="Straight Arrow Connector 28">
+            <a:extLst>
+              <a:ext uri="{FF2B5EF4-FFF2-40B4-BE49-F238E27FC236}">
+                <a16:creationId xmlns:a16="http://schemas.microsoft.com/office/drawing/2014/main" id="{4C350400-F3FE-4C11-A70B-F2824BF39E71}"/>
+              </a:ext>
+            </a:extLst>
+          </p:cNvPr>
+          <p:cNvCxnSpPr>
+            <a:cxnSpLocks/>
+            <a:stCxn id="19" idx="2"/>
+          </p:cNvCxnSpPr>
+          <p:nvPr/>
+        </p:nvCxnSpPr>
+        <p:spPr>
+          <a:xfrm>
+            <a:off x="4235451" y="1263650"/>
+            <a:ext cx="2540" cy="342900"/>
+          </a:xfrm>
+          <a:prstGeom prst="straightConnector1">
+            <a:avLst/>
+          </a:prstGeom>
+          <a:ln>
+            <a:tailEnd type="triangle"/>
+          </a:ln>
+        </p:spPr>
+        <p:style>
+          <a:lnRef idx="1">
+            <a:schemeClr val="accent1"/>
+          </a:lnRef>
+          <a:fillRef idx="0">
+            <a:schemeClr val="accent1"/>
+          </a:fillRef>
+          <a:effectRef idx="0">
+            <a:schemeClr val="accent1"/>
+          </a:effectRef>
+          <a:fontRef idx="minor">
+            <a:schemeClr val="tx1"/>
+          </a:fontRef>
+        </p:style>
+      </p:cxnSp>
+      <p:cxnSp>
+        <p:nvCxnSpPr>
+          <p:cNvPr id="9" name="Straight Arrow Connector 8">
+            <a:extLst>
+              <a:ext uri="{FF2B5EF4-FFF2-40B4-BE49-F238E27FC236}">
+                <a16:creationId xmlns:a16="http://schemas.microsoft.com/office/drawing/2014/main" id="{A1A15BE8-9BBF-4B37-95D0-59E3E2D55F5A}"/>
+              </a:ext>
+            </a:extLst>
+          </p:cNvPr>
+          <p:cNvCxnSpPr/>
+          <p:nvPr/>
+        </p:nvCxnSpPr>
+        <p:spPr>
+          <a:xfrm flipH="1">
+            <a:off x="1493939" y="2686050"/>
+            <a:ext cx="924501" cy="0"/>
+          </a:xfrm>
+          <a:prstGeom prst="straightConnector1">
+            <a:avLst/>
+          </a:prstGeom>
+          <a:ln>
+            <a:tailEnd type="triangle"/>
+          </a:ln>
+        </p:spPr>
+        <p:style>
+          <a:lnRef idx="1">
+            <a:schemeClr val="accent1"/>
+          </a:lnRef>
+          <a:fillRef idx="0">
+            <a:schemeClr val="accent1"/>
+          </a:fillRef>
+          <a:effectRef idx="0">
+            <a:schemeClr val="accent1"/>
+          </a:effectRef>
+          <a:fontRef idx="minor">
+            <a:schemeClr val="tx1"/>
+          </a:fontRef>
+        </p:style>
+      </p:cxnSp>
+      <p:sp>
+        <p:nvSpPr>
+          <p:cNvPr id="31" name="TextBox 30">
+            <a:extLst>
+              <a:ext uri="{FF2B5EF4-FFF2-40B4-BE49-F238E27FC236}">
+                <a16:creationId xmlns:a16="http://schemas.microsoft.com/office/drawing/2014/main" id="{D33494CE-78B9-491E-92C0-4EF51740D19B}"/>
+              </a:ext>
+            </a:extLst>
+          </p:cNvPr>
+          <p:cNvSpPr txBox="1"/>
+          <p:nvPr/>
+        </p:nvSpPr>
+        <p:spPr>
+          <a:xfrm>
+            <a:off x="1665382" y="2659271"/>
+            <a:ext cx="646331" cy="369332"/>
+          </a:xfrm>
+          <a:prstGeom prst="rect">
+            <a:avLst/>
+          </a:prstGeom>
+          <a:noFill/>
+        </p:spPr>
+        <p:txBody>
+          <a:bodyPr wrap="none" rtlCol="0">
+            <a:spAutoFit/>
+          </a:bodyPr>
+          <a:lstStyle/>
+          <a:p>
+            <a:r>
+              <a:rPr lang="zh-CN" altLang="en-US" dirty="0"/>
+              <a:t>提现</a:t>
+            </a:r>
+            <a:endParaRPr lang="en-US" altLang="zh-CN" dirty="0"/>
+          </a:p>
+        </p:txBody>
+      </p:sp>
+    </p:spTree>
+    <p:extLst>
+      <p:ext uri="{BB962C8B-B14F-4D97-AF65-F5344CB8AC3E}">
+        <p14:creationId xmlns:p14="http://schemas.microsoft.com/office/powerpoint/2010/main" val="2248929634"/>
       </p:ext>
     </p:extLst>
   </p:cSld>

--- a/design/P2P.pptx
+++ b/design/P2P.pptx
@@ -11,9 +11,12 @@
     <p:sldId id="259" r:id="rId5"/>
     <p:sldId id="260" r:id="rId6"/>
     <p:sldId id="261" r:id="rId7"/>
-    <p:sldId id="262" r:id="rId8"/>
-    <p:sldId id="263" r:id="rId9"/>
-    <p:sldId id="264" r:id="rId10"/>
+    <p:sldId id="265" r:id="rId8"/>
+    <p:sldId id="266" r:id="rId9"/>
+    <p:sldId id="267" r:id="rId10"/>
+    <p:sldId id="262" r:id="rId11"/>
+    <p:sldId id="263" r:id="rId12"/>
+    <p:sldId id="264" r:id="rId13"/>
   </p:sldIdLst>
   <p:sldSz cx="12192000" cy="6858000"/>
   <p:notesSz cx="6858000" cy="9144000"/>
@@ -273,7 +276,7 @@
           <a:p>
             <a:fld id="{09C70CA6-45EA-44C9-9E1B-CEA7ADA56BDC}" type="datetimeFigureOut">
               <a:rPr lang="zh-CN" altLang="en-US" smtClean="0"/>
-              <a:t>2018/5/29</a:t>
+              <a:t>2018/5/31</a:t>
             </a:fld>
             <a:endParaRPr lang="zh-CN" altLang="en-US"/>
           </a:p>
@@ -473,7 +476,7 @@
           <a:p>
             <a:fld id="{09C70CA6-45EA-44C9-9E1B-CEA7ADA56BDC}" type="datetimeFigureOut">
               <a:rPr lang="zh-CN" altLang="en-US" smtClean="0"/>
-              <a:t>2018/5/29</a:t>
+              <a:t>2018/5/31</a:t>
             </a:fld>
             <a:endParaRPr lang="zh-CN" altLang="en-US"/>
           </a:p>
@@ -683,7 +686,7 @@
           <a:p>
             <a:fld id="{09C70CA6-45EA-44C9-9E1B-CEA7ADA56BDC}" type="datetimeFigureOut">
               <a:rPr lang="zh-CN" altLang="en-US" smtClean="0"/>
-              <a:t>2018/5/29</a:t>
+              <a:t>2018/5/31</a:t>
             </a:fld>
             <a:endParaRPr lang="zh-CN" altLang="en-US"/>
           </a:p>
@@ -883,7 +886,7 @@
           <a:p>
             <a:fld id="{09C70CA6-45EA-44C9-9E1B-CEA7ADA56BDC}" type="datetimeFigureOut">
               <a:rPr lang="zh-CN" altLang="en-US" smtClean="0"/>
-              <a:t>2018/5/29</a:t>
+              <a:t>2018/5/31</a:t>
             </a:fld>
             <a:endParaRPr lang="zh-CN" altLang="en-US"/>
           </a:p>
@@ -1159,7 +1162,7 @@
           <a:p>
             <a:fld id="{09C70CA6-45EA-44C9-9E1B-CEA7ADA56BDC}" type="datetimeFigureOut">
               <a:rPr lang="zh-CN" altLang="en-US" smtClean="0"/>
-              <a:t>2018/5/29</a:t>
+              <a:t>2018/5/31</a:t>
             </a:fld>
             <a:endParaRPr lang="zh-CN" altLang="en-US"/>
           </a:p>
@@ -1427,7 +1430,7 @@
           <a:p>
             <a:fld id="{09C70CA6-45EA-44C9-9E1B-CEA7ADA56BDC}" type="datetimeFigureOut">
               <a:rPr lang="zh-CN" altLang="en-US" smtClean="0"/>
-              <a:t>2018/5/29</a:t>
+              <a:t>2018/5/31</a:t>
             </a:fld>
             <a:endParaRPr lang="zh-CN" altLang="en-US"/>
           </a:p>
@@ -1842,7 +1845,7 @@
           <a:p>
             <a:fld id="{09C70CA6-45EA-44C9-9E1B-CEA7ADA56BDC}" type="datetimeFigureOut">
               <a:rPr lang="zh-CN" altLang="en-US" smtClean="0"/>
-              <a:t>2018/5/29</a:t>
+              <a:t>2018/5/31</a:t>
             </a:fld>
             <a:endParaRPr lang="zh-CN" altLang="en-US"/>
           </a:p>
@@ -1984,7 +1987,7 @@
           <a:p>
             <a:fld id="{09C70CA6-45EA-44C9-9E1B-CEA7ADA56BDC}" type="datetimeFigureOut">
               <a:rPr lang="zh-CN" altLang="en-US" smtClean="0"/>
-              <a:t>2018/5/29</a:t>
+              <a:t>2018/5/31</a:t>
             </a:fld>
             <a:endParaRPr lang="zh-CN" altLang="en-US"/>
           </a:p>
@@ -2097,7 +2100,7 @@
           <a:p>
             <a:fld id="{09C70CA6-45EA-44C9-9E1B-CEA7ADA56BDC}" type="datetimeFigureOut">
               <a:rPr lang="zh-CN" altLang="en-US" smtClean="0"/>
-              <a:t>2018/5/29</a:t>
+              <a:t>2018/5/31</a:t>
             </a:fld>
             <a:endParaRPr lang="zh-CN" altLang="en-US"/>
           </a:p>
@@ -2410,7 +2413,7 @@
           <a:p>
             <a:fld id="{09C70CA6-45EA-44C9-9E1B-CEA7ADA56BDC}" type="datetimeFigureOut">
               <a:rPr lang="zh-CN" altLang="en-US" smtClean="0"/>
-              <a:t>2018/5/29</a:t>
+              <a:t>2018/5/31</a:t>
             </a:fld>
             <a:endParaRPr lang="zh-CN" altLang="en-US"/>
           </a:p>
@@ -2699,7 +2702,7 @@
           <a:p>
             <a:fld id="{09C70CA6-45EA-44C9-9E1B-CEA7ADA56BDC}" type="datetimeFigureOut">
               <a:rPr lang="zh-CN" altLang="en-US" smtClean="0"/>
-              <a:t>2018/5/29</a:t>
+              <a:t>2018/5/31</a:t>
             </a:fld>
             <a:endParaRPr lang="zh-CN" altLang="en-US"/>
           </a:p>
@@ -2942,7 +2945,7 @@
           <a:p>
             <a:fld id="{09C70CA6-45EA-44C9-9E1B-CEA7ADA56BDC}" type="datetimeFigureOut">
               <a:rPr lang="zh-CN" altLang="en-US" smtClean="0"/>
-              <a:t>2018/5/29</a:t>
+              <a:t>2018/5/31</a:t>
             </a:fld>
             <a:endParaRPr lang="zh-CN" altLang="en-US"/>
           </a:p>
@@ -3419,6 +3422,2304 @@
 </p:sld>
 </file>
 
+<file path=ppt/slides/slide10.xml><?xml version="1.0" encoding="utf-8"?>
+<p:sld xmlns:a="http://schemas.openxmlformats.org/drawingml/2006/main" xmlns:r="http://schemas.openxmlformats.org/officeDocument/2006/relationships" xmlns:p="http://schemas.openxmlformats.org/presentationml/2006/main">
+  <p:cSld>
+    <p:spTree>
+      <p:nvGrpSpPr>
+        <p:cNvPr id="1" name=""/>
+        <p:cNvGrpSpPr/>
+        <p:nvPr/>
+      </p:nvGrpSpPr>
+      <p:grpSpPr>
+        <a:xfrm>
+          <a:off x="0" y="0"/>
+          <a:ext cx="0" cy="0"/>
+          <a:chOff x="0" y="0"/>
+          <a:chExt cx="0" cy="0"/>
+        </a:xfrm>
+      </p:grpSpPr>
+      <p:sp>
+        <p:nvSpPr>
+          <p:cNvPr id="2" name="Rectangle 1">
+            <a:extLst>
+              <a:ext uri="{FF2B5EF4-FFF2-40B4-BE49-F238E27FC236}">
+                <a16:creationId xmlns:a16="http://schemas.microsoft.com/office/drawing/2014/main" id="{5A4619E4-837F-4D63-B9E5-AC0F9E8204EF}"/>
+              </a:ext>
+            </a:extLst>
+          </p:cNvPr>
+          <p:cNvSpPr/>
+          <p:nvPr/>
+        </p:nvSpPr>
+        <p:spPr>
+          <a:xfrm>
+            <a:off x="3526139" y="2549268"/>
+            <a:ext cx="4483100" cy="1968500"/>
+          </a:xfrm>
+          <a:prstGeom prst="rect">
+            <a:avLst/>
+          </a:prstGeom>
+          <a:solidFill>
+            <a:schemeClr val="accent5">
+              <a:lumMod val="20000"/>
+              <a:lumOff val="80000"/>
+            </a:schemeClr>
+          </a:solidFill>
+          <a:ln w="3175">
+            <a:solidFill>
+              <a:schemeClr val="accent5">
+                <a:lumMod val="40000"/>
+                <a:lumOff val="60000"/>
+              </a:schemeClr>
+            </a:solidFill>
+          </a:ln>
+        </p:spPr>
+        <p:style>
+          <a:lnRef idx="2">
+            <a:schemeClr val="accent1">
+              <a:shade val="50000"/>
+            </a:schemeClr>
+          </a:lnRef>
+          <a:fillRef idx="1">
+            <a:schemeClr val="accent1"/>
+          </a:fillRef>
+          <a:effectRef idx="0">
+            <a:schemeClr val="accent1"/>
+          </a:effectRef>
+          <a:fontRef idx="minor">
+            <a:schemeClr val="lt1"/>
+          </a:fontRef>
+        </p:style>
+        <p:txBody>
+          <a:bodyPr rtlCol="0" anchor="b"/>
+          <a:lstStyle/>
+          <a:p>
+            <a:pPr algn="ctr"/>
+            <a:r>
+              <a:rPr lang="zh-CN" altLang="en-US" dirty="0">
+                <a:solidFill>
+                  <a:schemeClr val="accent5">
+                    <a:lumMod val="50000"/>
+                  </a:schemeClr>
+                </a:solidFill>
+              </a:rPr>
+              <a:t>支付机构</a:t>
+            </a:r>
+          </a:p>
+        </p:txBody>
+      </p:sp>
+      <p:sp>
+        <p:nvSpPr>
+          <p:cNvPr id="35" name="Rectangle: Rounded Corners 34">
+            <a:extLst>
+              <a:ext uri="{FF2B5EF4-FFF2-40B4-BE49-F238E27FC236}">
+                <a16:creationId xmlns:a16="http://schemas.microsoft.com/office/drawing/2014/main" id="{A51AE306-4AB1-4DFE-98ED-4BBE16D27336}"/>
+              </a:ext>
+            </a:extLst>
+          </p:cNvPr>
+          <p:cNvSpPr/>
+          <p:nvPr/>
+        </p:nvSpPr>
+        <p:spPr>
+          <a:xfrm>
+            <a:off x="3785220" y="2644518"/>
+            <a:ext cx="3970018" cy="1530350"/>
+          </a:xfrm>
+          <a:prstGeom prst="roundRect">
+            <a:avLst>
+              <a:gd name="adj" fmla="val 7538"/>
+            </a:avLst>
+          </a:prstGeom>
+          <a:solidFill>
+            <a:schemeClr val="accent5">
+              <a:lumMod val="50000"/>
+            </a:schemeClr>
+          </a:solidFill>
+        </p:spPr>
+        <p:style>
+          <a:lnRef idx="2">
+            <a:schemeClr val="accent1">
+              <a:shade val="50000"/>
+            </a:schemeClr>
+          </a:lnRef>
+          <a:fillRef idx="1">
+            <a:schemeClr val="accent1"/>
+          </a:fillRef>
+          <a:effectRef idx="0">
+            <a:schemeClr val="accent1"/>
+          </a:effectRef>
+          <a:fontRef idx="minor">
+            <a:schemeClr val="lt1"/>
+          </a:fontRef>
+        </p:style>
+        <p:txBody>
+          <a:bodyPr rot="0" spcFirstLastPara="0" vertOverflow="overflow" horzOverflow="overflow" vert="horz" wrap="square" lIns="91440" tIns="45720" rIns="91440" bIns="45720" numCol="1" spcCol="0" rtlCol="0" fromWordArt="0" anchor="t" anchorCtr="0" forceAA="0" compatLnSpc="1">
+            <a:prstTxWarp prst="textNoShape">
+              <a:avLst/>
+            </a:prstTxWarp>
+            <a:noAutofit/>
+          </a:bodyPr>
+          <a:lstStyle/>
+          <a:p>
+            <a:pPr algn="ctr"/>
+            <a:r>
+              <a:rPr lang="zh-CN" altLang="en-US" dirty="0"/>
+              <a:t>结算账户</a:t>
+            </a:r>
+          </a:p>
+        </p:txBody>
+      </p:sp>
+      <p:sp>
+        <p:nvSpPr>
+          <p:cNvPr id="3" name="Rectangle: Rounded Corners 2">
+            <a:extLst>
+              <a:ext uri="{FF2B5EF4-FFF2-40B4-BE49-F238E27FC236}">
+                <a16:creationId xmlns:a16="http://schemas.microsoft.com/office/drawing/2014/main" id="{9C621ED0-26DF-43D5-AAD4-9E1D4BE3820B}"/>
+              </a:ext>
+            </a:extLst>
+          </p:cNvPr>
+          <p:cNvSpPr/>
+          <p:nvPr/>
+        </p:nvSpPr>
+        <p:spPr>
+          <a:xfrm>
+            <a:off x="5301907" y="3291351"/>
+            <a:ext cx="1080000" cy="720000"/>
+          </a:xfrm>
+          <a:prstGeom prst="roundRect">
+            <a:avLst>
+              <a:gd name="adj" fmla="val 11308"/>
+            </a:avLst>
+          </a:prstGeom>
+          <a:solidFill>
+            <a:schemeClr val="bg1"/>
+          </a:solidFill>
+        </p:spPr>
+        <p:style>
+          <a:lnRef idx="2">
+            <a:schemeClr val="accent1">
+              <a:shade val="50000"/>
+            </a:schemeClr>
+          </a:lnRef>
+          <a:fillRef idx="1">
+            <a:schemeClr val="accent1"/>
+          </a:fillRef>
+          <a:effectRef idx="0">
+            <a:schemeClr val="accent1"/>
+          </a:effectRef>
+          <a:fontRef idx="minor">
+            <a:schemeClr val="lt1"/>
+          </a:fontRef>
+        </p:style>
+        <p:txBody>
+          <a:bodyPr rtlCol="0" anchor="ctr"/>
+          <a:lstStyle/>
+          <a:p>
+            <a:pPr algn="ctr"/>
+            <a:r>
+              <a:rPr lang="en-US" altLang="zh-CN" dirty="0">
+                <a:solidFill>
+                  <a:schemeClr val="accent1">
+                    <a:lumMod val="50000"/>
+                  </a:schemeClr>
+                </a:solidFill>
+              </a:rPr>
+              <a:t>P2P</a:t>
+            </a:r>
+            <a:r>
+              <a:rPr lang="zh-CN" altLang="en-US" dirty="0">
+                <a:solidFill>
+                  <a:schemeClr val="accent1">
+                    <a:lumMod val="50000"/>
+                  </a:schemeClr>
+                </a:solidFill>
+              </a:rPr>
+              <a:t>收益子账户</a:t>
+            </a:r>
+          </a:p>
+        </p:txBody>
+      </p:sp>
+      <p:sp>
+        <p:nvSpPr>
+          <p:cNvPr id="4" name="Rectangle 3">
+            <a:extLst>
+              <a:ext uri="{FF2B5EF4-FFF2-40B4-BE49-F238E27FC236}">
+                <a16:creationId xmlns:a16="http://schemas.microsoft.com/office/drawing/2014/main" id="{982E9F94-46EC-4B70-969D-41008E2935A7}"/>
+              </a:ext>
+            </a:extLst>
+          </p:cNvPr>
+          <p:cNvSpPr/>
+          <p:nvPr/>
+        </p:nvSpPr>
+        <p:spPr>
+          <a:xfrm>
+            <a:off x="3526139" y="1832070"/>
+            <a:ext cx="4483100" cy="469548"/>
+          </a:xfrm>
+          <a:prstGeom prst="rect">
+            <a:avLst/>
+          </a:prstGeom>
+          <a:solidFill>
+            <a:schemeClr val="accent6">
+              <a:lumMod val="20000"/>
+              <a:lumOff val="80000"/>
+            </a:schemeClr>
+          </a:solidFill>
+          <a:ln w="3175">
+            <a:solidFill>
+              <a:schemeClr val="accent6">
+                <a:lumMod val="40000"/>
+                <a:lumOff val="60000"/>
+              </a:schemeClr>
+            </a:solidFill>
+          </a:ln>
+        </p:spPr>
+        <p:style>
+          <a:lnRef idx="2">
+            <a:schemeClr val="accent1">
+              <a:shade val="50000"/>
+            </a:schemeClr>
+          </a:lnRef>
+          <a:fillRef idx="1">
+            <a:schemeClr val="accent1"/>
+          </a:fillRef>
+          <a:effectRef idx="0">
+            <a:schemeClr val="accent1"/>
+          </a:effectRef>
+          <a:fontRef idx="minor">
+            <a:schemeClr val="lt1"/>
+          </a:fontRef>
+        </p:style>
+        <p:txBody>
+          <a:bodyPr rtlCol="0" anchor="t"/>
+          <a:lstStyle/>
+          <a:p>
+            <a:pPr algn="ctr"/>
+            <a:r>
+              <a:rPr lang="en-US" altLang="zh-CN" dirty="0">
+                <a:solidFill>
+                  <a:schemeClr val="accent6">
+                    <a:lumMod val="50000"/>
+                  </a:schemeClr>
+                </a:solidFill>
+              </a:rPr>
+              <a:t>P2P</a:t>
+            </a:r>
+            <a:r>
+              <a:rPr lang="zh-CN" altLang="en-US" dirty="0">
+                <a:solidFill>
+                  <a:schemeClr val="accent6">
+                    <a:lumMod val="50000"/>
+                  </a:schemeClr>
+                </a:solidFill>
+              </a:rPr>
+              <a:t>平台</a:t>
+            </a:r>
+          </a:p>
+        </p:txBody>
+      </p:sp>
+      <p:sp>
+        <p:nvSpPr>
+          <p:cNvPr id="5" name="Rectangle: Rounded Corners 4">
+            <a:extLst>
+              <a:ext uri="{FF2B5EF4-FFF2-40B4-BE49-F238E27FC236}">
+                <a16:creationId xmlns:a16="http://schemas.microsoft.com/office/drawing/2014/main" id="{EDA94B32-150D-4A4B-AA65-F5398666A2A6}"/>
+              </a:ext>
+            </a:extLst>
+          </p:cNvPr>
+          <p:cNvSpPr/>
+          <p:nvPr/>
+        </p:nvSpPr>
+        <p:spPr>
+          <a:xfrm>
+            <a:off x="3977674" y="3290673"/>
+            <a:ext cx="1080000" cy="720000"/>
+          </a:xfrm>
+          <a:prstGeom prst="roundRect">
+            <a:avLst/>
+          </a:prstGeom>
+          <a:solidFill>
+            <a:schemeClr val="bg1"/>
+          </a:solidFill>
+        </p:spPr>
+        <p:style>
+          <a:lnRef idx="2">
+            <a:schemeClr val="accent1">
+              <a:shade val="50000"/>
+            </a:schemeClr>
+          </a:lnRef>
+          <a:fillRef idx="1">
+            <a:schemeClr val="accent1"/>
+          </a:fillRef>
+          <a:effectRef idx="0">
+            <a:schemeClr val="accent1"/>
+          </a:effectRef>
+          <a:fontRef idx="minor">
+            <a:schemeClr val="lt1"/>
+          </a:fontRef>
+        </p:style>
+        <p:txBody>
+          <a:bodyPr rot="0" spcFirstLastPara="0" vertOverflow="overflow" horzOverflow="overflow" vert="horz" wrap="square" lIns="91440" tIns="45720" rIns="91440" bIns="45720" numCol="1" spcCol="0" rtlCol="0" fromWordArt="0" anchor="ctr" anchorCtr="0" forceAA="0" compatLnSpc="1">
+            <a:prstTxWarp prst="textNoShape">
+              <a:avLst/>
+            </a:prstTxWarp>
+            <a:noAutofit/>
+          </a:bodyPr>
+          <a:lstStyle/>
+          <a:p>
+            <a:pPr algn="ctr"/>
+            <a:r>
+              <a:rPr lang="zh-CN" altLang="en-US" dirty="0">
+                <a:solidFill>
+                  <a:schemeClr val="accent1">
+                    <a:lumMod val="50000"/>
+                  </a:schemeClr>
+                </a:solidFill>
+              </a:rPr>
+              <a:t>投资人子账户</a:t>
+            </a:r>
+          </a:p>
+        </p:txBody>
+      </p:sp>
+      <p:sp>
+        <p:nvSpPr>
+          <p:cNvPr id="6" name="Rectangle: Rounded Corners 5">
+            <a:extLst>
+              <a:ext uri="{FF2B5EF4-FFF2-40B4-BE49-F238E27FC236}">
+                <a16:creationId xmlns:a16="http://schemas.microsoft.com/office/drawing/2014/main" id="{FAC42D10-6287-4B50-AC05-2DBC93B2335F}"/>
+              </a:ext>
+            </a:extLst>
+          </p:cNvPr>
+          <p:cNvSpPr/>
+          <p:nvPr/>
+        </p:nvSpPr>
+        <p:spPr>
+          <a:xfrm>
+            <a:off x="6532603" y="3265959"/>
+            <a:ext cx="1080000" cy="720000"/>
+          </a:xfrm>
+          <a:prstGeom prst="roundRect">
+            <a:avLst/>
+          </a:prstGeom>
+          <a:solidFill>
+            <a:schemeClr val="bg1"/>
+          </a:solidFill>
+        </p:spPr>
+        <p:style>
+          <a:lnRef idx="2">
+            <a:schemeClr val="accent1">
+              <a:shade val="50000"/>
+            </a:schemeClr>
+          </a:lnRef>
+          <a:fillRef idx="1">
+            <a:schemeClr val="accent1"/>
+          </a:fillRef>
+          <a:effectRef idx="0">
+            <a:schemeClr val="accent1"/>
+          </a:effectRef>
+          <a:fontRef idx="minor">
+            <a:schemeClr val="lt1"/>
+          </a:fontRef>
+        </p:style>
+        <p:txBody>
+          <a:bodyPr rot="0" spcFirstLastPara="0" vertOverflow="overflow" horzOverflow="overflow" vert="horz" wrap="square" lIns="91440" tIns="45720" rIns="91440" bIns="45720" numCol="1" spcCol="0" rtlCol="0" fromWordArt="0" anchor="ctr" anchorCtr="0" forceAA="0" compatLnSpc="1">
+            <a:prstTxWarp prst="textNoShape">
+              <a:avLst/>
+            </a:prstTxWarp>
+            <a:noAutofit/>
+          </a:bodyPr>
+          <a:lstStyle/>
+          <a:p>
+            <a:pPr algn="ctr"/>
+            <a:r>
+              <a:rPr lang="zh-CN" altLang="en-US" dirty="0">
+                <a:solidFill>
+                  <a:schemeClr val="accent1">
+                    <a:lumMod val="50000"/>
+                  </a:schemeClr>
+                </a:solidFill>
+              </a:rPr>
+              <a:t>借款人子账户</a:t>
+            </a:r>
+          </a:p>
+        </p:txBody>
+      </p:sp>
+      <p:sp>
+        <p:nvSpPr>
+          <p:cNvPr id="8" name="Rectangle: Rounded Corners 7">
+            <a:extLst>
+              <a:ext uri="{FF2B5EF4-FFF2-40B4-BE49-F238E27FC236}">
+                <a16:creationId xmlns:a16="http://schemas.microsoft.com/office/drawing/2014/main" id="{32AD37B3-27D3-47F0-82E1-9CE9A07294EA}"/>
+              </a:ext>
+            </a:extLst>
+          </p:cNvPr>
+          <p:cNvSpPr/>
+          <p:nvPr/>
+        </p:nvSpPr>
+        <p:spPr>
+          <a:xfrm>
+            <a:off x="8635279" y="3271732"/>
+            <a:ext cx="988540" cy="708453"/>
+          </a:xfrm>
+          <a:prstGeom prst="roundRect">
+            <a:avLst/>
+          </a:prstGeom>
+          <a:solidFill>
+            <a:schemeClr val="tx2">
+              <a:lumMod val="50000"/>
+            </a:schemeClr>
+          </a:solidFill>
+          <a:ln>
+            <a:noFill/>
+          </a:ln>
+        </p:spPr>
+        <p:style>
+          <a:lnRef idx="2">
+            <a:schemeClr val="accent1">
+              <a:shade val="50000"/>
+            </a:schemeClr>
+          </a:lnRef>
+          <a:fillRef idx="1">
+            <a:schemeClr val="accent1"/>
+          </a:fillRef>
+          <a:effectRef idx="0">
+            <a:schemeClr val="accent1"/>
+          </a:effectRef>
+          <a:fontRef idx="minor">
+            <a:schemeClr val="lt1"/>
+          </a:fontRef>
+        </p:style>
+        <p:txBody>
+          <a:bodyPr rtlCol="0" anchor="ctr"/>
+          <a:lstStyle/>
+          <a:p>
+            <a:pPr algn="ctr"/>
+            <a:r>
+              <a:rPr lang="zh-CN" altLang="en-US" dirty="0"/>
+              <a:t>外部</a:t>
+            </a:r>
+            <a:endParaRPr lang="en-US" altLang="zh-CN" dirty="0"/>
+          </a:p>
+          <a:p>
+            <a:pPr algn="ctr"/>
+            <a:r>
+              <a:rPr lang="zh-CN" altLang="en-US" dirty="0"/>
+              <a:t>账户</a:t>
+            </a:r>
+          </a:p>
+        </p:txBody>
+      </p:sp>
+      <p:sp>
+        <p:nvSpPr>
+          <p:cNvPr id="13" name="TextBox 12">
+            <a:extLst>
+              <a:ext uri="{FF2B5EF4-FFF2-40B4-BE49-F238E27FC236}">
+                <a16:creationId xmlns:a16="http://schemas.microsoft.com/office/drawing/2014/main" id="{BFA22FBA-A362-494A-A28C-19C09BB0E8F3}"/>
+              </a:ext>
+            </a:extLst>
+          </p:cNvPr>
+          <p:cNvSpPr txBox="1"/>
+          <p:nvPr/>
+        </p:nvSpPr>
+        <p:spPr>
+          <a:xfrm>
+            <a:off x="7957477" y="3281341"/>
+            <a:ext cx="646331" cy="369332"/>
+          </a:xfrm>
+          <a:prstGeom prst="rect">
+            <a:avLst/>
+          </a:prstGeom>
+          <a:noFill/>
+        </p:spPr>
+        <p:txBody>
+          <a:bodyPr wrap="none" rtlCol="0">
+            <a:spAutoFit/>
+          </a:bodyPr>
+          <a:lstStyle/>
+          <a:p>
+            <a:r>
+              <a:rPr lang="zh-CN" altLang="en-US" dirty="0"/>
+              <a:t>返款</a:t>
+            </a:r>
+            <a:endParaRPr lang="en-US" altLang="zh-CN" dirty="0"/>
+          </a:p>
+        </p:txBody>
+      </p:sp>
+      <p:sp>
+        <p:nvSpPr>
+          <p:cNvPr id="16" name="Rectangle: Rounded Corners 15">
+            <a:extLst>
+              <a:ext uri="{FF2B5EF4-FFF2-40B4-BE49-F238E27FC236}">
+                <a16:creationId xmlns:a16="http://schemas.microsoft.com/office/drawing/2014/main" id="{4810EA72-E975-4042-A730-AA6580EA444E}"/>
+              </a:ext>
+            </a:extLst>
+          </p:cNvPr>
+          <p:cNvSpPr/>
+          <p:nvPr/>
+        </p:nvSpPr>
+        <p:spPr>
+          <a:xfrm>
+            <a:off x="2051135" y="3302220"/>
+            <a:ext cx="988540" cy="708453"/>
+          </a:xfrm>
+          <a:prstGeom prst="roundRect">
+            <a:avLst/>
+          </a:prstGeom>
+          <a:solidFill>
+            <a:schemeClr val="tx2">
+              <a:lumMod val="50000"/>
+            </a:schemeClr>
+          </a:solidFill>
+          <a:ln>
+            <a:noFill/>
+          </a:ln>
+        </p:spPr>
+        <p:style>
+          <a:lnRef idx="2">
+            <a:schemeClr val="accent1">
+              <a:shade val="50000"/>
+            </a:schemeClr>
+          </a:lnRef>
+          <a:fillRef idx="1">
+            <a:schemeClr val="accent1"/>
+          </a:fillRef>
+          <a:effectRef idx="0">
+            <a:schemeClr val="accent1"/>
+          </a:effectRef>
+          <a:fontRef idx="minor">
+            <a:schemeClr val="lt1"/>
+          </a:fontRef>
+        </p:style>
+        <p:txBody>
+          <a:bodyPr rot="0" spcFirstLastPara="0" vertOverflow="overflow" horzOverflow="overflow" vert="horz" wrap="square" lIns="91440" tIns="45720" rIns="91440" bIns="45720" numCol="1" spcCol="0" rtlCol="0" fromWordArt="0" anchor="ctr" anchorCtr="0" forceAA="0" compatLnSpc="1">
+            <a:prstTxWarp prst="textNoShape">
+              <a:avLst/>
+            </a:prstTxWarp>
+            <a:noAutofit/>
+          </a:bodyPr>
+          <a:lstStyle/>
+          <a:p>
+            <a:pPr algn="ctr"/>
+            <a:r>
+              <a:rPr lang="zh-CN" altLang="en-US"/>
+              <a:t>外部</a:t>
+            </a:r>
+            <a:endParaRPr lang="en-US" altLang="zh-CN" dirty="0"/>
+          </a:p>
+          <a:p>
+            <a:pPr algn="ctr"/>
+            <a:r>
+              <a:rPr lang="zh-CN" altLang="en-US" dirty="0"/>
+              <a:t>账户</a:t>
+            </a:r>
+          </a:p>
+        </p:txBody>
+      </p:sp>
+      <p:sp>
+        <p:nvSpPr>
+          <p:cNvPr id="21" name="TextBox 20">
+            <a:extLst>
+              <a:ext uri="{FF2B5EF4-FFF2-40B4-BE49-F238E27FC236}">
+                <a16:creationId xmlns:a16="http://schemas.microsoft.com/office/drawing/2014/main" id="{C0A3DC8A-7F69-4B78-B4D1-99D83D251F9A}"/>
+              </a:ext>
+            </a:extLst>
+          </p:cNvPr>
+          <p:cNvSpPr txBox="1"/>
+          <p:nvPr/>
+        </p:nvSpPr>
+        <p:spPr>
+          <a:xfrm>
+            <a:off x="3019943" y="3281406"/>
+            <a:ext cx="646331" cy="369332"/>
+          </a:xfrm>
+          <a:prstGeom prst="rect">
+            <a:avLst/>
+          </a:prstGeom>
+          <a:noFill/>
+        </p:spPr>
+        <p:txBody>
+          <a:bodyPr wrap="none" rtlCol="0">
+            <a:spAutoFit/>
+          </a:bodyPr>
+          <a:lstStyle/>
+          <a:p>
+            <a:r>
+              <a:rPr lang="zh-CN" altLang="en-US" dirty="0"/>
+              <a:t>充值</a:t>
+            </a:r>
+            <a:endParaRPr lang="en-US" altLang="zh-CN" dirty="0"/>
+          </a:p>
+        </p:txBody>
+      </p:sp>
+      <p:cxnSp>
+        <p:nvCxnSpPr>
+          <p:cNvPr id="32" name="Straight Arrow Connector 31">
+            <a:extLst>
+              <a:ext uri="{FF2B5EF4-FFF2-40B4-BE49-F238E27FC236}">
+                <a16:creationId xmlns:a16="http://schemas.microsoft.com/office/drawing/2014/main" id="{18F714EC-AD26-450A-808A-EC1E750326F3}"/>
+              </a:ext>
+            </a:extLst>
+          </p:cNvPr>
+          <p:cNvCxnSpPr>
+            <a:stCxn id="16" idx="3"/>
+            <a:endCxn id="5" idx="1"/>
+          </p:cNvCxnSpPr>
+          <p:nvPr/>
+        </p:nvCxnSpPr>
+        <p:spPr>
+          <a:xfrm flipV="1">
+            <a:off x="3039675" y="3650673"/>
+            <a:ext cx="937999" cy="5774"/>
+          </a:xfrm>
+          <a:prstGeom prst="straightConnector1">
+            <a:avLst/>
+          </a:prstGeom>
+          <a:ln>
+            <a:tailEnd type="triangle"/>
+          </a:ln>
+        </p:spPr>
+        <p:style>
+          <a:lnRef idx="1">
+            <a:schemeClr val="accent1"/>
+          </a:lnRef>
+          <a:fillRef idx="0">
+            <a:schemeClr val="accent1"/>
+          </a:fillRef>
+          <a:effectRef idx="0">
+            <a:schemeClr val="accent1"/>
+          </a:effectRef>
+          <a:fontRef idx="minor">
+            <a:schemeClr val="tx1"/>
+          </a:fontRef>
+        </p:style>
+      </p:cxnSp>
+      <p:cxnSp>
+        <p:nvCxnSpPr>
+          <p:cNvPr id="37" name="Straight Arrow Connector 36">
+            <a:extLst>
+              <a:ext uri="{FF2B5EF4-FFF2-40B4-BE49-F238E27FC236}">
+                <a16:creationId xmlns:a16="http://schemas.microsoft.com/office/drawing/2014/main" id="{DDDC8A23-03EA-4296-930B-ACEEF5A83040}"/>
+              </a:ext>
+            </a:extLst>
+          </p:cNvPr>
+          <p:cNvCxnSpPr>
+            <a:stCxn id="4" idx="2"/>
+            <a:endCxn id="35" idx="0"/>
+          </p:cNvCxnSpPr>
+          <p:nvPr/>
+        </p:nvCxnSpPr>
+        <p:spPr>
+          <a:xfrm>
+            <a:off x="5767689" y="2301618"/>
+            <a:ext cx="2540" cy="342900"/>
+          </a:xfrm>
+          <a:prstGeom prst="straightConnector1">
+            <a:avLst/>
+          </a:prstGeom>
+          <a:ln>
+            <a:tailEnd type="triangle"/>
+          </a:ln>
+        </p:spPr>
+        <p:style>
+          <a:lnRef idx="1">
+            <a:schemeClr val="accent1"/>
+          </a:lnRef>
+          <a:fillRef idx="0">
+            <a:schemeClr val="accent1"/>
+          </a:fillRef>
+          <a:effectRef idx="0">
+            <a:schemeClr val="accent1"/>
+          </a:effectRef>
+          <a:fontRef idx="minor">
+            <a:schemeClr val="tx1"/>
+          </a:fontRef>
+        </p:style>
+      </p:cxnSp>
+      <p:cxnSp>
+        <p:nvCxnSpPr>
+          <p:cNvPr id="9" name="Straight Arrow Connector 8">
+            <a:extLst>
+              <a:ext uri="{FF2B5EF4-FFF2-40B4-BE49-F238E27FC236}">
+                <a16:creationId xmlns:a16="http://schemas.microsoft.com/office/drawing/2014/main" id="{F4D72990-63AF-4550-A9E5-9457C01E57A2}"/>
+              </a:ext>
+            </a:extLst>
+          </p:cNvPr>
+          <p:cNvCxnSpPr>
+            <a:stCxn id="6" idx="3"/>
+            <a:endCxn id="8" idx="1"/>
+          </p:cNvCxnSpPr>
+          <p:nvPr/>
+        </p:nvCxnSpPr>
+        <p:spPr>
+          <a:xfrm>
+            <a:off x="7612603" y="3625959"/>
+            <a:ext cx="1022676" cy="0"/>
+          </a:xfrm>
+          <a:prstGeom prst="straightConnector1">
+            <a:avLst/>
+          </a:prstGeom>
+          <a:ln>
+            <a:tailEnd type="triangle"/>
+          </a:ln>
+        </p:spPr>
+        <p:style>
+          <a:lnRef idx="1">
+            <a:schemeClr val="accent1"/>
+          </a:lnRef>
+          <a:fillRef idx="0">
+            <a:schemeClr val="accent1"/>
+          </a:fillRef>
+          <a:effectRef idx="0">
+            <a:schemeClr val="accent1"/>
+          </a:effectRef>
+          <a:fontRef idx="minor">
+            <a:schemeClr val="tx1"/>
+          </a:fontRef>
+        </p:style>
+      </p:cxnSp>
+    </p:spTree>
+    <p:extLst>
+      <p:ext uri="{BB962C8B-B14F-4D97-AF65-F5344CB8AC3E}">
+        <p14:creationId xmlns:p14="http://schemas.microsoft.com/office/powerpoint/2010/main" val="1249336265"/>
+      </p:ext>
+    </p:extLst>
+  </p:cSld>
+  <p:clrMapOvr>
+    <a:masterClrMapping/>
+  </p:clrMapOvr>
+</p:sld>
+</file>
+
+<file path=ppt/slides/slide11.xml><?xml version="1.0" encoding="utf-8"?>
+<p:sld xmlns:a="http://schemas.openxmlformats.org/drawingml/2006/main" xmlns:r="http://schemas.openxmlformats.org/officeDocument/2006/relationships" xmlns:p="http://schemas.openxmlformats.org/presentationml/2006/main">
+  <p:cSld>
+    <p:spTree>
+      <p:nvGrpSpPr>
+        <p:cNvPr id="1" name=""/>
+        <p:cNvGrpSpPr/>
+        <p:nvPr/>
+      </p:nvGrpSpPr>
+      <p:grpSpPr>
+        <a:xfrm>
+          <a:off x="0" y="0"/>
+          <a:ext cx="0" cy="0"/>
+          <a:chOff x="0" y="0"/>
+          <a:chExt cx="0" cy="0"/>
+        </a:xfrm>
+      </p:grpSpPr>
+      <p:sp>
+        <p:nvSpPr>
+          <p:cNvPr id="15" name="Rectangle 14">
+            <a:extLst>
+              <a:ext uri="{FF2B5EF4-FFF2-40B4-BE49-F238E27FC236}">
+                <a16:creationId xmlns:a16="http://schemas.microsoft.com/office/drawing/2014/main" id="{6A39465E-40F5-48EC-811B-E7B903F435DE}"/>
+              </a:ext>
+            </a:extLst>
+          </p:cNvPr>
+          <p:cNvSpPr/>
+          <p:nvPr/>
+        </p:nvSpPr>
+        <p:spPr>
+          <a:xfrm>
+            <a:off x="4061598" y="2887019"/>
+            <a:ext cx="4483100" cy="1968500"/>
+          </a:xfrm>
+          <a:prstGeom prst="rect">
+            <a:avLst/>
+          </a:prstGeom>
+          <a:solidFill>
+            <a:schemeClr val="accent5">
+              <a:lumMod val="20000"/>
+              <a:lumOff val="80000"/>
+            </a:schemeClr>
+          </a:solidFill>
+          <a:ln w="3175">
+            <a:solidFill>
+              <a:schemeClr val="accent5">
+                <a:lumMod val="40000"/>
+                <a:lumOff val="60000"/>
+              </a:schemeClr>
+            </a:solidFill>
+          </a:ln>
+        </p:spPr>
+        <p:style>
+          <a:lnRef idx="2">
+            <a:schemeClr val="accent1">
+              <a:shade val="50000"/>
+            </a:schemeClr>
+          </a:lnRef>
+          <a:fillRef idx="1">
+            <a:schemeClr val="accent1"/>
+          </a:fillRef>
+          <a:effectRef idx="0">
+            <a:schemeClr val="accent1"/>
+          </a:effectRef>
+          <a:fontRef idx="minor">
+            <a:schemeClr val="lt1"/>
+          </a:fontRef>
+        </p:style>
+        <p:txBody>
+          <a:bodyPr rtlCol="0" anchor="b"/>
+          <a:lstStyle/>
+          <a:p>
+            <a:pPr algn="ctr"/>
+            <a:r>
+              <a:rPr lang="zh-CN" altLang="en-US" dirty="0">
+                <a:solidFill>
+                  <a:schemeClr val="accent5">
+                    <a:lumMod val="50000"/>
+                  </a:schemeClr>
+                </a:solidFill>
+              </a:rPr>
+              <a:t>支付机构</a:t>
+            </a:r>
+          </a:p>
+        </p:txBody>
+      </p:sp>
+      <p:sp>
+        <p:nvSpPr>
+          <p:cNvPr id="18" name="Rectangle: Rounded Corners 17">
+            <a:extLst>
+              <a:ext uri="{FF2B5EF4-FFF2-40B4-BE49-F238E27FC236}">
+                <a16:creationId xmlns:a16="http://schemas.microsoft.com/office/drawing/2014/main" id="{637E9158-C493-4201-94E2-BE2B32D9E0E8}"/>
+              </a:ext>
+            </a:extLst>
+          </p:cNvPr>
+          <p:cNvSpPr/>
+          <p:nvPr/>
+        </p:nvSpPr>
+        <p:spPr>
+          <a:xfrm>
+            <a:off x="5837366" y="3629102"/>
+            <a:ext cx="1080000" cy="720000"/>
+          </a:xfrm>
+          <a:prstGeom prst="roundRect">
+            <a:avLst>
+              <a:gd name="adj" fmla="val 11308"/>
+            </a:avLst>
+          </a:prstGeom>
+          <a:solidFill>
+            <a:schemeClr val="accent5">
+              <a:lumMod val="50000"/>
+            </a:schemeClr>
+          </a:solidFill>
+        </p:spPr>
+        <p:style>
+          <a:lnRef idx="2">
+            <a:schemeClr val="accent1">
+              <a:shade val="50000"/>
+            </a:schemeClr>
+          </a:lnRef>
+          <a:fillRef idx="1">
+            <a:schemeClr val="accent1"/>
+          </a:fillRef>
+          <a:effectRef idx="0">
+            <a:schemeClr val="accent1"/>
+          </a:effectRef>
+          <a:fontRef idx="minor">
+            <a:schemeClr val="lt1"/>
+          </a:fontRef>
+        </p:style>
+        <p:txBody>
+          <a:bodyPr rot="0" spcFirstLastPara="0" vertOverflow="overflow" horzOverflow="overflow" vert="horz" wrap="square" lIns="91440" tIns="45720" rIns="91440" bIns="45720" numCol="1" spcCol="0" rtlCol="0" fromWordArt="0" anchor="t" anchorCtr="0" forceAA="0" compatLnSpc="1">
+            <a:prstTxWarp prst="textNoShape">
+              <a:avLst/>
+            </a:prstTxWarp>
+            <a:noAutofit/>
+          </a:bodyPr>
+          <a:lstStyle/>
+          <a:p>
+            <a:pPr algn="ctr"/>
+            <a:r>
+              <a:rPr lang="en-US" altLang="zh-CN" dirty="0"/>
+              <a:t>P2P</a:t>
+            </a:r>
+            <a:r>
+              <a:rPr lang="zh-CN" altLang="en-US" dirty="0"/>
+              <a:t>收益账户</a:t>
+            </a:r>
+          </a:p>
+        </p:txBody>
+      </p:sp>
+      <p:sp>
+        <p:nvSpPr>
+          <p:cNvPr id="19" name="Rectangle 18">
+            <a:extLst>
+              <a:ext uri="{FF2B5EF4-FFF2-40B4-BE49-F238E27FC236}">
+                <a16:creationId xmlns:a16="http://schemas.microsoft.com/office/drawing/2014/main" id="{E1978540-1C31-4251-A393-DBC8B38A8DE8}"/>
+              </a:ext>
+            </a:extLst>
+          </p:cNvPr>
+          <p:cNvSpPr/>
+          <p:nvPr/>
+        </p:nvSpPr>
+        <p:spPr>
+          <a:xfrm>
+            <a:off x="4061598" y="2169821"/>
+            <a:ext cx="4483100" cy="469548"/>
+          </a:xfrm>
+          <a:prstGeom prst="rect">
+            <a:avLst/>
+          </a:prstGeom>
+          <a:solidFill>
+            <a:schemeClr val="accent6">
+              <a:lumMod val="20000"/>
+              <a:lumOff val="80000"/>
+            </a:schemeClr>
+          </a:solidFill>
+          <a:ln w="3175">
+            <a:solidFill>
+              <a:schemeClr val="accent6">
+                <a:lumMod val="40000"/>
+                <a:lumOff val="60000"/>
+              </a:schemeClr>
+            </a:solidFill>
+          </a:ln>
+        </p:spPr>
+        <p:style>
+          <a:lnRef idx="2">
+            <a:schemeClr val="accent1">
+              <a:shade val="50000"/>
+            </a:schemeClr>
+          </a:lnRef>
+          <a:fillRef idx="1">
+            <a:schemeClr val="accent1"/>
+          </a:fillRef>
+          <a:effectRef idx="0">
+            <a:schemeClr val="accent1"/>
+          </a:effectRef>
+          <a:fontRef idx="minor">
+            <a:schemeClr val="lt1"/>
+          </a:fontRef>
+        </p:style>
+        <p:txBody>
+          <a:bodyPr rtlCol="0" anchor="t"/>
+          <a:lstStyle/>
+          <a:p>
+            <a:pPr algn="ctr"/>
+            <a:r>
+              <a:rPr lang="en-US" altLang="zh-CN" dirty="0">
+                <a:solidFill>
+                  <a:schemeClr val="accent6">
+                    <a:lumMod val="50000"/>
+                  </a:schemeClr>
+                </a:solidFill>
+              </a:rPr>
+              <a:t>P2P</a:t>
+            </a:r>
+            <a:r>
+              <a:rPr lang="zh-CN" altLang="en-US" dirty="0">
+                <a:solidFill>
+                  <a:schemeClr val="accent6">
+                    <a:lumMod val="50000"/>
+                  </a:schemeClr>
+                </a:solidFill>
+              </a:rPr>
+              <a:t>平台</a:t>
+            </a:r>
+          </a:p>
+        </p:txBody>
+      </p:sp>
+      <p:sp>
+        <p:nvSpPr>
+          <p:cNvPr id="20" name="Rectangle: Rounded Corners 19">
+            <a:extLst>
+              <a:ext uri="{FF2B5EF4-FFF2-40B4-BE49-F238E27FC236}">
+                <a16:creationId xmlns:a16="http://schemas.microsoft.com/office/drawing/2014/main" id="{9CDDFC9C-FD69-4163-9F2B-C7D1A3DEA6C3}"/>
+              </a:ext>
+            </a:extLst>
+          </p:cNvPr>
+          <p:cNvSpPr/>
+          <p:nvPr/>
+        </p:nvSpPr>
+        <p:spPr>
+          <a:xfrm>
+            <a:off x="4513133" y="3628424"/>
+            <a:ext cx="1080000" cy="720000"/>
+          </a:xfrm>
+          <a:prstGeom prst="roundRect">
+            <a:avLst/>
+          </a:prstGeom>
+          <a:solidFill>
+            <a:schemeClr val="accent5">
+              <a:lumMod val="50000"/>
+            </a:schemeClr>
+          </a:solidFill>
+        </p:spPr>
+        <p:style>
+          <a:lnRef idx="2">
+            <a:schemeClr val="accent1">
+              <a:shade val="50000"/>
+            </a:schemeClr>
+          </a:lnRef>
+          <a:fillRef idx="1">
+            <a:schemeClr val="accent1"/>
+          </a:fillRef>
+          <a:effectRef idx="0">
+            <a:schemeClr val="accent1"/>
+          </a:effectRef>
+          <a:fontRef idx="minor">
+            <a:schemeClr val="lt1"/>
+          </a:fontRef>
+        </p:style>
+        <p:txBody>
+          <a:bodyPr rot="0" spcFirstLastPara="0" vertOverflow="overflow" horzOverflow="overflow" vert="horz" wrap="square" lIns="91440" tIns="45720" rIns="91440" bIns="45720" numCol="1" spcCol="0" rtlCol="0" fromWordArt="0" anchor="t" anchorCtr="0" forceAA="0" compatLnSpc="1">
+            <a:prstTxWarp prst="textNoShape">
+              <a:avLst/>
+            </a:prstTxWarp>
+            <a:noAutofit/>
+          </a:bodyPr>
+          <a:lstStyle/>
+          <a:p>
+            <a:pPr algn="ctr"/>
+            <a:r>
+              <a:rPr lang="zh-CN" altLang="en-US" dirty="0"/>
+              <a:t>投资人账户</a:t>
+            </a:r>
+          </a:p>
+        </p:txBody>
+      </p:sp>
+      <p:sp>
+        <p:nvSpPr>
+          <p:cNvPr id="22" name="Rectangle: Rounded Corners 21">
+            <a:extLst>
+              <a:ext uri="{FF2B5EF4-FFF2-40B4-BE49-F238E27FC236}">
+                <a16:creationId xmlns:a16="http://schemas.microsoft.com/office/drawing/2014/main" id="{5E13C32E-0A34-430C-A58D-BC4A2B011A58}"/>
+              </a:ext>
+            </a:extLst>
+          </p:cNvPr>
+          <p:cNvSpPr/>
+          <p:nvPr/>
+        </p:nvSpPr>
+        <p:spPr>
+          <a:xfrm>
+            <a:off x="7068062" y="3603710"/>
+            <a:ext cx="1080000" cy="720000"/>
+          </a:xfrm>
+          <a:prstGeom prst="roundRect">
+            <a:avLst/>
+          </a:prstGeom>
+          <a:solidFill>
+            <a:schemeClr val="accent5">
+              <a:lumMod val="50000"/>
+            </a:schemeClr>
+          </a:solidFill>
+        </p:spPr>
+        <p:style>
+          <a:lnRef idx="2">
+            <a:schemeClr val="accent1">
+              <a:shade val="50000"/>
+            </a:schemeClr>
+          </a:lnRef>
+          <a:fillRef idx="1">
+            <a:schemeClr val="accent1"/>
+          </a:fillRef>
+          <a:effectRef idx="0">
+            <a:schemeClr val="accent1"/>
+          </a:effectRef>
+          <a:fontRef idx="minor">
+            <a:schemeClr val="lt1"/>
+          </a:fontRef>
+        </p:style>
+        <p:txBody>
+          <a:bodyPr rot="0" spcFirstLastPara="0" vertOverflow="overflow" horzOverflow="overflow" vert="horz" wrap="square" lIns="91440" tIns="45720" rIns="91440" bIns="45720" numCol="1" spcCol="0" rtlCol="0" fromWordArt="0" anchor="t" anchorCtr="0" forceAA="0" compatLnSpc="1">
+            <a:prstTxWarp prst="textNoShape">
+              <a:avLst/>
+            </a:prstTxWarp>
+            <a:noAutofit/>
+          </a:bodyPr>
+          <a:lstStyle/>
+          <a:p>
+            <a:pPr algn="ctr"/>
+            <a:r>
+              <a:rPr lang="zh-CN" altLang="en-US" dirty="0"/>
+              <a:t>借款人账户</a:t>
+            </a:r>
+          </a:p>
+        </p:txBody>
+      </p:sp>
+      <p:sp>
+        <p:nvSpPr>
+          <p:cNvPr id="23" name="Rectangle: Rounded Corners 22">
+            <a:extLst>
+              <a:ext uri="{FF2B5EF4-FFF2-40B4-BE49-F238E27FC236}">
+                <a16:creationId xmlns:a16="http://schemas.microsoft.com/office/drawing/2014/main" id="{9CE64891-EB14-4926-842B-C1DD6296D596}"/>
+              </a:ext>
+            </a:extLst>
+          </p:cNvPr>
+          <p:cNvSpPr/>
+          <p:nvPr/>
+        </p:nvSpPr>
+        <p:spPr>
+          <a:xfrm>
+            <a:off x="9170738" y="3609483"/>
+            <a:ext cx="988540" cy="708453"/>
+          </a:xfrm>
+          <a:prstGeom prst="roundRect">
+            <a:avLst/>
+          </a:prstGeom>
+          <a:solidFill>
+            <a:schemeClr val="tx2">
+              <a:lumMod val="50000"/>
+            </a:schemeClr>
+          </a:solidFill>
+          <a:ln>
+            <a:noFill/>
+          </a:ln>
+        </p:spPr>
+        <p:style>
+          <a:lnRef idx="2">
+            <a:schemeClr val="accent1">
+              <a:shade val="50000"/>
+            </a:schemeClr>
+          </a:lnRef>
+          <a:fillRef idx="1">
+            <a:schemeClr val="accent1"/>
+          </a:fillRef>
+          <a:effectRef idx="0">
+            <a:schemeClr val="accent1"/>
+          </a:effectRef>
+          <a:fontRef idx="minor">
+            <a:schemeClr val="lt1"/>
+          </a:fontRef>
+        </p:style>
+        <p:txBody>
+          <a:bodyPr rtlCol="0" anchor="ctr"/>
+          <a:lstStyle/>
+          <a:p>
+            <a:pPr algn="ctr"/>
+            <a:r>
+              <a:rPr lang="zh-CN" altLang="en-US" dirty="0"/>
+              <a:t>外部</a:t>
+            </a:r>
+            <a:endParaRPr lang="en-US" altLang="zh-CN" dirty="0"/>
+          </a:p>
+          <a:p>
+            <a:pPr algn="ctr"/>
+            <a:r>
+              <a:rPr lang="zh-CN" altLang="en-US" dirty="0"/>
+              <a:t>账户</a:t>
+            </a:r>
+          </a:p>
+        </p:txBody>
+      </p:sp>
+      <p:sp>
+        <p:nvSpPr>
+          <p:cNvPr id="24" name="TextBox 23">
+            <a:extLst>
+              <a:ext uri="{FF2B5EF4-FFF2-40B4-BE49-F238E27FC236}">
+                <a16:creationId xmlns:a16="http://schemas.microsoft.com/office/drawing/2014/main" id="{4CA3892A-2A47-44C5-BE98-FF063467ADC5}"/>
+              </a:ext>
+            </a:extLst>
+          </p:cNvPr>
+          <p:cNvSpPr txBox="1"/>
+          <p:nvPr/>
+        </p:nvSpPr>
+        <p:spPr>
+          <a:xfrm>
+            <a:off x="8492936" y="3619092"/>
+            <a:ext cx="646331" cy="369332"/>
+          </a:xfrm>
+          <a:prstGeom prst="rect">
+            <a:avLst/>
+          </a:prstGeom>
+          <a:noFill/>
+        </p:spPr>
+        <p:txBody>
+          <a:bodyPr wrap="none" rtlCol="0">
+            <a:spAutoFit/>
+          </a:bodyPr>
+          <a:lstStyle/>
+          <a:p>
+            <a:r>
+              <a:rPr lang="zh-CN" altLang="en-US" dirty="0"/>
+              <a:t>返款</a:t>
+            </a:r>
+            <a:endParaRPr lang="en-US" altLang="zh-CN" dirty="0"/>
+          </a:p>
+        </p:txBody>
+      </p:sp>
+      <p:sp>
+        <p:nvSpPr>
+          <p:cNvPr id="25" name="Rectangle: Rounded Corners 24">
+            <a:extLst>
+              <a:ext uri="{FF2B5EF4-FFF2-40B4-BE49-F238E27FC236}">
+                <a16:creationId xmlns:a16="http://schemas.microsoft.com/office/drawing/2014/main" id="{0F3B3333-0EDC-464A-B16F-1F7E18EC9BF0}"/>
+              </a:ext>
+            </a:extLst>
+          </p:cNvPr>
+          <p:cNvSpPr/>
+          <p:nvPr/>
+        </p:nvSpPr>
+        <p:spPr>
+          <a:xfrm>
+            <a:off x="2586594" y="3639971"/>
+            <a:ext cx="988540" cy="708453"/>
+          </a:xfrm>
+          <a:prstGeom prst="roundRect">
+            <a:avLst/>
+          </a:prstGeom>
+          <a:solidFill>
+            <a:schemeClr val="tx2">
+              <a:lumMod val="50000"/>
+            </a:schemeClr>
+          </a:solidFill>
+          <a:ln>
+            <a:noFill/>
+          </a:ln>
+        </p:spPr>
+        <p:style>
+          <a:lnRef idx="2">
+            <a:schemeClr val="accent1">
+              <a:shade val="50000"/>
+            </a:schemeClr>
+          </a:lnRef>
+          <a:fillRef idx="1">
+            <a:schemeClr val="accent1"/>
+          </a:fillRef>
+          <a:effectRef idx="0">
+            <a:schemeClr val="accent1"/>
+          </a:effectRef>
+          <a:fontRef idx="minor">
+            <a:schemeClr val="lt1"/>
+          </a:fontRef>
+        </p:style>
+        <p:txBody>
+          <a:bodyPr rot="0" spcFirstLastPara="0" vertOverflow="overflow" horzOverflow="overflow" vert="horz" wrap="square" lIns="91440" tIns="45720" rIns="91440" bIns="45720" numCol="1" spcCol="0" rtlCol="0" fromWordArt="0" anchor="ctr" anchorCtr="0" forceAA="0" compatLnSpc="1">
+            <a:prstTxWarp prst="textNoShape">
+              <a:avLst/>
+            </a:prstTxWarp>
+            <a:noAutofit/>
+          </a:bodyPr>
+          <a:lstStyle/>
+          <a:p>
+            <a:pPr algn="ctr"/>
+            <a:r>
+              <a:rPr lang="zh-CN" altLang="en-US"/>
+              <a:t>外部</a:t>
+            </a:r>
+            <a:endParaRPr lang="en-US" altLang="zh-CN" dirty="0"/>
+          </a:p>
+          <a:p>
+            <a:pPr algn="ctr"/>
+            <a:r>
+              <a:rPr lang="zh-CN" altLang="en-US" dirty="0"/>
+              <a:t>账户</a:t>
+            </a:r>
+          </a:p>
+        </p:txBody>
+      </p:sp>
+      <p:sp>
+        <p:nvSpPr>
+          <p:cNvPr id="26" name="TextBox 25">
+            <a:extLst>
+              <a:ext uri="{FF2B5EF4-FFF2-40B4-BE49-F238E27FC236}">
+                <a16:creationId xmlns:a16="http://schemas.microsoft.com/office/drawing/2014/main" id="{A358B1A4-54C1-45A2-AAC1-D116576E1722}"/>
+              </a:ext>
+            </a:extLst>
+          </p:cNvPr>
+          <p:cNvSpPr txBox="1"/>
+          <p:nvPr/>
+        </p:nvSpPr>
+        <p:spPr>
+          <a:xfrm>
+            <a:off x="3694259" y="3568612"/>
+            <a:ext cx="646331" cy="369332"/>
+          </a:xfrm>
+          <a:prstGeom prst="rect">
+            <a:avLst/>
+          </a:prstGeom>
+          <a:noFill/>
+        </p:spPr>
+        <p:txBody>
+          <a:bodyPr wrap="none" rtlCol="0">
+            <a:spAutoFit/>
+          </a:bodyPr>
+          <a:lstStyle/>
+          <a:p>
+            <a:r>
+              <a:rPr lang="zh-CN" altLang="en-US" dirty="0"/>
+              <a:t>充值</a:t>
+            </a:r>
+            <a:endParaRPr lang="en-US" altLang="zh-CN" dirty="0"/>
+          </a:p>
+        </p:txBody>
+      </p:sp>
+      <p:cxnSp>
+        <p:nvCxnSpPr>
+          <p:cNvPr id="27" name="Straight Arrow Connector 26">
+            <a:extLst>
+              <a:ext uri="{FF2B5EF4-FFF2-40B4-BE49-F238E27FC236}">
+                <a16:creationId xmlns:a16="http://schemas.microsoft.com/office/drawing/2014/main" id="{6EEB4717-8EB1-4F37-9C50-EC54CD2C5A2B}"/>
+              </a:ext>
+            </a:extLst>
+          </p:cNvPr>
+          <p:cNvCxnSpPr/>
+          <p:nvPr/>
+        </p:nvCxnSpPr>
+        <p:spPr>
+          <a:xfrm flipH="1">
+            <a:off x="8148062" y="3963709"/>
+            <a:ext cx="1022676" cy="0"/>
+          </a:xfrm>
+          <a:prstGeom prst="straightConnector1">
+            <a:avLst/>
+          </a:prstGeom>
+          <a:ln>
+            <a:tailEnd type="triangle"/>
+          </a:ln>
+        </p:spPr>
+        <p:style>
+          <a:lnRef idx="1">
+            <a:schemeClr val="accent1"/>
+          </a:lnRef>
+          <a:fillRef idx="0">
+            <a:schemeClr val="accent1"/>
+          </a:fillRef>
+          <a:effectRef idx="0">
+            <a:schemeClr val="accent1"/>
+          </a:effectRef>
+          <a:fontRef idx="minor">
+            <a:schemeClr val="tx1"/>
+          </a:fontRef>
+        </p:style>
+      </p:cxnSp>
+      <p:cxnSp>
+        <p:nvCxnSpPr>
+          <p:cNvPr id="28" name="Straight Arrow Connector 27">
+            <a:extLst>
+              <a:ext uri="{FF2B5EF4-FFF2-40B4-BE49-F238E27FC236}">
+                <a16:creationId xmlns:a16="http://schemas.microsoft.com/office/drawing/2014/main" id="{D5BEF8A2-46CF-4F71-897F-B561ADA6E614}"/>
+              </a:ext>
+            </a:extLst>
+          </p:cNvPr>
+          <p:cNvCxnSpPr>
+            <a:cxnSpLocks/>
+          </p:cNvCxnSpPr>
+          <p:nvPr/>
+        </p:nvCxnSpPr>
+        <p:spPr>
+          <a:xfrm flipV="1">
+            <a:off x="3573889" y="3891247"/>
+            <a:ext cx="937999" cy="5774"/>
+          </a:xfrm>
+          <a:prstGeom prst="straightConnector1">
+            <a:avLst/>
+          </a:prstGeom>
+          <a:ln>
+            <a:tailEnd type="triangle"/>
+          </a:ln>
+        </p:spPr>
+        <p:style>
+          <a:lnRef idx="1">
+            <a:schemeClr val="accent1"/>
+          </a:lnRef>
+          <a:fillRef idx="0">
+            <a:schemeClr val="accent1"/>
+          </a:fillRef>
+          <a:effectRef idx="0">
+            <a:schemeClr val="accent1"/>
+          </a:effectRef>
+          <a:fontRef idx="minor">
+            <a:schemeClr val="tx1"/>
+          </a:fontRef>
+        </p:style>
+      </p:cxnSp>
+      <p:cxnSp>
+        <p:nvCxnSpPr>
+          <p:cNvPr id="29" name="Straight Arrow Connector 28">
+            <a:extLst>
+              <a:ext uri="{FF2B5EF4-FFF2-40B4-BE49-F238E27FC236}">
+                <a16:creationId xmlns:a16="http://schemas.microsoft.com/office/drawing/2014/main" id="{4C350400-F3FE-4C11-A70B-F2824BF39E71}"/>
+              </a:ext>
+            </a:extLst>
+          </p:cNvPr>
+          <p:cNvCxnSpPr>
+            <a:cxnSpLocks/>
+            <a:stCxn id="19" idx="2"/>
+          </p:cNvCxnSpPr>
+          <p:nvPr/>
+        </p:nvCxnSpPr>
+        <p:spPr>
+          <a:xfrm>
+            <a:off x="6303148" y="2639369"/>
+            <a:ext cx="2540" cy="342900"/>
+          </a:xfrm>
+          <a:prstGeom prst="straightConnector1">
+            <a:avLst/>
+          </a:prstGeom>
+          <a:ln>
+            <a:tailEnd type="triangle"/>
+          </a:ln>
+        </p:spPr>
+        <p:style>
+          <a:lnRef idx="1">
+            <a:schemeClr val="accent1"/>
+          </a:lnRef>
+          <a:fillRef idx="0">
+            <a:schemeClr val="accent1"/>
+          </a:fillRef>
+          <a:effectRef idx="0">
+            <a:schemeClr val="accent1"/>
+          </a:effectRef>
+          <a:fontRef idx="minor">
+            <a:schemeClr val="tx1"/>
+          </a:fontRef>
+        </p:style>
+      </p:cxnSp>
+      <p:cxnSp>
+        <p:nvCxnSpPr>
+          <p:cNvPr id="9" name="Straight Arrow Connector 8">
+            <a:extLst>
+              <a:ext uri="{FF2B5EF4-FFF2-40B4-BE49-F238E27FC236}">
+                <a16:creationId xmlns:a16="http://schemas.microsoft.com/office/drawing/2014/main" id="{A1A15BE8-9BBF-4B37-95D0-59E3E2D55F5A}"/>
+              </a:ext>
+            </a:extLst>
+          </p:cNvPr>
+          <p:cNvCxnSpPr/>
+          <p:nvPr/>
+        </p:nvCxnSpPr>
+        <p:spPr>
+          <a:xfrm flipH="1">
+            <a:off x="3561636" y="4061769"/>
+            <a:ext cx="924501" cy="0"/>
+          </a:xfrm>
+          <a:prstGeom prst="straightConnector1">
+            <a:avLst/>
+          </a:prstGeom>
+          <a:ln>
+            <a:tailEnd type="triangle"/>
+          </a:ln>
+        </p:spPr>
+        <p:style>
+          <a:lnRef idx="1">
+            <a:schemeClr val="accent1"/>
+          </a:lnRef>
+          <a:fillRef idx="0">
+            <a:schemeClr val="accent1"/>
+          </a:fillRef>
+          <a:effectRef idx="0">
+            <a:schemeClr val="accent1"/>
+          </a:effectRef>
+          <a:fontRef idx="minor">
+            <a:schemeClr val="tx1"/>
+          </a:fontRef>
+        </p:style>
+      </p:cxnSp>
+      <p:sp>
+        <p:nvSpPr>
+          <p:cNvPr id="31" name="TextBox 30">
+            <a:extLst>
+              <a:ext uri="{FF2B5EF4-FFF2-40B4-BE49-F238E27FC236}">
+                <a16:creationId xmlns:a16="http://schemas.microsoft.com/office/drawing/2014/main" id="{D33494CE-78B9-491E-92C0-4EF51740D19B}"/>
+              </a:ext>
+            </a:extLst>
+          </p:cNvPr>
+          <p:cNvSpPr txBox="1"/>
+          <p:nvPr/>
+        </p:nvSpPr>
+        <p:spPr>
+          <a:xfrm>
+            <a:off x="3733079" y="4034990"/>
+            <a:ext cx="646331" cy="369332"/>
+          </a:xfrm>
+          <a:prstGeom prst="rect">
+            <a:avLst/>
+          </a:prstGeom>
+          <a:noFill/>
+        </p:spPr>
+        <p:txBody>
+          <a:bodyPr wrap="none" rtlCol="0">
+            <a:spAutoFit/>
+          </a:bodyPr>
+          <a:lstStyle/>
+          <a:p>
+            <a:r>
+              <a:rPr lang="zh-CN" altLang="en-US" dirty="0"/>
+              <a:t>提现</a:t>
+            </a:r>
+            <a:endParaRPr lang="en-US" altLang="zh-CN" dirty="0"/>
+          </a:p>
+        </p:txBody>
+      </p:sp>
+    </p:spTree>
+    <p:extLst>
+      <p:ext uri="{BB962C8B-B14F-4D97-AF65-F5344CB8AC3E}">
+        <p14:creationId xmlns:p14="http://schemas.microsoft.com/office/powerpoint/2010/main" val="1699288369"/>
+      </p:ext>
+    </p:extLst>
+  </p:cSld>
+  <p:clrMapOvr>
+    <a:masterClrMapping/>
+  </p:clrMapOvr>
+</p:sld>
+</file>
+
+<file path=ppt/slides/slide12.xml><?xml version="1.0" encoding="utf-8"?>
+<p:sld xmlns:a="http://schemas.openxmlformats.org/drawingml/2006/main" xmlns:r="http://schemas.openxmlformats.org/officeDocument/2006/relationships" xmlns:p="http://schemas.openxmlformats.org/presentationml/2006/main">
+  <p:cSld>
+    <p:spTree>
+      <p:nvGrpSpPr>
+        <p:cNvPr id="1" name=""/>
+        <p:cNvGrpSpPr/>
+        <p:nvPr/>
+      </p:nvGrpSpPr>
+      <p:grpSpPr>
+        <a:xfrm>
+          <a:off x="0" y="0"/>
+          <a:ext cx="0" cy="0"/>
+          <a:chOff x="0" y="0"/>
+          <a:chExt cx="0" cy="0"/>
+        </a:xfrm>
+      </p:grpSpPr>
+      <p:sp>
+        <p:nvSpPr>
+          <p:cNvPr id="15" name="Rectangle 14">
+            <a:extLst>
+              <a:ext uri="{FF2B5EF4-FFF2-40B4-BE49-F238E27FC236}">
+                <a16:creationId xmlns:a16="http://schemas.microsoft.com/office/drawing/2014/main" id="{6A39465E-40F5-48EC-811B-E7B903F435DE}"/>
+              </a:ext>
+            </a:extLst>
+          </p:cNvPr>
+          <p:cNvSpPr/>
+          <p:nvPr/>
+        </p:nvSpPr>
+        <p:spPr>
+          <a:xfrm>
+            <a:off x="1993901" y="1511300"/>
+            <a:ext cx="4483100" cy="1968500"/>
+          </a:xfrm>
+          <a:prstGeom prst="rect">
+            <a:avLst/>
+          </a:prstGeom>
+          <a:solidFill>
+            <a:schemeClr val="accent5">
+              <a:lumMod val="20000"/>
+              <a:lumOff val="80000"/>
+            </a:schemeClr>
+          </a:solidFill>
+          <a:ln w="3175">
+            <a:solidFill>
+              <a:schemeClr val="accent5">
+                <a:lumMod val="40000"/>
+                <a:lumOff val="60000"/>
+              </a:schemeClr>
+            </a:solidFill>
+          </a:ln>
+        </p:spPr>
+        <p:style>
+          <a:lnRef idx="2">
+            <a:schemeClr val="accent1">
+              <a:shade val="50000"/>
+            </a:schemeClr>
+          </a:lnRef>
+          <a:fillRef idx="1">
+            <a:schemeClr val="accent1"/>
+          </a:fillRef>
+          <a:effectRef idx="0">
+            <a:schemeClr val="accent1"/>
+          </a:effectRef>
+          <a:fontRef idx="minor">
+            <a:schemeClr val="lt1"/>
+          </a:fontRef>
+        </p:style>
+        <p:txBody>
+          <a:bodyPr rtlCol="0" anchor="b"/>
+          <a:lstStyle/>
+          <a:p>
+            <a:pPr algn="ctr"/>
+            <a:r>
+              <a:rPr lang="zh-CN" altLang="en-US" dirty="0">
+                <a:solidFill>
+                  <a:schemeClr val="accent5">
+                    <a:lumMod val="50000"/>
+                  </a:schemeClr>
+                </a:solidFill>
+              </a:rPr>
+              <a:t>支付机构</a:t>
+            </a:r>
+          </a:p>
+        </p:txBody>
+      </p:sp>
+      <p:sp>
+        <p:nvSpPr>
+          <p:cNvPr id="18" name="Rectangle: Rounded Corners 17">
+            <a:extLst>
+              <a:ext uri="{FF2B5EF4-FFF2-40B4-BE49-F238E27FC236}">
+                <a16:creationId xmlns:a16="http://schemas.microsoft.com/office/drawing/2014/main" id="{637E9158-C493-4201-94E2-BE2B32D9E0E8}"/>
+              </a:ext>
+            </a:extLst>
+          </p:cNvPr>
+          <p:cNvSpPr/>
+          <p:nvPr/>
+        </p:nvSpPr>
+        <p:spPr>
+          <a:xfrm>
+            <a:off x="3769669" y="2253383"/>
+            <a:ext cx="1080000" cy="720000"/>
+          </a:xfrm>
+          <a:prstGeom prst="roundRect">
+            <a:avLst>
+              <a:gd name="adj" fmla="val 11308"/>
+            </a:avLst>
+          </a:prstGeom>
+          <a:solidFill>
+            <a:schemeClr val="accent5">
+              <a:lumMod val="50000"/>
+            </a:schemeClr>
+          </a:solidFill>
+        </p:spPr>
+        <p:style>
+          <a:lnRef idx="2">
+            <a:schemeClr val="accent1">
+              <a:shade val="50000"/>
+            </a:schemeClr>
+          </a:lnRef>
+          <a:fillRef idx="1">
+            <a:schemeClr val="accent1"/>
+          </a:fillRef>
+          <a:effectRef idx="0">
+            <a:schemeClr val="accent1"/>
+          </a:effectRef>
+          <a:fontRef idx="minor">
+            <a:schemeClr val="lt1"/>
+          </a:fontRef>
+        </p:style>
+        <p:txBody>
+          <a:bodyPr rot="0" spcFirstLastPara="0" vertOverflow="overflow" horzOverflow="overflow" vert="horz" wrap="square" lIns="91440" tIns="45720" rIns="91440" bIns="45720" numCol="1" spcCol="0" rtlCol="0" fromWordArt="0" anchor="t" anchorCtr="0" forceAA="0" compatLnSpc="1">
+            <a:prstTxWarp prst="textNoShape">
+              <a:avLst/>
+            </a:prstTxWarp>
+            <a:noAutofit/>
+          </a:bodyPr>
+          <a:lstStyle/>
+          <a:p>
+            <a:pPr algn="ctr"/>
+            <a:r>
+              <a:rPr lang="en-US" altLang="zh-CN" dirty="0"/>
+              <a:t>P2P</a:t>
+            </a:r>
+            <a:r>
+              <a:rPr lang="zh-CN" altLang="en-US" dirty="0"/>
+              <a:t>收益账户</a:t>
+            </a:r>
+          </a:p>
+        </p:txBody>
+      </p:sp>
+      <p:sp>
+        <p:nvSpPr>
+          <p:cNvPr id="19" name="Rectangle 18">
+            <a:extLst>
+              <a:ext uri="{FF2B5EF4-FFF2-40B4-BE49-F238E27FC236}">
+                <a16:creationId xmlns:a16="http://schemas.microsoft.com/office/drawing/2014/main" id="{E1978540-1C31-4251-A393-DBC8B38A8DE8}"/>
+              </a:ext>
+            </a:extLst>
+          </p:cNvPr>
+          <p:cNvSpPr/>
+          <p:nvPr/>
+        </p:nvSpPr>
+        <p:spPr>
+          <a:xfrm>
+            <a:off x="1993901" y="794102"/>
+            <a:ext cx="4483100" cy="469548"/>
+          </a:xfrm>
+          <a:prstGeom prst="rect">
+            <a:avLst/>
+          </a:prstGeom>
+          <a:solidFill>
+            <a:schemeClr val="accent6">
+              <a:lumMod val="20000"/>
+              <a:lumOff val="80000"/>
+            </a:schemeClr>
+          </a:solidFill>
+          <a:ln w="3175">
+            <a:solidFill>
+              <a:schemeClr val="accent6">
+                <a:lumMod val="40000"/>
+                <a:lumOff val="60000"/>
+              </a:schemeClr>
+            </a:solidFill>
+          </a:ln>
+        </p:spPr>
+        <p:style>
+          <a:lnRef idx="2">
+            <a:schemeClr val="accent1">
+              <a:shade val="50000"/>
+            </a:schemeClr>
+          </a:lnRef>
+          <a:fillRef idx="1">
+            <a:schemeClr val="accent1"/>
+          </a:fillRef>
+          <a:effectRef idx="0">
+            <a:schemeClr val="accent1"/>
+          </a:effectRef>
+          <a:fontRef idx="minor">
+            <a:schemeClr val="lt1"/>
+          </a:fontRef>
+        </p:style>
+        <p:txBody>
+          <a:bodyPr rtlCol="0" anchor="t"/>
+          <a:lstStyle/>
+          <a:p>
+            <a:pPr algn="ctr"/>
+            <a:r>
+              <a:rPr lang="en-US" altLang="zh-CN" dirty="0">
+                <a:solidFill>
+                  <a:schemeClr val="accent6">
+                    <a:lumMod val="50000"/>
+                  </a:schemeClr>
+                </a:solidFill>
+              </a:rPr>
+              <a:t>P2P</a:t>
+            </a:r>
+            <a:r>
+              <a:rPr lang="zh-CN" altLang="en-US" dirty="0">
+                <a:solidFill>
+                  <a:schemeClr val="accent6">
+                    <a:lumMod val="50000"/>
+                  </a:schemeClr>
+                </a:solidFill>
+              </a:rPr>
+              <a:t>平台</a:t>
+            </a:r>
+          </a:p>
+        </p:txBody>
+      </p:sp>
+      <p:sp>
+        <p:nvSpPr>
+          <p:cNvPr id="20" name="Rectangle: Rounded Corners 19">
+            <a:extLst>
+              <a:ext uri="{FF2B5EF4-FFF2-40B4-BE49-F238E27FC236}">
+                <a16:creationId xmlns:a16="http://schemas.microsoft.com/office/drawing/2014/main" id="{9CDDFC9C-FD69-4163-9F2B-C7D1A3DEA6C3}"/>
+              </a:ext>
+            </a:extLst>
+          </p:cNvPr>
+          <p:cNvSpPr/>
+          <p:nvPr/>
+        </p:nvSpPr>
+        <p:spPr>
+          <a:xfrm>
+            <a:off x="2445436" y="2252705"/>
+            <a:ext cx="1080000" cy="720000"/>
+          </a:xfrm>
+          <a:prstGeom prst="roundRect">
+            <a:avLst/>
+          </a:prstGeom>
+          <a:solidFill>
+            <a:schemeClr val="accent5">
+              <a:lumMod val="50000"/>
+            </a:schemeClr>
+          </a:solidFill>
+        </p:spPr>
+        <p:style>
+          <a:lnRef idx="2">
+            <a:schemeClr val="accent1">
+              <a:shade val="50000"/>
+            </a:schemeClr>
+          </a:lnRef>
+          <a:fillRef idx="1">
+            <a:schemeClr val="accent1"/>
+          </a:fillRef>
+          <a:effectRef idx="0">
+            <a:schemeClr val="accent1"/>
+          </a:effectRef>
+          <a:fontRef idx="minor">
+            <a:schemeClr val="lt1"/>
+          </a:fontRef>
+        </p:style>
+        <p:txBody>
+          <a:bodyPr rot="0" spcFirstLastPara="0" vertOverflow="overflow" horzOverflow="overflow" vert="horz" wrap="square" lIns="91440" tIns="45720" rIns="91440" bIns="45720" numCol="1" spcCol="0" rtlCol="0" fromWordArt="0" anchor="t" anchorCtr="0" forceAA="0" compatLnSpc="1">
+            <a:prstTxWarp prst="textNoShape">
+              <a:avLst/>
+            </a:prstTxWarp>
+            <a:noAutofit/>
+          </a:bodyPr>
+          <a:lstStyle/>
+          <a:p>
+            <a:pPr algn="ctr"/>
+            <a:r>
+              <a:rPr lang="zh-CN" altLang="en-US" dirty="0"/>
+              <a:t>投资人账户</a:t>
+            </a:r>
+          </a:p>
+        </p:txBody>
+      </p:sp>
+      <p:sp>
+        <p:nvSpPr>
+          <p:cNvPr id="22" name="Rectangle: Rounded Corners 21">
+            <a:extLst>
+              <a:ext uri="{FF2B5EF4-FFF2-40B4-BE49-F238E27FC236}">
+                <a16:creationId xmlns:a16="http://schemas.microsoft.com/office/drawing/2014/main" id="{5E13C32E-0A34-430C-A58D-BC4A2B011A58}"/>
+              </a:ext>
+            </a:extLst>
+          </p:cNvPr>
+          <p:cNvSpPr/>
+          <p:nvPr/>
+        </p:nvSpPr>
+        <p:spPr>
+          <a:xfrm>
+            <a:off x="5000365" y="2227991"/>
+            <a:ext cx="1080000" cy="720000"/>
+          </a:xfrm>
+          <a:prstGeom prst="roundRect">
+            <a:avLst/>
+          </a:prstGeom>
+          <a:solidFill>
+            <a:schemeClr val="accent5">
+              <a:lumMod val="50000"/>
+            </a:schemeClr>
+          </a:solidFill>
+        </p:spPr>
+        <p:style>
+          <a:lnRef idx="2">
+            <a:schemeClr val="accent1">
+              <a:shade val="50000"/>
+            </a:schemeClr>
+          </a:lnRef>
+          <a:fillRef idx="1">
+            <a:schemeClr val="accent1"/>
+          </a:fillRef>
+          <a:effectRef idx="0">
+            <a:schemeClr val="accent1"/>
+          </a:effectRef>
+          <a:fontRef idx="minor">
+            <a:schemeClr val="lt1"/>
+          </a:fontRef>
+        </p:style>
+        <p:txBody>
+          <a:bodyPr rot="0" spcFirstLastPara="0" vertOverflow="overflow" horzOverflow="overflow" vert="horz" wrap="square" lIns="91440" tIns="45720" rIns="91440" bIns="45720" numCol="1" spcCol="0" rtlCol="0" fromWordArt="0" anchor="t" anchorCtr="0" forceAA="0" compatLnSpc="1">
+            <a:prstTxWarp prst="textNoShape">
+              <a:avLst/>
+            </a:prstTxWarp>
+            <a:noAutofit/>
+          </a:bodyPr>
+          <a:lstStyle/>
+          <a:p>
+            <a:pPr algn="ctr"/>
+            <a:r>
+              <a:rPr lang="zh-CN" altLang="en-US" dirty="0"/>
+              <a:t>借款人账户</a:t>
+            </a:r>
+          </a:p>
+        </p:txBody>
+      </p:sp>
+      <p:sp>
+        <p:nvSpPr>
+          <p:cNvPr id="23" name="Rectangle: Rounded Corners 22">
+            <a:extLst>
+              <a:ext uri="{FF2B5EF4-FFF2-40B4-BE49-F238E27FC236}">
+                <a16:creationId xmlns:a16="http://schemas.microsoft.com/office/drawing/2014/main" id="{9CE64891-EB14-4926-842B-C1DD6296D596}"/>
+              </a:ext>
+            </a:extLst>
+          </p:cNvPr>
+          <p:cNvSpPr/>
+          <p:nvPr/>
+        </p:nvSpPr>
+        <p:spPr>
+          <a:xfrm>
+            <a:off x="7103041" y="2233764"/>
+            <a:ext cx="988540" cy="708453"/>
+          </a:xfrm>
+          <a:prstGeom prst="roundRect">
+            <a:avLst/>
+          </a:prstGeom>
+          <a:solidFill>
+            <a:schemeClr val="tx2">
+              <a:lumMod val="50000"/>
+            </a:schemeClr>
+          </a:solidFill>
+          <a:ln>
+            <a:noFill/>
+          </a:ln>
+        </p:spPr>
+        <p:style>
+          <a:lnRef idx="2">
+            <a:schemeClr val="accent1">
+              <a:shade val="50000"/>
+            </a:schemeClr>
+          </a:lnRef>
+          <a:fillRef idx="1">
+            <a:schemeClr val="accent1"/>
+          </a:fillRef>
+          <a:effectRef idx="0">
+            <a:schemeClr val="accent1"/>
+          </a:effectRef>
+          <a:fontRef idx="minor">
+            <a:schemeClr val="lt1"/>
+          </a:fontRef>
+        </p:style>
+        <p:txBody>
+          <a:bodyPr rtlCol="0" anchor="ctr"/>
+          <a:lstStyle/>
+          <a:p>
+            <a:pPr algn="ctr"/>
+            <a:r>
+              <a:rPr lang="zh-CN" altLang="en-US" dirty="0"/>
+              <a:t>外部</a:t>
+            </a:r>
+            <a:endParaRPr lang="en-US" altLang="zh-CN" dirty="0"/>
+          </a:p>
+          <a:p>
+            <a:pPr algn="ctr"/>
+            <a:r>
+              <a:rPr lang="zh-CN" altLang="en-US" dirty="0"/>
+              <a:t>账户</a:t>
+            </a:r>
+          </a:p>
+        </p:txBody>
+      </p:sp>
+      <p:sp>
+        <p:nvSpPr>
+          <p:cNvPr id="24" name="TextBox 23">
+            <a:extLst>
+              <a:ext uri="{FF2B5EF4-FFF2-40B4-BE49-F238E27FC236}">
+                <a16:creationId xmlns:a16="http://schemas.microsoft.com/office/drawing/2014/main" id="{4CA3892A-2A47-44C5-BE98-FF063467ADC5}"/>
+              </a:ext>
+            </a:extLst>
+          </p:cNvPr>
+          <p:cNvSpPr txBox="1"/>
+          <p:nvPr/>
+        </p:nvSpPr>
+        <p:spPr>
+          <a:xfrm>
+            <a:off x="6425239" y="2243373"/>
+            <a:ext cx="646331" cy="369332"/>
+          </a:xfrm>
+          <a:prstGeom prst="rect">
+            <a:avLst/>
+          </a:prstGeom>
+          <a:noFill/>
+        </p:spPr>
+        <p:txBody>
+          <a:bodyPr wrap="none" rtlCol="0">
+            <a:spAutoFit/>
+          </a:bodyPr>
+          <a:lstStyle/>
+          <a:p>
+            <a:r>
+              <a:rPr lang="zh-CN" altLang="en-US" dirty="0"/>
+              <a:t>返款</a:t>
+            </a:r>
+            <a:endParaRPr lang="en-US" altLang="zh-CN" dirty="0"/>
+          </a:p>
+        </p:txBody>
+      </p:sp>
+      <p:sp>
+        <p:nvSpPr>
+          <p:cNvPr id="25" name="Rectangle: Rounded Corners 24">
+            <a:extLst>
+              <a:ext uri="{FF2B5EF4-FFF2-40B4-BE49-F238E27FC236}">
+                <a16:creationId xmlns:a16="http://schemas.microsoft.com/office/drawing/2014/main" id="{0F3B3333-0EDC-464A-B16F-1F7E18EC9BF0}"/>
+              </a:ext>
+            </a:extLst>
+          </p:cNvPr>
+          <p:cNvSpPr/>
+          <p:nvPr/>
+        </p:nvSpPr>
+        <p:spPr>
+          <a:xfrm>
+            <a:off x="518897" y="2264252"/>
+            <a:ext cx="988540" cy="708453"/>
+          </a:xfrm>
+          <a:prstGeom prst="roundRect">
+            <a:avLst/>
+          </a:prstGeom>
+          <a:solidFill>
+            <a:schemeClr val="tx2">
+              <a:lumMod val="50000"/>
+            </a:schemeClr>
+          </a:solidFill>
+          <a:ln>
+            <a:noFill/>
+          </a:ln>
+        </p:spPr>
+        <p:style>
+          <a:lnRef idx="2">
+            <a:schemeClr val="accent1">
+              <a:shade val="50000"/>
+            </a:schemeClr>
+          </a:lnRef>
+          <a:fillRef idx="1">
+            <a:schemeClr val="accent1"/>
+          </a:fillRef>
+          <a:effectRef idx="0">
+            <a:schemeClr val="accent1"/>
+          </a:effectRef>
+          <a:fontRef idx="minor">
+            <a:schemeClr val="lt1"/>
+          </a:fontRef>
+        </p:style>
+        <p:txBody>
+          <a:bodyPr rot="0" spcFirstLastPara="0" vertOverflow="overflow" horzOverflow="overflow" vert="horz" wrap="square" lIns="91440" tIns="45720" rIns="91440" bIns="45720" numCol="1" spcCol="0" rtlCol="0" fromWordArt="0" anchor="ctr" anchorCtr="0" forceAA="0" compatLnSpc="1">
+            <a:prstTxWarp prst="textNoShape">
+              <a:avLst/>
+            </a:prstTxWarp>
+            <a:noAutofit/>
+          </a:bodyPr>
+          <a:lstStyle/>
+          <a:p>
+            <a:pPr algn="ctr"/>
+            <a:r>
+              <a:rPr lang="zh-CN" altLang="en-US"/>
+              <a:t>外部</a:t>
+            </a:r>
+            <a:endParaRPr lang="en-US" altLang="zh-CN" dirty="0"/>
+          </a:p>
+          <a:p>
+            <a:pPr algn="ctr"/>
+            <a:r>
+              <a:rPr lang="zh-CN" altLang="en-US" dirty="0"/>
+              <a:t>账户</a:t>
+            </a:r>
+          </a:p>
+        </p:txBody>
+      </p:sp>
+      <p:sp>
+        <p:nvSpPr>
+          <p:cNvPr id="26" name="TextBox 25">
+            <a:extLst>
+              <a:ext uri="{FF2B5EF4-FFF2-40B4-BE49-F238E27FC236}">
+                <a16:creationId xmlns:a16="http://schemas.microsoft.com/office/drawing/2014/main" id="{A358B1A4-54C1-45A2-AAC1-D116576E1722}"/>
+              </a:ext>
+            </a:extLst>
+          </p:cNvPr>
+          <p:cNvSpPr txBox="1"/>
+          <p:nvPr/>
+        </p:nvSpPr>
+        <p:spPr>
+          <a:xfrm>
+            <a:off x="1626562" y="2192893"/>
+            <a:ext cx="646331" cy="369332"/>
+          </a:xfrm>
+          <a:prstGeom prst="rect">
+            <a:avLst/>
+          </a:prstGeom>
+          <a:noFill/>
+        </p:spPr>
+        <p:txBody>
+          <a:bodyPr wrap="none" rtlCol="0">
+            <a:spAutoFit/>
+          </a:bodyPr>
+          <a:lstStyle/>
+          <a:p>
+            <a:r>
+              <a:rPr lang="zh-CN" altLang="en-US" dirty="0"/>
+              <a:t>充值</a:t>
+            </a:r>
+            <a:endParaRPr lang="en-US" altLang="zh-CN" dirty="0"/>
+          </a:p>
+        </p:txBody>
+      </p:sp>
+      <p:cxnSp>
+        <p:nvCxnSpPr>
+          <p:cNvPr id="27" name="Straight Arrow Connector 26">
+            <a:extLst>
+              <a:ext uri="{FF2B5EF4-FFF2-40B4-BE49-F238E27FC236}">
+                <a16:creationId xmlns:a16="http://schemas.microsoft.com/office/drawing/2014/main" id="{6EEB4717-8EB1-4F37-9C50-EC54CD2C5A2B}"/>
+              </a:ext>
+            </a:extLst>
+          </p:cNvPr>
+          <p:cNvCxnSpPr/>
+          <p:nvPr/>
+        </p:nvCxnSpPr>
+        <p:spPr>
+          <a:xfrm flipH="1">
+            <a:off x="6080365" y="2587990"/>
+            <a:ext cx="1022676" cy="0"/>
+          </a:xfrm>
+          <a:prstGeom prst="straightConnector1">
+            <a:avLst/>
+          </a:prstGeom>
+          <a:ln>
+            <a:tailEnd type="triangle"/>
+          </a:ln>
+        </p:spPr>
+        <p:style>
+          <a:lnRef idx="1">
+            <a:schemeClr val="accent1"/>
+          </a:lnRef>
+          <a:fillRef idx="0">
+            <a:schemeClr val="accent1"/>
+          </a:fillRef>
+          <a:effectRef idx="0">
+            <a:schemeClr val="accent1"/>
+          </a:effectRef>
+          <a:fontRef idx="minor">
+            <a:schemeClr val="tx1"/>
+          </a:fontRef>
+        </p:style>
+      </p:cxnSp>
+      <p:cxnSp>
+        <p:nvCxnSpPr>
+          <p:cNvPr id="28" name="Straight Arrow Connector 27">
+            <a:extLst>
+              <a:ext uri="{FF2B5EF4-FFF2-40B4-BE49-F238E27FC236}">
+                <a16:creationId xmlns:a16="http://schemas.microsoft.com/office/drawing/2014/main" id="{D5BEF8A2-46CF-4F71-897F-B561ADA6E614}"/>
+              </a:ext>
+            </a:extLst>
+          </p:cNvPr>
+          <p:cNvCxnSpPr>
+            <a:cxnSpLocks/>
+          </p:cNvCxnSpPr>
+          <p:nvPr/>
+        </p:nvCxnSpPr>
+        <p:spPr>
+          <a:xfrm flipV="1">
+            <a:off x="1506192" y="2515528"/>
+            <a:ext cx="937999" cy="5774"/>
+          </a:xfrm>
+          <a:prstGeom prst="straightConnector1">
+            <a:avLst/>
+          </a:prstGeom>
+          <a:ln>
+            <a:tailEnd type="triangle"/>
+          </a:ln>
+        </p:spPr>
+        <p:style>
+          <a:lnRef idx="1">
+            <a:schemeClr val="accent1"/>
+          </a:lnRef>
+          <a:fillRef idx="0">
+            <a:schemeClr val="accent1"/>
+          </a:fillRef>
+          <a:effectRef idx="0">
+            <a:schemeClr val="accent1"/>
+          </a:effectRef>
+          <a:fontRef idx="minor">
+            <a:schemeClr val="tx1"/>
+          </a:fontRef>
+        </p:style>
+      </p:cxnSp>
+      <p:cxnSp>
+        <p:nvCxnSpPr>
+          <p:cNvPr id="29" name="Straight Arrow Connector 28">
+            <a:extLst>
+              <a:ext uri="{FF2B5EF4-FFF2-40B4-BE49-F238E27FC236}">
+                <a16:creationId xmlns:a16="http://schemas.microsoft.com/office/drawing/2014/main" id="{4C350400-F3FE-4C11-A70B-F2824BF39E71}"/>
+              </a:ext>
+            </a:extLst>
+          </p:cNvPr>
+          <p:cNvCxnSpPr>
+            <a:cxnSpLocks/>
+            <a:stCxn id="19" idx="2"/>
+          </p:cNvCxnSpPr>
+          <p:nvPr/>
+        </p:nvCxnSpPr>
+        <p:spPr>
+          <a:xfrm>
+            <a:off x="4235451" y="1263650"/>
+            <a:ext cx="2540" cy="342900"/>
+          </a:xfrm>
+          <a:prstGeom prst="straightConnector1">
+            <a:avLst/>
+          </a:prstGeom>
+          <a:ln>
+            <a:tailEnd type="triangle"/>
+          </a:ln>
+        </p:spPr>
+        <p:style>
+          <a:lnRef idx="1">
+            <a:schemeClr val="accent1"/>
+          </a:lnRef>
+          <a:fillRef idx="0">
+            <a:schemeClr val="accent1"/>
+          </a:fillRef>
+          <a:effectRef idx="0">
+            <a:schemeClr val="accent1"/>
+          </a:effectRef>
+          <a:fontRef idx="minor">
+            <a:schemeClr val="tx1"/>
+          </a:fontRef>
+        </p:style>
+      </p:cxnSp>
+      <p:cxnSp>
+        <p:nvCxnSpPr>
+          <p:cNvPr id="9" name="Straight Arrow Connector 8">
+            <a:extLst>
+              <a:ext uri="{FF2B5EF4-FFF2-40B4-BE49-F238E27FC236}">
+                <a16:creationId xmlns:a16="http://schemas.microsoft.com/office/drawing/2014/main" id="{A1A15BE8-9BBF-4B37-95D0-59E3E2D55F5A}"/>
+              </a:ext>
+            </a:extLst>
+          </p:cNvPr>
+          <p:cNvCxnSpPr/>
+          <p:nvPr/>
+        </p:nvCxnSpPr>
+        <p:spPr>
+          <a:xfrm flipH="1">
+            <a:off x="1493939" y="2686050"/>
+            <a:ext cx="924501" cy="0"/>
+          </a:xfrm>
+          <a:prstGeom prst="straightConnector1">
+            <a:avLst/>
+          </a:prstGeom>
+          <a:ln>
+            <a:tailEnd type="triangle"/>
+          </a:ln>
+        </p:spPr>
+        <p:style>
+          <a:lnRef idx="1">
+            <a:schemeClr val="accent1"/>
+          </a:lnRef>
+          <a:fillRef idx="0">
+            <a:schemeClr val="accent1"/>
+          </a:fillRef>
+          <a:effectRef idx="0">
+            <a:schemeClr val="accent1"/>
+          </a:effectRef>
+          <a:fontRef idx="minor">
+            <a:schemeClr val="tx1"/>
+          </a:fontRef>
+        </p:style>
+      </p:cxnSp>
+      <p:sp>
+        <p:nvSpPr>
+          <p:cNvPr id="31" name="TextBox 30">
+            <a:extLst>
+              <a:ext uri="{FF2B5EF4-FFF2-40B4-BE49-F238E27FC236}">
+                <a16:creationId xmlns:a16="http://schemas.microsoft.com/office/drawing/2014/main" id="{D33494CE-78B9-491E-92C0-4EF51740D19B}"/>
+              </a:ext>
+            </a:extLst>
+          </p:cNvPr>
+          <p:cNvSpPr txBox="1"/>
+          <p:nvPr/>
+        </p:nvSpPr>
+        <p:spPr>
+          <a:xfrm>
+            <a:off x="1665382" y="2659271"/>
+            <a:ext cx="646331" cy="369332"/>
+          </a:xfrm>
+          <a:prstGeom prst="rect">
+            <a:avLst/>
+          </a:prstGeom>
+          <a:noFill/>
+        </p:spPr>
+        <p:txBody>
+          <a:bodyPr wrap="none" rtlCol="0">
+            <a:spAutoFit/>
+          </a:bodyPr>
+          <a:lstStyle/>
+          <a:p>
+            <a:r>
+              <a:rPr lang="zh-CN" altLang="en-US" dirty="0"/>
+              <a:t>提现</a:t>
+            </a:r>
+            <a:endParaRPr lang="en-US" altLang="zh-CN" dirty="0"/>
+          </a:p>
+        </p:txBody>
+      </p:sp>
+    </p:spTree>
+    <p:extLst>
+      <p:ext uri="{BB962C8B-B14F-4D97-AF65-F5344CB8AC3E}">
+        <p14:creationId xmlns:p14="http://schemas.microsoft.com/office/powerpoint/2010/main" val="2248929634"/>
+      </p:ext>
+    </p:extLst>
+  </p:cSld>
+  <p:clrMapOvr>
+    <a:masterClrMapping/>
+  </p:clrMapOvr>
+</p:sld>
+</file>
+
 <file path=ppt/slides/slide2.xml><?xml version="1.0" encoding="utf-8"?>
 <p:sld xmlns:a="http://schemas.openxmlformats.org/drawingml/2006/main" xmlns:r="http://schemas.openxmlformats.org/officeDocument/2006/relationships" xmlns:p="http://schemas.openxmlformats.org/presentationml/2006/main">
   <p:cSld>
@@ -6881,8 +9182,8 @@
         </p:nvSpPr>
         <p:spPr>
           <a:xfrm>
-            <a:off x="2916195" y="955590"/>
-            <a:ext cx="2891481" cy="1532237"/>
+            <a:off x="2743201" y="955590"/>
+            <a:ext cx="3229232" cy="1532237"/>
           </a:xfrm>
           <a:prstGeom prst="rect">
             <a:avLst/>
@@ -6960,7 +9261,7 @@
         </p:nvSpPr>
         <p:spPr>
           <a:xfrm>
-            <a:off x="3237470" y="1589901"/>
+            <a:off x="2916195" y="1615995"/>
             <a:ext cx="988540" cy="708453"/>
           </a:xfrm>
           <a:prstGeom prst="roundRect">
@@ -7017,7 +9318,7 @@
         </p:nvSpPr>
         <p:spPr>
           <a:xfrm>
-            <a:off x="4481384" y="1589902"/>
+            <a:off x="4790302" y="1610502"/>
             <a:ext cx="988540" cy="708453"/>
           </a:xfrm>
           <a:prstGeom prst="roundRect">
@@ -7060,71 +9361,6 @@
           </a:p>
         </p:txBody>
       </p:sp>
-      <p:sp>
-        <p:nvSpPr>
-          <p:cNvPr id="8" name="Rectangle: Rounded Corners 7">
-            <a:extLst>
-              <a:ext uri="{FF2B5EF4-FFF2-40B4-BE49-F238E27FC236}">
-                <a16:creationId xmlns:a16="http://schemas.microsoft.com/office/drawing/2014/main" id="{32AD37B3-27D3-47F0-82E1-9CE9A07294EA}"/>
-              </a:ext>
-            </a:extLst>
-          </p:cNvPr>
-          <p:cNvSpPr/>
-          <p:nvPr/>
-        </p:nvSpPr>
-        <p:spPr>
-          <a:xfrm>
-            <a:off x="6474942" y="3204517"/>
-            <a:ext cx="988540" cy="708453"/>
-          </a:xfrm>
-          <a:prstGeom prst="roundRect">
-            <a:avLst/>
-          </a:prstGeom>
-          <a:solidFill>
-            <a:schemeClr val="tx2">
-              <a:lumMod val="50000"/>
-            </a:schemeClr>
-          </a:solidFill>
-          <a:ln>
-            <a:noFill/>
-          </a:ln>
-        </p:spPr>
-        <p:style>
-          <a:lnRef idx="2">
-            <a:schemeClr val="accent1">
-              <a:shade val="50000"/>
-            </a:schemeClr>
-          </a:lnRef>
-          <a:fillRef idx="1">
-            <a:schemeClr val="accent1"/>
-          </a:fillRef>
-          <a:effectRef idx="0">
-            <a:schemeClr val="accent1"/>
-          </a:effectRef>
-          <a:fontRef idx="minor">
-            <a:schemeClr val="lt1"/>
-          </a:fontRef>
-        </p:style>
-        <p:txBody>
-          <a:bodyPr rtlCol="0" anchor="ctr"/>
-          <a:lstStyle/>
-          <a:p>
-            <a:pPr algn="ctr"/>
-            <a:r>
-              <a:rPr lang="zh-CN" altLang="en-US" dirty="0"/>
-              <a:t>外部</a:t>
-            </a:r>
-            <a:endParaRPr lang="en-US" altLang="zh-CN" dirty="0"/>
-          </a:p>
-          <a:p>
-            <a:pPr algn="ctr"/>
-            <a:r>
-              <a:rPr lang="zh-CN" altLang="en-US" dirty="0"/>
-              <a:t>账户</a:t>
-            </a:r>
-          </a:p>
-        </p:txBody>
-      </p:sp>
       <p:cxnSp>
         <p:nvCxnSpPr>
           <p:cNvPr id="10" name="Straight Arrow Connector 9">
@@ -7142,7 +9378,7 @@
         </p:nvCxnSpPr>
         <p:spPr>
           <a:xfrm flipV="1">
-            <a:off x="4975654" y="2298355"/>
+            <a:off x="5284572" y="2318955"/>
             <a:ext cx="0" cy="840260"/>
           </a:xfrm>
           <a:prstGeom prst="straightConnector1">
@@ -7168,48 +9404,6 @@
           </a:fontRef>
         </p:style>
       </p:cxnSp>
-      <p:cxnSp>
-        <p:nvCxnSpPr>
-          <p:cNvPr id="12" name="Straight Arrow Connector 11">
-            <a:extLst>
-              <a:ext uri="{FF2B5EF4-FFF2-40B4-BE49-F238E27FC236}">
-                <a16:creationId xmlns:a16="http://schemas.microsoft.com/office/drawing/2014/main" id="{6D3271DA-742C-4D9D-87EB-F9534C4DB91B}"/>
-              </a:ext>
-            </a:extLst>
-          </p:cNvPr>
-          <p:cNvCxnSpPr>
-            <a:stCxn id="8" idx="1"/>
-            <a:endCxn id="3" idx="3"/>
-          </p:cNvCxnSpPr>
-          <p:nvPr/>
-        </p:nvCxnSpPr>
-        <p:spPr>
-          <a:xfrm flipH="1">
-            <a:off x="5469924" y="3558744"/>
-            <a:ext cx="1005018" cy="3"/>
-          </a:xfrm>
-          <a:prstGeom prst="straightConnector1">
-            <a:avLst/>
-          </a:prstGeom>
-          <a:ln>
-            <a:tailEnd type="triangle"/>
-          </a:ln>
-        </p:spPr>
-        <p:style>
-          <a:lnRef idx="1">
-            <a:schemeClr val="accent1"/>
-          </a:lnRef>
-          <a:fillRef idx="0">
-            <a:schemeClr val="accent1"/>
-          </a:fillRef>
-          <a:effectRef idx="0">
-            <a:schemeClr val="accent1"/>
-          </a:effectRef>
-          <a:fontRef idx="minor">
-            <a:schemeClr val="tx1"/>
-          </a:fontRef>
-        </p:style>
-      </p:cxnSp>
       <p:sp>
         <p:nvSpPr>
           <p:cNvPr id="13" name="TextBox 12">
@@ -7224,8 +9418,8 @@
         </p:nvSpPr>
         <p:spPr>
           <a:xfrm>
-            <a:off x="5807676" y="3204517"/>
-            <a:ext cx="646331" cy="369332"/>
+            <a:off x="5865318" y="3714920"/>
+            <a:ext cx="543739" cy="307777"/>
           </a:xfrm>
           <a:prstGeom prst="rect">
             <a:avLst/>
@@ -7239,10 +9433,10 @@
           <a:lstStyle/>
           <a:p>
             <a:r>
-              <a:rPr lang="zh-CN" altLang="en-US" dirty="0"/>
-              <a:t>返款</a:t>
-            </a:r>
-            <a:endParaRPr lang="en-US" altLang="zh-CN" dirty="0"/>
+              <a:rPr lang="zh-CN" altLang="en-US" sz="1400" dirty="0"/>
+              <a:t>提现</a:t>
+            </a:r>
+            <a:endParaRPr lang="en-US" altLang="zh-CN" sz="1400" dirty="0"/>
           </a:p>
         </p:txBody>
       </p:sp>
@@ -7260,8 +9454,8 @@
         </p:nvSpPr>
         <p:spPr>
           <a:xfrm>
-            <a:off x="1379838" y="3204520"/>
-            <a:ext cx="988540" cy="708453"/>
+            <a:off x="1005016" y="2932668"/>
+            <a:ext cx="1279010" cy="1252149"/>
           </a:xfrm>
           <a:prstGeom prst="roundRect">
             <a:avLst/>
@@ -7302,8 +9496,8 @@
           <a:p>
             <a:pPr algn="ctr"/>
             <a:r>
-              <a:rPr lang="zh-CN" altLang="en-US"/>
-              <a:t>外部</a:t>
+              <a:rPr lang="zh-CN" altLang="en-US" dirty="0"/>
+              <a:t>投资人</a:t>
             </a:r>
             <a:endParaRPr lang="en-US" altLang="zh-CN" dirty="0"/>
           </a:p>
@@ -7311,7 +9505,7 @@
             <a:pPr algn="ctr"/>
             <a:r>
               <a:rPr lang="zh-CN" altLang="en-US" dirty="0"/>
-              <a:t>账户</a:t>
+              <a:t>外部账户</a:t>
             </a:r>
           </a:p>
         </p:txBody>
@@ -7333,7 +9527,7 @@
         </p:nvCxnSpPr>
         <p:spPr>
           <a:xfrm flipV="1">
-            <a:off x="3731740" y="2298354"/>
+            <a:off x="3410465" y="2324448"/>
             <a:ext cx="0" cy="856738"/>
           </a:xfrm>
           <a:prstGeom prst="straightConnector1">
@@ -7370,15 +9564,13 @@
           </p:cNvPr>
           <p:cNvCxnSpPr>
             <a:cxnSpLocks/>
-            <a:stCxn id="16" idx="3"/>
-            <a:endCxn id="3" idx="1"/>
           </p:cNvCxnSpPr>
           <p:nvPr/>
         </p:nvCxnSpPr>
         <p:spPr>
           <a:xfrm>
-            <a:off x="2368378" y="3558747"/>
-            <a:ext cx="869092" cy="0"/>
+            <a:off x="2293465" y="3424192"/>
+            <a:ext cx="953444" cy="4"/>
           </a:xfrm>
           <a:prstGeom prst="straightConnector1">
             <a:avLst/>
@@ -7416,8 +9608,8 @@
         </p:nvSpPr>
         <p:spPr>
           <a:xfrm>
-            <a:off x="2315341" y="3198339"/>
-            <a:ext cx="646331" cy="369332"/>
+            <a:off x="2259291" y="3144444"/>
+            <a:ext cx="543739" cy="307777"/>
           </a:xfrm>
           <a:prstGeom prst="rect">
             <a:avLst/>
@@ -7431,10 +9623,425 @@
           <a:lstStyle/>
           <a:p>
             <a:r>
+              <a:rPr lang="zh-CN" altLang="en-US" sz="1400" dirty="0"/>
+              <a:t>充值</a:t>
+            </a:r>
+            <a:endParaRPr lang="en-US" altLang="zh-CN" sz="1400" dirty="0"/>
+          </a:p>
+        </p:txBody>
+      </p:sp>
+      <p:cxnSp>
+        <p:nvCxnSpPr>
+          <p:cNvPr id="9" name="Straight Arrow Connector 8">
+            <a:extLst>
+              <a:ext uri="{FF2B5EF4-FFF2-40B4-BE49-F238E27FC236}">
+                <a16:creationId xmlns:a16="http://schemas.microsoft.com/office/drawing/2014/main" id="{8EFD07B4-8190-4B4C-A29A-C19A65CAE7E8}"/>
+              </a:ext>
+            </a:extLst>
+          </p:cNvPr>
+          <p:cNvCxnSpPr>
+            <a:cxnSpLocks/>
+          </p:cNvCxnSpPr>
+          <p:nvPr/>
+        </p:nvCxnSpPr>
+        <p:spPr>
+          <a:xfrm flipV="1">
+            <a:off x="5474043" y="3707024"/>
+            <a:ext cx="1005018" cy="3"/>
+          </a:xfrm>
+          <a:prstGeom prst="straightConnector1">
+            <a:avLst/>
+          </a:prstGeom>
+          <a:ln>
+            <a:tailEnd type="triangle"/>
+          </a:ln>
+        </p:spPr>
+        <p:style>
+          <a:lnRef idx="1">
+            <a:schemeClr val="accent1"/>
+          </a:lnRef>
+          <a:fillRef idx="0">
+            <a:schemeClr val="accent1"/>
+          </a:fillRef>
+          <a:effectRef idx="0">
+            <a:schemeClr val="accent1"/>
+          </a:effectRef>
+          <a:fontRef idx="minor">
+            <a:schemeClr val="tx1"/>
+          </a:fontRef>
+        </p:style>
+      </p:cxnSp>
+      <p:sp>
+        <p:nvSpPr>
+          <p:cNvPr id="22" name="Rectangle: Rounded Corners 21">
+            <a:extLst>
+              <a:ext uri="{FF2B5EF4-FFF2-40B4-BE49-F238E27FC236}">
+                <a16:creationId xmlns:a16="http://schemas.microsoft.com/office/drawing/2014/main" id="{90B12DA1-B305-45C0-B7BA-40D767774E44}"/>
+              </a:ext>
+            </a:extLst>
+          </p:cNvPr>
+          <p:cNvSpPr/>
+          <p:nvPr/>
+        </p:nvSpPr>
+        <p:spPr>
+          <a:xfrm>
+            <a:off x="6479061" y="2932667"/>
+            <a:ext cx="1279010" cy="1252149"/>
+          </a:xfrm>
+          <a:prstGeom prst="roundRect">
+            <a:avLst/>
+          </a:prstGeom>
+          <a:solidFill>
+            <a:schemeClr val="tx2">
+              <a:lumMod val="50000"/>
+            </a:schemeClr>
+          </a:solidFill>
+          <a:ln>
+            <a:noFill/>
+          </a:ln>
+        </p:spPr>
+        <p:style>
+          <a:lnRef idx="2">
+            <a:schemeClr val="accent1">
+              <a:shade val="50000"/>
+            </a:schemeClr>
+          </a:lnRef>
+          <a:fillRef idx="1">
+            <a:schemeClr val="accent1"/>
+          </a:fillRef>
+          <a:effectRef idx="0">
+            <a:schemeClr val="accent1"/>
+          </a:effectRef>
+          <a:fontRef idx="minor">
+            <a:schemeClr val="lt1"/>
+          </a:fontRef>
+        </p:style>
+        <p:txBody>
+          <a:bodyPr rot="0" spcFirstLastPara="0" vertOverflow="overflow" horzOverflow="overflow" vert="horz" wrap="square" lIns="91440" tIns="45720" rIns="91440" bIns="45720" numCol="1" spcCol="0" rtlCol="0" fromWordArt="0" anchor="ctr" anchorCtr="0" forceAA="0" compatLnSpc="1">
+            <a:prstTxWarp prst="textNoShape">
+              <a:avLst/>
+            </a:prstTxWarp>
+            <a:noAutofit/>
+          </a:bodyPr>
+          <a:lstStyle/>
+          <a:p>
+            <a:pPr algn="ctr"/>
+            <a:r>
               <a:rPr lang="zh-CN" altLang="en-US" dirty="0"/>
+              <a:t>借款人</a:t>
+            </a:r>
+            <a:endParaRPr lang="en-US" altLang="zh-CN" dirty="0"/>
+          </a:p>
+          <a:p>
+            <a:pPr algn="ctr"/>
+            <a:r>
+              <a:rPr lang="zh-CN" altLang="en-US" dirty="0"/>
+              <a:t>外部账户</a:t>
+            </a:r>
+          </a:p>
+        </p:txBody>
+      </p:sp>
+      <p:cxnSp>
+        <p:nvCxnSpPr>
+          <p:cNvPr id="24" name="Straight Arrow Connector 23">
+            <a:extLst>
+              <a:ext uri="{FF2B5EF4-FFF2-40B4-BE49-F238E27FC236}">
+                <a16:creationId xmlns:a16="http://schemas.microsoft.com/office/drawing/2014/main" id="{416791F4-C3CE-4A04-897B-3BFA6D1879E6}"/>
+              </a:ext>
+            </a:extLst>
+          </p:cNvPr>
+          <p:cNvCxnSpPr/>
+          <p:nvPr/>
+        </p:nvCxnSpPr>
+        <p:spPr>
+          <a:xfrm flipH="1">
+            <a:off x="5482195" y="3429681"/>
+            <a:ext cx="955335" cy="0"/>
+          </a:xfrm>
+          <a:prstGeom prst="straightConnector1">
+            <a:avLst/>
+          </a:prstGeom>
+          <a:ln>
+            <a:tailEnd type="triangle"/>
+          </a:ln>
+        </p:spPr>
+        <p:style>
+          <a:lnRef idx="1">
+            <a:schemeClr val="accent1"/>
+          </a:lnRef>
+          <a:fillRef idx="0">
+            <a:schemeClr val="accent1"/>
+          </a:fillRef>
+          <a:effectRef idx="0">
+            <a:schemeClr val="accent1"/>
+          </a:effectRef>
+          <a:fontRef idx="minor">
+            <a:schemeClr val="tx1"/>
+          </a:fontRef>
+        </p:style>
+      </p:cxnSp>
+      <p:sp>
+        <p:nvSpPr>
+          <p:cNvPr id="25" name="TextBox 24">
+            <a:extLst>
+              <a:ext uri="{FF2B5EF4-FFF2-40B4-BE49-F238E27FC236}">
+                <a16:creationId xmlns:a16="http://schemas.microsoft.com/office/drawing/2014/main" id="{9DE4F42C-C89A-4479-B8A3-08479A28EC14}"/>
+              </a:ext>
+            </a:extLst>
+          </p:cNvPr>
+          <p:cNvSpPr txBox="1"/>
+          <p:nvPr/>
+        </p:nvSpPr>
+        <p:spPr>
+          <a:xfrm>
+            <a:off x="2276945" y="3733792"/>
+            <a:ext cx="543739" cy="307777"/>
+          </a:xfrm>
+          <a:prstGeom prst="rect">
+            <a:avLst/>
+          </a:prstGeom>
+          <a:noFill/>
+        </p:spPr>
+        <p:txBody>
+          <a:bodyPr wrap="none" rtlCol="0">
+            <a:spAutoFit/>
+          </a:bodyPr>
+          <a:lstStyle/>
+          <a:p>
+            <a:r>
+              <a:rPr lang="zh-CN" altLang="en-US" sz="1400" dirty="0"/>
+              <a:t>提现</a:t>
+            </a:r>
+            <a:endParaRPr lang="en-US" altLang="zh-CN" sz="1400" dirty="0"/>
+          </a:p>
+        </p:txBody>
+      </p:sp>
+      <p:sp>
+        <p:nvSpPr>
+          <p:cNvPr id="26" name="TextBox 25">
+            <a:extLst>
+              <a:ext uri="{FF2B5EF4-FFF2-40B4-BE49-F238E27FC236}">
+                <a16:creationId xmlns:a16="http://schemas.microsoft.com/office/drawing/2014/main" id="{9B211909-57AB-440C-83D2-A6B68F8B0E67}"/>
+              </a:ext>
+            </a:extLst>
+          </p:cNvPr>
+          <p:cNvSpPr txBox="1"/>
+          <p:nvPr/>
+        </p:nvSpPr>
+        <p:spPr>
+          <a:xfrm>
+            <a:off x="5865318" y="3144443"/>
+            <a:ext cx="543739" cy="307777"/>
+          </a:xfrm>
+          <a:prstGeom prst="rect">
+            <a:avLst/>
+          </a:prstGeom>
+          <a:noFill/>
+        </p:spPr>
+        <p:txBody>
+          <a:bodyPr wrap="none" rtlCol="0">
+            <a:spAutoFit/>
+          </a:bodyPr>
+          <a:lstStyle/>
+          <a:p>
+            <a:r>
+              <a:rPr lang="zh-CN" altLang="en-US" sz="1400" dirty="0"/>
               <a:t>充值</a:t>
             </a:r>
-            <a:endParaRPr lang="en-US" altLang="zh-CN" dirty="0"/>
+            <a:endParaRPr lang="en-US" altLang="zh-CN" sz="1400" dirty="0"/>
+          </a:p>
+        </p:txBody>
+      </p:sp>
+      <p:cxnSp>
+        <p:nvCxnSpPr>
+          <p:cNvPr id="27" name="Straight Arrow Connector 26">
+            <a:extLst>
+              <a:ext uri="{FF2B5EF4-FFF2-40B4-BE49-F238E27FC236}">
+                <a16:creationId xmlns:a16="http://schemas.microsoft.com/office/drawing/2014/main" id="{E7A120F9-5D11-44F0-BFA4-FF9CDF55D7E8}"/>
+              </a:ext>
+            </a:extLst>
+          </p:cNvPr>
+          <p:cNvCxnSpPr/>
+          <p:nvPr/>
+        </p:nvCxnSpPr>
+        <p:spPr>
+          <a:xfrm flipH="1">
+            <a:off x="2268747" y="3724861"/>
+            <a:ext cx="955335" cy="0"/>
+          </a:xfrm>
+          <a:prstGeom prst="straightConnector1">
+            <a:avLst/>
+          </a:prstGeom>
+          <a:ln>
+            <a:tailEnd type="triangle"/>
+          </a:ln>
+        </p:spPr>
+        <p:style>
+          <a:lnRef idx="1">
+            <a:schemeClr val="accent1"/>
+          </a:lnRef>
+          <a:fillRef idx="0">
+            <a:schemeClr val="accent1"/>
+          </a:fillRef>
+          <a:effectRef idx="0">
+            <a:schemeClr val="accent1"/>
+          </a:effectRef>
+          <a:fontRef idx="minor">
+            <a:schemeClr val="tx1"/>
+          </a:fontRef>
+        </p:style>
+      </p:cxnSp>
+      <p:cxnSp>
+        <p:nvCxnSpPr>
+          <p:cNvPr id="30" name="Straight Arrow Connector 29">
+            <a:extLst>
+              <a:ext uri="{FF2B5EF4-FFF2-40B4-BE49-F238E27FC236}">
+                <a16:creationId xmlns:a16="http://schemas.microsoft.com/office/drawing/2014/main" id="{1DA03249-8453-4FBF-9563-33EAFEB9C59A}"/>
+              </a:ext>
+            </a:extLst>
+          </p:cNvPr>
+          <p:cNvCxnSpPr>
+            <a:cxnSpLocks/>
+          </p:cNvCxnSpPr>
+          <p:nvPr/>
+        </p:nvCxnSpPr>
+        <p:spPr>
+          <a:xfrm>
+            <a:off x="3898238" y="1795512"/>
+            <a:ext cx="885567" cy="0"/>
+          </a:xfrm>
+          <a:prstGeom prst="straightConnector1">
+            <a:avLst/>
+          </a:prstGeom>
+          <a:ln>
+            <a:tailEnd type="triangle"/>
+          </a:ln>
+        </p:spPr>
+        <p:style>
+          <a:lnRef idx="1">
+            <a:schemeClr val="accent1"/>
+          </a:lnRef>
+          <a:fillRef idx="0">
+            <a:schemeClr val="accent1"/>
+          </a:fillRef>
+          <a:effectRef idx="0">
+            <a:schemeClr val="accent1"/>
+          </a:effectRef>
+          <a:fontRef idx="minor">
+            <a:schemeClr val="tx1"/>
+          </a:fontRef>
+        </p:style>
+      </p:cxnSp>
+      <p:cxnSp>
+        <p:nvCxnSpPr>
+          <p:cNvPr id="32" name="Straight Arrow Connector 31">
+            <a:extLst>
+              <a:ext uri="{FF2B5EF4-FFF2-40B4-BE49-F238E27FC236}">
+                <a16:creationId xmlns:a16="http://schemas.microsoft.com/office/drawing/2014/main" id="{E0FE7F0B-98E9-4B14-9EEB-5B820A77A8A9}"/>
+              </a:ext>
+            </a:extLst>
+          </p:cNvPr>
+          <p:cNvCxnSpPr>
+            <a:cxnSpLocks/>
+          </p:cNvCxnSpPr>
+          <p:nvPr/>
+        </p:nvCxnSpPr>
+        <p:spPr>
+          <a:xfrm flipH="1">
+            <a:off x="3898239" y="2125025"/>
+            <a:ext cx="885566" cy="0"/>
+          </a:xfrm>
+          <a:prstGeom prst="straightConnector1">
+            <a:avLst/>
+          </a:prstGeom>
+          <a:ln>
+            <a:tailEnd type="triangle"/>
+          </a:ln>
+        </p:spPr>
+        <p:style>
+          <a:lnRef idx="1">
+            <a:schemeClr val="accent1"/>
+          </a:lnRef>
+          <a:fillRef idx="0">
+            <a:schemeClr val="accent1"/>
+          </a:fillRef>
+          <a:effectRef idx="0">
+            <a:schemeClr val="accent1"/>
+          </a:effectRef>
+          <a:fontRef idx="minor">
+            <a:schemeClr val="tx1"/>
+          </a:fontRef>
+        </p:style>
+      </p:cxnSp>
+      <p:sp>
+        <p:nvSpPr>
+          <p:cNvPr id="35" name="TextBox 34">
+            <a:extLst>
+              <a:ext uri="{FF2B5EF4-FFF2-40B4-BE49-F238E27FC236}">
+                <a16:creationId xmlns:a16="http://schemas.microsoft.com/office/drawing/2014/main" id="{3FBF2B26-530D-4B2C-9CB7-CC913E27A745}"/>
+              </a:ext>
+            </a:extLst>
+          </p:cNvPr>
+          <p:cNvSpPr txBox="1"/>
+          <p:nvPr/>
+        </p:nvSpPr>
+        <p:spPr>
+          <a:xfrm>
+            <a:off x="4034502" y="1495513"/>
+            <a:ext cx="543739" cy="307777"/>
+          </a:xfrm>
+          <a:prstGeom prst="rect">
+            <a:avLst/>
+          </a:prstGeom>
+          <a:noFill/>
+        </p:spPr>
+        <p:txBody>
+          <a:bodyPr wrap="none" rtlCol="0">
+            <a:spAutoFit/>
+          </a:bodyPr>
+          <a:lstStyle/>
+          <a:p>
+            <a:r>
+              <a:rPr lang="zh-CN" altLang="en-US" sz="1400" dirty="0"/>
+              <a:t>借款</a:t>
+            </a:r>
+            <a:endParaRPr lang="en-US" altLang="zh-CN" sz="1400" dirty="0"/>
+          </a:p>
+        </p:txBody>
+      </p:sp>
+      <p:sp>
+        <p:nvSpPr>
+          <p:cNvPr id="36" name="TextBox 35">
+            <a:extLst>
+              <a:ext uri="{FF2B5EF4-FFF2-40B4-BE49-F238E27FC236}">
+                <a16:creationId xmlns:a16="http://schemas.microsoft.com/office/drawing/2014/main" id="{5326E9B1-F8E5-48F8-B9F7-89FFABAF92B4}"/>
+              </a:ext>
+            </a:extLst>
+          </p:cNvPr>
+          <p:cNvSpPr txBox="1"/>
+          <p:nvPr/>
+        </p:nvSpPr>
+        <p:spPr>
+          <a:xfrm>
+            <a:off x="4034502" y="2118843"/>
+            <a:ext cx="543739" cy="307777"/>
+          </a:xfrm>
+          <a:prstGeom prst="rect">
+            <a:avLst/>
+          </a:prstGeom>
+          <a:noFill/>
+        </p:spPr>
+        <p:txBody>
+          <a:bodyPr wrap="none" rtlCol="0">
+            <a:spAutoFit/>
+          </a:bodyPr>
+          <a:lstStyle/>
+          <a:p>
+            <a:r>
+              <a:rPr lang="zh-CN" altLang="en-US" sz="1400" dirty="0"/>
+              <a:t>返款</a:t>
+            </a:r>
+            <a:endParaRPr lang="en-US" altLang="zh-CN" sz="1400" dirty="0"/>
           </a:p>
         </p:txBody>
       </p:sp>
@@ -7482,8 +10089,8 @@
         </p:nvSpPr>
         <p:spPr>
           <a:xfrm>
-            <a:off x="1993901" y="1511300"/>
-            <a:ext cx="4483100" cy="1968500"/>
+            <a:off x="3300501" y="1375717"/>
+            <a:ext cx="5249480" cy="3888262"/>
           </a:xfrm>
           <a:prstGeom prst="rect">
             <a:avLst/>
@@ -7539,10 +10146,10 @@
       </p:sp>
       <p:sp>
         <p:nvSpPr>
-          <p:cNvPr id="35" name="Rectangle: Rounded Corners 34">
-            <a:extLst>
-              <a:ext uri="{FF2B5EF4-FFF2-40B4-BE49-F238E27FC236}">
-                <a16:creationId xmlns:a16="http://schemas.microsoft.com/office/drawing/2014/main" id="{A51AE306-4AB1-4DFE-98ED-4BBE16D27336}"/>
+          <p:cNvPr id="3" name="Rectangle: Rounded Corners 2">
+            <a:extLst>
+              <a:ext uri="{FF2B5EF4-FFF2-40B4-BE49-F238E27FC236}">
+                <a16:creationId xmlns:a16="http://schemas.microsoft.com/office/drawing/2014/main" id="{9C621ED0-26DF-43D5-AAD4-9E1D4BE3820B}"/>
               </a:ext>
             </a:extLst>
           </p:cNvPr>
@@ -7551,13 +10158,11 @@
         </p:nvSpPr>
         <p:spPr>
           <a:xfrm>
-            <a:off x="2252982" y="1606550"/>
-            <a:ext cx="3970018" cy="1530350"/>
+            <a:off x="5016843" y="1665411"/>
+            <a:ext cx="1907400" cy="659031"/>
           </a:xfrm>
           <a:prstGeom prst="roundRect">
-            <a:avLst>
-              <a:gd name="adj" fmla="val 7538"/>
-            </a:avLst>
+            <a:avLst/>
           </a:prstGeom>
           <a:solidFill>
             <a:schemeClr val="accent5">
@@ -7582,28 +10187,27 @@
           </a:fontRef>
         </p:style>
         <p:txBody>
-          <a:bodyPr rot="0" spcFirstLastPara="0" vertOverflow="overflow" horzOverflow="overflow" vert="horz" wrap="square" lIns="91440" tIns="45720" rIns="91440" bIns="45720" numCol="1" spcCol="0" rtlCol="0" fromWordArt="0" anchor="t" anchorCtr="0" forceAA="0" compatLnSpc="1">
-            <a:prstTxWarp prst="textNoShape">
-              <a:avLst/>
-            </a:prstTxWarp>
-            <a:noAutofit/>
-          </a:bodyPr>
+          <a:bodyPr rtlCol="0" anchor="ctr"/>
           <a:lstStyle/>
           <a:p>
             <a:pPr algn="ctr"/>
             <a:r>
-              <a:rPr lang="zh-CN" altLang="en-US" dirty="0"/>
-              <a:t>结算账户</a:t>
-            </a:r>
-          </a:p>
-        </p:txBody>
-      </p:sp>
-      <p:sp>
-        <p:nvSpPr>
-          <p:cNvPr id="3" name="Rectangle: Rounded Corners 2">
-            <a:extLst>
-              <a:ext uri="{FF2B5EF4-FFF2-40B4-BE49-F238E27FC236}">
-                <a16:creationId xmlns:a16="http://schemas.microsoft.com/office/drawing/2014/main" id="{9C621ED0-26DF-43D5-AAD4-9E1D4BE3820B}"/>
+              <a:rPr lang="en-US" altLang="zh-CN" sz="1600" dirty="0"/>
+              <a:t>P2P</a:t>
+            </a:r>
+            <a:r>
+              <a:rPr lang="zh-CN" altLang="en-US" sz="1600" dirty="0"/>
+              <a:t>托管主账户</a:t>
+            </a:r>
+          </a:p>
+        </p:txBody>
+      </p:sp>
+      <p:sp>
+        <p:nvSpPr>
+          <p:cNvPr id="4" name="Rectangle 3">
+            <a:extLst>
+              <a:ext uri="{FF2B5EF4-FFF2-40B4-BE49-F238E27FC236}">
+                <a16:creationId xmlns:a16="http://schemas.microsoft.com/office/drawing/2014/main" id="{982E9F94-46EC-4B70-969D-41008E2935A7}"/>
               </a:ext>
             </a:extLst>
           </p:cNvPr>
@@ -7612,78 +10216,8 @@
         </p:nvSpPr>
         <p:spPr>
           <a:xfrm>
-            <a:off x="3769669" y="2253383"/>
-            <a:ext cx="1080000" cy="720000"/>
-          </a:xfrm>
-          <a:prstGeom prst="roundRect">
-            <a:avLst>
-              <a:gd name="adj" fmla="val 11308"/>
-            </a:avLst>
-          </a:prstGeom>
-          <a:solidFill>
-            <a:schemeClr val="bg1"/>
-          </a:solidFill>
-        </p:spPr>
-        <p:style>
-          <a:lnRef idx="2">
-            <a:schemeClr val="accent1">
-              <a:shade val="50000"/>
-            </a:schemeClr>
-          </a:lnRef>
-          <a:fillRef idx="1">
-            <a:schemeClr val="accent1"/>
-          </a:fillRef>
-          <a:effectRef idx="0">
-            <a:schemeClr val="accent1"/>
-          </a:effectRef>
-          <a:fontRef idx="minor">
-            <a:schemeClr val="lt1"/>
-          </a:fontRef>
-        </p:style>
-        <p:txBody>
-          <a:bodyPr rtlCol="0" anchor="ctr"/>
-          <a:lstStyle/>
-          <a:p>
-            <a:pPr algn="ctr"/>
-            <a:r>
-              <a:rPr lang="en-US" altLang="zh-CN" dirty="0">
-                <a:solidFill>
-                  <a:schemeClr val="accent1">
-                    <a:lumMod val="50000"/>
-                  </a:schemeClr>
-                </a:solidFill>
-              </a:rPr>
-              <a:t>P2P</a:t>
-            </a:r>
-            <a:r>
-              <a:rPr lang="zh-CN" altLang="en-US" dirty="0">
-                <a:solidFill>
-                  <a:schemeClr val="accent1">
-                    <a:lumMod val="50000"/>
-                  </a:schemeClr>
-                </a:solidFill>
-              </a:rPr>
-              <a:t>收益子账户</a:t>
-            </a:r>
-          </a:p>
-        </p:txBody>
-      </p:sp>
-      <p:sp>
-        <p:nvSpPr>
-          <p:cNvPr id="4" name="Rectangle 3">
-            <a:extLst>
-              <a:ext uri="{FF2B5EF4-FFF2-40B4-BE49-F238E27FC236}">
-                <a16:creationId xmlns:a16="http://schemas.microsoft.com/office/drawing/2014/main" id="{982E9F94-46EC-4B70-969D-41008E2935A7}"/>
-              </a:ext>
-            </a:extLst>
-          </p:cNvPr>
-          <p:cNvSpPr/>
-          <p:nvPr/>
-        </p:nvSpPr>
-        <p:spPr>
-          <a:xfrm>
-            <a:off x="1993901" y="794102"/>
-            <a:ext cx="4483100" cy="469548"/>
+            <a:off x="4902006" y="429156"/>
+            <a:ext cx="2046470" cy="483292"/>
           </a:xfrm>
           <a:prstGeom prst="rect">
             <a:avLst/>
@@ -7720,7 +10254,7 @@
           </a:fontRef>
         </p:style>
         <p:txBody>
-          <a:bodyPr rtlCol="0" anchor="t"/>
+          <a:bodyPr rtlCol="0" anchor="ctr"/>
           <a:lstStyle/>
           <a:p>
             <a:pPr algn="ctr"/>
@@ -7749,10 +10283,10 @@
       </p:sp>
       <p:sp>
         <p:nvSpPr>
-          <p:cNvPr id="5" name="Rectangle: Rounded Corners 4">
-            <a:extLst>
-              <a:ext uri="{FF2B5EF4-FFF2-40B4-BE49-F238E27FC236}">
-                <a16:creationId xmlns:a16="http://schemas.microsoft.com/office/drawing/2014/main" id="{EDA94B32-150D-4A4B-AA65-F5398666A2A6}"/>
+          <p:cNvPr id="6" name="Rectangle: Rounded Corners 5">
+            <a:extLst>
+              <a:ext uri="{FF2B5EF4-FFF2-40B4-BE49-F238E27FC236}">
+                <a16:creationId xmlns:a16="http://schemas.microsoft.com/office/drawing/2014/main" id="{FAC42D10-6287-4B50-AC05-2DBC93B2335F}"/>
               </a:ext>
             </a:extLst>
           </p:cNvPr>
@@ -7761,15 +10295,110 @@
         </p:nvSpPr>
         <p:spPr>
           <a:xfrm>
-            <a:off x="2445436" y="2252705"/>
-            <a:ext cx="1080000" cy="720000"/>
+            <a:off x="7298351" y="2955531"/>
+            <a:ext cx="988540" cy="708453"/>
           </a:xfrm>
           <a:prstGeom prst="roundRect">
             <a:avLst/>
           </a:prstGeom>
           <a:solidFill>
-            <a:schemeClr val="bg1"/>
+            <a:schemeClr val="accent5">
+              <a:lumMod val="50000"/>
+            </a:schemeClr>
           </a:solidFill>
+        </p:spPr>
+        <p:style>
+          <a:lnRef idx="2">
+            <a:schemeClr val="accent1">
+              <a:shade val="50000"/>
+            </a:schemeClr>
+          </a:lnRef>
+          <a:fillRef idx="1">
+            <a:schemeClr val="accent1"/>
+          </a:fillRef>
+          <a:effectRef idx="0">
+            <a:schemeClr val="accent1"/>
+          </a:effectRef>
+          <a:fontRef idx="minor">
+            <a:schemeClr val="lt1"/>
+          </a:fontRef>
+        </p:style>
+        <p:txBody>
+          <a:bodyPr rtlCol="0" anchor="ctr"/>
+          <a:lstStyle/>
+          <a:p>
+            <a:pPr algn="ctr"/>
+            <a:r>
+              <a:rPr lang="zh-CN" altLang="en-US" sz="1600" dirty="0"/>
+              <a:t>借款人子账户</a:t>
+            </a:r>
+          </a:p>
+        </p:txBody>
+      </p:sp>
+      <p:sp>
+        <p:nvSpPr>
+          <p:cNvPr id="13" name="TextBox 12">
+            <a:extLst>
+              <a:ext uri="{FF2B5EF4-FFF2-40B4-BE49-F238E27FC236}">
+                <a16:creationId xmlns:a16="http://schemas.microsoft.com/office/drawing/2014/main" id="{BFA22FBA-A362-494A-A28C-19C09BB0E8F3}"/>
+              </a:ext>
+            </a:extLst>
+          </p:cNvPr>
+          <p:cNvSpPr txBox="1"/>
+          <p:nvPr/>
+        </p:nvSpPr>
+        <p:spPr>
+          <a:xfrm>
+            <a:off x="8247943" y="2149735"/>
+            <a:ext cx="543739" cy="307777"/>
+          </a:xfrm>
+          <a:prstGeom prst="rect">
+            <a:avLst/>
+          </a:prstGeom>
+          <a:noFill/>
+        </p:spPr>
+        <p:txBody>
+          <a:bodyPr wrap="none" rtlCol="0">
+            <a:spAutoFit/>
+          </a:bodyPr>
+          <a:lstStyle/>
+          <a:p>
+            <a:r>
+              <a:rPr lang="zh-CN" altLang="en-US" sz="1400" dirty="0"/>
+              <a:t>提现</a:t>
+            </a:r>
+            <a:endParaRPr lang="en-US" altLang="zh-CN" sz="1400" dirty="0"/>
+          </a:p>
+        </p:txBody>
+      </p:sp>
+      <p:sp>
+        <p:nvSpPr>
+          <p:cNvPr id="16" name="Rectangle: Rounded Corners 15">
+            <a:extLst>
+              <a:ext uri="{FF2B5EF4-FFF2-40B4-BE49-F238E27FC236}">
+                <a16:creationId xmlns:a16="http://schemas.microsoft.com/office/drawing/2014/main" id="{4810EA72-E975-4042-A730-AA6580EA444E}"/>
+              </a:ext>
+            </a:extLst>
+          </p:cNvPr>
+          <p:cNvSpPr/>
+          <p:nvPr/>
+        </p:nvSpPr>
+        <p:spPr>
+          <a:xfrm>
+            <a:off x="1467302" y="1368853"/>
+            <a:ext cx="1279010" cy="1252149"/>
+          </a:xfrm>
+          <a:prstGeom prst="roundRect">
+            <a:avLst/>
+          </a:prstGeom>
+          <a:solidFill>
+            <a:schemeClr val="tx2">
+              <a:lumMod val="50000"/>
+            </a:schemeClr>
+          </a:solidFill>
+          <a:ln>
+            <a:noFill/>
+          </a:ln>
         </p:spPr>
         <p:style>
           <a:lnRef idx="2">
@@ -7798,24 +10427,149 @@
           <a:p>
             <a:pPr algn="ctr"/>
             <a:r>
-              <a:rPr lang="zh-CN" altLang="en-US" dirty="0">
-                <a:solidFill>
-                  <a:schemeClr val="accent1">
-                    <a:lumMod val="50000"/>
-                  </a:schemeClr>
-                </a:solidFill>
-              </a:rPr>
-              <a:t>投资人子账户</a:t>
-            </a:r>
-          </a:p>
-        </p:txBody>
-      </p:sp>
-      <p:sp>
-        <p:nvSpPr>
-          <p:cNvPr id="6" name="Rectangle: Rounded Corners 5">
-            <a:extLst>
-              <a:ext uri="{FF2B5EF4-FFF2-40B4-BE49-F238E27FC236}">
-                <a16:creationId xmlns:a16="http://schemas.microsoft.com/office/drawing/2014/main" id="{FAC42D10-6287-4B50-AC05-2DBC93B2335F}"/>
+              <a:rPr lang="zh-CN" altLang="en-US" dirty="0"/>
+              <a:t>投资人</a:t>
+            </a:r>
+            <a:endParaRPr lang="en-US" altLang="zh-CN" dirty="0"/>
+          </a:p>
+          <a:p>
+            <a:pPr algn="ctr"/>
+            <a:r>
+              <a:rPr lang="zh-CN" altLang="en-US" dirty="0"/>
+              <a:t>外部账户</a:t>
+            </a:r>
+          </a:p>
+        </p:txBody>
+      </p:sp>
+      <p:cxnSp>
+        <p:nvCxnSpPr>
+          <p:cNvPr id="20" name="Straight Arrow Connector 19">
+            <a:extLst>
+              <a:ext uri="{FF2B5EF4-FFF2-40B4-BE49-F238E27FC236}">
+                <a16:creationId xmlns:a16="http://schemas.microsoft.com/office/drawing/2014/main" id="{290B659C-C0F4-480E-9921-D1729856E8AA}"/>
+              </a:ext>
+            </a:extLst>
+          </p:cNvPr>
+          <p:cNvCxnSpPr>
+            <a:cxnSpLocks/>
+          </p:cNvCxnSpPr>
+          <p:nvPr/>
+        </p:nvCxnSpPr>
+        <p:spPr>
+          <a:xfrm>
+            <a:off x="2755751" y="1860377"/>
+            <a:ext cx="2220876" cy="0"/>
+          </a:xfrm>
+          <a:prstGeom prst="straightConnector1">
+            <a:avLst/>
+          </a:prstGeom>
+          <a:ln w="28575">
+            <a:solidFill>
+              <a:schemeClr val="accent2">
+                <a:lumMod val="50000"/>
+              </a:schemeClr>
+            </a:solidFill>
+            <a:tailEnd type="triangle"/>
+          </a:ln>
+        </p:spPr>
+        <p:style>
+          <a:lnRef idx="1">
+            <a:schemeClr val="accent1"/>
+          </a:lnRef>
+          <a:fillRef idx="0">
+            <a:schemeClr val="accent1"/>
+          </a:fillRef>
+          <a:effectRef idx="0">
+            <a:schemeClr val="accent1"/>
+          </a:effectRef>
+          <a:fontRef idx="minor">
+            <a:schemeClr val="tx1"/>
+          </a:fontRef>
+        </p:style>
+      </p:cxnSp>
+      <p:sp>
+        <p:nvSpPr>
+          <p:cNvPr id="21" name="TextBox 20">
+            <a:extLst>
+              <a:ext uri="{FF2B5EF4-FFF2-40B4-BE49-F238E27FC236}">
+                <a16:creationId xmlns:a16="http://schemas.microsoft.com/office/drawing/2014/main" id="{C0A3DC8A-7F69-4B78-B4D1-99D83D251F9A}"/>
+              </a:ext>
+            </a:extLst>
+          </p:cNvPr>
+          <p:cNvSpPr txBox="1"/>
+          <p:nvPr/>
+        </p:nvSpPr>
+        <p:spPr>
+          <a:xfrm>
+            <a:off x="2721577" y="1580629"/>
+            <a:ext cx="543739" cy="307777"/>
+          </a:xfrm>
+          <a:prstGeom prst="rect">
+            <a:avLst/>
+          </a:prstGeom>
+          <a:noFill/>
+        </p:spPr>
+        <p:txBody>
+          <a:bodyPr wrap="none" rtlCol="0">
+            <a:spAutoFit/>
+          </a:bodyPr>
+          <a:lstStyle/>
+          <a:p>
+            <a:r>
+              <a:rPr lang="zh-CN" altLang="en-US" sz="1400" dirty="0"/>
+              <a:t>充值</a:t>
+            </a:r>
+            <a:endParaRPr lang="en-US" altLang="zh-CN" sz="1400" dirty="0"/>
+          </a:p>
+        </p:txBody>
+      </p:sp>
+      <p:cxnSp>
+        <p:nvCxnSpPr>
+          <p:cNvPr id="9" name="Straight Arrow Connector 8">
+            <a:extLst>
+              <a:ext uri="{FF2B5EF4-FFF2-40B4-BE49-F238E27FC236}">
+                <a16:creationId xmlns:a16="http://schemas.microsoft.com/office/drawing/2014/main" id="{8EFD07B4-8190-4B4C-A29A-C19A65CAE7E8}"/>
+              </a:ext>
+            </a:extLst>
+          </p:cNvPr>
+          <p:cNvCxnSpPr>
+            <a:cxnSpLocks/>
+          </p:cNvCxnSpPr>
+          <p:nvPr/>
+        </p:nvCxnSpPr>
+        <p:spPr>
+          <a:xfrm>
+            <a:off x="6964459" y="2141839"/>
+            <a:ext cx="1897227" cy="1"/>
+          </a:xfrm>
+          <a:prstGeom prst="straightConnector1">
+            <a:avLst/>
+          </a:prstGeom>
+          <a:ln w="28575">
+            <a:tailEnd type="triangle"/>
+          </a:ln>
+        </p:spPr>
+        <p:style>
+          <a:lnRef idx="1">
+            <a:schemeClr val="accent1"/>
+          </a:lnRef>
+          <a:fillRef idx="0">
+            <a:schemeClr val="accent1"/>
+          </a:fillRef>
+          <a:effectRef idx="0">
+            <a:schemeClr val="accent1"/>
+          </a:effectRef>
+          <a:fontRef idx="minor">
+            <a:schemeClr val="tx1"/>
+          </a:fontRef>
+        </p:style>
+      </p:cxnSp>
+      <p:sp>
+        <p:nvSpPr>
+          <p:cNvPr id="22" name="Rectangle: Rounded Corners 21">
+            <a:extLst>
+              <a:ext uri="{FF2B5EF4-FFF2-40B4-BE49-F238E27FC236}">
+                <a16:creationId xmlns:a16="http://schemas.microsoft.com/office/drawing/2014/main" id="{90B12DA1-B305-45C0-B7BA-40D767774E44}"/>
               </a:ext>
             </a:extLst>
           </p:cNvPr>
@@ -7824,15 +10578,20 @@
         </p:nvSpPr>
         <p:spPr>
           <a:xfrm>
-            <a:off x="5000365" y="2227991"/>
-            <a:ext cx="1080000" cy="720000"/>
+            <a:off x="8861686" y="1367482"/>
+            <a:ext cx="1279010" cy="1252149"/>
           </a:xfrm>
           <a:prstGeom prst="roundRect">
             <a:avLst/>
           </a:prstGeom>
           <a:solidFill>
-            <a:schemeClr val="bg1"/>
+            <a:schemeClr val="tx2">
+              <a:lumMod val="50000"/>
+            </a:schemeClr>
           </a:solidFill>
+          <a:ln>
+            <a:noFill/>
+          </a:ln>
         </p:spPr>
         <p:style>
           <a:lnRef idx="2">
@@ -7861,24 +10620,185 @@
           <a:p>
             <a:pPr algn="ctr"/>
             <a:r>
-              <a:rPr lang="zh-CN" altLang="en-US" dirty="0">
-                <a:solidFill>
-                  <a:schemeClr val="accent1">
-                    <a:lumMod val="50000"/>
-                  </a:schemeClr>
-                </a:solidFill>
-              </a:rPr>
-              <a:t>借款人子账户</a:t>
-            </a:r>
-          </a:p>
-        </p:txBody>
-      </p:sp>
-      <p:sp>
-        <p:nvSpPr>
-          <p:cNvPr id="8" name="Rectangle: Rounded Corners 7">
-            <a:extLst>
-              <a:ext uri="{FF2B5EF4-FFF2-40B4-BE49-F238E27FC236}">
-                <a16:creationId xmlns:a16="http://schemas.microsoft.com/office/drawing/2014/main" id="{32AD37B3-27D3-47F0-82E1-9CE9A07294EA}"/>
+              <a:rPr lang="zh-CN" altLang="en-US" dirty="0"/>
+              <a:t>借款人</a:t>
+            </a:r>
+            <a:endParaRPr lang="en-US" altLang="zh-CN" dirty="0"/>
+          </a:p>
+          <a:p>
+            <a:pPr algn="ctr"/>
+            <a:r>
+              <a:rPr lang="zh-CN" altLang="en-US" dirty="0"/>
+              <a:t>外部账户</a:t>
+            </a:r>
+          </a:p>
+        </p:txBody>
+      </p:sp>
+      <p:cxnSp>
+        <p:nvCxnSpPr>
+          <p:cNvPr id="24" name="Straight Arrow Connector 23">
+            <a:extLst>
+              <a:ext uri="{FF2B5EF4-FFF2-40B4-BE49-F238E27FC236}">
+                <a16:creationId xmlns:a16="http://schemas.microsoft.com/office/drawing/2014/main" id="{416791F4-C3CE-4A04-897B-3BFA6D1879E6}"/>
+              </a:ext>
+            </a:extLst>
+          </p:cNvPr>
+          <p:cNvCxnSpPr>
+            <a:cxnSpLocks/>
+          </p:cNvCxnSpPr>
+          <p:nvPr/>
+        </p:nvCxnSpPr>
+        <p:spPr>
+          <a:xfrm flipH="1">
+            <a:off x="6924243" y="1864496"/>
+            <a:ext cx="1895913" cy="0"/>
+          </a:xfrm>
+          <a:prstGeom prst="straightConnector1">
+            <a:avLst/>
+          </a:prstGeom>
+          <a:ln w="28575">
+            <a:tailEnd type="triangle"/>
+          </a:ln>
+        </p:spPr>
+        <p:style>
+          <a:lnRef idx="1">
+            <a:schemeClr val="accent1"/>
+          </a:lnRef>
+          <a:fillRef idx="0">
+            <a:schemeClr val="accent1"/>
+          </a:fillRef>
+          <a:effectRef idx="0">
+            <a:schemeClr val="accent1"/>
+          </a:effectRef>
+          <a:fontRef idx="minor">
+            <a:schemeClr val="tx1"/>
+          </a:fontRef>
+        </p:style>
+      </p:cxnSp>
+      <p:sp>
+        <p:nvSpPr>
+          <p:cNvPr id="25" name="TextBox 24">
+            <a:extLst>
+              <a:ext uri="{FF2B5EF4-FFF2-40B4-BE49-F238E27FC236}">
+                <a16:creationId xmlns:a16="http://schemas.microsoft.com/office/drawing/2014/main" id="{9DE4F42C-C89A-4479-B8A3-08479A28EC14}"/>
+              </a:ext>
+            </a:extLst>
+          </p:cNvPr>
+          <p:cNvSpPr txBox="1"/>
+          <p:nvPr/>
+        </p:nvSpPr>
+        <p:spPr>
+          <a:xfrm>
+            <a:off x="2739231" y="2169977"/>
+            <a:ext cx="543739" cy="307777"/>
+          </a:xfrm>
+          <a:prstGeom prst="rect">
+            <a:avLst/>
+          </a:prstGeom>
+          <a:noFill/>
+        </p:spPr>
+        <p:txBody>
+          <a:bodyPr wrap="none" rtlCol="0">
+            <a:spAutoFit/>
+          </a:bodyPr>
+          <a:lstStyle/>
+          <a:p>
+            <a:r>
+              <a:rPr lang="zh-CN" altLang="en-US" sz="1400" dirty="0"/>
+              <a:t>提现</a:t>
+            </a:r>
+            <a:endParaRPr lang="en-US" altLang="zh-CN" sz="1400" dirty="0"/>
+          </a:p>
+        </p:txBody>
+      </p:sp>
+      <p:sp>
+        <p:nvSpPr>
+          <p:cNvPr id="26" name="TextBox 25">
+            <a:extLst>
+              <a:ext uri="{FF2B5EF4-FFF2-40B4-BE49-F238E27FC236}">
+                <a16:creationId xmlns:a16="http://schemas.microsoft.com/office/drawing/2014/main" id="{9B211909-57AB-440C-83D2-A6B68F8B0E67}"/>
+              </a:ext>
+            </a:extLst>
+          </p:cNvPr>
+          <p:cNvSpPr txBox="1"/>
+          <p:nvPr/>
+        </p:nvSpPr>
+        <p:spPr>
+          <a:xfrm>
+            <a:off x="8247943" y="1579258"/>
+            <a:ext cx="543739" cy="307777"/>
+          </a:xfrm>
+          <a:prstGeom prst="rect">
+            <a:avLst/>
+          </a:prstGeom>
+          <a:noFill/>
+        </p:spPr>
+        <p:txBody>
+          <a:bodyPr wrap="none" rtlCol="0">
+            <a:spAutoFit/>
+          </a:bodyPr>
+          <a:lstStyle/>
+          <a:p>
+            <a:r>
+              <a:rPr lang="zh-CN" altLang="en-US" sz="1400" dirty="0"/>
+              <a:t>充值</a:t>
+            </a:r>
+            <a:endParaRPr lang="en-US" altLang="zh-CN" sz="1400" dirty="0"/>
+          </a:p>
+        </p:txBody>
+      </p:sp>
+      <p:cxnSp>
+        <p:nvCxnSpPr>
+          <p:cNvPr id="27" name="Straight Arrow Connector 26">
+            <a:extLst>
+              <a:ext uri="{FF2B5EF4-FFF2-40B4-BE49-F238E27FC236}">
+                <a16:creationId xmlns:a16="http://schemas.microsoft.com/office/drawing/2014/main" id="{E7A120F9-5D11-44F0-BFA4-FF9CDF55D7E8}"/>
+              </a:ext>
+            </a:extLst>
+          </p:cNvPr>
+          <p:cNvCxnSpPr>
+            <a:cxnSpLocks/>
+          </p:cNvCxnSpPr>
+          <p:nvPr/>
+        </p:nvCxnSpPr>
+        <p:spPr>
+          <a:xfrm flipH="1">
+            <a:off x="2731034" y="2161046"/>
+            <a:ext cx="2245593" cy="0"/>
+          </a:xfrm>
+          <a:prstGeom prst="straightConnector1">
+            <a:avLst/>
+          </a:prstGeom>
+          <a:ln w="28575">
+            <a:solidFill>
+              <a:schemeClr val="accent2">
+                <a:lumMod val="50000"/>
+              </a:schemeClr>
+            </a:solidFill>
+            <a:tailEnd type="triangle"/>
+          </a:ln>
+        </p:spPr>
+        <p:style>
+          <a:lnRef idx="1">
+            <a:schemeClr val="accent1"/>
+          </a:lnRef>
+          <a:fillRef idx="0">
+            <a:schemeClr val="accent1"/>
+          </a:fillRef>
+          <a:effectRef idx="0">
+            <a:schemeClr val="accent1"/>
+          </a:effectRef>
+          <a:fontRef idx="minor">
+            <a:schemeClr val="tx1"/>
+          </a:fontRef>
+        </p:style>
+      </p:cxnSp>
+      <p:sp>
+        <p:nvSpPr>
+          <p:cNvPr id="23" name="Rectangle: Rounded Corners 22">
+            <a:extLst>
+              <a:ext uri="{FF2B5EF4-FFF2-40B4-BE49-F238E27FC236}">
+                <a16:creationId xmlns:a16="http://schemas.microsoft.com/office/drawing/2014/main" id="{70883220-FC67-4B61-BD40-324B2BB139BD}"/>
               </a:ext>
             </a:extLst>
           </p:cNvPr>
@@ -7887,20 +10807,17 @@
         </p:nvSpPr>
         <p:spPr>
           <a:xfrm>
-            <a:off x="7103041" y="2233764"/>
-            <a:ext cx="988540" cy="708453"/>
+            <a:off x="5369136" y="4028360"/>
+            <a:ext cx="1202813" cy="708453"/>
           </a:xfrm>
           <a:prstGeom prst="roundRect">
             <a:avLst/>
           </a:prstGeom>
           <a:solidFill>
-            <a:schemeClr val="tx2">
+            <a:schemeClr val="accent5">
               <a:lumMod val="50000"/>
             </a:schemeClr>
           </a:solidFill>
-          <a:ln>
-            <a:noFill/>
-          </a:ln>
         </p:spPr>
         <p:style>
           <a:lnRef idx="2">
@@ -7924,26 +10841,76 @@
           <a:p>
             <a:pPr algn="ctr"/>
             <a:r>
-              <a:rPr lang="zh-CN" altLang="en-US" dirty="0"/>
-              <a:t>外部</a:t>
-            </a:r>
-            <a:endParaRPr lang="en-US" altLang="zh-CN" dirty="0"/>
+              <a:rPr lang="zh-CN" altLang="en-US" sz="1600" dirty="0"/>
+              <a:t>服务费</a:t>
+            </a:r>
+            <a:endParaRPr lang="en-US" altLang="zh-CN" sz="1600" dirty="0"/>
           </a:p>
           <a:p>
             <a:pPr algn="ctr"/>
             <a:r>
-              <a:rPr lang="zh-CN" altLang="en-US" dirty="0"/>
-              <a:t>账户</a:t>
-            </a:r>
-          </a:p>
-        </p:txBody>
-      </p:sp>
-      <p:sp>
-        <p:nvSpPr>
-          <p:cNvPr id="13" name="TextBox 12">
-            <a:extLst>
-              <a:ext uri="{FF2B5EF4-FFF2-40B4-BE49-F238E27FC236}">
-                <a16:creationId xmlns:a16="http://schemas.microsoft.com/office/drawing/2014/main" id="{BFA22FBA-A362-494A-A28C-19C09BB0E8F3}"/>
+              <a:rPr lang="zh-CN" altLang="en-US" sz="1600" dirty="0"/>
+              <a:t>子账户</a:t>
+            </a:r>
+          </a:p>
+        </p:txBody>
+      </p:sp>
+      <p:cxnSp>
+        <p:nvCxnSpPr>
+          <p:cNvPr id="31" name="Connector: Elbow 30">
+            <a:extLst>
+              <a:ext uri="{FF2B5EF4-FFF2-40B4-BE49-F238E27FC236}">
+                <a16:creationId xmlns:a16="http://schemas.microsoft.com/office/drawing/2014/main" id="{3FD94A41-4594-49CC-A4B2-F5059B75700B}"/>
+              </a:ext>
+            </a:extLst>
+          </p:cNvPr>
+          <p:cNvCxnSpPr>
+            <a:cxnSpLocks/>
+          </p:cNvCxnSpPr>
+          <p:nvPr/>
+        </p:nvCxnSpPr>
+        <p:spPr>
+          <a:xfrm rot="5400000">
+            <a:off x="4489041" y="1976565"/>
+            <a:ext cx="620582" cy="1316334"/>
+          </a:xfrm>
+          <a:prstGeom prst="bentConnector3">
+            <a:avLst>
+              <a:gd name="adj1" fmla="val 50000"/>
+            </a:avLst>
+          </a:prstGeom>
+          <a:ln>
+            <a:solidFill>
+              <a:schemeClr val="accent2">
+                <a:lumMod val="50000"/>
+              </a:schemeClr>
+            </a:solidFill>
+            <a:prstDash val="dash"/>
+            <a:headEnd type="triangle" w="med" len="med"/>
+            <a:tailEnd type="triangle" w="med" len="med"/>
+          </a:ln>
+        </p:spPr>
+        <p:style>
+          <a:lnRef idx="1">
+            <a:schemeClr val="accent1"/>
+          </a:lnRef>
+          <a:fillRef idx="0">
+            <a:schemeClr val="accent1"/>
+          </a:fillRef>
+          <a:effectRef idx="0">
+            <a:schemeClr val="accent1"/>
+          </a:effectRef>
+          <a:fontRef idx="minor">
+            <a:schemeClr val="tx1"/>
+          </a:fontRef>
+        </p:style>
+      </p:cxnSp>
+      <p:sp>
+        <p:nvSpPr>
+          <p:cNvPr id="37" name="TextBox 36">
+            <a:extLst>
+              <a:ext uri="{FF2B5EF4-FFF2-40B4-BE49-F238E27FC236}">
+                <a16:creationId xmlns:a16="http://schemas.microsoft.com/office/drawing/2014/main" id="{D41AD67C-3C88-44C3-89FB-C7493C87330E}"/>
               </a:ext>
             </a:extLst>
           </p:cNvPr>
@@ -7952,8 +10919,8 @@
         </p:nvSpPr>
         <p:spPr>
           <a:xfrm>
-            <a:off x="6425239" y="2243373"/>
-            <a:ext cx="646331" cy="369332"/>
+            <a:off x="4374648" y="2355548"/>
+            <a:ext cx="970137" cy="307777"/>
           </a:xfrm>
           <a:prstGeom prst="rect">
             <a:avLst/>
@@ -7967,19 +10934,204 @@
           <a:lstStyle/>
           <a:p>
             <a:r>
-              <a:rPr lang="zh-CN" altLang="en-US" dirty="0"/>
-              <a:t>返款</a:t>
-            </a:r>
-            <a:endParaRPr lang="en-US" altLang="zh-CN" dirty="0"/>
-          </a:p>
-        </p:txBody>
-      </p:sp>
-      <p:sp>
-        <p:nvSpPr>
-          <p:cNvPr id="16" name="Rectangle: Rounded Corners 15">
-            <a:extLst>
-              <a:ext uri="{FF2B5EF4-FFF2-40B4-BE49-F238E27FC236}">
-                <a16:creationId xmlns:a16="http://schemas.microsoft.com/office/drawing/2014/main" id="{4810EA72-E975-4042-A730-AA6580EA444E}"/>
+              <a:rPr lang="zh-CN" altLang="en-US" sz="1400" dirty="0"/>
+              <a:t>充值</a:t>
+            </a:r>
+            <a:r>
+              <a:rPr lang="en-US" altLang="zh-CN" sz="1400" dirty="0"/>
+              <a:t>/</a:t>
+            </a:r>
+            <a:r>
+              <a:rPr lang="zh-CN" altLang="en-US" sz="1400" dirty="0"/>
+              <a:t>提现</a:t>
+            </a:r>
+            <a:endParaRPr lang="en-US" altLang="zh-CN" sz="1400" dirty="0"/>
+          </a:p>
+        </p:txBody>
+      </p:sp>
+      <p:cxnSp>
+        <p:nvCxnSpPr>
+          <p:cNvPr id="40" name="Connector: Elbow 39">
+            <a:extLst>
+              <a:ext uri="{FF2B5EF4-FFF2-40B4-BE49-F238E27FC236}">
+                <a16:creationId xmlns:a16="http://schemas.microsoft.com/office/drawing/2014/main" id="{0B9A1CA8-0879-4860-9B5A-C92393CCFA73}"/>
+              </a:ext>
+            </a:extLst>
+          </p:cNvPr>
+          <p:cNvCxnSpPr>
+            <a:cxnSpLocks/>
+          </p:cNvCxnSpPr>
+          <p:nvPr/>
+        </p:nvCxnSpPr>
+        <p:spPr>
+          <a:xfrm rot="16200000" flipH="1">
+            <a:off x="6863549" y="1881354"/>
+            <a:ext cx="620583" cy="1511297"/>
+          </a:xfrm>
+          <a:prstGeom prst="bentConnector3">
+            <a:avLst/>
+          </a:prstGeom>
+          <a:ln>
+            <a:solidFill>
+              <a:schemeClr val="accent2">
+                <a:lumMod val="50000"/>
+              </a:schemeClr>
+            </a:solidFill>
+            <a:prstDash val="dash"/>
+            <a:headEnd type="triangle" w="med" len="med"/>
+            <a:tailEnd type="triangle" w="med" len="med"/>
+          </a:ln>
+        </p:spPr>
+        <p:style>
+          <a:lnRef idx="1">
+            <a:schemeClr val="accent1"/>
+          </a:lnRef>
+          <a:fillRef idx="0">
+            <a:schemeClr val="accent1"/>
+          </a:fillRef>
+          <a:effectRef idx="0">
+            <a:schemeClr val="accent1"/>
+          </a:effectRef>
+          <a:fontRef idx="minor">
+            <a:schemeClr val="tx1"/>
+          </a:fontRef>
+        </p:style>
+      </p:cxnSp>
+      <p:sp>
+        <p:nvSpPr>
+          <p:cNvPr id="41" name="TextBox 40">
+            <a:extLst>
+              <a:ext uri="{FF2B5EF4-FFF2-40B4-BE49-F238E27FC236}">
+                <a16:creationId xmlns:a16="http://schemas.microsoft.com/office/drawing/2014/main" id="{A38C403A-FEF8-48FA-BD45-DCFCE59ABDAF}"/>
+              </a:ext>
+            </a:extLst>
+          </p:cNvPr>
+          <p:cNvSpPr txBox="1"/>
+          <p:nvPr/>
+        </p:nvSpPr>
+        <p:spPr>
+          <a:xfrm>
+            <a:off x="6484199" y="2355548"/>
+            <a:ext cx="970137" cy="307777"/>
+          </a:xfrm>
+          <a:prstGeom prst="rect">
+            <a:avLst/>
+          </a:prstGeom>
+          <a:noFill/>
+        </p:spPr>
+        <p:txBody>
+          <a:bodyPr wrap="none" rtlCol="0">
+            <a:spAutoFit/>
+          </a:bodyPr>
+          <a:lstStyle/>
+          <a:p>
+            <a:r>
+              <a:rPr lang="zh-CN" altLang="en-US" sz="1400" dirty="0"/>
+              <a:t>充值</a:t>
+            </a:r>
+            <a:r>
+              <a:rPr lang="en-US" altLang="zh-CN" sz="1400" dirty="0"/>
+              <a:t>/</a:t>
+            </a:r>
+            <a:r>
+              <a:rPr lang="zh-CN" altLang="en-US" sz="1400" dirty="0"/>
+              <a:t>提现</a:t>
+            </a:r>
+            <a:endParaRPr lang="en-US" altLang="zh-CN" sz="1400" dirty="0"/>
+          </a:p>
+        </p:txBody>
+      </p:sp>
+      <p:sp>
+        <p:nvSpPr>
+          <p:cNvPr id="52" name="TextBox 51">
+            <a:extLst>
+              <a:ext uri="{FF2B5EF4-FFF2-40B4-BE49-F238E27FC236}">
+                <a16:creationId xmlns:a16="http://schemas.microsoft.com/office/drawing/2014/main" id="{48A07501-BCA1-464C-A4BA-683FD715CBBB}"/>
+              </a:ext>
+            </a:extLst>
+          </p:cNvPr>
+          <p:cNvSpPr txBox="1"/>
+          <p:nvPr/>
+        </p:nvSpPr>
+        <p:spPr>
+          <a:xfrm>
+            <a:off x="4666120" y="2985230"/>
+            <a:ext cx="957313" cy="276999"/>
+          </a:xfrm>
+          <a:prstGeom prst="rect">
+            <a:avLst/>
+          </a:prstGeom>
+          <a:noFill/>
+        </p:spPr>
+        <p:txBody>
+          <a:bodyPr wrap="none" rtlCol="0">
+            <a:spAutoFit/>
+          </a:bodyPr>
+          <a:lstStyle/>
+          <a:p>
+            <a:r>
+              <a:rPr lang="en-US" altLang="zh-CN" sz="1200" dirty="0"/>
+              <a:t>1. </a:t>
+            </a:r>
+            <a:r>
+              <a:rPr lang="zh-CN" altLang="en-US" sz="1200" dirty="0"/>
+              <a:t>投标资金</a:t>
+            </a:r>
+          </a:p>
+        </p:txBody>
+      </p:sp>
+      <p:cxnSp>
+        <p:nvCxnSpPr>
+          <p:cNvPr id="55" name="Connector: Elbow 54">
+            <a:extLst>
+              <a:ext uri="{FF2B5EF4-FFF2-40B4-BE49-F238E27FC236}">
+                <a16:creationId xmlns:a16="http://schemas.microsoft.com/office/drawing/2014/main" id="{19AEE462-6C79-4418-945B-452DDFC28A57}"/>
+              </a:ext>
+            </a:extLst>
+          </p:cNvPr>
+          <p:cNvCxnSpPr>
+            <a:cxnSpLocks/>
+          </p:cNvCxnSpPr>
+          <p:nvPr/>
+        </p:nvCxnSpPr>
+        <p:spPr>
+          <a:xfrm flipV="1">
+            <a:off x="4392634" y="2303623"/>
+            <a:ext cx="1277205" cy="985316"/>
+          </a:xfrm>
+          <a:prstGeom prst="bentConnector2">
+            <a:avLst/>
+          </a:prstGeom>
+          <a:ln w="28575">
+            <a:solidFill>
+              <a:schemeClr val="accent6">
+                <a:lumMod val="50000"/>
+              </a:schemeClr>
+            </a:solidFill>
+            <a:tailEnd type="triangle"/>
+          </a:ln>
+        </p:spPr>
+        <p:style>
+          <a:lnRef idx="1">
+            <a:schemeClr val="accent1"/>
+          </a:lnRef>
+          <a:fillRef idx="0">
+            <a:schemeClr val="accent1"/>
+          </a:fillRef>
+          <a:effectRef idx="0">
+            <a:schemeClr val="accent1"/>
+          </a:effectRef>
+          <a:fontRef idx="minor">
+            <a:schemeClr val="tx1"/>
+          </a:fontRef>
+        </p:style>
+      </p:cxnSp>
+      <p:sp>
+        <p:nvSpPr>
+          <p:cNvPr id="5" name="Rectangle: Rounded Corners 4">
+            <a:extLst>
+              <a:ext uri="{FF2B5EF4-FFF2-40B4-BE49-F238E27FC236}">
+                <a16:creationId xmlns:a16="http://schemas.microsoft.com/office/drawing/2014/main" id="{EDA94B32-150D-4A4B-AA65-F5398666A2A6}"/>
               </a:ext>
             </a:extLst>
           </p:cNvPr>
@@ -7988,20 +11140,17 @@
         </p:nvSpPr>
         <p:spPr>
           <a:xfrm>
-            <a:off x="518897" y="2264252"/>
+            <a:off x="3704798" y="2955531"/>
             <a:ext cx="988540" cy="708453"/>
           </a:xfrm>
           <a:prstGeom prst="roundRect">
             <a:avLst/>
           </a:prstGeom>
           <a:solidFill>
-            <a:schemeClr val="tx2">
+            <a:schemeClr val="accent5">
               <a:lumMod val="50000"/>
             </a:schemeClr>
           </a:solidFill>
-          <a:ln>
-            <a:noFill/>
-          </a:ln>
         </p:spPr>
         <p:style>
           <a:lnRef idx="2">
@@ -8020,36 +11169,117 @@
           </a:fontRef>
         </p:style>
         <p:txBody>
-          <a:bodyPr rot="0" spcFirstLastPara="0" vertOverflow="overflow" horzOverflow="overflow" vert="horz" wrap="square" lIns="91440" tIns="45720" rIns="91440" bIns="45720" numCol="1" spcCol="0" rtlCol="0" fromWordArt="0" anchor="ctr" anchorCtr="0" forceAA="0" compatLnSpc="1">
-            <a:prstTxWarp prst="textNoShape">
-              <a:avLst/>
-            </a:prstTxWarp>
-            <a:noAutofit/>
-          </a:bodyPr>
+          <a:bodyPr rtlCol="0" anchor="ctr"/>
           <a:lstStyle/>
           <a:p>
             <a:pPr algn="ctr"/>
             <a:r>
-              <a:rPr lang="zh-CN" altLang="en-US"/>
-              <a:t>外部</a:t>
-            </a:r>
-            <a:endParaRPr lang="en-US" altLang="zh-CN" dirty="0"/>
-          </a:p>
-          <a:p>
-            <a:pPr algn="ctr"/>
-            <a:r>
-              <a:rPr lang="zh-CN" altLang="en-US" dirty="0"/>
-              <a:t>账户</a:t>
-            </a:r>
-          </a:p>
-        </p:txBody>
-      </p:sp>
-      <p:sp>
-        <p:nvSpPr>
-          <p:cNvPr id="21" name="TextBox 20">
-            <a:extLst>
-              <a:ext uri="{FF2B5EF4-FFF2-40B4-BE49-F238E27FC236}">
-                <a16:creationId xmlns:a16="http://schemas.microsoft.com/office/drawing/2014/main" id="{C0A3DC8A-7F69-4B78-B4D1-99D83D251F9A}"/>
+              <a:rPr lang="zh-CN" altLang="en-US" sz="1600" dirty="0"/>
+              <a:t>投资人子账户</a:t>
+            </a:r>
+          </a:p>
+        </p:txBody>
+      </p:sp>
+      <p:cxnSp>
+        <p:nvCxnSpPr>
+          <p:cNvPr id="59" name="Straight Arrow Connector 58">
+            <a:extLst>
+              <a:ext uri="{FF2B5EF4-FFF2-40B4-BE49-F238E27FC236}">
+                <a16:creationId xmlns:a16="http://schemas.microsoft.com/office/drawing/2014/main" id="{38F201FC-1650-45BA-AFC7-52BCA2B155AF}"/>
+              </a:ext>
+            </a:extLst>
+          </p:cNvPr>
+          <p:cNvCxnSpPr>
+            <a:stCxn id="3" idx="2"/>
+            <a:endCxn id="23" idx="0"/>
+          </p:cNvCxnSpPr>
+          <p:nvPr/>
+        </p:nvCxnSpPr>
+        <p:spPr>
+          <a:xfrm>
+            <a:off x="5970543" y="2324442"/>
+            <a:ext cx="0" cy="1703918"/>
+          </a:xfrm>
+          <a:prstGeom prst="straightConnector1">
+            <a:avLst/>
+          </a:prstGeom>
+          <a:ln w="28575">
+            <a:solidFill>
+              <a:schemeClr val="accent6">
+                <a:lumMod val="50000"/>
+              </a:schemeClr>
+            </a:solidFill>
+            <a:tailEnd type="triangle"/>
+          </a:ln>
+        </p:spPr>
+        <p:style>
+          <a:lnRef idx="1">
+            <a:schemeClr val="accent1"/>
+          </a:lnRef>
+          <a:fillRef idx="0">
+            <a:schemeClr val="accent1"/>
+          </a:fillRef>
+          <a:effectRef idx="0">
+            <a:schemeClr val="accent1"/>
+          </a:effectRef>
+          <a:fontRef idx="minor">
+            <a:schemeClr val="tx1"/>
+          </a:fontRef>
+        </p:style>
+      </p:cxnSp>
+      <p:cxnSp>
+        <p:nvCxnSpPr>
+          <p:cNvPr id="61" name="Connector: Elbow 60">
+            <a:extLst>
+              <a:ext uri="{FF2B5EF4-FFF2-40B4-BE49-F238E27FC236}">
+                <a16:creationId xmlns:a16="http://schemas.microsoft.com/office/drawing/2014/main" id="{A1335B62-30B7-4CCF-AEF4-51A85057E3A1}"/>
+              </a:ext>
+            </a:extLst>
+          </p:cNvPr>
+          <p:cNvCxnSpPr>
+            <a:stCxn id="3" idx="2"/>
+            <a:endCxn id="6" idx="1"/>
+          </p:cNvCxnSpPr>
+          <p:nvPr/>
+        </p:nvCxnSpPr>
+        <p:spPr>
+          <a:xfrm rot="16200000" flipH="1">
+            <a:off x="6141789" y="2153196"/>
+            <a:ext cx="985316" cy="1327808"/>
+          </a:xfrm>
+          <a:prstGeom prst="bentConnector2">
+            <a:avLst/>
+          </a:prstGeom>
+          <a:ln w="28575">
+            <a:solidFill>
+              <a:schemeClr val="accent6">
+                <a:lumMod val="50000"/>
+              </a:schemeClr>
+            </a:solidFill>
+            <a:tailEnd type="triangle"/>
+          </a:ln>
+        </p:spPr>
+        <p:style>
+          <a:lnRef idx="1">
+            <a:schemeClr val="accent1"/>
+          </a:lnRef>
+          <a:fillRef idx="0">
+            <a:schemeClr val="accent1"/>
+          </a:fillRef>
+          <a:effectRef idx="0">
+            <a:schemeClr val="accent1"/>
+          </a:effectRef>
+          <a:fontRef idx="minor">
+            <a:schemeClr val="tx1"/>
+          </a:fontRef>
+        </p:style>
+      </p:cxnSp>
+      <p:sp>
+        <p:nvSpPr>
+          <p:cNvPr id="62" name="TextBox 61">
+            <a:extLst>
+              <a:ext uri="{FF2B5EF4-FFF2-40B4-BE49-F238E27FC236}">
+                <a16:creationId xmlns:a16="http://schemas.microsoft.com/office/drawing/2014/main" id="{63AEAA37-8E79-4691-B716-44E24676F781}"/>
               </a:ext>
             </a:extLst>
           </p:cNvPr>
@@ -8058,8 +11288,8 @@
         </p:nvSpPr>
         <p:spPr>
           <a:xfrm>
-            <a:off x="1487705" y="2243438"/>
-            <a:ext cx="646331" cy="369332"/>
+            <a:off x="6171325" y="3037901"/>
+            <a:ext cx="649537" cy="276999"/>
           </a:xfrm>
           <a:prstGeom prst="rect">
             <a:avLst/>
@@ -8073,34 +11303,86 @@
           <a:lstStyle/>
           <a:p>
             <a:r>
-              <a:rPr lang="zh-CN" altLang="en-US" dirty="0"/>
-              <a:t>充值</a:t>
-            </a:r>
-            <a:endParaRPr lang="en-US" altLang="zh-CN" dirty="0"/>
+              <a:rPr lang="en-US" altLang="zh-CN" sz="1200" dirty="0"/>
+              <a:t>2. </a:t>
+            </a:r>
+            <a:r>
+              <a:rPr lang="zh-CN" altLang="en-US" sz="1200" dirty="0"/>
+              <a:t>借款</a:t>
+            </a:r>
+          </a:p>
+        </p:txBody>
+      </p:sp>
+      <p:sp>
+        <p:nvSpPr>
+          <p:cNvPr id="63" name="TextBox 62">
+            <a:extLst>
+              <a:ext uri="{FF2B5EF4-FFF2-40B4-BE49-F238E27FC236}">
+                <a16:creationId xmlns:a16="http://schemas.microsoft.com/office/drawing/2014/main" id="{025A79EE-1EC3-4C77-8C72-51C4A034E8F0}"/>
+              </a:ext>
+            </a:extLst>
+          </p:cNvPr>
+          <p:cNvSpPr txBox="1"/>
+          <p:nvPr/>
+        </p:nvSpPr>
+        <p:spPr>
+          <a:xfrm>
+            <a:off x="5982639" y="3632407"/>
+            <a:ext cx="803425" cy="276999"/>
+          </a:xfrm>
+          <a:prstGeom prst="rect">
+            <a:avLst/>
+          </a:prstGeom>
+          <a:noFill/>
+        </p:spPr>
+        <p:txBody>
+          <a:bodyPr wrap="none" rtlCol="0">
+            <a:spAutoFit/>
+          </a:bodyPr>
+          <a:lstStyle/>
+          <a:p>
+            <a:r>
+              <a:rPr lang="en-US" altLang="zh-CN" sz="1200" dirty="0"/>
+              <a:t>3. </a:t>
+            </a:r>
+            <a:r>
+              <a:rPr lang="zh-CN" altLang="en-US" sz="1200" dirty="0"/>
+              <a:t>手续费</a:t>
+            </a:r>
           </a:p>
         </p:txBody>
       </p:sp>
       <p:cxnSp>
         <p:nvCxnSpPr>
-          <p:cNvPr id="30" name="Straight Arrow Connector 29">
-            <a:extLst>
-              <a:ext uri="{FF2B5EF4-FFF2-40B4-BE49-F238E27FC236}">
-                <a16:creationId xmlns:a16="http://schemas.microsoft.com/office/drawing/2014/main" id="{5D95213B-1507-488C-AAF3-6A486350F1D8}"/>
-              </a:ext>
-            </a:extLst>
-          </p:cNvPr>
-          <p:cNvCxnSpPr/>
+          <p:cNvPr id="65" name="Straight Arrow Connector 64">
+            <a:extLst>
+              <a:ext uri="{FF2B5EF4-FFF2-40B4-BE49-F238E27FC236}">
+                <a16:creationId xmlns:a16="http://schemas.microsoft.com/office/drawing/2014/main" id="{3AE69D12-E57C-471F-BF78-48594C07D653}"/>
+              </a:ext>
+            </a:extLst>
+          </p:cNvPr>
+          <p:cNvCxnSpPr>
+            <a:cxnSpLocks/>
+            <a:stCxn id="4" idx="2"/>
+            <a:endCxn id="2" idx="0"/>
+          </p:cNvCxnSpPr>
           <p:nvPr/>
         </p:nvCxnSpPr>
         <p:spPr>
-          <a:xfrm flipH="1">
-            <a:off x="6080365" y="2587990"/>
-            <a:ext cx="1022676" cy="0"/>
+          <a:xfrm>
+            <a:off x="5925241" y="912448"/>
+            <a:ext cx="0" cy="463269"/>
           </a:xfrm>
           <a:prstGeom prst="straightConnector1">
             <a:avLst/>
           </a:prstGeom>
-          <a:ln>
+          <a:ln w="38100">
+            <a:solidFill>
+              <a:schemeClr val="accent6">
+                <a:lumMod val="40000"/>
+                <a:lumOff val="60000"/>
+              </a:schemeClr>
+            </a:solidFill>
             <a:tailEnd type="triangle"/>
           </a:ln>
         </p:spPr>
@@ -8119,94 +11401,45 @@
           </a:fontRef>
         </p:style>
       </p:cxnSp>
-      <p:cxnSp>
-        <p:nvCxnSpPr>
-          <p:cNvPr id="32" name="Straight Arrow Connector 31">
-            <a:extLst>
-              <a:ext uri="{FF2B5EF4-FFF2-40B4-BE49-F238E27FC236}">
-                <a16:creationId xmlns:a16="http://schemas.microsoft.com/office/drawing/2014/main" id="{18F714EC-AD26-450A-808A-EC1E750326F3}"/>
-              </a:ext>
-            </a:extLst>
-          </p:cNvPr>
-          <p:cNvCxnSpPr>
-            <a:stCxn id="16" idx="3"/>
-            <a:endCxn id="5" idx="1"/>
-          </p:cNvCxnSpPr>
-          <p:nvPr/>
-        </p:nvCxnSpPr>
-        <p:spPr>
-          <a:xfrm flipV="1">
-            <a:off x="1507437" y="2612705"/>
-            <a:ext cx="937999" cy="5774"/>
-          </a:xfrm>
-          <a:prstGeom prst="straightConnector1">
-            <a:avLst/>
-          </a:prstGeom>
-          <a:ln>
-            <a:tailEnd type="triangle"/>
-          </a:ln>
-        </p:spPr>
-        <p:style>
-          <a:lnRef idx="1">
-            <a:schemeClr val="accent1"/>
-          </a:lnRef>
-          <a:fillRef idx="0">
-            <a:schemeClr val="accent1"/>
-          </a:fillRef>
-          <a:effectRef idx="0">
-            <a:schemeClr val="accent1"/>
-          </a:effectRef>
-          <a:fontRef idx="minor">
-            <a:schemeClr val="tx1"/>
-          </a:fontRef>
-        </p:style>
-      </p:cxnSp>
-      <p:cxnSp>
-        <p:nvCxnSpPr>
-          <p:cNvPr id="37" name="Straight Arrow Connector 36">
-            <a:extLst>
-              <a:ext uri="{FF2B5EF4-FFF2-40B4-BE49-F238E27FC236}">
-                <a16:creationId xmlns:a16="http://schemas.microsoft.com/office/drawing/2014/main" id="{DDDC8A23-03EA-4296-930B-ACEEF5A83040}"/>
-              </a:ext>
-            </a:extLst>
-          </p:cNvPr>
-          <p:cNvCxnSpPr>
-            <a:stCxn id="4" idx="2"/>
-            <a:endCxn id="35" idx="0"/>
-          </p:cNvCxnSpPr>
-          <p:nvPr/>
-        </p:nvCxnSpPr>
-        <p:spPr>
-          <a:xfrm>
-            <a:off x="4235451" y="1263650"/>
-            <a:ext cx="2540" cy="342900"/>
-          </a:xfrm>
-          <a:prstGeom prst="straightConnector1">
-            <a:avLst/>
-          </a:prstGeom>
-          <a:ln>
-            <a:tailEnd type="triangle"/>
-          </a:ln>
-        </p:spPr>
-        <p:style>
-          <a:lnRef idx="1">
-            <a:schemeClr val="accent1"/>
-          </a:lnRef>
-          <a:fillRef idx="0">
-            <a:schemeClr val="accent1"/>
-          </a:fillRef>
-          <a:effectRef idx="0">
-            <a:schemeClr val="accent1"/>
-          </a:effectRef>
-          <a:fontRef idx="minor">
-            <a:schemeClr val="tx1"/>
-          </a:fontRef>
-        </p:style>
-      </p:cxnSp>
+      <p:sp>
+        <p:nvSpPr>
+          <p:cNvPr id="68" name="TextBox 67">
+            <a:extLst>
+              <a:ext uri="{FF2B5EF4-FFF2-40B4-BE49-F238E27FC236}">
+                <a16:creationId xmlns:a16="http://schemas.microsoft.com/office/drawing/2014/main" id="{8D1D960E-0BBC-4D8D-A647-A06567420014}"/>
+              </a:ext>
+            </a:extLst>
+          </p:cNvPr>
+          <p:cNvSpPr txBox="1"/>
+          <p:nvPr/>
+        </p:nvSpPr>
+        <p:spPr>
+          <a:xfrm>
+            <a:off x="5908580" y="940788"/>
+            <a:ext cx="1620957" cy="307777"/>
+          </a:xfrm>
+          <a:prstGeom prst="rect">
+            <a:avLst/>
+          </a:prstGeom>
+          <a:noFill/>
+        </p:spPr>
+        <p:txBody>
+          <a:bodyPr wrap="none" rtlCol="0">
+            <a:spAutoFit/>
+          </a:bodyPr>
+          <a:lstStyle/>
+          <a:p>
+            <a:r>
+              <a:rPr lang="zh-CN" altLang="en-US" sz="1400" dirty="0"/>
+              <a:t>调用接口操作账户</a:t>
+            </a:r>
+          </a:p>
+        </p:txBody>
+      </p:sp>
     </p:spTree>
     <p:extLst>
       <p:ext uri="{BB962C8B-B14F-4D97-AF65-F5344CB8AC3E}">
-        <p14:creationId xmlns:p14="http://schemas.microsoft.com/office/powerpoint/2010/main" val="1249336265"/>
+        <p14:creationId xmlns:p14="http://schemas.microsoft.com/office/powerpoint/2010/main" val="3237430595"/>
       </p:ext>
     </p:extLst>
   </p:cSld>
@@ -8235,10 +11468,10 @@
       </p:grpSpPr>
       <p:sp>
         <p:nvSpPr>
-          <p:cNvPr id="15" name="Rectangle 14">
-            <a:extLst>
-              <a:ext uri="{FF2B5EF4-FFF2-40B4-BE49-F238E27FC236}">
-                <a16:creationId xmlns:a16="http://schemas.microsoft.com/office/drawing/2014/main" id="{6A39465E-40F5-48EC-811B-E7B903F435DE}"/>
+          <p:cNvPr id="2" name="Rectangle 1">
+            <a:extLst>
+              <a:ext uri="{FF2B5EF4-FFF2-40B4-BE49-F238E27FC236}">
+                <a16:creationId xmlns:a16="http://schemas.microsoft.com/office/drawing/2014/main" id="{5A4619E4-837F-4D63-B9E5-AC0F9E8204EF}"/>
               </a:ext>
             </a:extLst>
           </p:cNvPr>
@@ -8247,8 +11480,8 @@
         </p:nvSpPr>
         <p:spPr>
           <a:xfrm>
-            <a:off x="1993901" y="1511300"/>
-            <a:ext cx="4483100" cy="1968500"/>
+            <a:off x="3300501" y="2331308"/>
+            <a:ext cx="5249480" cy="2932671"/>
           </a:xfrm>
           <a:prstGeom prst="rect">
             <a:avLst/>
@@ -8304,10 +11537,10 @@
       </p:sp>
       <p:sp>
         <p:nvSpPr>
-          <p:cNvPr id="18" name="Rectangle: Rounded Corners 17">
-            <a:extLst>
-              <a:ext uri="{FF2B5EF4-FFF2-40B4-BE49-F238E27FC236}">
-                <a16:creationId xmlns:a16="http://schemas.microsoft.com/office/drawing/2014/main" id="{637E9158-C493-4201-94E2-BE2B32D9E0E8}"/>
+          <p:cNvPr id="4" name="Rectangle 3">
+            <a:extLst>
+              <a:ext uri="{FF2B5EF4-FFF2-40B4-BE49-F238E27FC236}">
+                <a16:creationId xmlns:a16="http://schemas.microsoft.com/office/drawing/2014/main" id="{982E9F94-46EC-4B70-969D-41008E2935A7}"/>
               </a:ext>
             </a:extLst>
           </p:cNvPr>
@@ -8316,73 +11549,8 @@
         </p:nvSpPr>
         <p:spPr>
           <a:xfrm>
-            <a:off x="3769669" y="2253383"/>
-            <a:ext cx="1080000" cy="720000"/>
-          </a:xfrm>
-          <a:prstGeom prst="roundRect">
-            <a:avLst>
-              <a:gd name="adj" fmla="val 11308"/>
-            </a:avLst>
-          </a:prstGeom>
-          <a:solidFill>
-            <a:schemeClr val="accent5">
-              <a:lumMod val="50000"/>
-            </a:schemeClr>
-          </a:solidFill>
-        </p:spPr>
-        <p:style>
-          <a:lnRef idx="2">
-            <a:schemeClr val="accent1">
-              <a:shade val="50000"/>
-            </a:schemeClr>
-          </a:lnRef>
-          <a:fillRef idx="1">
-            <a:schemeClr val="accent1"/>
-          </a:fillRef>
-          <a:effectRef idx="0">
-            <a:schemeClr val="accent1"/>
-          </a:effectRef>
-          <a:fontRef idx="minor">
-            <a:schemeClr val="lt1"/>
-          </a:fontRef>
-        </p:style>
-        <p:txBody>
-          <a:bodyPr rot="0" spcFirstLastPara="0" vertOverflow="overflow" horzOverflow="overflow" vert="horz" wrap="square" lIns="91440" tIns="45720" rIns="91440" bIns="45720" numCol="1" spcCol="0" rtlCol="0" fromWordArt="0" anchor="t" anchorCtr="0" forceAA="0" compatLnSpc="1">
-            <a:prstTxWarp prst="textNoShape">
-              <a:avLst/>
-            </a:prstTxWarp>
-            <a:noAutofit/>
-          </a:bodyPr>
-          <a:lstStyle/>
-          <a:p>
-            <a:pPr algn="ctr"/>
-            <a:r>
-              <a:rPr lang="en-US" altLang="zh-CN" dirty="0"/>
-              <a:t>P2P</a:t>
-            </a:r>
-            <a:r>
-              <a:rPr lang="zh-CN" altLang="en-US" dirty="0"/>
-              <a:t>收益账户</a:t>
-            </a:r>
-          </a:p>
-        </p:txBody>
-      </p:sp>
-      <p:sp>
-        <p:nvSpPr>
-          <p:cNvPr id="19" name="Rectangle 18">
-            <a:extLst>
-              <a:ext uri="{FF2B5EF4-FFF2-40B4-BE49-F238E27FC236}">
-                <a16:creationId xmlns:a16="http://schemas.microsoft.com/office/drawing/2014/main" id="{E1978540-1C31-4251-A393-DBC8B38A8DE8}"/>
-              </a:ext>
-            </a:extLst>
-          </p:cNvPr>
-          <p:cNvSpPr/>
-          <p:nvPr/>
-        </p:nvSpPr>
-        <p:spPr>
-          <a:xfrm>
-            <a:off x="1993901" y="794102"/>
-            <a:ext cx="4483100" cy="469548"/>
+            <a:off x="4902006" y="1476158"/>
+            <a:ext cx="2046470" cy="483292"/>
           </a:xfrm>
           <a:prstGeom prst="rect">
             <a:avLst/>
@@ -8419,7 +11587,7 @@
           </a:fontRef>
         </p:style>
         <p:txBody>
-          <a:bodyPr rtlCol="0" anchor="t"/>
+          <a:bodyPr rtlCol="0" anchor="ctr"/>
           <a:lstStyle/>
           <a:p>
             <a:pPr algn="ctr"/>
@@ -8448,10 +11616,10 @@
       </p:sp>
       <p:sp>
         <p:nvSpPr>
-          <p:cNvPr id="20" name="Rectangle: Rounded Corners 19">
-            <a:extLst>
-              <a:ext uri="{FF2B5EF4-FFF2-40B4-BE49-F238E27FC236}">
-                <a16:creationId xmlns:a16="http://schemas.microsoft.com/office/drawing/2014/main" id="{9CDDFC9C-FD69-4163-9F2B-C7D1A3DEA6C3}"/>
+          <p:cNvPr id="6" name="Rectangle: Rounded Corners 5">
+            <a:extLst>
+              <a:ext uri="{FF2B5EF4-FFF2-40B4-BE49-F238E27FC236}">
+                <a16:creationId xmlns:a16="http://schemas.microsoft.com/office/drawing/2014/main" id="{FAC42D10-6287-4B50-AC05-2DBC93B2335F}"/>
               </a:ext>
             </a:extLst>
           </p:cNvPr>
@@ -8460,17 +11628,24 @@
         </p:nvSpPr>
         <p:spPr>
           <a:xfrm>
-            <a:off x="2445436" y="2252705"/>
-            <a:ext cx="1080000" cy="720000"/>
+            <a:off x="7298351" y="2955531"/>
+            <a:ext cx="988540" cy="708453"/>
           </a:xfrm>
           <a:prstGeom prst="roundRect">
             <a:avLst/>
           </a:prstGeom>
           <a:solidFill>
-            <a:schemeClr val="accent5">
+            <a:schemeClr val="accent3">
               <a:lumMod val="50000"/>
             </a:schemeClr>
           </a:solidFill>
+          <a:ln>
+            <a:solidFill>
+              <a:schemeClr val="accent3">
+                <a:lumMod val="50000"/>
+              </a:schemeClr>
+            </a:solidFill>
+          </a:ln>
         </p:spPr>
         <p:style>
           <a:lnRef idx="2">
@@ -8489,76 +11664,12 @@
           </a:fontRef>
         </p:style>
         <p:txBody>
-          <a:bodyPr rot="0" spcFirstLastPara="0" vertOverflow="overflow" horzOverflow="overflow" vert="horz" wrap="square" lIns="91440" tIns="45720" rIns="91440" bIns="45720" numCol="1" spcCol="0" rtlCol="0" fromWordArt="0" anchor="t" anchorCtr="0" forceAA="0" compatLnSpc="1">
-            <a:prstTxWarp prst="textNoShape">
-              <a:avLst/>
-            </a:prstTxWarp>
-            <a:noAutofit/>
-          </a:bodyPr>
+          <a:bodyPr rtlCol="0" anchor="ctr"/>
           <a:lstStyle/>
           <a:p>
             <a:pPr algn="ctr"/>
             <a:r>
-              <a:rPr lang="zh-CN" altLang="en-US" dirty="0"/>
-              <a:t>投资人账户</a:t>
-            </a:r>
-          </a:p>
-        </p:txBody>
-      </p:sp>
-      <p:sp>
-        <p:nvSpPr>
-          <p:cNvPr id="22" name="Rectangle: Rounded Corners 21">
-            <a:extLst>
-              <a:ext uri="{FF2B5EF4-FFF2-40B4-BE49-F238E27FC236}">
-                <a16:creationId xmlns:a16="http://schemas.microsoft.com/office/drawing/2014/main" id="{5E13C32E-0A34-430C-A58D-BC4A2B011A58}"/>
-              </a:ext>
-            </a:extLst>
-          </p:cNvPr>
-          <p:cNvSpPr/>
-          <p:nvPr/>
-        </p:nvSpPr>
-        <p:spPr>
-          <a:xfrm>
-            <a:off x="5000365" y="2227991"/>
-            <a:ext cx="1080000" cy="720000"/>
-          </a:xfrm>
-          <a:prstGeom prst="roundRect">
-            <a:avLst/>
-          </a:prstGeom>
-          <a:solidFill>
-            <a:schemeClr val="accent5">
-              <a:lumMod val="50000"/>
-            </a:schemeClr>
-          </a:solidFill>
-        </p:spPr>
-        <p:style>
-          <a:lnRef idx="2">
-            <a:schemeClr val="accent1">
-              <a:shade val="50000"/>
-            </a:schemeClr>
-          </a:lnRef>
-          <a:fillRef idx="1">
-            <a:schemeClr val="accent1"/>
-          </a:fillRef>
-          <a:effectRef idx="0">
-            <a:schemeClr val="accent1"/>
-          </a:effectRef>
-          <a:fontRef idx="minor">
-            <a:schemeClr val="lt1"/>
-          </a:fontRef>
-        </p:style>
-        <p:txBody>
-          <a:bodyPr rot="0" spcFirstLastPara="0" vertOverflow="overflow" horzOverflow="overflow" vert="horz" wrap="square" lIns="91440" tIns="45720" rIns="91440" bIns="45720" numCol="1" spcCol="0" rtlCol="0" fromWordArt="0" anchor="t" anchorCtr="0" forceAA="0" compatLnSpc="1">
-            <a:prstTxWarp prst="textNoShape">
-              <a:avLst/>
-            </a:prstTxWarp>
-            <a:noAutofit/>
-          </a:bodyPr>
-          <a:lstStyle/>
-          <a:p>
-            <a:pPr algn="ctr"/>
-            <a:r>
-              <a:rPr lang="zh-CN" altLang="en-US" dirty="0"/>
+              <a:rPr lang="zh-CN" altLang="en-US" sz="1600" dirty="0"/>
               <a:t>借款人账户</a:t>
             </a:r>
           </a:p>
@@ -8566,75 +11677,10 @@
       </p:sp>
       <p:sp>
         <p:nvSpPr>
-          <p:cNvPr id="23" name="Rectangle: Rounded Corners 22">
-            <a:extLst>
-              <a:ext uri="{FF2B5EF4-FFF2-40B4-BE49-F238E27FC236}">
-                <a16:creationId xmlns:a16="http://schemas.microsoft.com/office/drawing/2014/main" id="{9CE64891-EB14-4926-842B-C1DD6296D596}"/>
-              </a:ext>
-            </a:extLst>
-          </p:cNvPr>
-          <p:cNvSpPr/>
-          <p:nvPr/>
-        </p:nvSpPr>
-        <p:spPr>
-          <a:xfrm>
-            <a:off x="7103041" y="2233764"/>
-            <a:ext cx="988540" cy="708453"/>
-          </a:xfrm>
-          <a:prstGeom prst="roundRect">
-            <a:avLst/>
-          </a:prstGeom>
-          <a:solidFill>
-            <a:schemeClr val="tx2">
-              <a:lumMod val="50000"/>
-            </a:schemeClr>
-          </a:solidFill>
-          <a:ln>
-            <a:noFill/>
-          </a:ln>
-        </p:spPr>
-        <p:style>
-          <a:lnRef idx="2">
-            <a:schemeClr val="accent1">
-              <a:shade val="50000"/>
-            </a:schemeClr>
-          </a:lnRef>
-          <a:fillRef idx="1">
-            <a:schemeClr val="accent1"/>
-          </a:fillRef>
-          <a:effectRef idx="0">
-            <a:schemeClr val="accent1"/>
-          </a:effectRef>
-          <a:fontRef idx="minor">
-            <a:schemeClr val="lt1"/>
-          </a:fontRef>
-        </p:style>
-        <p:txBody>
-          <a:bodyPr rtlCol="0" anchor="ctr"/>
-          <a:lstStyle/>
-          <a:p>
-            <a:pPr algn="ctr"/>
-            <a:r>
-              <a:rPr lang="zh-CN" altLang="en-US" dirty="0"/>
-              <a:t>外部</a:t>
-            </a:r>
-            <a:endParaRPr lang="en-US" altLang="zh-CN" dirty="0"/>
-          </a:p>
-          <a:p>
-            <a:pPr algn="ctr"/>
-            <a:r>
-              <a:rPr lang="zh-CN" altLang="en-US" dirty="0"/>
-              <a:t>账户</a:t>
-            </a:r>
-          </a:p>
-        </p:txBody>
-      </p:sp>
-      <p:sp>
-        <p:nvSpPr>
-          <p:cNvPr id="24" name="TextBox 23">
-            <a:extLst>
-              <a:ext uri="{FF2B5EF4-FFF2-40B4-BE49-F238E27FC236}">
-                <a16:creationId xmlns:a16="http://schemas.microsoft.com/office/drawing/2014/main" id="{4CA3892A-2A47-44C5-BE98-FF063467ADC5}"/>
+          <p:cNvPr id="13" name="TextBox 12">
+            <a:extLst>
+              <a:ext uri="{FF2B5EF4-FFF2-40B4-BE49-F238E27FC236}">
+                <a16:creationId xmlns:a16="http://schemas.microsoft.com/office/drawing/2014/main" id="{BFA22FBA-A362-494A-A28C-19C09BB0E8F3}"/>
               </a:ext>
             </a:extLst>
           </p:cNvPr>
@@ -8643,8 +11689,8 @@
         </p:nvSpPr>
         <p:spPr>
           <a:xfrm>
-            <a:off x="6425239" y="2243373"/>
-            <a:ext cx="646331" cy="369332"/>
+            <a:off x="8521040" y="3433225"/>
+            <a:ext cx="543739" cy="307777"/>
           </a:xfrm>
           <a:prstGeom prst="rect">
             <a:avLst/>
@@ -8658,19 +11704,19 @@
           <a:lstStyle/>
           <a:p>
             <a:r>
-              <a:rPr lang="zh-CN" altLang="en-US" dirty="0"/>
-              <a:t>返款</a:t>
-            </a:r>
-            <a:endParaRPr lang="en-US" altLang="zh-CN" dirty="0"/>
-          </a:p>
-        </p:txBody>
-      </p:sp>
-      <p:sp>
-        <p:nvSpPr>
-          <p:cNvPr id="25" name="Rectangle: Rounded Corners 24">
-            <a:extLst>
-              <a:ext uri="{FF2B5EF4-FFF2-40B4-BE49-F238E27FC236}">
-                <a16:creationId xmlns:a16="http://schemas.microsoft.com/office/drawing/2014/main" id="{0F3B3333-0EDC-464A-B16F-1F7E18EC9BF0}"/>
+              <a:rPr lang="zh-CN" altLang="en-US" sz="1400" dirty="0"/>
+              <a:t>提现</a:t>
+            </a:r>
+            <a:endParaRPr lang="en-US" altLang="zh-CN" sz="1400" dirty="0"/>
+          </a:p>
+        </p:txBody>
+      </p:sp>
+      <p:sp>
+        <p:nvSpPr>
+          <p:cNvPr id="16" name="Rectangle: Rounded Corners 15">
+            <a:extLst>
+              <a:ext uri="{FF2B5EF4-FFF2-40B4-BE49-F238E27FC236}">
+                <a16:creationId xmlns:a16="http://schemas.microsoft.com/office/drawing/2014/main" id="{4810EA72-E975-4042-A730-AA6580EA444E}"/>
               </a:ext>
             </a:extLst>
           </p:cNvPr>
@@ -8679,8 +11725,8 @@
         </p:nvSpPr>
         <p:spPr>
           <a:xfrm>
-            <a:off x="518897" y="2264252"/>
-            <a:ext cx="988540" cy="708453"/>
+            <a:off x="1484832" y="2662864"/>
+            <a:ext cx="1279010" cy="1252149"/>
           </a:xfrm>
           <a:prstGeom prst="roundRect">
             <a:avLst/>
@@ -8721,8 +11767,8 @@
           <a:p>
             <a:pPr algn="ctr"/>
             <a:r>
-              <a:rPr lang="zh-CN" altLang="en-US"/>
-              <a:t>外部</a:t>
+              <a:rPr lang="zh-CN" altLang="en-US" dirty="0"/>
+              <a:t>投资人</a:t>
             </a:r>
             <a:endParaRPr lang="en-US" altLang="zh-CN" dirty="0"/>
           </a:p>
@@ -8730,17 +11776,63 @@
             <a:pPr algn="ctr"/>
             <a:r>
               <a:rPr lang="zh-CN" altLang="en-US" dirty="0"/>
-              <a:t>账户</a:t>
-            </a:r>
-          </a:p>
-        </p:txBody>
-      </p:sp>
-      <p:sp>
-        <p:nvSpPr>
-          <p:cNvPr id="26" name="TextBox 25">
-            <a:extLst>
-              <a:ext uri="{FF2B5EF4-FFF2-40B4-BE49-F238E27FC236}">
-                <a16:creationId xmlns:a16="http://schemas.microsoft.com/office/drawing/2014/main" id="{A358B1A4-54C1-45A2-AAC1-D116576E1722}"/>
+              <a:t>外部账户</a:t>
+            </a:r>
+          </a:p>
+        </p:txBody>
+      </p:sp>
+      <p:cxnSp>
+        <p:nvCxnSpPr>
+          <p:cNvPr id="20" name="Straight Arrow Connector 19">
+            <a:extLst>
+              <a:ext uri="{FF2B5EF4-FFF2-40B4-BE49-F238E27FC236}">
+                <a16:creationId xmlns:a16="http://schemas.microsoft.com/office/drawing/2014/main" id="{290B659C-C0F4-480E-9921-D1729856E8AA}"/>
+              </a:ext>
+            </a:extLst>
+          </p:cNvPr>
+          <p:cNvCxnSpPr>
+            <a:cxnSpLocks/>
+          </p:cNvCxnSpPr>
+          <p:nvPr/>
+        </p:nvCxnSpPr>
+        <p:spPr>
+          <a:xfrm>
+            <a:off x="2773281" y="3154388"/>
+            <a:ext cx="931517" cy="0"/>
+          </a:xfrm>
+          <a:prstGeom prst="straightConnector1">
+            <a:avLst/>
+          </a:prstGeom>
+          <a:ln w="28575">
+            <a:solidFill>
+              <a:schemeClr val="accent2">
+                <a:lumMod val="50000"/>
+              </a:schemeClr>
+            </a:solidFill>
+            <a:tailEnd type="triangle"/>
+          </a:ln>
+        </p:spPr>
+        <p:style>
+          <a:lnRef idx="1">
+            <a:schemeClr val="accent1"/>
+          </a:lnRef>
+          <a:fillRef idx="0">
+            <a:schemeClr val="accent1"/>
+          </a:fillRef>
+          <a:effectRef idx="0">
+            <a:schemeClr val="accent1"/>
+          </a:effectRef>
+          <a:fontRef idx="minor">
+            <a:schemeClr val="tx1"/>
+          </a:fontRef>
+        </p:style>
+      </p:cxnSp>
+      <p:sp>
+        <p:nvSpPr>
+          <p:cNvPr id="21" name="TextBox 20">
+            <a:extLst>
+              <a:ext uri="{FF2B5EF4-FFF2-40B4-BE49-F238E27FC236}">
+                <a16:creationId xmlns:a16="http://schemas.microsoft.com/office/drawing/2014/main" id="{C0A3DC8A-7F69-4B78-B4D1-99D83D251F9A}"/>
               </a:ext>
             </a:extLst>
           </p:cNvPr>
@@ -8749,8 +11841,8 @@
         </p:nvSpPr>
         <p:spPr>
           <a:xfrm>
-            <a:off x="1626562" y="2192893"/>
-            <a:ext cx="646331" cy="369332"/>
+            <a:off x="2739107" y="2874640"/>
+            <a:ext cx="543739" cy="307777"/>
           </a:xfrm>
           <a:prstGeom prst="rect">
             <a:avLst/>
@@ -8764,10 +11856,234 @@
           <a:lstStyle/>
           <a:p>
             <a:r>
+              <a:rPr lang="zh-CN" altLang="en-US" sz="1400" dirty="0"/>
+              <a:t>充值</a:t>
+            </a:r>
+            <a:endParaRPr lang="en-US" altLang="zh-CN" sz="1400" dirty="0"/>
+          </a:p>
+        </p:txBody>
+      </p:sp>
+      <p:cxnSp>
+        <p:nvCxnSpPr>
+          <p:cNvPr id="9" name="Straight Arrow Connector 8">
+            <a:extLst>
+              <a:ext uri="{FF2B5EF4-FFF2-40B4-BE49-F238E27FC236}">
+                <a16:creationId xmlns:a16="http://schemas.microsoft.com/office/drawing/2014/main" id="{8EFD07B4-8190-4B4C-A29A-C19A65CAE7E8}"/>
+              </a:ext>
+            </a:extLst>
+          </p:cNvPr>
+          <p:cNvCxnSpPr>
+            <a:cxnSpLocks/>
+          </p:cNvCxnSpPr>
+          <p:nvPr/>
+        </p:nvCxnSpPr>
+        <p:spPr>
+          <a:xfrm>
+            <a:off x="8286891" y="3425330"/>
+            <a:ext cx="847892" cy="0"/>
+          </a:xfrm>
+          <a:prstGeom prst="straightConnector1">
+            <a:avLst/>
+          </a:prstGeom>
+          <a:ln w="28575">
+            <a:tailEnd type="triangle"/>
+          </a:ln>
+        </p:spPr>
+        <p:style>
+          <a:lnRef idx="1">
+            <a:schemeClr val="accent1"/>
+          </a:lnRef>
+          <a:fillRef idx="0">
+            <a:schemeClr val="accent1"/>
+          </a:fillRef>
+          <a:effectRef idx="0">
+            <a:schemeClr val="accent1"/>
+          </a:effectRef>
+          <a:fontRef idx="minor">
+            <a:schemeClr val="tx1"/>
+          </a:fontRef>
+        </p:style>
+      </p:cxnSp>
+      <p:sp>
+        <p:nvSpPr>
+          <p:cNvPr id="22" name="Rectangle: Rounded Corners 21">
+            <a:extLst>
+              <a:ext uri="{FF2B5EF4-FFF2-40B4-BE49-F238E27FC236}">
+                <a16:creationId xmlns:a16="http://schemas.microsoft.com/office/drawing/2014/main" id="{90B12DA1-B305-45C0-B7BA-40D767774E44}"/>
+              </a:ext>
+            </a:extLst>
+          </p:cNvPr>
+          <p:cNvSpPr/>
+          <p:nvPr/>
+        </p:nvSpPr>
+        <p:spPr>
+          <a:xfrm>
+            <a:off x="9134783" y="2650972"/>
+            <a:ext cx="1279010" cy="1252149"/>
+          </a:xfrm>
+          <a:prstGeom prst="roundRect">
+            <a:avLst/>
+          </a:prstGeom>
+          <a:solidFill>
+            <a:schemeClr val="tx2">
+              <a:lumMod val="50000"/>
+            </a:schemeClr>
+          </a:solidFill>
+          <a:ln>
+            <a:noFill/>
+          </a:ln>
+        </p:spPr>
+        <p:style>
+          <a:lnRef idx="2">
+            <a:schemeClr val="accent1">
+              <a:shade val="50000"/>
+            </a:schemeClr>
+          </a:lnRef>
+          <a:fillRef idx="1">
+            <a:schemeClr val="accent1"/>
+          </a:fillRef>
+          <a:effectRef idx="0">
+            <a:schemeClr val="accent1"/>
+          </a:effectRef>
+          <a:fontRef idx="minor">
+            <a:schemeClr val="lt1"/>
+          </a:fontRef>
+        </p:style>
+        <p:txBody>
+          <a:bodyPr rot="0" spcFirstLastPara="0" vertOverflow="overflow" horzOverflow="overflow" vert="horz" wrap="square" lIns="91440" tIns="45720" rIns="91440" bIns="45720" numCol="1" spcCol="0" rtlCol="0" fromWordArt="0" anchor="ctr" anchorCtr="0" forceAA="0" compatLnSpc="1">
+            <a:prstTxWarp prst="textNoShape">
+              <a:avLst/>
+            </a:prstTxWarp>
+            <a:noAutofit/>
+          </a:bodyPr>
+          <a:lstStyle/>
+          <a:p>
+            <a:pPr algn="ctr"/>
+            <a:r>
               <a:rPr lang="zh-CN" altLang="en-US" dirty="0"/>
+              <a:t>借款人</a:t>
+            </a:r>
+            <a:endParaRPr lang="en-US" altLang="zh-CN" dirty="0"/>
+          </a:p>
+          <a:p>
+            <a:pPr algn="ctr"/>
+            <a:r>
+              <a:rPr lang="zh-CN" altLang="en-US" dirty="0"/>
+              <a:t>外部账户</a:t>
+            </a:r>
+          </a:p>
+        </p:txBody>
+      </p:sp>
+      <p:cxnSp>
+        <p:nvCxnSpPr>
+          <p:cNvPr id="24" name="Straight Arrow Connector 23">
+            <a:extLst>
+              <a:ext uri="{FF2B5EF4-FFF2-40B4-BE49-F238E27FC236}">
+                <a16:creationId xmlns:a16="http://schemas.microsoft.com/office/drawing/2014/main" id="{416791F4-C3CE-4A04-897B-3BFA6D1879E6}"/>
+              </a:ext>
+            </a:extLst>
+          </p:cNvPr>
+          <p:cNvCxnSpPr>
+            <a:cxnSpLocks/>
+          </p:cNvCxnSpPr>
+          <p:nvPr/>
+        </p:nvCxnSpPr>
+        <p:spPr>
+          <a:xfrm flipH="1">
+            <a:off x="8286891" y="3147986"/>
+            <a:ext cx="806363" cy="0"/>
+          </a:xfrm>
+          <a:prstGeom prst="straightConnector1">
+            <a:avLst/>
+          </a:prstGeom>
+          <a:ln w="28575">
+            <a:tailEnd type="triangle"/>
+          </a:ln>
+        </p:spPr>
+        <p:style>
+          <a:lnRef idx="1">
+            <a:schemeClr val="accent1"/>
+          </a:lnRef>
+          <a:fillRef idx="0">
+            <a:schemeClr val="accent1"/>
+          </a:fillRef>
+          <a:effectRef idx="0">
+            <a:schemeClr val="accent1"/>
+          </a:effectRef>
+          <a:fontRef idx="minor">
+            <a:schemeClr val="tx1"/>
+          </a:fontRef>
+        </p:style>
+      </p:cxnSp>
+      <p:sp>
+        <p:nvSpPr>
+          <p:cNvPr id="25" name="TextBox 24">
+            <a:extLst>
+              <a:ext uri="{FF2B5EF4-FFF2-40B4-BE49-F238E27FC236}">
+                <a16:creationId xmlns:a16="http://schemas.microsoft.com/office/drawing/2014/main" id="{9DE4F42C-C89A-4479-B8A3-08479A28EC14}"/>
+              </a:ext>
+            </a:extLst>
+          </p:cNvPr>
+          <p:cNvSpPr txBox="1"/>
+          <p:nvPr/>
+        </p:nvSpPr>
+        <p:spPr>
+          <a:xfrm>
+            <a:off x="2756761" y="3463988"/>
+            <a:ext cx="543739" cy="307777"/>
+          </a:xfrm>
+          <a:prstGeom prst="rect">
+            <a:avLst/>
+          </a:prstGeom>
+          <a:noFill/>
+        </p:spPr>
+        <p:txBody>
+          <a:bodyPr wrap="none" rtlCol="0">
+            <a:spAutoFit/>
+          </a:bodyPr>
+          <a:lstStyle/>
+          <a:p>
+            <a:r>
+              <a:rPr lang="zh-CN" altLang="en-US" sz="1400" dirty="0"/>
+              <a:t>提现</a:t>
+            </a:r>
+            <a:endParaRPr lang="en-US" altLang="zh-CN" sz="1400" dirty="0"/>
+          </a:p>
+        </p:txBody>
+      </p:sp>
+      <p:sp>
+        <p:nvSpPr>
+          <p:cNvPr id="26" name="TextBox 25">
+            <a:extLst>
+              <a:ext uri="{FF2B5EF4-FFF2-40B4-BE49-F238E27FC236}">
+                <a16:creationId xmlns:a16="http://schemas.microsoft.com/office/drawing/2014/main" id="{9B211909-57AB-440C-83D2-A6B68F8B0E67}"/>
+              </a:ext>
+            </a:extLst>
+          </p:cNvPr>
+          <p:cNvSpPr txBox="1"/>
+          <p:nvPr/>
+        </p:nvSpPr>
+        <p:spPr>
+          <a:xfrm>
+            <a:off x="8521040" y="2862748"/>
+            <a:ext cx="543739" cy="307777"/>
+          </a:xfrm>
+          <a:prstGeom prst="rect">
+            <a:avLst/>
+          </a:prstGeom>
+          <a:noFill/>
+        </p:spPr>
+        <p:txBody>
+          <a:bodyPr wrap="none" rtlCol="0">
+            <a:spAutoFit/>
+          </a:bodyPr>
+          <a:lstStyle/>
+          <a:p>
+            <a:r>
+              <a:rPr lang="zh-CN" altLang="en-US" sz="1400" dirty="0"/>
               <a:t>充值</a:t>
             </a:r>
-            <a:endParaRPr lang="en-US" altLang="zh-CN" dirty="0"/>
+            <a:endParaRPr lang="en-US" altLang="zh-CN" sz="1400" dirty="0"/>
           </a:p>
         </p:txBody>
       </p:sp>
@@ -8776,46 +12092,7 @@
           <p:cNvPr id="27" name="Straight Arrow Connector 26">
             <a:extLst>
               <a:ext uri="{FF2B5EF4-FFF2-40B4-BE49-F238E27FC236}">
-                <a16:creationId xmlns:a16="http://schemas.microsoft.com/office/drawing/2014/main" id="{6EEB4717-8EB1-4F37-9C50-EC54CD2C5A2B}"/>
-              </a:ext>
-            </a:extLst>
-          </p:cNvPr>
-          <p:cNvCxnSpPr/>
-          <p:nvPr/>
-        </p:nvCxnSpPr>
-        <p:spPr>
-          <a:xfrm flipH="1">
-            <a:off x="6080365" y="2587990"/>
-            <a:ext cx="1022676" cy="0"/>
-          </a:xfrm>
-          <a:prstGeom prst="straightConnector1">
-            <a:avLst/>
-          </a:prstGeom>
-          <a:ln>
-            <a:tailEnd type="triangle"/>
-          </a:ln>
-        </p:spPr>
-        <p:style>
-          <a:lnRef idx="1">
-            <a:schemeClr val="accent1"/>
-          </a:lnRef>
-          <a:fillRef idx="0">
-            <a:schemeClr val="accent1"/>
-          </a:fillRef>
-          <a:effectRef idx="0">
-            <a:schemeClr val="accent1"/>
-          </a:effectRef>
-          <a:fontRef idx="minor">
-            <a:schemeClr val="tx1"/>
-          </a:fontRef>
-        </p:style>
-      </p:cxnSp>
-      <p:cxnSp>
-        <p:nvCxnSpPr>
-          <p:cNvPr id="28" name="Straight Arrow Connector 27">
-            <a:extLst>
-              <a:ext uri="{FF2B5EF4-FFF2-40B4-BE49-F238E27FC236}">
-                <a16:creationId xmlns:a16="http://schemas.microsoft.com/office/drawing/2014/main" id="{D5BEF8A2-46CF-4F71-897F-B561ADA6E614}"/>
+                <a16:creationId xmlns:a16="http://schemas.microsoft.com/office/drawing/2014/main" id="{E7A120F9-5D11-44F0-BFA4-FF9CDF55D7E8}"/>
               </a:ext>
             </a:extLst>
           </p:cNvPr>
@@ -8825,14 +12102,191 @@
           <p:nvPr/>
         </p:nvCxnSpPr>
         <p:spPr>
-          <a:xfrm flipV="1">
-            <a:off x="1506192" y="2515528"/>
-            <a:ext cx="937999" cy="5774"/>
+          <a:xfrm flipH="1">
+            <a:off x="2748565" y="3455057"/>
+            <a:ext cx="956233" cy="0"/>
           </a:xfrm>
           <a:prstGeom prst="straightConnector1">
             <a:avLst/>
           </a:prstGeom>
+          <a:ln w="28575">
+            <a:solidFill>
+              <a:schemeClr val="accent2">
+                <a:lumMod val="50000"/>
+              </a:schemeClr>
+            </a:solidFill>
+            <a:tailEnd type="triangle"/>
+          </a:ln>
+        </p:spPr>
+        <p:style>
+          <a:lnRef idx="1">
+            <a:schemeClr val="accent1"/>
+          </a:lnRef>
+          <a:fillRef idx="0">
+            <a:schemeClr val="accent1"/>
+          </a:fillRef>
+          <a:effectRef idx="0">
+            <a:schemeClr val="accent1"/>
+          </a:effectRef>
+          <a:fontRef idx="minor">
+            <a:schemeClr val="tx1"/>
+          </a:fontRef>
+        </p:style>
+      </p:cxnSp>
+      <p:sp>
+        <p:nvSpPr>
+          <p:cNvPr id="23" name="Rectangle: Rounded Corners 22">
+            <a:extLst>
+              <a:ext uri="{FF2B5EF4-FFF2-40B4-BE49-F238E27FC236}">
+                <a16:creationId xmlns:a16="http://schemas.microsoft.com/office/drawing/2014/main" id="{70883220-FC67-4B61-BD40-324B2BB139BD}"/>
+              </a:ext>
+            </a:extLst>
+          </p:cNvPr>
+          <p:cNvSpPr/>
+          <p:nvPr/>
+        </p:nvSpPr>
+        <p:spPr>
+          <a:xfrm>
+            <a:off x="5369136" y="4028360"/>
+            <a:ext cx="1202813" cy="708453"/>
+          </a:xfrm>
+          <a:prstGeom prst="roundRect">
+            <a:avLst/>
+          </a:prstGeom>
+          <a:solidFill>
+            <a:schemeClr val="accent5">
+              <a:lumMod val="50000"/>
+            </a:schemeClr>
+          </a:solidFill>
+        </p:spPr>
+        <p:style>
+          <a:lnRef idx="2">
+            <a:schemeClr val="accent1">
+              <a:shade val="50000"/>
+            </a:schemeClr>
+          </a:lnRef>
+          <a:fillRef idx="1">
+            <a:schemeClr val="accent1"/>
+          </a:fillRef>
+          <a:effectRef idx="0">
+            <a:schemeClr val="accent1"/>
+          </a:effectRef>
+          <a:fontRef idx="minor">
+            <a:schemeClr val="lt1"/>
+          </a:fontRef>
+        </p:style>
+        <p:txBody>
+          <a:bodyPr rtlCol="0" anchor="ctr"/>
+          <a:lstStyle/>
+          <a:p>
+            <a:pPr algn="ctr"/>
+            <a:r>
+              <a:rPr lang="zh-CN" altLang="en-US" sz="1600" dirty="0"/>
+              <a:t>服务费</a:t>
+            </a:r>
+            <a:endParaRPr lang="en-US" altLang="zh-CN" sz="1600" dirty="0"/>
+          </a:p>
+          <a:p>
+            <a:pPr algn="ctr"/>
+            <a:r>
+              <a:rPr lang="zh-CN" altLang="en-US" sz="1600" dirty="0"/>
+              <a:t>账户</a:t>
+            </a:r>
+          </a:p>
+        </p:txBody>
+      </p:sp>
+      <p:sp>
+        <p:nvSpPr>
+          <p:cNvPr id="5" name="Rectangle: Rounded Corners 4">
+            <a:extLst>
+              <a:ext uri="{FF2B5EF4-FFF2-40B4-BE49-F238E27FC236}">
+                <a16:creationId xmlns:a16="http://schemas.microsoft.com/office/drawing/2014/main" id="{EDA94B32-150D-4A4B-AA65-F5398666A2A6}"/>
+              </a:ext>
+            </a:extLst>
+          </p:cNvPr>
+          <p:cNvSpPr/>
+          <p:nvPr/>
+        </p:nvSpPr>
+        <p:spPr>
+          <a:xfrm>
+            <a:off x="3704798" y="2955531"/>
+            <a:ext cx="988540" cy="708453"/>
+          </a:xfrm>
+          <a:prstGeom prst="roundRect">
+            <a:avLst/>
+          </a:prstGeom>
+          <a:solidFill>
+            <a:schemeClr val="accent3">
+              <a:lumMod val="50000"/>
+            </a:schemeClr>
+          </a:solidFill>
           <a:ln>
+            <a:solidFill>
+              <a:schemeClr val="accent3">
+                <a:lumMod val="50000"/>
+              </a:schemeClr>
+            </a:solidFill>
+          </a:ln>
+        </p:spPr>
+        <p:style>
+          <a:lnRef idx="2">
+            <a:schemeClr val="accent1">
+              <a:shade val="50000"/>
+            </a:schemeClr>
+          </a:lnRef>
+          <a:fillRef idx="1">
+            <a:schemeClr val="accent1"/>
+          </a:fillRef>
+          <a:effectRef idx="0">
+            <a:schemeClr val="accent1"/>
+          </a:effectRef>
+          <a:fontRef idx="minor">
+            <a:schemeClr val="lt1"/>
+          </a:fontRef>
+        </p:style>
+        <p:txBody>
+          <a:bodyPr rtlCol="0" anchor="ctr"/>
+          <a:lstStyle/>
+          <a:p>
+            <a:pPr algn="ctr"/>
+            <a:r>
+              <a:rPr lang="zh-CN" altLang="en-US" sz="1600" dirty="0"/>
+              <a:t>投资人账户</a:t>
+            </a:r>
+          </a:p>
+        </p:txBody>
+      </p:sp>
+      <p:cxnSp>
+        <p:nvCxnSpPr>
+          <p:cNvPr id="65" name="Straight Arrow Connector 64">
+            <a:extLst>
+              <a:ext uri="{FF2B5EF4-FFF2-40B4-BE49-F238E27FC236}">
+                <a16:creationId xmlns:a16="http://schemas.microsoft.com/office/drawing/2014/main" id="{3AE69D12-E57C-471F-BF78-48594C07D653}"/>
+              </a:ext>
+            </a:extLst>
+          </p:cNvPr>
+          <p:cNvCxnSpPr>
+            <a:cxnSpLocks/>
+            <a:stCxn id="4" idx="2"/>
+            <a:endCxn id="2" idx="0"/>
+          </p:cNvCxnSpPr>
+          <p:nvPr/>
+        </p:nvCxnSpPr>
+        <p:spPr>
+          <a:xfrm>
+            <a:off x="5925241" y="1959450"/>
+            <a:ext cx="0" cy="371858"/>
+          </a:xfrm>
+          <a:prstGeom prst="straightConnector1">
+            <a:avLst/>
+          </a:prstGeom>
+          <a:ln w="38100">
+            <a:solidFill>
+              <a:schemeClr val="accent6">
+                <a:lumMod val="40000"/>
+                <a:lumOff val="60000"/>
+              </a:schemeClr>
+            </a:solidFill>
             <a:tailEnd type="triangle"/>
           </a:ln>
         </p:spPr>
@@ -8856,25 +12310,29 @@
           <p:cNvPr id="29" name="Straight Arrow Connector 28">
             <a:extLst>
               <a:ext uri="{FF2B5EF4-FFF2-40B4-BE49-F238E27FC236}">
-                <a16:creationId xmlns:a16="http://schemas.microsoft.com/office/drawing/2014/main" id="{4C350400-F3FE-4C11-A70B-F2824BF39E71}"/>
+                <a16:creationId xmlns:a16="http://schemas.microsoft.com/office/drawing/2014/main" id="{7EC8A90C-2A47-4AF3-8139-E514E90F2A19}"/>
               </a:ext>
             </a:extLst>
           </p:cNvPr>
           <p:cNvCxnSpPr>
-            <a:cxnSpLocks/>
-            <a:stCxn id="19" idx="2"/>
+            <a:endCxn id="6" idx="1"/>
           </p:cNvCxnSpPr>
           <p:nvPr/>
         </p:nvCxnSpPr>
         <p:spPr>
           <a:xfrm>
-            <a:off x="4235451" y="1263650"/>
-            <a:ext cx="2540" cy="342900"/>
+            <a:off x="4693338" y="3309757"/>
+            <a:ext cx="2605013" cy="1"/>
           </a:xfrm>
           <a:prstGeom prst="straightConnector1">
             <a:avLst/>
           </a:prstGeom>
-          <a:ln>
+          <a:ln w="28575">
+            <a:solidFill>
+              <a:schemeClr val="accent6">
+                <a:lumMod val="50000"/>
+              </a:schemeClr>
+            </a:solidFill>
             <a:tailEnd type="triangle"/>
           </a:ln>
         </p:spPr>
@@ -8895,25 +12353,32 @@
       </p:cxnSp>
       <p:cxnSp>
         <p:nvCxnSpPr>
-          <p:cNvPr id="9" name="Straight Arrow Connector 8">
-            <a:extLst>
-              <a:ext uri="{FF2B5EF4-FFF2-40B4-BE49-F238E27FC236}">
-                <a16:creationId xmlns:a16="http://schemas.microsoft.com/office/drawing/2014/main" id="{A1A15BE8-9BBF-4B37-95D0-59E3E2D55F5A}"/>
-              </a:ext>
-            </a:extLst>
-          </p:cNvPr>
-          <p:cNvCxnSpPr/>
+          <p:cNvPr id="32" name="Connector: Elbow 31">
+            <a:extLst>
+              <a:ext uri="{FF2B5EF4-FFF2-40B4-BE49-F238E27FC236}">
+                <a16:creationId xmlns:a16="http://schemas.microsoft.com/office/drawing/2014/main" id="{6549A8F0-04A8-4ACB-A01D-1955AB905FF4}"/>
+              </a:ext>
+            </a:extLst>
+          </p:cNvPr>
+          <p:cNvCxnSpPr>
+            <a:endCxn id="23" idx="0"/>
+          </p:cNvCxnSpPr>
           <p:nvPr/>
         </p:nvCxnSpPr>
         <p:spPr>
-          <a:xfrm flipH="1">
-            <a:off x="1493939" y="2686050"/>
-            <a:ext cx="924501" cy="0"/>
-          </a:xfrm>
-          <a:prstGeom prst="straightConnector1">
-            <a:avLst/>
-          </a:prstGeom>
-          <a:ln>
+          <a:xfrm>
+            <a:off x="4710993" y="3309757"/>
+            <a:ext cx="1259550" cy="718603"/>
+          </a:xfrm>
+          <a:prstGeom prst="bentConnector2">
+            <a:avLst/>
+          </a:prstGeom>
+          <a:ln w="28575">
+            <a:solidFill>
+              <a:schemeClr val="accent6">
+                <a:lumMod val="50000"/>
+              </a:schemeClr>
+            </a:solidFill>
             <a:tailEnd type="triangle"/>
           </a:ln>
         </p:spPr>
@@ -8932,12 +12397,61 @@
           </a:fontRef>
         </p:style>
       </p:cxnSp>
-      <p:sp>
-        <p:nvSpPr>
-          <p:cNvPr id="31" name="TextBox 30">
-            <a:extLst>
-              <a:ext uri="{FF2B5EF4-FFF2-40B4-BE49-F238E27FC236}">
-                <a16:creationId xmlns:a16="http://schemas.microsoft.com/office/drawing/2014/main" id="{D33494CE-78B9-491E-92C0-4EF51740D19B}"/>
+      <p:cxnSp>
+        <p:nvCxnSpPr>
+          <p:cNvPr id="38" name="Connector: Elbow 37">
+            <a:extLst>
+              <a:ext uri="{FF2B5EF4-FFF2-40B4-BE49-F238E27FC236}">
+                <a16:creationId xmlns:a16="http://schemas.microsoft.com/office/drawing/2014/main" id="{BE184F04-26DD-43E5-86FD-65A3C3ED5567}"/>
+              </a:ext>
+            </a:extLst>
+          </p:cNvPr>
+          <p:cNvCxnSpPr>
+            <a:cxnSpLocks/>
+          </p:cNvCxnSpPr>
+          <p:nvPr/>
+        </p:nvCxnSpPr>
+        <p:spPr>
+          <a:xfrm rot="16200000" flipH="1">
+            <a:off x="4328753" y="2825846"/>
+            <a:ext cx="234900" cy="494270"/>
+          </a:xfrm>
+          <a:prstGeom prst="bentConnector4">
+            <a:avLst>
+              <a:gd name="adj1" fmla="val -97318"/>
+              <a:gd name="adj2" fmla="val 146250"/>
+            </a:avLst>
+          </a:prstGeom>
+          <a:ln w="28575">
+            <a:solidFill>
+              <a:schemeClr val="accent6">
+                <a:lumMod val="50000"/>
+              </a:schemeClr>
+            </a:solidFill>
+            <a:tailEnd type="triangle"/>
+          </a:ln>
+        </p:spPr>
+        <p:style>
+          <a:lnRef idx="1">
+            <a:schemeClr val="accent1"/>
+          </a:lnRef>
+          <a:fillRef idx="0">
+            <a:schemeClr val="accent1"/>
+          </a:fillRef>
+          <a:effectRef idx="0">
+            <a:schemeClr val="accent1"/>
+          </a:effectRef>
+          <a:fontRef idx="minor">
+            <a:schemeClr val="tx1"/>
+          </a:fontRef>
+        </p:style>
+      </p:cxnSp>
+      <p:sp>
+        <p:nvSpPr>
+          <p:cNvPr id="42" name="TextBox 41">
+            <a:extLst>
+              <a:ext uri="{FF2B5EF4-FFF2-40B4-BE49-F238E27FC236}">
+                <a16:creationId xmlns:a16="http://schemas.microsoft.com/office/drawing/2014/main" id="{3A93A260-724D-494C-A9FB-8DAA1E957713}"/>
               </a:ext>
             </a:extLst>
           </p:cNvPr>
@@ -8946,8 +12460,8 @@
         </p:nvSpPr>
         <p:spPr>
           <a:xfrm>
-            <a:off x="1665382" y="2659271"/>
-            <a:ext cx="646331" cy="369332"/>
+            <a:off x="3993240" y="2388476"/>
+            <a:ext cx="1087157" cy="307777"/>
           </a:xfrm>
           <a:prstGeom prst="rect">
             <a:avLst/>
@@ -8961,17 +12475,133 @@
           <a:lstStyle/>
           <a:p>
             <a:r>
-              <a:rPr lang="zh-CN" altLang="en-US" dirty="0"/>
-              <a:t>提现</a:t>
-            </a:r>
-            <a:endParaRPr lang="en-US" altLang="zh-CN" dirty="0"/>
+              <a:rPr lang="en-US" altLang="zh-CN" sz="1400" dirty="0"/>
+              <a:t>1. </a:t>
+            </a:r>
+            <a:r>
+              <a:rPr lang="zh-CN" altLang="en-US" sz="1400" dirty="0"/>
+              <a:t>冻结资金</a:t>
+            </a:r>
+          </a:p>
+        </p:txBody>
+      </p:sp>
+      <p:sp>
+        <p:nvSpPr>
+          <p:cNvPr id="53" name="TextBox 52">
+            <a:extLst>
+              <a:ext uri="{FF2B5EF4-FFF2-40B4-BE49-F238E27FC236}">
+                <a16:creationId xmlns:a16="http://schemas.microsoft.com/office/drawing/2014/main" id="{1329B7E9-5903-4669-BF7F-4312920FB539}"/>
+              </a:ext>
+            </a:extLst>
+          </p:cNvPr>
+          <p:cNvSpPr txBox="1"/>
+          <p:nvPr/>
+        </p:nvSpPr>
+        <p:spPr>
+          <a:xfrm>
+            <a:off x="6028370" y="2955531"/>
+            <a:ext cx="1087157" cy="307777"/>
+          </a:xfrm>
+          <a:prstGeom prst="rect">
+            <a:avLst/>
+          </a:prstGeom>
+          <a:noFill/>
+        </p:spPr>
+        <p:txBody>
+          <a:bodyPr wrap="none" rtlCol="0">
+            <a:spAutoFit/>
+          </a:bodyPr>
+          <a:lstStyle/>
+          <a:p>
+            <a:r>
+              <a:rPr lang="en-US" altLang="zh-CN" sz="1400" dirty="0"/>
+              <a:t>2. </a:t>
+            </a:r>
+            <a:r>
+              <a:rPr lang="zh-CN" altLang="en-US" sz="1400" dirty="0"/>
+              <a:t>标的本金</a:t>
+            </a:r>
+          </a:p>
+        </p:txBody>
+      </p:sp>
+      <p:sp>
+        <p:nvSpPr>
+          <p:cNvPr id="54" name="TextBox 53">
+            <a:extLst>
+              <a:ext uri="{FF2B5EF4-FFF2-40B4-BE49-F238E27FC236}">
+                <a16:creationId xmlns:a16="http://schemas.microsoft.com/office/drawing/2014/main" id="{55ADB9B7-2BED-428B-888D-8536E52A6533}"/>
+              </a:ext>
+            </a:extLst>
+          </p:cNvPr>
+          <p:cNvSpPr txBox="1"/>
+          <p:nvPr/>
+        </p:nvSpPr>
+        <p:spPr>
+          <a:xfrm>
+            <a:off x="6006065" y="3643754"/>
+            <a:ext cx="907621" cy="307777"/>
+          </a:xfrm>
+          <a:prstGeom prst="rect">
+            <a:avLst/>
+          </a:prstGeom>
+          <a:noFill/>
+        </p:spPr>
+        <p:txBody>
+          <a:bodyPr wrap="none" rtlCol="0">
+            <a:spAutoFit/>
+          </a:bodyPr>
+          <a:lstStyle/>
+          <a:p>
+            <a:r>
+              <a:rPr lang="en-US" altLang="zh-CN" sz="1400" dirty="0"/>
+              <a:t>3. </a:t>
+            </a:r>
+            <a:r>
+              <a:rPr lang="zh-CN" altLang="en-US" sz="1400" dirty="0"/>
+              <a:t>服务费</a:t>
+            </a:r>
+          </a:p>
+        </p:txBody>
+      </p:sp>
+      <p:sp>
+        <p:nvSpPr>
+          <p:cNvPr id="56" name="TextBox 55">
+            <a:extLst>
+              <a:ext uri="{FF2B5EF4-FFF2-40B4-BE49-F238E27FC236}">
+                <a16:creationId xmlns:a16="http://schemas.microsoft.com/office/drawing/2014/main" id="{EE41B854-3C54-4E7F-8B1F-10E1C51EC71C}"/>
+              </a:ext>
+            </a:extLst>
+          </p:cNvPr>
+          <p:cNvSpPr txBox="1"/>
+          <p:nvPr/>
+        </p:nvSpPr>
+        <p:spPr>
+          <a:xfrm>
+            <a:off x="5970542" y="1977082"/>
+            <a:ext cx="902811" cy="307777"/>
+          </a:xfrm>
+          <a:prstGeom prst="rect">
+            <a:avLst/>
+          </a:prstGeom>
+          <a:noFill/>
+        </p:spPr>
+        <p:txBody>
+          <a:bodyPr wrap="none" rtlCol="0">
+            <a:spAutoFit/>
+          </a:bodyPr>
+          <a:lstStyle/>
+          <a:p>
+            <a:r>
+              <a:rPr lang="zh-CN" altLang="en-US" sz="1400" dirty="0"/>
+              <a:t>同步流水</a:t>
+            </a:r>
           </a:p>
         </p:txBody>
       </p:sp>
     </p:spTree>
     <p:extLst>
       <p:ext uri="{BB962C8B-B14F-4D97-AF65-F5344CB8AC3E}">
-        <p14:creationId xmlns:p14="http://schemas.microsoft.com/office/powerpoint/2010/main" val="1699288369"/>
+        <p14:creationId xmlns:p14="http://schemas.microsoft.com/office/powerpoint/2010/main" val="3361538392"/>
       </p:ext>
     </p:extLst>
   </p:cSld>
@@ -9000,10 +12630,10 @@
       </p:grpSpPr>
       <p:sp>
         <p:nvSpPr>
-          <p:cNvPr id="15" name="Rectangle 14">
-            <a:extLst>
-              <a:ext uri="{FF2B5EF4-FFF2-40B4-BE49-F238E27FC236}">
-                <a16:creationId xmlns:a16="http://schemas.microsoft.com/office/drawing/2014/main" id="{6A39465E-40F5-48EC-811B-E7B903F435DE}"/>
+          <p:cNvPr id="2" name="Rectangle 1">
+            <a:extLst>
+              <a:ext uri="{FF2B5EF4-FFF2-40B4-BE49-F238E27FC236}">
+                <a16:creationId xmlns:a16="http://schemas.microsoft.com/office/drawing/2014/main" id="{5A4619E4-837F-4D63-B9E5-AC0F9E8204EF}"/>
               </a:ext>
             </a:extLst>
           </p:cNvPr>
@@ -9012,8 +12642,8 @@
         </p:nvSpPr>
         <p:spPr>
           <a:xfrm>
-            <a:off x="1993901" y="1511300"/>
-            <a:ext cx="4483100" cy="1968500"/>
+            <a:off x="3300501" y="1375717"/>
+            <a:ext cx="5249480" cy="3888262"/>
           </a:xfrm>
           <a:prstGeom prst="rect">
             <a:avLst/>
@@ -9069,10 +12699,10 @@
       </p:sp>
       <p:sp>
         <p:nvSpPr>
-          <p:cNvPr id="18" name="Rectangle: Rounded Corners 17">
-            <a:extLst>
-              <a:ext uri="{FF2B5EF4-FFF2-40B4-BE49-F238E27FC236}">
-                <a16:creationId xmlns:a16="http://schemas.microsoft.com/office/drawing/2014/main" id="{637E9158-C493-4201-94E2-BE2B32D9E0E8}"/>
+          <p:cNvPr id="3" name="Rectangle: Rounded Corners 2">
+            <a:extLst>
+              <a:ext uri="{FF2B5EF4-FFF2-40B4-BE49-F238E27FC236}">
+                <a16:creationId xmlns:a16="http://schemas.microsoft.com/office/drawing/2014/main" id="{9C621ED0-26DF-43D5-AAD4-9E1D4BE3820B}"/>
               </a:ext>
             </a:extLst>
           </p:cNvPr>
@@ -9081,13 +12711,11 @@
         </p:nvSpPr>
         <p:spPr>
           <a:xfrm>
-            <a:off x="3769669" y="2253383"/>
-            <a:ext cx="1080000" cy="720000"/>
+            <a:off x="5016843" y="1665411"/>
+            <a:ext cx="1907400" cy="659031"/>
           </a:xfrm>
           <a:prstGeom prst="roundRect">
-            <a:avLst>
-              <a:gd name="adj" fmla="val 11308"/>
-            </a:avLst>
+            <a:avLst/>
           </a:prstGeom>
           <a:solidFill>
             <a:schemeClr val="accent5">
@@ -9112,32 +12740,27 @@
           </a:fontRef>
         </p:style>
         <p:txBody>
-          <a:bodyPr rot="0" spcFirstLastPara="0" vertOverflow="overflow" horzOverflow="overflow" vert="horz" wrap="square" lIns="91440" tIns="45720" rIns="91440" bIns="45720" numCol="1" spcCol="0" rtlCol="0" fromWordArt="0" anchor="t" anchorCtr="0" forceAA="0" compatLnSpc="1">
-            <a:prstTxWarp prst="textNoShape">
-              <a:avLst/>
-            </a:prstTxWarp>
-            <a:noAutofit/>
-          </a:bodyPr>
+          <a:bodyPr rtlCol="0" anchor="ctr"/>
           <a:lstStyle/>
           <a:p>
             <a:pPr algn="ctr"/>
             <a:r>
-              <a:rPr lang="en-US" altLang="zh-CN" dirty="0"/>
+              <a:rPr lang="en-US" altLang="zh-CN" sz="1600" dirty="0"/>
               <a:t>P2P</a:t>
             </a:r>
             <a:r>
-              <a:rPr lang="zh-CN" altLang="en-US" dirty="0"/>
-              <a:t>收益账户</a:t>
-            </a:r>
-          </a:p>
-        </p:txBody>
-      </p:sp>
-      <p:sp>
-        <p:nvSpPr>
-          <p:cNvPr id="19" name="Rectangle 18">
-            <a:extLst>
-              <a:ext uri="{FF2B5EF4-FFF2-40B4-BE49-F238E27FC236}">
-                <a16:creationId xmlns:a16="http://schemas.microsoft.com/office/drawing/2014/main" id="{E1978540-1C31-4251-A393-DBC8B38A8DE8}"/>
+              <a:rPr lang="zh-CN" altLang="en-US" sz="1600" dirty="0"/>
+              <a:t>托管主账户</a:t>
+            </a:r>
+          </a:p>
+        </p:txBody>
+      </p:sp>
+      <p:sp>
+        <p:nvSpPr>
+          <p:cNvPr id="4" name="Rectangle 3">
+            <a:extLst>
+              <a:ext uri="{FF2B5EF4-FFF2-40B4-BE49-F238E27FC236}">
+                <a16:creationId xmlns:a16="http://schemas.microsoft.com/office/drawing/2014/main" id="{982E9F94-46EC-4B70-969D-41008E2935A7}"/>
               </a:ext>
             </a:extLst>
           </p:cNvPr>
@@ -9146,8 +12769,8 @@
         </p:nvSpPr>
         <p:spPr>
           <a:xfrm>
-            <a:off x="1993901" y="794102"/>
-            <a:ext cx="4483100" cy="469548"/>
+            <a:off x="4902006" y="429156"/>
+            <a:ext cx="2046470" cy="483292"/>
           </a:xfrm>
           <a:prstGeom prst="rect">
             <a:avLst/>
@@ -9184,7 +12807,7 @@
           </a:fontRef>
         </p:style>
         <p:txBody>
-          <a:bodyPr rtlCol="0" anchor="t"/>
+          <a:bodyPr rtlCol="0" anchor="ctr"/>
           <a:lstStyle/>
           <a:p>
             <a:pPr algn="ctr"/>
@@ -9213,10 +12836,10 @@
       </p:sp>
       <p:sp>
         <p:nvSpPr>
-          <p:cNvPr id="20" name="Rectangle: Rounded Corners 19">
-            <a:extLst>
-              <a:ext uri="{FF2B5EF4-FFF2-40B4-BE49-F238E27FC236}">
-                <a16:creationId xmlns:a16="http://schemas.microsoft.com/office/drawing/2014/main" id="{9CDDFC9C-FD69-4163-9F2B-C7D1A3DEA6C3}"/>
+          <p:cNvPr id="6" name="Rectangle: Rounded Corners 5">
+            <a:extLst>
+              <a:ext uri="{FF2B5EF4-FFF2-40B4-BE49-F238E27FC236}">
+                <a16:creationId xmlns:a16="http://schemas.microsoft.com/office/drawing/2014/main" id="{FAC42D10-6287-4B50-AC05-2DBC93B2335F}"/>
               </a:ext>
             </a:extLst>
           </p:cNvPr>
@@ -9225,8 +12848,69 @@
         </p:nvSpPr>
         <p:spPr>
           <a:xfrm>
-            <a:off x="2445436" y="2252705"/>
-            <a:ext cx="1080000" cy="720000"/>
+            <a:off x="7298351" y="2955531"/>
+            <a:ext cx="988540" cy="708453"/>
+          </a:xfrm>
+          <a:prstGeom prst="roundRect">
+            <a:avLst/>
+          </a:prstGeom>
+          <a:solidFill>
+            <a:schemeClr val="accent3">
+              <a:lumMod val="50000"/>
+            </a:schemeClr>
+          </a:solidFill>
+          <a:ln>
+            <a:solidFill>
+              <a:schemeClr val="accent3">
+                <a:lumMod val="50000"/>
+              </a:schemeClr>
+            </a:solidFill>
+          </a:ln>
+        </p:spPr>
+        <p:style>
+          <a:lnRef idx="2">
+            <a:schemeClr val="accent1">
+              <a:shade val="50000"/>
+            </a:schemeClr>
+          </a:lnRef>
+          <a:fillRef idx="1">
+            <a:schemeClr val="accent1"/>
+          </a:fillRef>
+          <a:effectRef idx="0">
+            <a:schemeClr val="accent1"/>
+          </a:effectRef>
+          <a:fontRef idx="minor">
+            <a:schemeClr val="lt1"/>
+          </a:fontRef>
+        </p:style>
+        <p:txBody>
+          <a:bodyPr rtlCol="0" anchor="ctr"/>
+          <a:lstStyle/>
+          <a:p>
+            <a:pPr algn="ctr"/>
+            <a:r>
+              <a:rPr lang="zh-CN" altLang="en-US" sz="1600" dirty="0"/>
+              <a:t>借款人账户</a:t>
+            </a:r>
+          </a:p>
+        </p:txBody>
+      </p:sp>
+      <p:sp>
+        <p:nvSpPr>
+          <p:cNvPr id="23" name="Rectangle: Rounded Corners 22">
+            <a:extLst>
+              <a:ext uri="{FF2B5EF4-FFF2-40B4-BE49-F238E27FC236}">
+                <a16:creationId xmlns:a16="http://schemas.microsoft.com/office/drawing/2014/main" id="{70883220-FC67-4B61-BD40-324B2BB139BD}"/>
+              </a:ext>
+            </a:extLst>
+          </p:cNvPr>
+          <p:cNvSpPr/>
+          <p:nvPr/>
+        </p:nvSpPr>
+        <p:spPr>
+          <a:xfrm>
+            <a:off x="5369136" y="4028360"/>
+            <a:ext cx="1202813" cy="708453"/>
           </a:xfrm>
           <a:prstGeom prst="roundRect">
             <a:avLst/>
@@ -9254,28 +12938,116 @@
           </a:fontRef>
         </p:style>
         <p:txBody>
-          <a:bodyPr rot="0" spcFirstLastPara="0" vertOverflow="overflow" horzOverflow="overflow" vert="horz" wrap="square" lIns="91440" tIns="45720" rIns="91440" bIns="45720" numCol="1" spcCol="0" rtlCol="0" fromWordArt="0" anchor="t" anchorCtr="0" forceAA="0" compatLnSpc="1">
-            <a:prstTxWarp prst="textNoShape">
-              <a:avLst/>
-            </a:prstTxWarp>
-            <a:noAutofit/>
+          <a:bodyPr rtlCol="0" anchor="ctr"/>
+          <a:lstStyle/>
+          <a:p>
+            <a:pPr algn="ctr"/>
+            <a:r>
+              <a:rPr lang="zh-CN" altLang="en-US" sz="1600" dirty="0"/>
+              <a:t>服务费</a:t>
+            </a:r>
+            <a:endParaRPr lang="en-US" altLang="zh-CN" sz="1600" dirty="0"/>
+          </a:p>
+          <a:p>
+            <a:pPr algn="ctr"/>
+            <a:r>
+              <a:rPr lang="zh-CN" altLang="en-US" sz="1600" dirty="0"/>
+              <a:t>子账户</a:t>
+            </a:r>
+          </a:p>
+        </p:txBody>
+      </p:sp>
+      <p:sp>
+        <p:nvSpPr>
+          <p:cNvPr id="52" name="TextBox 51">
+            <a:extLst>
+              <a:ext uri="{FF2B5EF4-FFF2-40B4-BE49-F238E27FC236}">
+                <a16:creationId xmlns:a16="http://schemas.microsoft.com/office/drawing/2014/main" id="{48A07501-BCA1-464C-A4BA-683FD715CBBB}"/>
+              </a:ext>
+            </a:extLst>
+          </p:cNvPr>
+          <p:cNvSpPr txBox="1"/>
+          <p:nvPr/>
+        </p:nvSpPr>
+        <p:spPr>
+          <a:xfrm>
+            <a:off x="4666120" y="2985230"/>
+            <a:ext cx="957313" cy="276999"/>
+          </a:xfrm>
+          <a:prstGeom prst="rect">
+            <a:avLst/>
+          </a:prstGeom>
+          <a:noFill/>
+        </p:spPr>
+        <p:txBody>
+          <a:bodyPr wrap="none" rtlCol="0">
+            <a:spAutoFit/>
           </a:bodyPr>
           <a:lstStyle/>
           <a:p>
-            <a:pPr algn="ctr"/>
-            <a:r>
-              <a:rPr lang="zh-CN" altLang="en-US" dirty="0"/>
-              <a:t>投资人账户</a:t>
-            </a:r>
-          </a:p>
-        </p:txBody>
-      </p:sp>
-      <p:sp>
-        <p:nvSpPr>
-          <p:cNvPr id="22" name="Rectangle: Rounded Corners 21">
-            <a:extLst>
-              <a:ext uri="{FF2B5EF4-FFF2-40B4-BE49-F238E27FC236}">
-                <a16:creationId xmlns:a16="http://schemas.microsoft.com/office/drawing/2014/main" id="{5E13C32E-0A34-430C-A58D-BC4A2B011A58}"/>
+            <a:r>
+              <a:rPr lang="en-US" altLang="zh-CN" sz="1200" dirty="0"/>
+              <a:t>1. </a:t>
+            </a:r>
+            <a:r>
+              <a:rPr lang="zh-CN" altLang="en-US" sz="1200" dirty="0"/>
+              <a:t>投标资金</a:t>
+            </a:r>
+          </a:p>
+        </p:txBody>
+      </p:sp>
+      <p:cxnSp>
+        <p:nvCxnSpPr>
+          <p:cNvPr id="55" name="Connector: Elbow 54">
+            <a:extLst>
+              <a:ext uri="{FF2B5EF4-FFF2-40B4-BE49-F238E27FC236}">
+                <a16:creationId xmlns:a16="http://schemas.microsoft.com/office/drawing/2014/main" id="{19AEE462-6C79-4418-945B-452DDFC28A57}"/>
+              </a:ext>
+            </a:extLst>
+          </p:cNvPr>
+          <p:cNvCxnSpPr>
+            <a:cxnSpLocks/>
+          </p:cNvCxnSpPr>
+          <p:nvPr/>
+        </p:nvCxnSpPr>
+        <p:spPr>
+          <a:xfrm flipV="1">
+            <a:off x="4392634" y="2303623"/>
+            <a:ext cx="1277205" cy="985316"/>
+          </a:xfrm>
+          <a:prstGeom prst="bentConnector2">
+            <a:avLst/>
+          </a:prstGeom>
+          <a:ln w="28575">
+            <a:solidFill>
+              <a:schemeClr val="accent6">
+                <a:lumMod val="50000"/>
+              </a:schemeClr>
+            </a:solidFill>
+            <a:tailEnd type="triangle"/>
+          </a:ln>
+        </p:spPr>
+        <p:style>
+          <a:lnRef idx="1">
+            <a:schemeClr val="accent1"/>
+          </a:lnRef>
+          <a:fillRef idx="0">
+            <a:schemeClr val="accent1"/>
+          </a:fillRef>
+          <a:effectRef idx="0">
+            <a:schemeClr val="accent1"/>
+          </a:effectRef>
+          <a:fontRef idx="minor">
+            <a:schemeClr val="tx1"/>
+          </a:fontRef>
+        </p:style>
+      </p:cxnSp>
+      <p:sp>
+        <p:nvSpPr>
+          <p:cNvPr id="5" name="Rectangle: Rounded Corners 4">
+            <a:extLst>
+              <a:ext uri="{FF2B5EF4-FFF2-40B4-BE49-F238E27FC236}">
+                <a16:creationId xmlns:a16="http://schemas.microsoft.com/office/drawing/2014/main" id="{EDA94B32-150D-4A4B-AA65-F5398666A2A6}"/>
               </a:ext>
             </a:extLst>
           </p:cNvPr>
@@ -9284,17 +13056,24 @@
         </p:nvSpPr>
         <p:spPr>
           <a:xfrm>
-            <a:off x="5000365" y="2227991"/>
-            <a:ext cx="1080000" cy="720000"/>
+            <a:off x="3704798" y="2955531"/>
+            <a:ext cx="988540" cy="708453"/>
           </a:xfrm>
           <a:prstGeom prst="roundRect">
             <a:avLst/>
           </a:prstGeom>
           <a:solidFill>
-            <a:schemeClr val="accent5">
+            <a:schemeClr val="accent3">
               <a:lumMod val="50000"/>
             </a:schemeClr>
           </a:solidFill>
+          <a:ln>
+            <a:solidFill>
+              <a:schemeClr val="accent3">
+                <a:lumMod val="50000"/>
+              </a:schemeClr>
+            </a:solidFill>
+          </a:ln>
         </p:spPr>
         <p:style>
           <a:lnRef idx="2">
@@ -9313,93 +13092,125 @@
           </a:fontRef>
         </p:style>
         <p:txBody>
-          <a:bodyPr rot="0" spcFirstLastPara="0" vertOverflow="overflow" horzOverflow="overflow" vert="horz" wrap="square" lIns="91440" tIns="45720" rIns="91440" bIns="45720" numCol="1" spcCol="0" rtlCol="0" fromWordArt="0" anchor="t" anchorCtr="0" forceAA="0" compatLnSpc="1">
-            <a:prstTxWarp prst="textNoShape">
-              <a:avLst/>
-            </a:prstTxWarp>
-            <a:noAutofit/>
-          </a:bodyPr>
+          <a:bodyPr rtlCol="0" anchor="ctr"/>
           <a:lstStyle/>
           <a:p>
             <a:pPr algn="ctr"/>
             <a:r>
-              <a:rPr lang="zh-CN" altLang="en-US" dirty="0"/>
-              <a:t>借款人账户</a:t>
-            </a:r>
-          </a:p>
-        </p:txBody>
-      </p:sp>
-      <p:sp>
-        <p:nvSpPr>
-          <p:cNvPr id="23" name="Rectangle: Rounded Corners 22">
-            <a:extLst>
-              <a:ext uri="{FF2B5EF4-FFF2-40B4-BE49-F238E27FC236}">
-                <a16:creationId xmlns:a16="http://schemas.microsoft.com/office/drawing/2014/main" id="{9CE64891-EB14-4926-842B-C1DD6296D596}"/>
-              </a:ext>
-            </a:extLst>
-          </p:cNvPr>
-          <p:cNvSpPr/>
-          <p:nvPr/>
-        </p:nvSpPr>
-        <p:spPr>
-          <a:xfrm>
-            <a:off x="7103041" y="2233764"/>
-            <a:ext cx="988540" cy="708453"/>
-          </a:xfrm>
-          <a:prstGeom prst="roundRect">
-            <a:avLst/>
-          </a:prstGeom>
-          <a:solidFill>
-            <a:schemeClr val="tx2">
-              <a:lumMod val="50000"/>
-            </a:schemeClr>
-          </a:solidFill>
-          <a:ln>
-            <a:noFill/>
+              <a:rPr lang="zh-CN" altLang="en-US" sz="1600" dirty="0"/>
+              <a:t>投资人</a:t>
+            </a:r>
+            <a:endParaRPr lang="en-US" altLang="zh-CN" sz="1600" dirty="0"/>
+          </a:p>
+          <a:p>
+            <a:pPr algn="ctr"/>
+            <a:r>
+              <a:rPr lang="zh-CN" altLang="en-US" sz="1600" dirty="0"/>
+              <a:t>账户</a:t>
+            </a:r>
+          </a:p>
+        </p:txBody>
+      </p:sp>
+      <p:cxnSp>
+        <p:nvCxnSpPr>
+          <p:cNvPr id="59" name="Straight Arrow Connector 58">
+            <a:extLst>
+              <a:ext uri="{FF2B5EF4-FFF2-40B4-BE49-F238E27FC236}">
+                <a16:creationId xmlns:a16="http://schemas.microsoft.com/office/drawing/2014/main" id="{38F201FC-1650-45BA-AFC7-52BCA2B155AF}"/>
+              </a:ext>
+            </a:extLst>
+          </p:cNvPr>
+          <p:cNvCxnSpPr>
+            <a:stCxn id="3" idx="2"/>
+            <a:endCxn id="23" idx="0"/>
+          </p:cNvCxnSpPr>
+          <p:nvPr/>
+        </p:nvCxnSpPr>
+        <p:spPr>
+          <a:xfrm>
+            <a:off x="5970543" y="2324442"/>
+            <a:ext cx="0" cy="1703918"/>
+          </a:xfrm>
+          <a:prstGeom prst="straightConnector1">
+            <a:avLst/>
+          </a:prstGeom>
+          <a:ln w="28575">
+            <a:solidFill>
+              <a:schemeClr val="accent6">
+                <a:lumMod val="50000"/>
+              </a:schemeClr>
+            </a:solidFill>
+            <a:tailEnd type="triangle"/>
           </a:ln>
         </p:spPr>
         <p:style>
-          <a:lnRef idx="2">
-            <a:schemeClr val="accent1">
-              <a:shade val="50000"/>
-            </a:schemeClr>
-          </a:lnRef>
-          <a:fillRef idx="1">
-            <a:schemeClr val="accent1"/>
-          </a:fillRef>
-          <a:effectRef idx="0">
-            <a:schemeClr val="accent1"/>
-          </a:effectRef>
-          <a:fontRef idx="minor">
-            <a:schemeClr val="lt1"/>
-          </a:fontRef>
-        </p:style>
-        <p:txBody>
-          <a:bodyPr rtlCol="0" anchor="ctr"/>
-          <a:lstStyle/>
-          <a:p>
-            <a:pPr algn="ctr"/>
-            <a:r>
-              <a:rPr lang="zh-CN" altLang="en-US" dirty="0"/>
-              <a:t>外部</a:t>
-            </a:r>
-            <a:endParaRPr lang="en-US" altLang="zh-CN" dirty="0"/>
-          </a:p>
-          <a:p>
-            <a:pPr algn="ctr"/>
-            <a:r>
-              <a:rPr lang="zh-CN" altLang="en-US" dirty="0"/>
-              <a:t>账户</a:t>
-            </a:r>
-          </a:p>
-        </p:txBody>
-      </p:sp>
-      <p:sp>
-        <p:nvSpPr>
-          <p:cNvPr id="24" name="TextBox 23">
-            <a:extLst>
-              <a:ext uri="{FF2B5EF4-FFF2-40B4-BE49-F238E27FC236}">
-                <a16:creationId xmlns:a16="http://schemas.microsoft.com/office/drawing/2014/main" id="{4CA3892A-2A47-44C5-BE98-FF063467ADC5}"/>
+          <a:lnRef idx="1">
+            <a:schemeClr val="accent1"/>
+          </a:lnRef>
+          <a:fillRef idx="0">
+            <a:schemeClr val="accent1"/>
+          </a:fillRef>
+          <a:effectRef idx="0">
+            <a:schemeClr val="accent1"/>
+          </a:effectRef>
+          <a:fontRef idx="minor">
+            <a:schemeClr val="tx1"/>
+          </a:fontRef>
+        </p:style>
+      </p:cxnSp>
+      <p:cxnSp>
+        <p:nvCxnSpPr>
+          <p:cNvPr id="61" name="Connector: Elbow 60">
+            <a:extLst>
+              <a:ext uri="{FF2B5EF4-FFF2-40B4-BE49-F238E27FC236}">
+                <a16:creationId xmlns:a16="http://schemas.microsoft.com/office/drawing/2014/main" id="{A1335B62-30B7-4CCF-AEF4-51A85057E3A1}"/>
+              </a:ext>
+            </a:extLst>
+          </p:cNvPr>
+          <p:cNvCxnSpPr>
+            <a:stCxn id="3" idx="2"/>
+            <a:endCxn id="6" idx="1"/>
+          </p:cNvCxnSpPr>
+          <p:nvPr/>
+        </p:nvCxnSpPr>
+        <p:spPr>
+          <a:xfrm rot="16200000" flipH="1">
+            <a:off x="6141789" y="2153196"/>
+            <a:ext cx="985316" cy="1327808"/>
+          </a:xfrm>
+          <a:prstGeom prst="bentConnector2">
+            <a:avLst/>
+          </a:prstGeom>
+          <a:ln w="28575">
+            <a:solidFill>
+              <a:schemeClr val="accent6">
+                <a:lumMod val="50000"/>
+              </a:schemeClr>
+            </a:solidFill>
+            <a:tailEnd type="triangle"/>
+          </a:ln>
+        </p:spPr>
+        <p:style>
+          <a:lnRef idx="1">
+            <a:schemeClr val="accent1"/>
+          </a:lnRef>
+          <a:fillRef idx="0">
+            <a:schemeClr val="accent1"/>
+          </a:fillRef>
+          <a:effectRef idx="0">
+            <a:schemeClr val="accent1"/>
+          </a:effectRef>
+          <a:fontRef idx="minor">
+            <a:schemeClr val="tx1"/>
+          </a:fontRef>
+        </p:style>
+      </p:cxnSp>
+      <p:sp>
+        <p:nvSpPr>
+          <p:cNvPr id="62" name="TextBox 61">
+            <a:extLst>
+              <a:ext uri="{FF2B5EF4-FFF2-40B4-BE49-F238E27FC236}">
+                <a16:creationId xmlns:a16="http://schemas.microsoft.com/office/drawing/2014/main" id="{63AEAA37-8E79-4691-B716-44E24676F781}"/>
               </a:ext>
             </a:extLst>
           </p:cNvPr>
@@ -9408,8 +13219,8 @@
         </p:nvSpPr>
         <p:spPr>
           <a:xfrm>
-            <a:off x="6425239" y="2243373"/>
-            <a:ext cx="646331" cy="369332"/>
+            <a:off x="6171325" y="3037901"/>
+            <a:ext cx="649537" cy="276999"/>
           </a:xfrm>
           <a:prstGeom prst="rect">
             <a:avLst/>
@@ -9423,19 +13234,110 @@
           <a:lstStyle/>
           <a:p>
             <a:r>
-              <a:rPr lang="zh-CN" altLang="en-US" dirty="0"/>
-              <a:t>返款</a:t>
-            </a:r>
-            <a:endParaRPr lang="en-US" altLang="zh-CN" dirty="0"/>
-          </a:p>
-        </p:txBody>
-      </p:sp>
-      <p:sp>
-        <p:nvSpPr>
-          <p:cNvPr id="25" name="Rectangle: Rounded Corners 24">
-            <a:extLst>
-              <a:ext uri="{FF2B5EF4-FFF2-40B4-BE49-F238E27FC236}">
-                <a16:creationId xmlns:a16="http://schemas.microsoft.com/office/drawing/2014/main" id="{0F3B3333-0EDC-464A-B16F-1F7E18EC9BF0}"/>
+              <a:rPr lang="en-US" altLang="zh-CN" sz="1200" dirty="0"/>
+              <a:t>2. </a:t>
+            </a:r>
+            <a:r>
+              <a:rPr lang="zh-CN" altLang="en-US" sz="1200" dirty="0"/>
+              <a:t>借款</a:t>
+            </a:r>
+          </a:p>
+        </p:txBody>
+      </p:sp>
+      <p:sp>
+        <p:nvSpPr>
+          <p:cNvPr id="63" name="TextBox 62">
+            <a:extLst>
+              <a:ext uri="{FF2B5EF4-FFF2-40B4-BE49-F238E27FC236}">
+                <a16:creationId xmlns:a16="http://schemas.microsoft.com/office/drawing/2014/main" id="{025A79EE-1EC3-4C77-8C72-51C4A034E8F0}"/>
+              </a:ext>
+            </a:extLst>
+          </p:cNvPr>
+          <p:cNvSpPr txBox="1"/>
+          <p:nvPr/>
+        </p:nvSpPr>
+        <p:spPr>
+          <a:xfrm>
+            <a:off x="5982639" y="3632407"/>
+            <a:ext cx="803425" cy="276999"/>
+          </a:xfrm>
+          <a:prstGeom prst="rect">
+            <a:avLst/>
+          </a:prstGeom>
+          <a:noFill/>
+        </p:spPr>
+        <p:txBody>
+          <a:bodyPr wrap="none" rtlCol="0">
+            <a:spAutoFit/>
+          </a:bodyPr>
+          <a:lstStyle/>
+          <a:p>
+            <a:r>
+              <a:rPr lang="en-US" altLang="zh-CN" sz="1200" dirty="0"/>
+              <a:t>3. </a:t>
+            </a:r>
+            <a:r>
+              <a:rPr lang="zh-CN" altLang="en-US" sz="1200" dirty="0"/>
+              <a:t>手续费</a:t>
+            </a:r>
+          </a:p>
+        </p:txBody>
+      </p:sp>
+      <p:cxnSp>
+        <p:nvCxnSpPr>
+          <p:cNvPr id="65" name="Straight Arrow Connector 64">
+            <a:extLst>
+              <a:ext uri="{FF2B5EF4-FFF2-40B4-BE49-F238E27FC236}">
+                <a16:creationId xmlns:a16="http://schemas.microsoft.com/office/drawing/2014/main" id="{3AE69D12-E57C-471F-BF78-48594C07D653}"/>
+              </a:ext>
+            </a:extLst>
+          </p:cNvPr>
+          <p:cNvCxnSpPr>
+            <a:cxnSpLocks/>
+            <a:stCxn id="4" idx="2"/>
+            <a:endCxn id="2" idx="0"/>
+          </p:cNvCxnSpPr>
+          <p:nvPr/>
+        </p:nvCxnSpPr>
+        <p:spPr>
+          <a:xfrm>
+            <a:off x="5925241" y="912448"/>
+            <a:ext cx="0" cy="463269"/>
+          </a:xfrm>
+          <a:prstGeom prst="straightConnector1">
+            <a:avLst/>
+          </a:prstGeom>
+          <a:ln w="38100">
+            <a:solidFill>
+              <a:schemeClr val="accent6">
+                <a:lumMod val="40000"/>
+                <a:lumOff val="60000"/>
+              </a:schemeClr>
+            </a:solidFill>
+            <a:tailEnd type="triangle"/>
+          </a:ln>
+        </p:spPr>
+        <p:style>
+          <a:lnRef idx="1">
+            <a:schemeClr val="accent1"/>
+          </a:lnRef>
+          <a:fillRef idx="0">
+            <a:schemeClr val="accent1"/>
+          </a:fillRef>
+          <a:effectRef idx="0">
+            <a:schemeClr val="accent1"/>
+          </a:effectRef>
+          <a:fontRef idx="minor">
+            <a:schemeClr val="tx1"/>
+          </a:fontRef>
+        </p:style>
+      </p:cxnSp>
+      <p:sp>
+        <p:nvSpPr>
+          <p:cNvPr id="30" name="Rectangle: Rounded Corners 29">
+            <a:extLst>
+              <a:ext uri="{FF2B5EF4-FFF2-40B4-BE49-F238E27FC236}">
+                <a16:creationId xmlns:a16="http://schemas.microsoft.com/office/drawing/2014/main" id="{00521AE2-64B3-4BD9-96DB-0F8D0841AE4A}"/>
               </a:ext>
             </a:extLst>
           </p:cNvPr>
@@ -9444,8 +13346,8 @@
         </p:nvSpPr>
         <p:spPr>
           <a:xfrm>
-            <a:off x="518897" y="2264252"/>
-            <a:ext cx="988540" cy="708453"/>
+            <a:off x="1484832" y="2662864"/>
+            <a:ext cx="1279010" cy="1252149"/>
           </a:xfrm>
           <a:prstGeom prst="roundRect">
             <a:avLst/>
@@ -9486,8 +13388,8 @@
           <a:p>
             <a:pPr algn="ctr"/>
             <a:r>
-              <a:rPr lang="zh-CN" altLang="en-US"/>
-              <a:t>外部</a:t>
+              <a:rPr lang="zh-CN" altLang="en-US" dirty="0"/>
+              <a:t>投资人</a:t>
             </a:r>
             <a:endParaRPr lang="en-US" altLang="zh-CN" dirty="0"/>
           </a:p>
@@ -9495,17 +13397,63 @@
             <a:pPr algn="ctr"/>
             <a:r>
               <a:rPr lang="zh-CN" altLang="en-US" dirty="0"/>
-              <a:t>账户</a:t>
-            </a:r>
-          </a:p>
-        </p:txBody>
-      </p:sp>
-      <p:sp>
-        <p:nvSpPr>
-          <p:cNvPr id="26" name="TextBox 25">
-            <a:extLst>
-              <a:ext uri="{FF2B5EF4-FFF2-40B4-BE49-F238E27FC236}">
-                <a16:creationId xmlns:a16="http://schemas.microsoft.com/office/drawing/2014/main" id="{A358B1A4-54C1-45A2-AAC1-D116576E1722}"/>
+              <a:t>外部账户</a:t>
+            </a:r>
+          </a:p>
+        </p:txBody>
+      </p:sp>
+      <p:cxnSp>
+        <p:nvCxnSpPr>
+          <p:cNvPr id="32" name="Straight Arrow Connector 31">
+            <a:extLst>
+              <a:ext uri="{FF2B5EF4-FFF2-40B4-BE49-F238E27FC236}">
+                <a16:creationId xmlns:a16="http://schemas.microsoft.com/office/drawing/2014/main" id="{D4A14BD9-88ED-4F71-928A-EC6F2AB0B935}"/>
+              </a:ext>
+            </a:extLst>
+          </p:cNvPr>
+          <p:cNvCxnSpPr>
+            <a:cxnSpLocks/>
+          </p:cNvCxnSpPr>
+          <p:nvPr/>
+        </p:nvCxnSpPr>
+        <p:spPr>
+          <a:xfrm>
+            <a:off x="2773281" y="3154388"/>
+            <a:ext cx="931517" cy="0"/>
+          </a:xfrm>
+          <a:prstGeom prst="straightConnector1">
+            <a:avLst/>
+          </a:prstGeom>
+          <a:ln w="28575">
+            <a:solidFill>
+              <a:schemeClr val="accent2">
+                <a:lumMod val="50000"/>
+              </a:schemeClr>
+            </a:solidFill>
+            <a:tailEnd type="triangle"/>
+          </a:ln>
+        </p:spPr>
+        <p:style>
+          <a:lnRef idx="1">
+            <a:schemeClr val="accent1"/>
+          </a:lnRef>
+          <a:fillRef idx="0">
+            <a:schemeClr val="accent1"/>
+          </a:fillRef>
+          <a:effectRef idx="0">
+            <a:schemeClr val="accent1"/>
+          </a:effectRef>
+          <a:fontRef idx="minor">
+            <a:schemeClr val="tx1"/>
+          </a:fontRef>
+        </p:style>
+      </p:cxnSp>
+      <p:sp>
+        <p:nvSpPr>
+          <p:cNvPr id="33" name="TextBox 32">
+            <a:extLst>
+              <a:ext uri="{FF2B5EF4-FFF2-40B4-BE49-F238E27FC236}">
+                <a16:creationId xmlns:a16="http://schemas.microsoft.com/office/drawing/2014/main" id="{D0B4709B-C385-44C3-8DB4-4E603DCAB3ED}"/>
               </a:ext>
             </a:extLst>
           </p:cNvPr>
@@ -9514,8 +13462,8 @@
         </p:nvSpPr>
         <p:spPr>
           <a:xfrm>
-            <a:off x="1626562" y="2192893"/>
-            <a:ext cx="646331" cy="369332"/>
+            <a:off x="2739107" y="2874640"/>
+            <a:ext cx="543739" cy="307777"/>
           </a:xfrm>
           <a:prstGeom prst="rect">
             <a:avLst/>
@@ -9529,58 +13477,55 @@
           <a:lstStyle/>
           <a:p>
             <a:r>
-              <a:rPr lang="zh-CN" altLang="en-US" dirty="0"/>
+              <a:rPr lang="zh-CN" altLang="en-US" sz="1400" dirty="0"/>
               <a:t>充值</a:t>
             </a:r>
-            <a:endParaRPr lang="en-US" altLang="zh-CN" dirty="0"/>
+            <a:endParaRPr lang="en-US" altLang="zh-CN" sz="1400" dirty="0"/>
+          </a:p>
+        </p:txBody>
+      </p:sp>
+      <p:sp>
+        <p:nvSpPr>
+          <p:cNvPr id="34" name="TextBox 33">
+            <a:extLst>
+              <a:ext uri="{FF2B5EF4-FFF2-40B4-BE49-F238E27FC236}">
+                <a16:creationId xmlns:a16="http://schemas.microsoft.com/office/drawing/2014/main" id="{F59A5EFA-4CEF-42A5-B93D-FEDF03270A94}"/>
+              </a:ext>
+            </a:extLst>
+          </p:cNvPr>
+          <p:cNvSpPr txBox="1"/>
+          <p:nvPr/>
+        </p:nvSpPr>
+        <p:spPr>
+          <a:xfrm>
+            <a:off x="2756761" y="3463988"/>
+            <a:ext cx="543739" cy="307777"/>
+          </a:xfrm>
+          <a:prstGeom prst="rect">
+            <a:avLst/>
+          </a:prstGeom>
+          <a:noFill/>
+        </p:spPr>
+        <p:txBody>
+          <a:bodyPr wrap="none" rtlCol="0">
+            <a:spAutoFit/>
+          </a:bodyPr>
+          <a:lstStyle/>
+          <a:p>
+            <a:r>
+              <a:rPr lang="zh-CN" altLang="en-US" sz="1400" dirty="0"/>
+              <a:t>提现</a:t>
+            </a:r>
+            <a:endParaRPr lang="en-US" altLang="zh-CN" sz="1400" dirty="0"/>
           </a:p>
         </p:txBody>
       </p:sp>
       <p:cxnSp>
         <p:nvCxnSpPr>
-          <p:cNvPr id="27" name="Straight Arrow Connector 26">
-            <a:extLst>
-              <a:ext uri="{FF2B5EF4-FFF2-40B4-BE49-F238E27FC236}">
-                <a16:creationId xmlns:a16="http://schemas.microsoft.com/office/drawing/2014/main" id="{6EEB4717-8EB1-4F37-9C50-EC54CD2C5A2B}"/>
-              </a:ext>
-            </a:extLst>
-          </p:cNvPr>
-          <p:cNvCxnSpPr/>
-          <p:nvPr/>
-        </p:nvCxnSpPr>
-        <p:spPr>
-          <a:xfrm flipH="1">
-            <a:off x="6080365" y="2587990"/>
-            <a:ext cx="1022676" cy="0"/>
-          </a:xfrm>
-          <a:prstGeom prst="straightConnector1">
-            <a:avLst/>
-          </a:prstGeom>
-          <a:ln>
-            <a:tailEnd type="triangle"/>
-          </a:ln>
-        </p:spPr>
-        <p:style>
-          <a:lnRef idx="1">
-            <a:schemeClr val="accent1"/>
-          </a:lnRef>
-          <a:fillRef idx="0">
-            <a:schemeClr val="accent1"/>
-          </a:fillRef>
-          <a:effectRef idx="0">
-            <a:schemeClr val="accent1"/>
-          </a:effectRef>
-          <a:fontRef idx="minor">
-            <a:schemeClr val="tx1"/>
-          </a:fontRef>
-        </p:style>
-      </p:cxnSp>
-      <p:cxnSp>
-        <p:nvCxnSpPr>
-          <p:cNvPr id="28" name="Straight Arrow Connector 27">
-            <a:extLst>
-              <a:ext uri="{FF2B5EF4-FFF2-40B4-BE49-F238E27FC236}">
-                <a16:creationId xmlns:a16="http://schemas.microsoft.com/office/drawing/2014/main" id="{D5BEF8A2-46CF-4F71-897F-B561ADA6E614}"/>
+          <p:cNvPr id="35" name="Straight Arrow Connector 34">
+            <a:extLst>
+              <a:ext uri="{FF2B5EF4-FFF2-40B4-BE49-F238E27FC236}">
+                <a16:creationId xmlns:a16="http://schemas.microsoft.com/office/drawing/2014/main" id="{825DBFCA-7A63-4118-9C59-9F09228D9EEC}"/>
               </a:ext>
             </a:extLst>
           </p:cNvPr>
@@ -9590,14 +13535,19 @@
           <p:nvPr/>
         </p:nvCxnSpPr>
         <p:spPr>
-          <a:xfrm flipV="1">
-            <a:off x="1506192" y="2515528"/>
-            <a:ext cx="937999" cy="5774"/>
+          <a:xfrm flipH="1">
+            <a:off x="2748565" y="3455057"/>
+            <a:ext cx="956233" cy="0"/>
           </a:xfrm>
           <a:prstGeom prst="straightConnector1">
             <a:avLst/>
           </a:prstGeom>
-          <a:ln>
+          <a:ln w="28575">
+            <a:solidFill>
+              <a:schemeClr val="accent2">
+                <a:lumMod val="50000"/>
+              </a:schemeClr>
+            </a:solidFill>
             <a:tailEnd type="triangle"/>
           </a:ln>
         </p:spPr>
@@ -9616,93 +13566,12 @@
           </a:fontRef>
         </p:style>
       </p:cxnSp>
-      <p:cxnSp>
-        <p:nvCxnSpPr>
-          <p:cNvPr id="29" name="Straight Arrow Connector 28">
-            <a:extLst>
-              <a:ext uri="{FF2B5EF4-FFF2-40B4-BE49-F238E27FC236}">
-                <a16:creationId xmlns:a16="http://schemas.microsoft.com/office/drawing/2014/main" id="{4C350400-F3FE-4C11-A70B-F2824BF39E71}"/>
-              </a:ext>
-            </a:extLst>
-          </p:cNvPr>
-          <p:cNvCxnSpPr>
-            <a:cxnSpLocks/>
-            <a:stCxn id="19" idx="2"/>
-          </p:cNvCxnSpPr>
-          <p:nvPr/>
-        </p:nvCxnSpPr>
-        <p:spPr>
-          <a:xfrm>
-            <a:off x="4235451" y="1263650"/>
-            <a:ext cx="2540" cy="342900"/>
-          </a:xfrm>
-          <a:prstGeom prst="straightConnector1">
-            <a:avLst/>
-          </a:prstGeom>
-          <a:ln>
-            <a:tailEnd type="triangle"/>
-          </a:ln>
-        </p:spPr>
-        <p:style>
-          <a:lnRef idx="1">
-            <a:schemeClr val="accent1"/>
-          </a:lnRef>
-          <a:fillRef idx="0">
-            <a:schemeClr val="accent1"/>
-          </a:fillRef>
-          <a:effectRef idx="0">
-            <a:schemeClr val="accent1"/>
-          </a:effectRef>
-          <a:fontRef idx="minor">
-            <a:schemeClr val="tx1"/>
-          </a:fontRef>
-        </p:style>
-      </p:cxnSp>
-      <p:cxnSp>
-        <p:nvCxnSpPr>
-          <p:cNvPr id="9" name="Straight Arrow Connector 8">
-            <a:extLst>
-              <a:ext uri="{FF2B5EF4-FFF2-40B4-BE49-F238E27FC236}">
-                <a16:creationId xmlns:a16="http://schemas.microsoft.com/office/drawing/2014/main" id="{A1A15BE8-9BBF-4B37-95D0-59E3E2D55F5A}"/>
-              </a:ext>
-            </a:extLst>
-          </p:cNvPr>
-          <p:cNvCxnSpPr/>
-          <p:nvPr/>
-        </p:nvCxnSpPr>
-        <p:spPr>
-          <a:xfrm flipH="1">
-            <a:off x="1493939" y="2686050"/>
-            <a:ext cx="924501" cy="0"/>
-          </a:xfrm>
-          <a:prstGeom prst="straightConnector1">
-            <a:avLst/>
-          </a:prstGeom>
-          <a:ln>
-            <a:tailEnd type="triangle"/>
-          </a:ln>
-        </p:spPr>
-        <p:style>
-          <a:lnRef idx="1">
-            <a:schemeClr val="accent1"/>
-          </a:lnRef>
-          <a:fillRef idx="0">
-            <a:schemeClr val="accent1"/>
-          </a:fillRef>
-          <a:effectRef idx="0">
-            <a:schemeClr val="accent1"/>
-          </a:effectRef>
-          <a:fontRef idx="minor">
-            <a:schemeClr val="tx1"/>
-          </a:fontRef>
-        </p:style>
-      </p:cxnSp>
-      <p:sp>
-        <p:nvSpPr>
-          <p:cNvPr id="31" name="TextBox 30">
-            <a:extLst>
-              <a:ext uri="{FF2B5EF4-FFF2-40B4-BE49-F238E27FC236}">
-                <a16:creationId xmlns:a16="http://schemas.microsoft.com/office/drawing/2014/main" id="{D33494CE-78B9-491E-92C0-4EF51740D19B}"/>
+      <p:sp>
+        <p:nvSpPr>
+          <p:cNvPr id="36" name="TextBox 35">
+            <a:extLst>
+              <a:ext uri="{FF2B5EF4-FFF2-40B4-BE49-F238E27FC236}">
+                <a16:creationId xmlns:a16="http://schemas.microsoft.com/office/drawing/2014/main" id="{890BF212-36DF-46C1-8FC3-175C3F13439D}"/>
               </a:ext>
             </a:extLst>
           </p:cNvPr>
@@ -9711,8 +13580,8 @@
         </p:nvSpPr>
         <p:spPr>
           <a:xfrm>
-            <a:off x="1665382" y="2659271"/>
-            <a:ext cx="646331" cy="369332"/>
+            <a:off x="8521040" y="3433225"/>
+            <a:ext cx="543739" cy="307777"/>
           </a:xfrm>
           <a:prstGeom prst="rect">
             <a:avLst/>
@@ -9726,17 +13595,240 @@
           <a:lstStyle/>
           <a:p>
             <a:r>
+              <a:rPr lang="zh-CN" altLang="en-US" sz="1400" dirty="0"/>
+              <a:t>提现</a:t>
+            </a:r>
+            <a:endParaRPr lang="en-US" altLang="zh-CN" sz="1400" dirty="0"/>
+          </a:p>
+        </p:txBody>
+      </p:sp>
+      <p:cxnSp>
+        <p:nvCxnSpPr>
+          <p:cNvPr id="38" name="Straight Arrow Connector 37">
+            <a:extLst>
+              <a:ext uri="{FF2B5EF4-FFF2-40B4-BE49-F238E27FC236}">
+                <a16:creationId xmlns:a16="http://schemas.microsoft.com/office/drawing/2014/main" id="{05D5A94E-222E-4B0A-A3C7-06819434B31A}"/>
+              </a:ext>
+            </a:extLst>
+          </p:cNvPr>
+          <p:cNvCxnSpPr>
+            <a:cxnSpLocks/>
+          </p:cNvCxnSpPr>
+          <p:nvPr/>
+        </p:nvCxnSpPr>
+        <p:spPr>
+          <a:xfrm>
+            <a:off x="8286891" y="3425330"/>
+            <a:ext cx="847892" cy="0"/>
+          </a:xfrm>
+          <a:prstGeom prst="straightConnector1">
+            <a:avLst/>
+          </a:prstGeom>
+          <a:ln w="28575">
+            <a:tailEnd type="triangle"/>
+          </a:ln>
+        </p:spPr>
+        <p:style>
+          <a:lnRef idx="1">
+            <a:schemeClr val="accent1"/>
+          </a:lnRef>
+          <a:fillRef idx="0">
+            <a:schemeClr val="accent1"/>
+          </a:fillRef>
+          <a:effectRef idx="0">
+            <a:schemeClr val="accent1"/>
+          </a:effectRef>
+          <a:fontRef idx="minor">
+            <a:schemeClr val="tx1"/>
+          </a:fontRef>
+        </p:style>
+      </p:cxnSp>
+      <p:sp>
+        <p:nvSpPr>
+          <p:cNvPr id="39" name="Rectangle: Rounded Corners 38">
+            <a:extLst>
+              <a:ext uri="{FF2B5EF4-FFF2-40B4-BE49-F238E27FC236}">
+                <a16:creationId xmlns:a16="http://schemas.microsoft.com/office/drawing/2014/main" id="{85AD42FE-F5FA-4ED3-8E9B-9B945323ED39}"/>
+              </a:ext>
+            </a:extLst>
+          </p:cNvPr>
+          <p:cNvSpPr/>
+          <p:nvPr/>
+        </p:nvSpPr>
+        <p:spPr>
+          <a:xfrm>
+            <a:off x="9134783" y="2650972"/>
+            <a:ext cx="1279010" cy="1252149"/>
+          </a:xfrm>
+          <a:prstGeom prst="roundRect">
+            <a:avLst/>
+          </a:prstGeom>
+          <a:solidFill>
+            <a:schemeClr val="tx2">
+              <a:lumMod val="50000"/>
+            </a:schemeClr>
+          </a:solidFill>
+          <a:ln>
+            <a:noFill/>
+          </a:ln>
+        </p:spPr>
+        <p:style>
+          <a:lnRef idx="2">
+            <a:schemeClr val="accent1">
+              <a:shade val="50000"/>
+            </a:schemeClr>
+          </a:lnRef>
+          <a:fillRef idx="1">
+            <a:schemeClr val="accent1"/>
+          </a:fillRef>
+          <a:effectRef idx="0">
+            <a:schemeClr val="accent1"/>
+          </a:effectRef>
+          <a:fontRef idx="minor">
+            <a:schemeClr val="lt1"/>
+          </a:fontRef>
+        </p:style>
+        <p:txBody>
+          <a:bodyPr rot="0" spcFirstLastPara="0" vertOverflow="overflow" horzOverflow="overflow" vert="horz" wrap="square" lIns="91440" tIns="45720" rIns="91440" bIns="45720" numCol="1" spcCol="0" rtlCol="0" fromWordArt="0" anchor="ctr" anchorCtr="0" forceAA="0" compatLnSpc="1">
+            <a:prstTxWarp prst="textNoShape">
+              <a:avLst/>
+            </a:prstTxWarp>
+            <a:noAutofit/>
+          </a:bodyPr>
+          <a:lstStyle/>
+          <a:p>
+            <a:pPr algn="ctr"/>
+            <a:r>
               <a:rPr lang="zh-CN" altLang="en-US" dirty="0"/>
-              <a:t>提现</a:t>
+              <a:t>借款人</a:t>
             </a:r>
             <a:endParaRPr lang="en-US" altLang="zh-CN" dirty="0"/>
+          </a:p>
+          <a:p>
+            <a:pPr algn="ctr"/>
+            <a:r>
+              <a:rPr lang="zh-CN" altLang="en-US" dirty="0"/>
+              <a:t>外部账户</a:t>
+            </a:r>
+          </a:p>
+        </p:txBody>
+      </p:sp>
+      <p:cxnSp>
+        <p:nvCxnSpPr>
+          <p:cNvPr id="42" name="Straight Arrow Connector 41">
+            <a:extLst>
+              <a:ext uri="{FF2B5EF4-FFF2-40B4-BE49-F238E27FC236}">
+                <a16:creationId xmlns:a16="http://schemas.microsoft.com/office/drawing/2014/main" id="{CD2EDBC0-0924-42AB-914A-D5012890672E}"/>
+              </a:ext>
+            </a:extLst>
+          </p:cNvPr>
+          <p:cNvCxnSpPr>
+            <a:cxnSpLocks/>
+          </p:cNvCxnSpPr>
+          <p:nvPr/>
+        </p:nvCxnSpPr>
+        <p:spPr>
+          <a:xfrm flipH="1">
+            <a:off x="8286891" y="3147986"/>
+            <a:ext cx="806363" cy="0"/>
+          </a:xfrm>
+          <a:prstGeom prst="straightConnector1">
+            <a:avLst/>
+          </a:prstGeom>
+          <a:ln w="28575">
+            <a:tailEnd type="triangle"/>
+          </a:ln>
+        </p:spPr>
+        <p:style>
+          <a:lnRef idx="1">
+            <a:schemeClr val="accent1"/>
+          </a:lnRef>
+          <a:fillRef idx="0">
+            <a:schemeClr val="accent1"/>
+          </a:fillRef>
+          <a:effectRef idx="0">
+            <a:schemeClr val="accent1"/>
+          </a:effectRef>
+          <a:fontRef idx="minor">
+            <a:schemeClr val="tx1"/>
+          </a:fontRef>
+        </p:style>
+      </p:cxnSp>
+      <p:sp>
+        <p:nvSpPr>
+          <p:cNvPr id="43" name="TextBox 42">
+            <a:extLst>
+              <a:ext uri="{FF2B5EF4-FFF2-40B4-BE49-F238E27FC236}">
+                <a16:creationId xmlns:a16="http://schemas.microsoft.com/office/drawing/2014/main" id="{83E76194-E7F3-4760-8672-51B9B5A76C47}"/>
+              </a:ext>
+            </a:extLst>
+          </p:cNvPr>
+          <p:cNvSpPr txBox="1"/>
+          <p:nvPr/>
+        </p:nvSpPr>
+        <p:spPr>
+          <a:xfrm>
+            <a:off x="8521040" y="2862748"/>
+            <a:ext cx="543739" cy="307777"/>
+          </a:xfrm>
+          <a:prstGeom prst="rect">
+            <a:avLst/>
+          </a:prstGeom>
+          <a:noFill/>
+        </p:spPr>
+        <p:txBody>
+          <a:bodyPr wrap="none" rtlCol="0">
+            <a:spAutoFit/>
+          </a:bodyPr>
+          <a:lstStyle/>
+          <a:p>
+            <a:r>
+              <a:rPr lang="zh-CN" altLang="en-US" sz="1400" dirty="0"/>
+              <a:t>充值</a:t>
+            </a:r>
+            <a:endParaRPr lang="en-US" altLang="zh-CN" sz="1400" dirty="0"/>
+          </a:p>
+        </p:txBody>
+      </p:sp>
+      <p:sp>
+        <p:nvSpPr>
+          <p:cNvPr id="44" name="TextBox 43">
+            <a:extLst>
+              <a:ext uri="{FF2B5EF4-FFF2-40B4-BE49-F238E27FC236}">
+                <a16:creationId xmlns:a16="http://schemas.microsoft.com/office/drawing/2014/main" id="{54E13E71-BD67-4A91-9F9F-4CF783DB0A4A}"/>
+              </a:ext>
+            </a:extLst>
+          </p:cNvPr>
+          <p:cNvSpPr txBox="1"/>
+          <p:nvPr/>
+        </p:nvSpPr>
+        <p:spPr>
+          <a:xfrm>
+            <a:off x="5982639" y="984356"/>
+            <a:ext cx="902811" cy="307777"/>
+          </a:xfrm>
+          <a:prstGeom prst="rect">
+            <a:avLst/>
+          </a:prstGeom>
+          <a:noFill/>
+        </p:spPr>
+        <p:txBody>
+          <a:bodyPr wrap="none" rtlCol="0">
+            <a:spAutoFit/>
+          </a:bodyPr>
+          <a:lstStyle/>
+          <a:p>
+            <a:r>
+              <a:rPr lang="zh-CN" altLang="en-US" sz="1400" dirty="0"/>
+              <a:t>同步流水</a:t>
+            </a:r>
           </a:p>
         </p:txBody>
       </p:sp>
     </p:spTree>
     <p:extLst>
       <p:ext uri="{BB962C8B-B14F-4D97-AF65-F5344CB8AC3E}">
-        <p14:creationId xmlns:p14="http://schemas.microsoft.com/office/powerpoint/2010/main" val="2248929634"/>
+        <p14:creationId xmlns:p14="http://schemas.microsoft.com/office/powerpoint/2010/main" val="2839866765"/>
       </p:ext>
     </p:extLst>
   </p:cSld>

--- a/design/P2P.pptx
+++ b/design/P2P.pptx
@@ -17,6 +17,8 @@
     <p:sldId id="262" r:id="rId11"/>
     <p:sldId id="263" r:id="rId12"/>
     <p:sldId id="264" r:id="rId13"/>
+    <p:sldId id="268" r:id="rId14"/>
+    <p:sldId id="269" r:id="rId15"/>
   </p:sldIdLst>
   <p:sldSz cx="12192000" cy="6858000"/>
   <p:notesSz cx="6858000" cy="9144000"/>
@@ -276,7 +278,7 @@
           <a:p>
             <a:fld id="{09C70CA6-45EA-44C9-9E1B-CEA7ADA56BDC}" type="datetimeFigureOut">
               <a:rPr lang="zh-CN" altLang="en-US" smtClean="0"/>
-              <a:t>2018/5/31</a:t>
+              <a:t>2018/6/15</a:t>
             </a:fld>
             <a:endParaRPr lang="zh-CN" altLang="en-US"/>
           </a:p>
@@ -476,7 +478,7 @@
           <a:p>
             <a:fld id="{09C70CA6-45EA-44C9-9E1B-CEA7ADA56BDC}" type="datetimeFigureOut">
               <a:rPr lang="zh-CN" altLang="en-US" smtClean="0"/>
-              <a:t>2018/5/31</a:t>
+              <a:t>2018/6/15</a:t>
             </a:fld>
             <a:endParaRPr lang="zh-CN" altLang="en-US"/>
           </a:p>
@@ -686,7 +688,7 @@
           <a:p>
             <a:fld id="{09C70CA6-45EA-44C9-9E1B-CEA7ADA56BDC}" type="datetimeFigureOut">
               <a:rPr lang="zh-CN" altLang="en-US" smtClean="0"/>
-              <a:t>2018/5/31</a:t>
+              <a:t>2018/6/15</a:t>
             </a:fld>
             <a:endParaRPr lang="zh-CN" altLang="en-US"/>
           </a:p>
@@ -886,7 +888,7 @@
           <a:p>
             <a:fld id="{09C70CA6-45EA-44C9-9E1B-CEA7ADA56BDC}" type="datetimeFigureOut">
               <a:rPr lang="zh-CN" altLang="en-US" smtClean="0"/>
-              <a:t>2018/5/31</a:t>
+              <a:t>2018/6/15</a:t>
             </a:fld>
             <a:endParaRPr lang="zh-CN" altLang="en-US"/>
           </a:p>
@@ -1162,7 +1164,7 @@
           <a:p>
             <a:fld id="{09C70CA6-45EA-44C9-9E1B-CEA7ADA56BDC}" type="datetimeFigureOut">
               <a:rPr lang="zh-CN" altLang="en-US" smtClean="0"/>
-              <a:t>2018/5/31</a:t>
+              <a:t>2018/6/15</a:t>
             </a:fld>
             <a:endParaRPr lang="zh-CN" altLang="en-US"/>
           </a:p>
@@ -1430,7 +1432,7 @@
           <a:p>
             <a:fld id="{09C70CA6-45EA-44C9-9E1B-CEA7ADA56BDC}" type="datetimeFigureOut">
               <a:rPr lang="zh-CN" altLang="en-US" smtClean="0"/>
-              <a:t>2018/5/31</a:t>
+              <a:t>2018/6/15</a:t>
             </a:fld>
             <a:endParaRPr lang="zh-CN" altLang="en-US"/>
           </a:p>
@@ -1845,7 +1847,7 @@
           <a:p>
             <a:fld id="{09C70CA6-45EA-44C9-9E1B-CEA7ADA56BDC}" type="datetimeFigureOut">
               <a:rPr lang="zh-CN" altLang="en-US" smtClean="0"/>
-              <a:t>2018/5/31</a:t>
+              <a:t>2018/6/15</a:t>
             </a:fld>
             <a:endParaRPr lang="zh-CN" altLang="en-US"/>
           </a:p>
@@ -1987,7 +1989,7 @@
           <a:p>
             <a:fld id="{09C70CA6-45EA-44C9-9E1B-CEA7ADA56BDC}" type="datetimeFigureOut">
               <a:rPr lang="zh-CN" altLang="en-US" smtClean="0"/>
-              <a:t>2018/5/31</a:t>
+              <a:t>2018/6/15</a:t>
             </a:fld>
             <a:endParaRPr lang="zh-CN" altLang="en-US"/>
           </a:p>
@@ -2100,7 +2102,7 @@
           <a:p>
             <a:fld id="{09C70CA6-45EA-44C9-9E1B-CEA7ADA56BDC}" type="datetimeFigureOut">
               <a:rPr lang="zh-CN" altLang="en-US" smtClean="0"/>
-              <a:t>2018/5/31</a:t>
+              <a:t>2018/6/15</a:t>
             </a:fld>
             <a:endParaRPr lang="zh-CN" altLang="en-US"/>
           </a:p>
@@ -2413,7 +2415,7 @@
           <a:p>
             <a:fld id="{09C70CA6-45EA-44C9-9E1B-CEA7ADA56BDC}" type="datetimeFigureOut">
               <a:rPr lang="zh-CN" altLang="en-US" smtClean="0"/>
-              <a:t>2018/5/31</a:t>
+              <a:t>2018/6/15</a:t>
             </a:fld>
             <a:endParaRPr lang="zh-CN" altLang="en-US"/>
           </a:p>
@@ -2702,7 +2704,7 @@
           <a:p>
             <a:fld id="{09C70CA6-45EA-44C9-9E1B-CEA7ADA56BDC}" type="datetimeFigureOut">
               <a:rPr lang="zh-CN" altLang="en-US" smtClean="0"/>
-              <a:t>2018/5/31</a:t>
+              <a:t>2018/6/15</a:t>
             </a:fld>
             <a:endParaRPr lang="zh-CN" altLang="en-US"/>
           </a:p>
@@ -2945,7 +2947,7 @@
           <a:p>
             <a:fld id="{09C70CA6-45EA-44C9-9E1B-CEA7ADA56BDC}" type="datetimeFigureOut">
               <a:rPr lang="zh-CN" altLang="en-US" smtClean="0"/>
-              <a:t>2018/5/31</a:t>
+              <a:t>2018/6/15</a:t>
             </a:fld>
             <a:endParaRPr lang="zh-CN" altLang="en-US"/>
           </a:p>
@@ -5720,6 +5722,4745 @@
 </p:sld>
 </file>
 
+<file path=ppt/slides/slide13.xml><?xml version="1.0" encoding="utf-8"?>
+<p:sld xmlns:a="http://schemas.openxmlformats.org/drawingml/2006/main" xmlns:r="http://schemas.openxmlformats.org/officeDocument/2006/relationships" xmlns:p="http://schemas.openxmlformats.org/presentationml/2006/main">
+  <p:cSld>
+    <p:spTree>
+      <p:nvGrpSpPr>
+        <p:cNvPr id="1" name=""/>
+        <p:cNvGrpSpPr/>
+        <p:nvPr/>
+      </p:nvGrpSpPr>
+      <p:grpSpPr>
+        <a:xfrm>
+          <a:off x="0" y="0"/>
+          <a:ext cx="0" cy="0"/>
+          <a:chOff x="0" y="0"/>
+          <a:chExt cx="0" cy="0"/>
+        </a:xfrm>
+      </p:grpSpPr>
+      <p:sp>
+        <p:nvSpPr>
+          <p:cNvPr id="2" name="Rectangle 1">
+            <a:extLst>
+              <a:ext uri="{FF2B5EF4-FFF2-40B4-BE49-F238E27FC236}">
+                <a16:creationId xmlns:a16="http://schemas.microsoft.com/office/drawing/2014/main" id="{0CF92DF0-FC8E-4450-901D-DC5104557805}"/>
+              </a:ext>
+            </a:extLst>
+          </p:cNvPr>
+          <p:cNvSpPr/>
+          <p:nvPr/>
+        </p:nvSpPr>
+        <p:spPr>
+          <a:xfrm>
+            <a:off x="2860581" y="334439"/>
+            <a:ext cx="5830337" cy="603233"/>
+          </a:xfrm>
+          <a:prstGeom prst="rect">
+            <a:avLst/>
+          </a:prstGeom>
+          <a:solidFill>
+            <a:schemeClr val="accent6">
+              <a:lumMod val="20000"/>
+              <a:lumOff val="80000"/>
+            </a:schemeClr>
+          </a:solidFill>
+          <a:ln w="6350">
+            <a:solidFill>
+              <a:schemeClr val="accent1">
+                <a:lumMod val="50000"/>
+              </a:schemeClr>
+            </a:solidFill>
+            <a:prstDash val="dash"/>
+          </a:ln>
+        </p:spPr>
+        <p:style>
+          <a:lnRef idx="2">
+            <a:schemeClr val="accent1">
+              <a:shade val="50000"/>
+            </a:schemeClr>
+          </a:lnRef>
+          <a:fillRef idx="1">
+            <a:schemeClr val="accent1"/>
+          </a:fillRef>
+          <a:effectRef idx="0">
+            <a:schemeClr val="accent1"/>
+          </a:effectRef>
+          <a:fontRef idx="minor">
+            <a:schemeClr val="lt1"/>
+          </a:fontRef>
+        </p:style>
+        <p:txBody>
+          <a:bodyPr vert="horz" rtlCol="0" anchor="ctr"/>
+          <a:lstStyle/>
+          <a:p>
+            <a:r>
+              <a:rPr lang="zh-CN" altLang="en-US" sz="1200" dirty="0">
+                <a:solidFill>
+                  <a:schemeClr val="accent1">
+                    <a:lumMod val="50000"/>
+                  </a:schemeClr>
+                </a:solidFill>
+              </a:rPr>
+              <a:t>应用</a:t>
+            </a:r>
+            <a:endParaRPr lang="en-US" altLang="zh-CN" sz="1200" dirty="0">
+              <a:solidFill>
+                <a:schemeClr val="accent1">
+                  <a:lumMod val="50000"/>
+                </a:schemeClr>
+              </a:solidFill>
+            </a:endParaRPr>
+          </a:p>
+          <a:p>
+            <a:r>
+              <a:rPr lang="zh-CN" altLang="en-US" sz="1200" dirty="0">
+                <a:solidFill>
+                  <a:schemeClr val="accent1">
+                    <a:lumMod val="50000"/>
+                  </a:schemeClr>
+                </a:solidFill>
+              </a:rPr>
+              <a:t>系统</a:t>
+            </a:r>
+          </a:p>
+        </p:txBody>
+      </p:sp>
+      <p:sp>
+        <p:nvSpPr>
+          <p:cNvPr id="3" name="Rectangle 2">
+            <a:extLst>
+              <a:ext uri="{FF2B5EF4-FFF2-40B4-BE49-F238E27FC236}">
+                <a16:creationId xmlns:a16="http://schemas.microsoft.com/office/drawing/2014/main" id="{D76DCD34-B8EE-4A89-BA61-38248D2F7D6D}"/>
+              </a:ext>
+            </a:extLst>
+          </p:cNvPr>
+          <p:cNvSpPr/>
+          <p:nvPr/>
+        </p:nvSpPr>
+        <p:spPr>
+          <a:xfrm>
+            <a:off x="3536084" y="465265"/>
+            <a:ext cx="1112116" cy="360000"/>
+          </a:xfrm>
+          <a:prstGeom prst="rect">
+            <a:avLst/>
+          </a:prstGeom>
+          <a:solidFill>
+            <a:schemeClr val="accent6">
+              <a:lumMod val="50000"/>
+            </a:schemeClr>
+          </a:solidFill>
+          <a:ln>
+            <a:noFill/>
+          </a:ln>
+        </p:spPr>
+        <p:style>
+          <a:lnRef idx="2">
+            <a:schemeClr val="accent1">
+              <a:shade val="50000"/>
+            </a:schemeClr>
+          </a:lnRef>
+          <a:fillRef idx="1">
+            <a:schemeClr val="accent1"/>
+          </a:fillRef>
+          <a:effectRef idx="0">
+            <a:schemeClr val="accent1"/>
+          </a:effectRef>
+          <a:fontRef idx="minor">
+            <a:schemeClr val="lt1"/>
+          </a:fontRef>
+        </p:style>
+        <p:txBody>
+          <a:bodyPr rtlCol="0" anchor="ctr"/>
+          <a:lstStyle/>
+          <a:p>
+            <a:pPr algn="ctr"/>
+            <a:r>
+              <a:rPr lang="en-US" altLang="zh-CN" sz="1200" dirty="0"/>
+              <a:t>App </a:t>
+            </a:r>
+            <a:r>
+              <a:rPr lang="zh-CN" altLang="en-US" sz="1200" dirty="0"/>
+              <a:t>客户端</a:t>
+            </a:r>
+          </a:p>
+        </p:txBody>
+      </p:sp>
+      <p:sp>
+        <p:nvSpPr>
+          <p:cNvPr id="4" name="Rectangle 3">
+            <a:extLst>
+              <a:ext uri="{FF2B5EF4-FFF2-40B4-BE49-F238E27FC236}">
+                <a16:creationId xmlns:a16="http://schemas.microsoft.com/office/drawing/2014/main" id="{B1806A1C-FD9B-467E-819D-8C0109D1079F}"/>
+              </a:ext>
+            </a:extLst>
+          </p:cNvPr>
+          <p:cNvSpPr/>
+          <p:nvPr/>
+        </p:nvSpPr>
+        <p:spPr>
+          <a:xfrm>
+            <a:off x="4862042" y="465265"/>
+            <a:ext cx="1100093" cy="360000"/>
+          </a:xfrm>
+          <a:prstGeom prst="rect">
+            <a:avLst/>
+          </a:prstGeom>
+          <a:solidFill>
+            <a:schemeClr val="accent6">
+              <a:lumMod val="50000"/>
+            </a:schemeClr>
+          </a:solidFill>
+          <a:ln>
+            <a:noFill/>
+          </a:ln>
+        </p:spPr>
+        <p:style>
+          <a:lnRef idx="2">
+            <a:schemeClr val="accent1">
+              <a:shade val="50000"/>
+            </a:schemeClr>
+          </a:lnRef>
+          <a:fillRef idx="1">
+            <a:schemeClr val="accent1"/>
+          </a:fillRef>
+          <a:effectRef idx="0">
+            <a:schemeClr val="accent1"/>
+          </a:effectRef>
+          <a:fontRef idx="minor">
+            <a:schemeClr val="lt1"/>
+          </a:fontRef>
+        </p:style>
+        <p:txBody>
+          <a:bodyPr rtlCol="0" anchor="ctr"/>
+          <a:lstStyle/>
+          <a:p>
+            <a:pPr algn="ctr"/>
+            <a:r>
+              <a:rPr lang="en-US" altLang="zh-CN" sz="1200" dirty="0"/>
+              <a:t>Web </a:t>
+            </a:r>
+            <a:r>
+              <a:rPr lang="zh-CN" altLang="en-US" sz="1200" dirty="0"/>
+              <a:t>网站</a:t>
+            </a:r>
+          </a:p>
+        </p:txBody>
+      </p:sp>
+      <p:sp>
+        <p:nvSpPr>
+          <p:cNvPr id="5" name="Rectangle 4">
+            <a:extLst>
+              <a:ext uri="{FF2B5EF4-FFF2-40B4-BE49-F238E27FC236}">
+                <a16:creationId xmlns:a16="http://schemas.microsoft.com/office/drawing/2014/main" id="{72187B78-28D0-4BA1-B9B1-ADC9F2BD8C80}"/>
+              </a:ext>
+            </a:extLst>
+          </p:cNvPr>
+          <p:cNvSpPr/>
+          <p:nvPr/>
+        </p:nvSpPr>
+        <p:spPr>
+          <a:xfrm>
+            <a:off x="7454900" y="465265"/>
+            <a:ext cx="1060966" cy="360000"/>
+          </a:xfrm>
+          <a:prstGeom prst="rect">
+            <a:avLst/>
+          </a:prstGeom>
+          <a:solidFill>
+            <a:schemeClr val="accent6">
+              <a:lumMod val="50000"/>
+            </a:schemeClr>
+          </a:solidFill>
+          <a:ln>
+            <a:noFill/>
+          </a:ln>
+        </p:spPr>
+        <p:style>
+          <a:lnRef idx="2">
+            <a:schemeClr val="accent1">
+              <a:shade val="50000"/>
+            </a:schemeClr>
+          </a:lnRef>
+          <a:fillRef idx="1">
+            <a:schemeClr val="accent1"/>
+          </a:fillRef>
+          <a:effectRef idx="0">
+            <a:schemeClr val="accent1"/>
+          </a:effectRef>
+          <a:fontRef idx="minor">
+            <a:schemeClr val="lt1"/>
+          </a:fontRef>
+        </p:style>
+        <p:txBody>
+          <a:bodyPr rtlCol="0" anchor="ctr"/>
+          <a:lstStyle/>
+          <a:p>
+            <a:pPr algn="ctr"/>
+            <a:r>
+              <a:rPr lang="zh-CN" altLang="en-US" sz="1200" dirty="0"/>
+              <a:t>管理系统</a:t>
+            </a:r>
+          </a:p>
+        </p:txBody>
+      </p:sp>
+      <p:sp>
+        <p:nvSpPr>
+          <p:cNvPr id="7" name="Rectangle 6">
+            <a:extLst>
+              <a:ext uri="{FF2B5EF4-FFF2-40B4-BE49-F238E27FC236}">
+                <a16:creationId xmlns:a16="http://schemas.microsoft.com/office/drawing/2014/main" id="{A8851A18-0396-4BBC-82AE-500BFFB973B7}"/>
+              </a:ext>
+            </a:extLst>
+          </p:cNvPr>
+          <p:cNvSpPr/>
+          <p:nvPr/>
+        </p:nvSpPr>
+        <p:spPr>
+          <a:xfrm>
+            <a:off x="4305294" y="1720864"/>
+            <a:ext cx="4386656" cy="1167662"/>
+          </a:xfrm>
+          <a:prstGeom prst="rect">
+            <a:avLst/>
+          </a:prstGeom>
+          <a:solidFill>
+            <a:schemeClr val="accent1">
+              <a:lumMod val="20000"/>
+              <a:lumOff val="80000"/>
+            </a:schemeClr>
+          </a:solidFill>
+          <a:ln w="3175">
+            <a:solidFill>
+              <a:schemeClr val="accent1">
+                <a:lumMod val="50000"/>
+              </a:schemeClr>
+            </a:solidFill>
+            <a:prstDash val="dash"/>
+          </a:ln>
+        </p:spPr>
+        <p:style>
+          <a:lnRef idx="2">
+            <a:schemeClr val="accent1">
+              <a:shade val="50000"/>
+            </a:schemeClr>
+          </a:lnRef>
+          <a:fillRef idx="1">
+            <a:schemeClr val="accent1"/>
+          </a:fillRef>
+          <a:effectRef idx="0">
+            <a:schemeClr val="accent1"/>
+          </a:effectRef>
+          <a:fontRef idx="minor">
+            <a:schemeClr val="lt1"/>
+          </a:fontRef>
+        </p:style>
+        <p:txBody>
+          <a:bodyPr vert="eaVert" rtlCol="0" anchor="b"/>
+          <a:lstStyle/>
+          <a:p>
+            <a:pPr algn="ctr"/>
+            <a:r>
+              <a:rPr lang="zh-CN" altLang="en-US" sz="1400" dirty="0">
+                <a:solidFill>
+                  <a:schemeClr val="accent1">
+                    <a:lumMod val="50000"/>
+                  </a:schemeClr>
+                </a:solidFill>
+              </a:rPr>
+              <a:t>产品管理</a:t>
+            </a:r>
+          </a:p>
+        </p:txBody>
+      </p:sp>
+      <p:sp>
+        <p:nvSpPr>
+          <p:cNvPr id="8" name="Rectangle 7">
+            <a:extLst>
+              <a:ext uri="{FF2B5EF4-FFF2-40B4-BE49-F238E27FC236}">
+                <a16:creationId xmlns:a16="http://schemas.microsoft.com/office/drawing/2014/main" id="{360E3650-8270-4834-8012-BB9CFA6D0986}"/>
+              </a:ext>
+            </a:extLst>
+          </p:cNvPr>
+          <p:cNvSpPr/>
+          <p:nvPr/>
+        </p:nvSpPr>
+        <p:spPr>
+          <a:xfrm>
+            <a:off x="4704838" y="1809384"/>
+            <a:ext cx="687866" cy="360000"/>
+          </a:xfrm>
+          <a:prstGeom prst="rect">
+            <a:avLst/>
+          </a:prstGeom>
+          <a:solidFill>
+            <a:schemeClr val="accent1">
+              <a:lumMod val="50000"/>
+            </a:schemeClr>
+          </a:solidFill>
+          <a:ln>
+            <a:noFill/>
+          </a:ln>
+        </p:spPr>
+        <p:style>
+          <a:lnRef idx="2">
+            <a:schemeClr val="accent1">
+              <a:shade val="50000"/>
+            </a:schemeClr>
+          </a:lnRef>
+          <a:fillRef idx="1">
+            <a:schemeClr val="accent1"/>
+          </a:fillRef>
+          <a:effectRef idx="0">
+            <a:schemeClr val="accent1"/>
+          </a:effectRef>
+          <a:fontRef idx="minor">
+            <a:schemeClr val="lt1"/>
+          </a:fontRef>
+        </p:style>
+        <p:txBody>
+          <a:bodyPr rtlCol="0" anchor="ctr"/>
+          <a:lstStyle/>
+          <a:p>
+            <a:pPr algn="ctr"/>
+            <a:r>
+              <a:rPr lang="zh-CN" altLang="en-US" sz="1200" dirty="0"/>
+              <a:t>理财</a:t>
+            </a:r>
+          </a:p>
+        </p:txBody>
+      </p:sp>
+      <p:sp>
+        <p:nvSpPr>
+          <p:cNvPr id="9" name="Rectangle 8">
+            <a:extLst>
+              <a:ext uri="{FF2B5EF4-FFF2-40B4-BE49-F238E27FC236}">
+                <a16:creationId xmlns:a16="http://schemas.microsoft.com/office/drawing/2014/main" id="{E708878A-BF6B-4B2B-8D15-A8D92F30C59C}"/>
+              </a:ext>
+            </a:extLst>
+          </p:cNvPr>
+          <p:cNvSpPr/>
+          <p:nvPr/>
+        </p:nvSpPr>
+        <p:spPr>
+          <a:xfrm>
+            <a:off x="5547844" y="1809384"/>
+            <a:ext cx="687866" cy="360000"/>
+          </a:xfrm>
+          <a:prstGeom prst="rect">
+            <a:avLst/>
+          </a:prstGeom>
+          <a:solidFill>
+            <a:schemeClr val="accent1">
+              <a:lumMod val="50000"/>
+            </a:schemeClr>
+          </a:solidFill>
+          <a:ln>
+            <a:noFill/>
+          </a:ln>
+        </p:spPr>
+        <p:style>
+          <a:lnRef idx="2">
+            <a:schemeClr val="accent1">
+              <a:shade val="50000"/>
+            </a:schemeClr>
+          </a:lnRef>
+          <a:fillRef idx="1">
+            <a:schemeClr val="accent1"/>
+          </a:fillRef>
+          <a:effectRef idx="0">
+            <a:schemeClr val="accent1"/>
+          </a:effectRef>
+          <a:fontRef idx="minor">
+            <a:schemeClr val="lt1"/>
+          </a:fontRef>
+        </p:style>
+        <p:txBody>
+          <a:bodyPr rtlCol="0" anchor="ctr"/>
+          <a:lstStyle/>
+          <a:p>
+            <a:pPr algn="ctr"/>
+            <a:r>
+              <a:rPr lang="zh-CN" altLang="en-US" sz="1200" dirty="0"/>
+              <a:t>票据</a:t>
+            </a:r>
+          </a:p>
+        </p:txBody>
+      </p:sp>
+      <p:sp>
+        <p:nvSpPr>
+          <p:cNvPr id="10" name="Rectangle 9">
+            <a:extLst>
+              <a:ext uri="{FF2B5EF4-FFF2-40B4-BE49-F238E27FC236}">
+                <a16:creationId xmlns:a16="http://schemas.microsoft.com/office/drawing/2014/main" id="{476C90A2-2AF3-4E50-BC4C-129B54CDBDAD}"/>
+              </a:ext>
+            </a:extLst>
+          </p:cNvPr>
+          <p:cNvSpPr/>
+          <p:nvPr/>
+        </p:nvSpPr>
+        <p:spPr>
+          <a:xfrm>
+            <a:off x="7542770" y="1809384"/>
+            <a:ext cx="974128" cy="360000"/>
+          </a:xfrm>
+          <a:prstGeom prst="rect">
+            <a:avLst/>
+          </a:prstGeom>
+          <a:solidFill>
+            <a:schemeClr val="accent1">
+              <a:lumMod val="50000"/>
+            </a:schemeClr>
+          </a:solidFill>
+          <a:ln>
+            <a:noFill/>
+          </a:ln>
+        </p:spPr>
+        <p:style>
+          <a:lnRef idx="2">
+            <a:schemeClr val="accent1">
+              <a:shade val="50000"/>
+            </a:schemeClr>
+          </a:lnRef>
+          <a:fillRef idx="1">
+            <a:schemeClr val="accent1"/>
+          </a:fillRef>
+          <a:effectRef idx="0">
+            <a:schemeClr val="accent1"/>
+          </a:effectRef>
+          <a:fontRef idx="minor">
+            <a:schemeClr val="lt1"/>
+          </a:fontRef>
+        </p:style>
+        <p:txBody>
+          <a:bodyPr rtlCol="0" anchor="ctr"/>
+          <a:lstStyle/>
+          <a:p>
+            <a:pPr algn="ctr"/>
+            <a:r>
+              <a:rPr lang="zh-CN" altLang="en-US" sz="1200" dirty="0"/>
+              <a:t>直销银行</a:t>
+            </a:r>
+          </a:p>
+        </p:txBody>
+      </p:sp>
+      <p:sp>
+        <p:nvSpPr>
+          <p:cNvPr id="11" name="Rectangle 10">
+            <a:extLst>
+              <a:ext uri="{FF2B5EF4-FFF2-40B4-BE49-F238E27FC236}">
+                <a16:creationId xmlns:a16="http://schemas.microsoft.com/office/drawing/2014/main" id="{F80018DB-A54B-404A-A1AB-F4703A8DABBD}"/>
+              </a:ext>
+            </a:extLst>
+          </p:cNvPr>
+          <p:cNvSpPr/>
+          <p:nvPr/>
+        </p:nvSpPr>
+        <p:spPr>
+          <a:xfrm>
+            <a:off x="4704838" y="2330440"/>
+            <a:ext cx="1202722" cy="360000"/>
+          </a:xfrm>
+          <a:prstGeom prst="rect">
+            <a:avLst/>
+          </a:prstGeom>
+          <a:solidFill>
+            <a:schemeClr val="accent1">
+              <a:lumMod val="50000"/>
+            </a:schemeClr>
+          </a:solidFill>
+          <a:ln>
+            <a:noFill/>
+          </a:ln>
+        </p:spPr>
+        <p:style>
+          <a:lnRef idx="2">
+            <a:schemeClr val="accent1">
+              <a:shade val="50000"/>
+            </a:schemeClr>
+          </a:lnRef>
+          <a:fillRef idx="1">
+            <a:schemeClr val="accent1"/>
+          </a:fillRef>
+          <a:effectRef idx="0">
+            <a:schemeClr val="accent1"/>
+          </a:effectRef>
+          <a:fontRef idx="minor">
+            <a:schemeClr val="lt1"/>
+          </a:fontRef>
+        </p:style>
+        <p:txBody>
+          <a:bodyPr rtlCol="0" anchor="ctr"/>
+          <a:lstStyle/>
+          <a:p>
+            <a:pPr algn="ctr"/>
+            <a:r>
+              <a:rPr lang="zh-CN" altLang="en-US" sz="1200" dirty="0"/>
+              <a:t>现金管理</a:t>
+            </a:r>
+          </a:p>
+        </p:txBody>
+      </p:sp>
+      <p:sp>
+        <p:nvSpPr>
+          <p:cNvPr id="12" name="Rectangle 11">
+            <a:extLst>
+              <a:ext uri="{FF2B5EF4-FFF2-40B4-BE49-F238E27FC236}">
+                <a16:creationId xmlns:a16="http://schemas.microsoft.com/office/drawing/2014/main" id="{AFCF0EC3-1822-4B42-ACF7-3EE007B6F14E}"/>
+              </a:ext>
+            </a:extLst>
+          </p:cNvPr>
+          <p:cNvSpPr/>
+          <p:nvPr/>
+        </p:nvSpPr>
+        <p:spPr>
+          <a:xfrm>
+            <a:off x="6390850" y="1809384"/>
+            <a:ext cx="996780" cy="360000"/>
+          </a:xfrm>
+          <a:prstGeom prst="rect">
+            <a:avLst/>
+          </a:prstGeom>
+          <a:solidFill>
+            <a:schemeClr val="accent2">
+              <a:lumMod val="50000"/>
+            </a:schemeClr>
+          </a:solidFill>
+          <a:ln>
+            <a:noFill/>
+          </a:ln>
+        </p:spPr>
+        <p:style>
+          <a:lnRef idx="2">
+            <a:schemeClr val="accent1">
+              <a:shade val="50000"/>
+            </a:schemeClr>
+          </a:lnRef>
+          <a:fillRef idx="1">
+            <a:schemeClr val="accent1"/>
+          </a:fillRef>
+          <a:effectRef idx="0">
+            <a:schemeClr val="accent1"/>
+          </a:effectRef>
+          <a:fontRef idx="minor">
+            <a:schemeClr val="lt1"/>
+          </a:fontRef>
+        </p:style>
+        <p:txBody>
+          <a:bodyPr rtlCol="0" anchor="ctr"/>
+          <a:lstStyle/>
+          <a:p>
+            <a:pPr algn="ctr"/>
+            <a:r>
+              <a:rPr lang="zh-CN" altLang="en-US" sz="1200" dirty="0"/>
+              <a:t>存管系统</a:t>
+            </a:r>
+          </a:p>
+        </p:txBody>
+      </p:sp>
+      <p:sp>
+        <p:nvSpPr>
+          <p:cNvPr id="13" name="Rectangle 12">
+            <a:extLst>
+              <a:ext uri="{FF2B5EF4-FFF2-40B4-BE49-F238E27FC236}">
+                <a16:creationId xmlns:a16="http://schemas.microsoft.com/office/drawing/2014/main" id="{F5C5B8D1-48F0-4F09-884B-3617559CB3F0}"/>
+              </a:ext>
+            </a:extLst>
+          </p:cNvPr>
+          <p:cNvSpPr/>
+          <p:nvPr/>
+        </p:nvSpPr>
+        <p:spPr>
+          <a:xfrm>
+            <a:off x="6002300" y="2330440"/>
+            <a:ext cx="1202722" cy="360000"/>
+          </a:xfrm>
+          <a:prstGeom prst="rect">
+            <a:avLst/>
+          </a:prstGeom>
+          <a:solidFill>
+            <a:schemeClr val="accent1">
+              <a:lumMod val="50000"/>
+            </a:schemeClr>
+          </a:solidFill>
+          <a:ln>
+            <a:noFill/>
+          </a:ln>
+        </p:spPr>
+        <p:style>
+          <a:lnRef idx="2">
+            <a:schemeClr val="accent1">
+              <a:shade val="50000"/>
+            </a:schemeClr>
+          </a:lnRef>
+          <a:fillRef idx="1">
+            <a:schemeClr val="accent1"/>
+          </a:fillRef>
+          <a:effectRef idx="0">
+            <a:schemeClr val="accent1"/>
+          </a:effectRef>
+          <a:fontRef idx="minor">
+            <a:schemeClr val="lt1"/>
+          </a:fontRef>
+        </p:style>
+        <p:txBody>
+          <a:bodyPr rtlCol="0" anchor="ctr"/>
+          <a:lstStyle/>
+          <a:p>
+            <a:pPr algn="ctr"/>
+            <a:r>
+              <a:rPr lang="zh-CN" altLang="en-US" sz="1200" dirty="0"/>
+              <a:t>聚合支付</a:t>
+            </a:r>
+          </a:p>
+        </p:txBody>
+      </p:sp>
+      <p:sp>
+        <p:nvSpPr>
+          <p:cNvPr id="14" name="Rectangle 13">
+            <a:extLst>
+              <a:ext uri="{FF2B5EF4-FFF2-40B4-BE49-F238E27FC236}">
+                <a16:creationId xmlns:a16="http://schemas.microsoft.com/office/drawing/2014/main" id="{CF363AE7-6C4E-45E7-A82B-95D897A7BDDA}"/>
+              </a:ext>
+            </a:extLst>
+          </p:cNvPr>
+          <p:cNvSpPr/>
+          <p:nvPr/>
+        </p:nvSpPr>
+        <p:spPr>
+          <a:xfrm>
+            <a:off x="7314176" y="2330440"/>
+            <a:ext cx="1202722" cy="360000"/>
+          </a:xfrm>
+          <a:prstGeom prst="rect">
+            <a:avLst/>
+          </a:prstGeom>
+          <a:solidFill>
+            <a:schemeClr val="accent1">
+              <a:lumMod val="50000"/>
+            </a:schemeClr>
+          </a:solidFill>
+          <a:ln>
+            <a:noFill/>
+          </a:ln>
+        </p:spPr>
+        <p:style>
+          <a:lnRef idx="2">
+            <a:schemeClr val="accent1">
+              <a:shade val="50000"/>
+            </a:schemeClr>
+          </a:lnRef>
+          <a:fillRef idx="1">
+            <a:schemeClr val="accent1"/>
+          </a:fillRef>
+          <a:effectRef idx="0">
+            <a:schemeClr val="accent1"/>
+          </a:effectRef>
+          <a:fontRef idx="minor">
+            <a:schemeClr val="lt1"/>
+          </a:fontRef>
+        </p:style>
+        <p:txBody>
+          <a:bodyPr rtlCol="0" anchor="ctr"/>
+          <a:lstStyle/>
+          <a:p>
+            <a:pPr algn="ctr"/>
+            <a:r>
+              <a:rPr lang="zh-CN" altLang="en-US" sz="1200" dirty="0"/>
+              <a:t>虚拟账户</a:t>
+            </a:r>
+          </a:p>
+        </p:txBody>
+      </p:sp>
+      <p:sp>
+        <p:nvSpPr>
+          <p:cNvPr id="15" name="Rectangle 14">
+            <a:extLst>
+              <a:ext uri="{FF2B5EF4-FFF2-40B4-BE49-F238E27FC236}">
+                <a16:creationId xmlns:a16="http://schemas.microsoft.com/office/drawing/2014/main" id="{ED02866E-097F-41CB-8EAF-48F0124A2FCC}"/>
+              </a:ext>
+            </a:extLst>
+          </p:cNvPr>
+          <p:cNvSpPr/>
+          <p:nvPr/>
+        </p:nvSpPr>
+        <p:spPr>
+          <a:xfrm>
+            <a:off x="2861613" y="1720863"/>
+            <a:ext cx="1348941" cy="3746487"/>
+          </a:xfrm>
+          <a:prstGeom prst="rect">
+            <a:avLst/>
+          </a:prstGeom>
+          <a:solidFill>
+            <a:schemeClr val="accent1">
+              <a:lumMod val="20000"/>
+              <a:lumOff val="80000"/>
+            </a:schemeClr>
+          </a:solidFill>
+          <a:ln w="3175">
+            <a:solidFill>
+              <a:schemeClr val="accent1">
+                <a:lumMod val="50000"/>
+              </a:schemeClr>
+            </a:solidFill>
+            <a:prstDash val="dash"/>
+          </a:ln>
+        </p:spPr>
+        <p:style>
+          <a:lnRef idx="2">
+            <a:schemeClr val="accent1">
+              <a:shade val="50000"/>
+            </a:schemeClr>
+          </a:lnRef>
+          <a:fillRef idx="1">
+            <a:schemeClr val="accent1"/>
+          </a:fillRef>
+          <a:effectRef idx="0">
+            <a:schemeClr val="accent1"/>
+          </a:effectRef>
+          <a:fontRef idx="minor">
+            <a:schemeClr val="lt1"/>
+          </a:fontRef>
+        </p:style>
+        <p:txBody>
+          <a:bodyPr rtlCol="0" anchor="t"/>
+          <a:lstStyle/>
+          <a:p>
+            <a:pPr algn="ctr"/>
+            <a:r>
+              <a:rPr lang="zh-CN" altLang="en-US" sz="1200" dirty="0">
+                <a:solidFill>
+                  <a:schemeClr val="accent1">
+                    <a:lumMod val="50000"/>
+                  </a:schemeClr>
+                </a:solidFill>
+              </a:rPr>
+              <a:t>运营管理</a:t>
+            </a:r>
+          </a:p>
+        </p:txBody>
+      </p:sp>
+      <p:sp>
+        <p:nvSpPr>
+          <p:cNvPr id="16" name="Rectangle 15">
+            <a:extLst>
+              <a:ext uri="{FF2B5EF4-FFF2-40B4-BE49-F238E27FC236}">
+                <a16:creationId xmlns:a16="http://schemas.microsoft.com/office/drawing/2014/main" id="{FA58EB59-67A9-4DA3-82D0-C5D0B45B9EF8}"/>
+              </a:ext>
+            </a:extLst>
+          </p:cNvPr>
+          <p:cNvSpPr/>
+          <p:nvPr/>
+        </p:nvSpPr>
+        <p:spPr>
+          <a:xfrm>
+            <a:off x="4284690" y="3042913"/>
+            <a:ext cx="1540494" cy="2424437"/>
+          </a:xfrm>
+          <a:prstGeom prst="rect">
+            <a:avLst/>
+          </a:prstGeom>
+          <a:solidFill>
+            <a:schemeClr val="accent1">
+              <a:lumMod val="20000"/>
+              <a:lumOff val="80000"/>
+            </a:schemeClr>
+          </a:solidFill>
+          <a:ln w="3175">
+            <a:solidFill>
+              <a:schemeClr val="accent1">
+                <a:lumMod val="50000"/>
+              </a:schemeClr>
+            </a:solidFill>
+            <a:prstDash val="dash"/>
+          </a:ln>
+        </p:spPr>
+        <p:style>
+          <a:lnRef idx="2">
+            <a:schemeClr val="accent1">
+              <a:shade val="50000"/>
+            </a:schemeClr>
+          </a:lnRef>
+          <a:fillRef idx="1">
+            <a:schemeClr val="accent1"/>
+          </a:fillRef>
+          <a:effectRef idx="0">
+            <a:schemeClr val="accent1"/>
+          </a:effectRef>
+          <a:fontRef idx="minor">
+            <a:schemeClr val="lt1"/>
+          </a:fontRef>
+        </p:style>
+        <p:txBody>
+          <a:bodyPr rtlCol="0" anchor="t"/>
+          <a:lstStyle/>
+          <a:p>
+            <a:pPr algn="ctr"/>
+            <a:r>
+              <a:rPr lang="zh-CN" altLang="en-US" sz="1200" dirty="0">
+                <a:solidFill>
+                  <a:schemeClr val="accent1">
+                    <a:lumMod val="50000"/>
+                  </a:schemeClr>
+                </a:solidFill>
+              </a:rPr>
+              <a:t>支付管理</a:t>
+            </a:r>
+          </a:p>
+        </p:txBody>
+      </p:sp>
+      <p:sp>
+        <p:nvSpPr>
+          <p:cNvPr id="17" name="Rectangle 16">
+            <a:extLst>
+              <a:ext uri="{FF2B5EF4-FFF2-40B4-BE49-F238E27FC236}">
+                <a16:creationId xmlns:a16="http://schemas.microsoft.com/office/drawing/2014/main" id="{E9872F9A-5B65-4418-8024-2200C020497A}"/>
+              </a:ext>
+            </a:extLst>
+          </p:cNvPr>
+          <p:cNvSpPr/>
+          <p:nvPr/>
+        </p:nvSpPr>
+        <p:spPr>
+          <a:xfrm>
+            <a:off x="6002301" y="3042913"/>
+            <a:ext cx="2689650" cy="2424437"/>
+          </a:xfrm>
+          <a:prstGeom prst="rect">
+            <a:avLst/>
+          </a:prstGeom>
+          <a:solidFill>
+            <a:schemeClr val="accent1">
+              <a:lumMod val="20000"/>
+              <a:lumOff val="80000"/>
+            </a:schemeClr>
+          </a:solidFill>
+          <a:ln w="3175">
+            <a:solidFill>
+              <a:schemeClr val="accent1">
+                <a:lumMod val="50000"/>
+              </a:schemeClr>
+            </a:solidFill>
+            <a:prstDash val="dash"/>
+          </a:ln>
+        </p:spPr>
+        <p:style>
+          <a:lnRef idx="2">
+            <a:schemeClr val="accent1">
+              <a:shade val="50000"/>
+            </a:schemeClr>
+          </a:lnRef>
+          <a:fillRef idx="1">
+            <a:schemeClr val="accent1"/>
+          </a:fillRef>
+          <a:effectRef idx="0">
+            <a:schemeClr val="accent1"/>
+          </a:effectRef>
+          <a:fontRef idx="minor">
+            <a:schemeClr val="lt1"/>
+          </a:fontRef>
+        </p:style>
+        <p:txBody>
+          <a:bodyPr rtlCol="0" anchor="t"/>
+          <a:lstStyle/>
+          <a:p>
+            <a:pPr algn="ctr"/>
+            <a:r>
+              <a:rPr lang="zh-CN" altLang="en-US" sz="1200" dirty="0">
+                <a:solidFill>
+                  <a:schemeClr val="accent1">
+                    <a:lumMod val="50000"/>
+                  </a:schemeClr>
+                </a:solidFill>
+              </a:rPr>
+              <a:t>账户账务</a:t>
+            </a:r>
+          </a:p>
+        </p:txBody>
+      </p:sp>
+      <p:sp>
+        <p:nvSpPr>
+          <p:cNvPr id="18" name="Rectangle 17">
+            <a:extLst>
+              <a:ext uri="{FF2B5EF4-FFF2-40B4-BE49-F238E27FC236}">
+                <a16:creationId xmlns:a16="http://schemas.microsoft.com/office/drawing/2014/main" id="{567A4676-682C-44DF-96E4-D0914102DA6D}"/>
+              </a:ext>
+            </a:extLst>
+          </p:cNvPr>
+          <p:cNvSpPr/>
+          <p:nvPr/>
+        </p:nvSpPr>
+        <p:spPr>
+          <a:xfrm>
+            <a:off x="3030261" y="2124695"/>
+            <a:ext cx="1080000" cy="360000"/>
+          </a:xfrm>
+          <a:prstGeom prst="rect">
+            <a:avLst/>
+          </a:prstGeom>
+          <a:solidFill>
+            <a:schemeClr val="accent1">
+              <a:lumMod val="50000"/>
+            </a:schemeClr>
+          </a:solidFill>
+          <a:ln>
+            <a:noFill/>
+          </a:ln>
+        </p:spPr>
+        <p:style>
+          <a:lnRef idx="2">
+            <a:schemeClr val="accent1">
+              <a:shade val="50000"/>
+            </a:schemeClr>
+          </a:lnRef>
+          <a:fillRef idx="1">
+            <a:schemeClr val="accent1"/>
+          </a:fillRef>
+          <a:effectRef idx="0">
+            <a:schemeClr val="accent1"/>
+          </a:effectRef>
+          <a:fontRef idx="minor">
+            <a:schemeClr val="lt1"/>
+          </a:fontRef>
+        </p:style>
+        <p:txBody>
+          <a:bodyPr rtlCol="0" anchor="ctr"/>
+          <a:lstStyle/>
+          <a:p>
+            <a:pPr algn="ctr"/>
+            <a:r>
+              <a:rPr lang="zh-CN" altLang="en-US" sz="1200" dirty="0"/>
+              <a:t>客户管理</a:t>
+            </a:r>
+          </a:p>
+        </p:txBody>
+      </p:sp>
+      <p:sp>
+        <p:nvSpPr>
+          <p:cNvPr id="19" name="Rectangle 18">
+            <a:extLst>
+              <a:ext uri="{FF2B5EF4-FFF2-40B4-BE49-F238E27FC236}">
+                <a16:creationId xmlns:a16="http://schemas.microsoft.com/office/drawing/2014/main" id="{2CC80B00-7998-4B4F-B9B0-DF04BE8DE2E7}"/>
+              </a:ext>
+            </a:extLst>
+          </p:cNvPr>
+          <p:cNvSpPr/>
+          <p:nvPr/>
+        </p:nvSpPr>
+        <p:spPr>
+          <a:xfrm>
+            <a:off x="4486511" y="3896639"/>
+            <a:ext cx="1080000" cy="360000"/>
+          </a:xfrm>
+          <a:prstGeom prst="rect">
+            <a:avLst/>
+          </a:prstGeom>
+          <a:solidFill>
+            <a:schemeClr val="accent1">
+              <a:lumMod val="50000"/>
+            </a:schemeClr>
+          </a:solidFill>
+          <a:ln>
+            <a:noFill/>
+          </a:ln>
+        </p:spPr>
+        <p:style>
+          <a:lnRef idx="2">
+            <a:schemeClr val="accent1">
+              <a:shade val="50000"/>
+            </a:schemeClr>
+          </a:lnRef>
+          <a:fillRef idx="1">
+            <a:schemeClr val="accent1"/>
+          </a:fillRef>
+          <a:effectRef idx="0">
+            <a:schemeClr val="accent1"/>
+          </a:effectRef>
+          <a:fontRef idx="minor">
+            <a:schemeClr val="lt1"/>
+          </a:fontRef>
+        </p:style>
+        <p:txBody>
+          <a:bodyPr rtlCol="0" anchor="ctr"/>
+          <a:lstStyle/>
+          <a:p>
+            <a:pPr algn="ctr"/>
+            <a:r>
+              <a:rPr lang="zh-CN" altLang="en-US" sz="1200" dirty="0"/>
+              <a:t>支付服务</a:t>
+            </a:r>
+          </a:p>
+        </p:txBody>
+      </p:sp>
+      <p:sp>
+        <p:nvSpPr>
+          <p:cNvPr id="20" name="Rectangle 19">
+            <a:extLst>
+              <a:ext uri="{FF2B5EF4-FFF2-40B4-BE49-F238E27FC236}">
+                <a16:creationId xmlns:a16="http://schemas.microsoft.com/office/drawing/2014/main" id="{F3D9865A-8A26-4B4D-9FC5-12647753C70C}"/>
+              </a:ext>
+            </a:extLst>
+          </p:cNvPr>
+          <p:cNvSpPr/>
+          <p:nvPr/>
+        </p:nvSpPr>
+        <p:spPr>
+          <a:xfrm>
+            <a:off x="4486511" y="4424861"/>
+            <a:ext cx="1080000" cy="360000"/>
+          </a:xfrm>
+          <a:prstGeom prst="rect">
+            <a:avLst/>
+          </a:prstGeom>
+          <a:solidFill>
+            <a:schemeClr val="accent1">
+              <a:lumMod val="50000"/>
+            </a:schemeClr>
+          </a:solidFill>
+          <a:ln>
+            <a:noFill/>
+          </a:ln>
+        </p:spPr>
+        <p:style>
+          <a:lnRef idx="2">
+            <a:schemeClr val="accent1">
+              <a:shade val="50000"/>
+            </a:schemeClr>
+          </a:lnRef>
+          <a:fillRef idx="1">
+            <a:schemeClr val="accent1"/>
+          </a:fillRef>
+          <a:effectRef idx="0">
+            <a:schemeClr val="accent1"/>
+          </a:effectRef>
+          <a:fontRef idx="minor">
+            <a:schemeClr val="lt1"/>
+          </a:fontRef>
+        </p:style>
+        <p:txBody>
+          <a:bodyPr rtlCol="0" anchor="ctr"/>
+          <a:lstStyle/>
+          <a:p>
+            <a:pPr algn="ctr"/>
+            <a:r>
+              <a:rPr lang="zh-CN" altLang="en-US" sz="1200" dirty="0"/>
+              <a:t>资金渠道</a:t>
+            </a:r>
+          </a:p>
+        </p:txBody>
+      </p:sp>
+      <p:sp>
+        <p:nvSpPr>
+          <p:cNvPr id="21" name="Rectangle 20">
+            <a:extLst>
+              <a:ext uri="{FF2B5EF4-FFF2-40B4-BE49-F238E27FC236}">
+                <a16:creationId xmlns:a16="http://schemas.microsoft.com/office/drawing/2014/main" id="{CDB146AE-132F-4CD3-B31B-851F6B89426A}"/>
+              </a:ext>
+            </a:extLst>
+          </p:cNvPr>
+          <p:cNvSpPr/>
+          <p:nvPr/>
+        </p:nvSpPr>
+        <p:spPr>
+          <a:xfrm>
+            <a:off x="4503013" y="4953083"/>
+            <a:ext cx="1080000" cy="360000"/>
+          </a:xfrm>
+          <a:prstGeom prst="rect">
+            <a:avLst/>
+          </a:prstGeom>
+          <a:solidFill>
+            <a:schemeClr val="accent1">
+              <a:lumMod val="50000"/>
+            </a:schemeClr>
+          </a:solidFill>
+          <a:ln>
+            <a:noFill/>
+          </a:ln>
+        </p:spPr>
+        <p:style>
+          <a:lnRef idx="2">
+            <a:schemeClr val="accent1">
+              <a:shade val="50000"/>
+            </a:schemeClr>
+          </a:lnRef>
+          <a:fillRef idx="1">
+            <a:schemeClr val="accent1"/>
+          </a:fillRef>
+          <a:effectRef idx="0">
+            <a:schemeClr val="accent1"/>
+          </a:effectRef>
+          <a:fontRef idx="minor">
+            <a:schemeClr val="lt1"/>
+          </a:fontRef>
+        </p:style>
+        <p:txBody>
+          <a:bodyPr rtlCol="0" anchor="ctr"/>
+          <a:lstStyle/>
+          <a:p>
+            <a:pPr algn="ctr"/>
+            <a:r>
+              <a:rPr lang="zh-CN" altLang="en-US" sz="1200" dirty="0"/>
+              <a:t>订单服务</a:t>
+            </a:r>
+          </a:p>
+        </p:txBody>
+      </p:sp>
+      <p:sp>
+        <p:nvSpPr>
+          <p:cNvPr id="22" name="Rectangle 21">
+            <a:extLst>
+              <a:ext uri="{FF2B5EF4-FFF2-40B4-BE49-F238E27FC236}">
+                <a16:creationId xmlns:a16="http://schemas.microsoft.com/office/drawing/2014/main" id="{596FA724-5F47-449A-8665-2D46950516ED}"/>
+              </a:ext>
+            </a:extLst>
+          </p:cNvPr>
+          <p:cNvSpPr/>
+          <p:nvPr/>
+        </p:nvSpPr>
+        <p:spPr>
+          <a:xfrm>
+            <a:off x="6111454" y="3361146"/>
+            <a:ext cx="1080000" cy="360000"/>
+          </a:xfrm>
+          <a:prstGeom prst="rect">
+            <a:avLst/>
+          </a:prstGeom>
+          <a:solidFill>
+            <a:schemeClr val="accent1">
+              <a:lumMod val="50000"/>
+            </a:schemeClr>
+          </a:solidFill>
+          <a:ln>
+            <a:noFill/>
+          </a:ln>
+        </p:spPr>
+        <p:style>
+          <a:lnRef idx="2">
+            <a:schemeClr val="accent1">
+              <a:shade val="50000"/>
+            </a:schemeClr>
+          </a:lnRef>
+          <a:fillRef idx="1">
+            <a:schemeClr val="accent1"/>
+          </a:fillRef>
+          <a:effectRef idx="0">
+            <a:schemeClr val="accent1"/>
+          </a:effectRef>
+          <a:fontRef idx="minor">
+            <a:schemeClr val="lt1"/>
+          </a:fontRef>
+        </p:style>
+        <p:txBody>
+          <a:bodyPr rtlCol="0" anchor="ctr"/>
+          <a:lstStyle/>
+          <a:p>
+            <a:pPr algn="ctr"/>
+            <a:r>
+              <a:rPr lang="zh-CN" altLang="en-US" sz="1200" dirty="0"/>
+              <a:t>科目总账</a:t>
+            </a:r>
+          </a:p>
+        </p:txBody>
+      </p:sp>
+      <p:sp>
+        <p:nvSpPr>
+          <p:cNvPr id="23" name="Rectangle 22">
+            <a:extLst>
+              <a:ext uri="{FF2B5EF4-FFF2-40B4-BE49-F238E27FC236}">
+                <a16:creationId xmlns:a16="http://schemas.microsoft.com/office/drawing/2014/main" id="{D8563CD5-2EC9-4BAA-BE9D-8A27F041F876}"/>
+              </a:ext>
+            </a:extLst>
+          </p:cNvPr>
+          <p:cNvSpPr/>
+          <p:nvPr/>
+        </p:nvSpPr>
+        <p:spPr>
+          <a:xfrm>
+            <a:off x="7406863" y="3361146"/>
+            <a:ext cx="1080000" cy="360000"/>
+          </a:xfrm>
+          <a:prstGeom prst="rect">
+            <a:avLst/>
+          </a:prstGeom>
+          <a:solidFill>
+            <a:schemeClr val="accent1">
+              <a:lumMod val="50000"/>
+            </a:schemeClr>
+          </a:solidFill>
+          <a:ln>
+            <a:noFill/>
+          </a:ln>
+        </p:spPr>
+        <p:style>
+          <a:lnRef idx="2">
+            <a:schemeClr val="accent1">
+              <a:shade val="50000"/>
+            </a:schemeClr>
+          </a:lnRef>
+          <a:fillRef idx="1">
+            <a:schemeClr val="accent1"/>
+          </a:fillRef>
+          <a:effectRef idx="0">
+            <a:schemeClr val="accent1"/>
+          </a:effectRef>
+          <a:fontRef idx="minor">
+            <a:schemeClr val="lt1"/>
+          </a:fontRef>
+        </p:style>
+        <p:txBody>
+          <a:bodyPr rtlCol="0" anchor="ctr"/>
+          <a:lstStyle/>
+          <a:p>
+            <a:pPr algn="ctr"/>
+            <a:r>
+              <a:rPr lang="zh-CN" altLang="en-US" sz="1200" dirty="0"/>
+              <a:t>总账报表</a:t>
+            </a:r>
+          </a:p>
+        </p:txBody>
+      </p:sp>
+      <p:sp>
+        <p:nvSpPr>
+          <p:cNvPr id="24" name="Rectangle 23">
+            <a:extLst>
+              <a:ext uri="{FF2B5EF4-FFF2-40B4-BE49-F238E27FC236}">
+                <a16:creationId xmlns:a16="http://schemas.microsoft.com/office/drawing/2014/main" id="{C72E23D9-D71F-41BB-9F81-353B3CE719A6}"/>
+              </a:ext>
+            </a:extLst>
+          </p:cNvPr>
+          <p:cNvSpPr/>
+          <p:nvPr/>
+        </p:nvSpPr>
+        <p:spPr>
+          <a:xfrm>
+            <a:off x="6111454" y="3879081"/>
+            <a:ext cx="1080000" cy="360000"/>
+          </a:xfrm>
+          <a:prstGeom prst="rect">
+            <a:avLst/>
+          </a:prstGeom>
+          <a:solidFill>
+            <a:schemeClr val="accent1">
+              <a:lumMod val="50000"/>
+            </a:schemeClr>
+          </a:solidFill>
+          <a:ln>
+            <a:noFill/>
+          </a:ln>
+        </p:spPr>
+        <p:style>
+          <a:lnRef idx="2">
+            <a:schemeClr val="accent1">
+              <a:shade val="50000"/>
+            </a:schemeClr>
+          </a:lnRef>
+          <a:fillRef idx="1">
+            <a:schemeClr val="accent1"/>
+          </a:fillRef>
+          <a:effectRef idx="0">
+            <a:schemeClr val="accent1"/>
+          </a:effectRef>
+          <a:fontRef idx="minor">
+            <a:schemeClr val="lt1"/>
+          </a:fontRef>
+        </p:style>
+        <p:txBody>
+          <a:bodyPr rtlCol="0" anchor="ctr"/>
+          <a:lstStyle/>
+          <a:p>
+            <a:pPr algn="ctr"/>
+            <a:r>
+              <a:rPr lang="zh-CN" altLang="en-US" sz="1200" dirty="0"/>
+              <a:t>账户管理</a:t>
+            </a:r>
+          </a:p>
+        </p:txBody>
+      </p:sp>
+      <p:sp>
+        <p:nvSpPr>
+          <p:cNvPr id="25" name="Rectangle 24">
+            <a:extLst>
+              <a:ext uri="{FF2B5EF4-FFF2-40B4-BE49-F238E27FC236}">
+                <a16:creationId xmlns:a16="http://schemas.microsoft.com/office/drawing/2014/main" id="{BE650617-3D02-4101-ACB5-57F57AB050B6}"/>
+              </a:ext>
+            </a:extLst>
+          </p:cNvPr>
+          <p:cNvSpPr/>
+          <p:nvPr/>
+        </p:nvSpPr>
+        <p:spPr>
+          <a:xfrm>
+            <a:off x="7406863" y="3879081"/>
+            <a:ext cx="1080000" cy="360000"/>
+          </a:xfrm>
+          <a:prstGeom prst="rect">
+            <a:avLst/>
+          </a:prstGeom>
+          <a:solidFill>
+            <a:schemeClr val="accent1">
+              <a:lumMod val="50000"/>
+            </a:schemeClr>
+          </a:solidFill>
+          <a:ln>
+            <a:noFill/>
+          </a:ln>
+        </p:spPr>
+        <p:style>
+          <a:lnRef idx="2">
+            <a:schemeClr val="accent1">
+              <a:shade val="50000"/>
+            </a:schemeClr>
+          </a:lnRef>
+          <a:fillRef idx="1">
+            <a:schemeClr val="accent1"/>
+          </a:fillRef>
+          <a:effectRef idx="0">
+            <a:schemeClr val="accent1"/>
+          </a:effectRef>
+          <a:fontRef idx="minor">
+            <a:schemeClr val="lt1"/>
+          </a:fontRef>
+        </p:style>
+        <p:txBody>
+          <a:bodyPr rtlCol="0" anchor="ctr"/>
+          <a:lstStyle/>
+          <a:p>
+            <a:pPr algn="ctr"/>
+            <a:r>
+              <a:rPr lang="zh-CN" altLang="en-US" sz="1200" dirty="0"/>
+              <a:t>计息结息</a:t>
+            </a:r>
+          </a:p>
+        </p:txBody>
+      </p:sp>
+      <p:sp>
+        <p:nvSpPr>
+          <p:cNvPr id="26" name="Rectangle 25">
+            <a:extLst>
+              <a:ext uri="{FF2B5EF4-FFF2-40B4-BE49-F238E27FC236}">
+                <a16:creationId xmlns:a16="http://schemas.microsoft.com/office/drawing/2014/main" id="{424BD314-782C-442C-B6B5-A7C2CD60DEC4}"/>
+              </a:ext>
+            </a:extLst>
+          </p:cNvPr>
+          <p:cNvSpPr/>
+          <p:nvPr/>
+        </p:nvSpPr>
+        <p:spPr>
+          <a:xfrm>
+            <a:off x="6111454" y="4406212"/>
+            <a:ext cx="1080000" cy="360000"/>
+          </a:xfrm>
+          <a:prstGeom prst="rect">
+            <a:avLst/>
+          </a:prstGeom>
+          <a:solidFill>
+            <a:schemeClr val="accent1">
+              <a:lumMod val="50000"/>
+            </a:schemeClr>
+          </a:solidFill>
+          <a:ln>
+            <a:noFill/>
+          </a:ln>
+        </p:spPr>
+        <p:style>
+          <a:lnRef idx="2">
+            <a:schemeClr val="accent1">
+              <a:shade val="50000"/>
+            </a:schemeClr>
+          </a:lnRef>
+          <a:fillRef idx="1">
+            <a:schemeClr val="accent1"/>
+          </a:fillRef>
+          <a:effectRef idx="0">
+            <a:schemeClr val="accent1"/>
+          </a:effectRef>
+          <a:fontRef idx="minor">
+            <a:schemeClr val="lt1"/>
+          </a:fontRef>
+        </p:style>
+        <p:txBody>
+          <a:bodyPr rtlCol="0" anchor="ctr"/>
+          <a:lstStyle/>
+          <a:p>
+            <a:pPr algn="ctr"/>
+            <a:r>
+              <a:rPr lang="zh-CN" altLang="en-US" sz="1200" dirty="0"/>
+              <a:t>日间清算</a:t>
+            </a:r>
+          </a:p>
+        </p:txBody>
+      </p:sp>
+      <p:sp>
+        <p:nvSpPr>
+          <p:cNvPr id="27" name="Rectangle 26">
+            <a:extLst>
+              <a:ext uri="{FF2B5EF4-FFF2-40B4-BE49-F238E27FC236}">
+                <a16:creationId xmlns:a16="http://schemas.microsoft.com/office/drawing/2014/main" id="{393D8FDD-49AF-4B3A-BCD6-53456338EBBA}"/>
+              </a:ext>
+            </a:extLst>
+          </p:cNvPr>
+          <p:cNvSpPr/>
+          <p:nvPr/>
+        </p:nvSpPr>
+        <p:spPr>
+          <a:xfrm>
+            <a:off x="7406863" y="4406212"/>
+            <a:ext cx="1080000" cy="360000"/>
+          </a:xfrm>
+          <a:prstGeom prst="rect">
+            <a:avLst/>
+          </a:prstGeom>
+          <a:solidFill>
+            <a:schemeClr val="accent1">
+              <a:lumMod val="50000"/>
+            </a:schemeClr>
+          </a:solidFill>
+          <a:ln>
+            <a:noFill/>
+          </a:ln>
+        </p:spPr>
+        <p:style>
+          <a:lnRef idx="2">
+            <a:schemeClr val="accent1">
+              <a:shade val="50000"/>
+            </a:schemeClr>
+          </a:lnRef>
+          <a:fillRef idx="1">
+            <a:schemeClr val="accent1"/>
+          </a:fillRef>
+          <a:effectRef idx="0">
+            <a:schemeClr val="accent1"/>
+          </a:effectRef>
+          <a:fontRef idx="minor">
+            <a:schemeClr val="lt1"/>
+          </a:fontRef>
+        </p:style>
+        <p:txBody>
+          <a:bodyPr rtlCol="0" anchor="ctr"/>
+          <a:lstStyle/>
+          <a:p>
+            <a:pPr algn="ctr"/>
+            <a:r>
+              <a:rPr lang="zh-CN" altLang="en-US" sz="1200" dirty="0"/>
+              <a:t>日终结算</a:t>
+            </a:r>
+          </a:p>
+        </p:txBody>
+      </p:sp>
+      <p:sp>
+        <p:nvSpPr>
+          <p:cNvPr id="28" name="Rectangle 27">
+            <a:extLst>
+              <a:ext uri="{FF2B5EF4-FFF2-40B4-BE49-F238E27FC236}">
+                <a16:creationId xmlns:a16="http://schemas.microsoft.com/office/drawing/2014/main" id="{14D264EE-51A4-4233-99C4-F4362D3EB07E}"/>
+              </a:ext>
+            </a:extLst>
+          </p:cNvPr>
+          <p:cNvSpPr/>
+          <p:nvPr/>
+        </p:nvSpPr>
+        <p:spPr>
+          <a:xfrm>
+            <a:off x="6111454" y="4946845"/>
+            <a:ext cx="1080000" cy="360000"/>
+          </a:xfrm>
+          <a:prstGeom prst="rect">
+            <a:avLst/>
+          </a:prstGeom>
+          <a:solidFill>
+            <a:schemeClr val="accent1">
+              <a:lumMod val="50000"/>
+            </a:schemeClr>
+          </a:solidFill>
+          <a:ln>
+            <a:noFill/>
+          </a:ln>
+        </p:spPr>
+        <p:style>
+          <a:lnRef idx="2">
+            <a:schemeClr val="accent1">
+              <a:shade val="50000"/>
+            </a:schemeClr>
+          </a:lnRef>
+          <a:fillRef idx="1">
+            <a:schemeClr val="accent1"/>
+          </a:fillRef>
+          <a:effectRef idx="0">
+            <a:schemeClr val="accent1"/>
+          </a:effectRef>
+          <a:fontRef idx="minor">
+            <a:schemeClr val="lt1"/>
+          </a:fontRef>
+        </p:style>
+        <p:txBody>
+          <a:bodyPr rtlCol="0" anchor="ctr"/>
+          <a:lstStyle/>
+          <a:p>
+            <a:pPr algn="ctr"/>
+            <a:r>
+              <a:rPr lang="zh-CN" altLang="en-US" sz="1200" dirty="0"/>
+              <a:t>记账查询</a:t>
+            </a:r>
+          </a:p>
+        </p:txBody>
+      </p:sp>
+      <p:sp>
+        <p:nvSpPr>
+          <p:cNvPr id="29" name="Rectangle 28">
+            <a:extLst>
+              <a:ext uri="{FF2B5EF4-FFF2-40B4-BE49-F238E27FC236}">
+                <a16:creationId xmlns:a16="http://schemas.microsoft.com/office/drawing/2014/main" id="{E68272A8-243D-431E-8187-79B530AE36B4}"/>
+              </a:ext>
+            </a:extLst>
+          </p:cNvPr>
+          <p:cNvSpPr/>
+          <p:nvPr/>
+        </p:nvSpPr>
+        <p:spPr>
+          <a:xfrm>
+            <a:off x="7406863" y="4946845"/>
+            <a:ext cx="1080000" cy="360000"/>
+          </a:xfrm>
+          <a:prstGeom prst="rect">
+            <a:avLst/>
+          </a:prstGeom>
+          <a:solidFill>
+            <a:schemeClr val="accent1">
+              <a:lumMod val="50000"/>
+            </a:schemeClr>
+          </a:solidFill>
+          <a:ln>
+            <a:noFill/>
+          </a:ln>
+        </p:spPr>
+        <p:style>
+          <a:lnRef idx="2">
+            <a:schemeClr val="accent1">
+              <a:shade val="50000"/>
+            </a:schemeClr>
+          </a:lnRef>
+          <a:fillRef idx="1">
+            <a:schemeClr val="accent1"/>
+          </a:fillRef>
+          <a:effectRef idx="0">
+            <a:schemeClr val="accent1"/>
+          </a:effectRef>
+          <a:fontRef idx="minor">
+            <a:schemeClr val="lt1"/>
+          </a:fontRef>
+        </p:style>
+        <p:txBody>
+          <a:bodyPr rtlCol="0" anchor="ctr"/>
+          <a:lstStyle/>
+          <a:p>
+            <a:pPr algn="ctr"/>
+            <a:r>
+              <a:rPr lang="zh-CN" altLang="en-US" sz="1200" dirty="0"/>
+              <a:t>报文服务</a:t>
+            </a:r>
+          </a:p>
+        </p:txBody>
+      </p:sp>
+      <p:sp>
+        <p:nvSpPr>
+          <p:cNvPr id="30" name="Rectangle 29">
+            <a:extLst>
+              <a:ext uri="{FF2B5EF4-FFF2-40B4-BE49-F238E27FC236}">
+                <a16:creationId xmlns:a16="http://schemas.microsoft.com/office/drawing/2014/main" id="{45E5A6BF-13FA-4AD9-AC8D-4838CA442AA8}"/>
+              </a:ext>
+            </a:extLst>
+          </p:cNvPr>
+          <p:cNvSpPr/>
+          <p:nvPr/>
+        </p:nvSpPr>
+        <p:spPr>
+          <a:xfrm>
+            <a:off x="3030261" y="2689125"/>
+            <a:ext cx="1080000" cy="360000"/>
+          </a:xfrm>
+          <a:prstGeom prst="rect">
+            <a:avLst/>
+          </a:prstGeom>
+          <a:solidFill>
+            <a:schemeClr val="accent1">
+              <a:lumMod val="50000"/>
+            </a:schemeClr>
+          </a:solidFill>
+          <a:ln>
+            <a:noFill/>
+          </a:ln>
+        </p:spPr>
+        <p:style>
+          <a:lnRef idx="2">
+            <a:schemeClr val="accent1">
+              <a:shade val="50000"/>
+            </a:schemeClr>
+          </a:lnRef>
+          <a:fillRef idx="1">
+            <a:schemeClr val="accent1"/>
+          </a:fillRef>
+          <a:effectRef idx="0">
+            <a:schemeClr val="accent1"/>
+          </a:effectRef>
+          <a:fontRef idx="minor">
+            <a:schemeClr val="lt1"/>
+          </a:fontRef>
+        </p:style>
+        <p:txBody>
+          <a:bodyPr rtlCol="0" anchor="ctr"/>
+          <a:lstStyle/>
+          <a:p>
+            <a:pPr algn="ctr"/>
+            <a:r>
+              <a:rPr lang="zh-CN" altLang="en-US" sz="1200" dirty="0"/>
+              <a:t>交易管理</a:t>
+            </a:r>
+          </a:p>
+        </p:txBody>
+      </p:sp>
+      <p:sp>
+        <p:nvSpPr>
+          <p:cNvPr id="31" name="Rectangle 30">
+            <a:extLst>
+              <a:ext uri="{FF2B5EF4-FFF2-40B4-BE49-F238E27FC236}">
+                <a16:creationId xmlns:a16="http://schemas.microsoft.com/office/drawing/2014/main" id="{63F41476-A441-4A37-8F50-F3BEEE6ABB29}"/>
+              </a:ext>
+            </a:extLst>
+          </p:cNvPr>
+          <p:cNvSpPr/>
+          <p:nvPr/>
+        </p:nvSpPr>
+        <p:spPr>
+          <a:xfrm>
+            <a:off x="3030261" y="3253555"/>
+            <a:ext cx="1080000" cy="360000"/>
+          </a:xfrm>
+          <a:prstGeom prst="rect">
+            <a:avLst/>
+          </a:prstGeom>
+          <a:solidFill>
+            <a:schemeClr val="accent1">
+              <a:lumMod val="50000"/>
+            </a:schemeClr>
+          </a:solidFill>
+          <a:ln>
+            <a:noFill/>
+          </a:ln>
+        </p:spPr>
+        <p:style>
+          <a:lnRef idx="2">
+            <a:schemeClr val="accent1">
+              <a:shade val="50000"/>
+            </a:schemeClr>
+          </a:lnRef>
+          <a:fillRef idx="1">
+            <a:schemeClr val="accent1"/>
+          </a:fillRef>
+          <a:effectRef idx="0">
+            <a:schemeClr val="accent1"/>
+          </a:effectRef>
+          <a:fontRef idx="minor">
+            <a:schemeClr val="lt1"/>
+          </a:fontRef>
+        </p:style>
+        <p:txBody>
+          <a:bodyPr rtlCol="0" anchor="ctr"/>
+          <a:lstStyle/>
+          <a:p>
+            <a:pPr algn="ctr"/>
+            <a:r>
+              <a:rPr lang="zh-CN" altLang="en-US" sz="1200" dirty="0"/>
+              <a:t>对账管理</a:t>
+            </a:r>
+          </a:p>
+        </p:txBody>
+      </p:sp>
+      <p:sp>
+        <p:nvSpPr>
+          <p:cNvPr id="32" name="Rectangle 31">
+            <a:extLst>
+              <a:ext uri="{FF2B5EF4-FFF2-40B4-BE49-F238E27FC236}">
+                <a16:creationId xmlns:a16="http://schemas.microsoft.com/office/drawing/2014/main" id="{84296C3D-5C5D-4DD0-8198-DD631FC8FEF8}"/>
+              </a:ext>
+            </a:extLst>
+          </p:cNvPr>
+          <p:cNvSpPr/>
+          <p:nvPr/>
+        </p:nvSpPr>
+        <p:spPr>
+          <a:xfrm>
+            <a:off x="3030261" y="3817985"/>
+            <a:ext cx="1080000" cy="360000"/>
+          </a:xfrm>
+          <a:prstGeom prst="rect">
+            <a:avLst/>
+          </a:prstGeom>
+          <a:solidFill>
+            <a:schemeClr val="accent1">
+              <a:lumMod val="50000"/>
+            </a:schemeClr>
+          </a:solidFill>
+          <a:ln>
+            <a:noFill/>
+          </a:ln>
+        </p:spPr>
+        <p:style>
+          <a:lnRef idx="2">
+            <a:schemeClr val="accent1">
+              <a:shade val="50000"/>
+            </a:schemeClr>
+          </a:lnRef>
+          <a:fillRef idx="1">
+            <a:schemeClr val="accent1"/>
+          </a:fillRef>
+          <a:effectRef idx="0">
+            <a:schemeClr val="accent1"/>
+          </a:effectRef>
+          <a:fontRef idx="minor">
+            <a:schemeClr val="lt1"/>
+          </a:fontRef>
+        </p:style>
+        <p:txBody>
+          <a:bodyPr rtlCol="0" anchor="ctr"/>
+          <a:lstStyle/>
+          <a:p>
+            <a:pPr algn="ctr"/>
+            <a:r>
+              <a:rPr lang="zh-CN" altLang="en-US" sz="1200" dirty="0"/>
+              <a:t>财务管理</a:t>
+            </a:r>
+          </a:p>
+        </p:txBody>
+      </p:sp>
+      <p:sp>
+        <p:nvSpPr>
+          <p:cNvPr id="33" name="Rectangle 32">
+            <a:extLst>
+              <a:ext uri="{FF2B5EF4-FFF2-40B4-BE49-F238E27FC236}">
+                <a16:creationId xmlns:a16="http://schemas.microsoft.com/office/drawing/2014/main" id="{359EE971-730C-42F5-855D-0CF5EDAD5913}"/>
+              </a:ext>
+            </a:extLst>
+          </p:cNvPr>
+          <p:cNvSpPr/>
+          <p:nvPr/>
+        </p:nvSpPr>
+        <p:spPr>
+          <a:xfrm>
+            <a:off x="3030261" y="4382415"/>
+            <a:ext cx="1080000" cy="360000"/>
+          </a:xfrm>
+          <a:prstGeom prst="rect">
+            <a:avLst/>
+          </a:prstGeom>
+          <a:solidFill>
+            <a:schemeClr val="accent1">
+              <a:lumMod val="50000"/>
+            </a:schemeClr>
+          </a:solidFill>
+          <a:ln>
+            <a:noFill/>
+          </a:ln>
+        </p:spPr>
+        <p:style>
+          <a:lnRef idx="2">
+            <a:schemeClr val="accent1">
+              <a:shade val="50000"/>
+            </a:schemeClr>
+          </a:lnRef>
+          <a:fillRef idx="1">
+            <a:schemeClr val="accent1"/>
+          </a:fillRef>
+          <a:effectRef idx="0">
+            <a:schemeClr val="accent1"/>
+          </a:effectRef>
+          <a:fontRef idx="minor">
+            <a:schemeClr val="lt1"/>
+          </a:fontRef>
+        </p:style>
+        <p:txBody>
+          <a:bodyPr rtlCol="0" anchor="ctr"/>
+          <a:lstStyle/>
+          <a:p>
+            <a:pPr algn="ctr"/>
+            <a:r>
+              <a:rPr lang="zh-CN" altLang="en-US" sz="1200" dirty="0"/>
+              <a:t>头寸管理</a:t>
+            </a:r>
+          </a:p>
+        </p:txBody>
+      </p:sp>
+      <p:sp>
+        <p:nvSpPr>
+          <p:cNvPr id="34" name="Rectangle 33">
+            <a:extLst>
+              <a:ext uri="{FF2B5EF4-FFF2-40B4-BE49-F238E27FC236}">
+                <a16:creationId xmlns:a16="http://schemas.microsoft.com/office/drawing/2014/main" id="{9BF05229-6511-4FE6-AAA8-4C38D4F26DDC}"/>
+              </a:ext>
+            </a:extLst>
+          </p:cNvPr>
+          <p:cNvSpPr/>
+          <p:nvPr/>
+        </p:nvSpPr>
+        <p:spPr>
+          <a:xfrm>
+            <a:off x="3030261" y="4946845"/>
+            <a:ext cx="1080000" cy="360000"/>
+          </a:xfrm>
+          <a:prstGeom prst="rect">
+            <a:avLst/>
+          </a:prstGeom>
+          <a:solidFill>
+            <a:schemeClr val="accent1">
+              <a:lumMod val="50000"/>
+            </a:schemeClr>
+          </a:solidFill>
+          <a:ln>
+            <a:noFill/>
+          </a:ln>
+        </p:spPr>
+        <p:style>
+          <a:lnRef idx="2">
+            <a:schemeClr val="accent1">
+              <a:shade val="50000"/>
+            </a:schemeClr>
+          </a:lnRef>
+          <a:fillRef idx="1">
+            <a:schemeClr val="accent1"/>
+          </a:fillRef>
+          <a:effectRef idx="0">
+            <a:schemeClr val="accent1"/>
+          </a:effectRef>
+          <a:fontRef idx="minor">
+            <a:schemeClr val="lt1"/>
+          </a:fontRef>
+        </p:style>
+        <p:txBody>
+          <a:bodyPr rtlCol="0" anchor="ctr"/>
+          <a:lstStyle/>
+          <a:p>
+            <a:pPr algn="ctr"/>
+            <a:r>
+              <a:rPr lang="zh-CN" altLang="en-US" sz="1200" dirty="0"/>
+              <a:t>风控管理</a:t>
+            </a:r>
+          </a:p>
+        </p:txBody>
+      </p:sp>
+      <p:sp>
+        <p:nvSpPr>
+          <p:cNvPr id="36" name="Rectangle 35">
+            <a:extLst>
+              <a:ext uri="{FF2B5EF4-FFF2-40B4-BE49-F238E27FC236}">
+                <a16:creationId xmlns:a16="http://schemas.microsoft.com/office/drawing/2014/main" id="{8D9041B4-3E09-47C9-8C97-8DD92DD0428C}"/>
+              </a:ext>
+            </a:extLst>
+          </p:cNvPr>
+          <p:cNvSpPr/>
+          <p:nvPr/>
+        </p:nvSpPr>
+        <p:spPr>
+          <a:xfrm>
+            <a:off x="4486511" y="3368417"/>
+            <a:ext cx="1080000" cy="360000"/>
+          </a:xfrm>
+          <a:prstGeom prst="rect">
+            <a:avLst/>
+          </a:prstGeom>
+          <a:solidFill>
+            <a:schemeClr val="accent1">
+              <a:lumMod val="50000"/>
+            </a:schemeClr>
+          </a:solidFill>
+          <a:ln>
+            <a:noFill/>
+          </a:ln>
+        </p:spPr>
+        <p:style>
+          <a:lnRef idx="2">
+            <a:schemeClr val="accent1">
+              <a:shade val="50000"/>
+            </a:schemeClr>
+          </a:lnRef>
+          <a:fillRef idx="1">
+            <a:schemeClr val="accent1"/>
+          </a:fillRef>
+          <a:effectRef idx="0">
+            <a:schemeClr val="accent1"/>
+          </a:effectRef>
+          <a:fontRef idx="minor">
+            <a:schemeClr val="lt1"/>
+          </a:fontRef>
+        </p:style>
+        <p:txBody>
+          <a:bodyPr rtlCol="0" anchor="ctr"/>
+          <a:lstStyle/>
+          <a:p>
+            <a:pPr algn="ctr"/>
+            <a:r>
+              <a:rPr lang="zh-CN" altLang="en-US" sz="1200" dirty="0"/>
+              <a:t>支付网关</a:t>
+            </a:r>
+          </a:p>
+        </p:txBody>
+      </p:sp>
+      <p:sp>
+        <p:nvSpPr>
+          <p:cNvPr id="37" name="Rectangle 36">
+            <a:extLst>
+              <a:ext uri="{FF2B5EF4-FFF2-40B4-BE49-F238E27FC236}">
+                <a16:creationId xmlns:a16="http://schemas.microsoft.com/office/drawing/2014/main" id="{967A9984-413C-40A7-98BF-4CA86CB80D41}"/>
+              </a:ext>
+            </a:extLst>
+          </p:cNvPr>
+          <p:cNvSpPr/>
+          <p:nvPr/>
+        </p:nvSpPr>
+        <p:spPr>
+          <a:xfrm>
+            <a:off x="6175977" y="465265"/>
+            <a:ext cx="1065082" cy="360000"/>
+          </a:xfrm>
+          <a:prstGeom prst="rect">
+            <a:avLst/>
+          </a:prstGeom>
+          <a:solidFill>
+            <a:schemeClr val="accent6">
+              <a:lumMod val="50000"/>
+            </a:schemeClr>
+          </a:solidFill>
+          <a:ln>
+            <a:noFill/>
+          </a:ln>
+        </p:spPr>
+        <p:style>
+          <a:lnRef idx="2">
+            <a:schemeClr val="accent1">
+              <a:shade val="50000"/>
+            </a:schemeClr>
+          </a:lnRef>
+          <a:fillRef idx="1">
+            <a:schemeClr val="accent1"/>
+          </a:fillRef>
+          <a:effectRef idx="0">
+            <a:schemeClr val="accent1"/>
+          </a:effectRef>
+          <a:fontRef idx="minor">
+            <a:schemeClr val="lt1"/>
+          </a:fontRef>
+        </p:style>
+        <p:txBody>
+          <a:bodyPr rtlCol="0" anchor="ctr"/>
+          <a:lstStyle/>
+          <a:p>
+            <a:pPr algn="ctr"/>
+            <a:r>
+              <a:rPr lang="zh-CN" altLang="en-US" sz="1200" dirty="0"/>
+              <a:t>小程序</a:t>
+            </a:r>
+          </a:p>
+        </p:txBody>
+      </p:sp>
+      <p:sp>
+        <p:nvSpPr>
+          <p:cNvPr id="38" name="Rectangle 37">
+            <a:extLst>
+              <a:ext uri="{FF2B5EF4-FFF2-40B4-BE49-F238E27FC236}">
+                <a16:creationId xmlns:a16="http://schemas.microsoft.com/office/drawing/2014/main" id="{CF907B34-1BE3-46BD-95C6-450826F775B5}"/>
+              </a:ext>
+            </a:extLst>
+          </p:cNvPr>
+          <p:cNvSpPr/>
+          <p:nvPr/>
+        </p:nvSpPr>
+        <p:spPr>
+          <a:xfrm>
+            <a:off x="2860581" y="1039887"/>
+            <a:ext cx="5830337" cy="603233"/>
+          </a:xfrm>
+          <a:prstGeom prst="rect">
+            <a:avLst/>
+          </a:prstGeom>
+          <a:solidFill>
+            <a:schemeClr val="accent4">
+              <a:lumMod val="20000"/>
+              <a:lumOff val="80000"/>
+            </a:schemeClr>
+          </a:solidFill>
+          <a:ln w="6350">
+            <a:solidFill>
+              <a:schemeClr val="accent1">
+                <a:lumMod val="50000"/>
+              </a:schemeClr>
+            </a:solidFill>
+            <a:prstDash val="dash"/>
+          </a:ln>
+        </p:spPr>
+        <p:style>
+          <a:lnRef idx="2">
+            <a:schemeClr val="accent1">
+              <a:shade val="50000"/>
+            </a:schemeClr>
+          </a:lnRef>
+          <a:fillRef idx="1">
+            <a:schemeClr val="accent1"/>
+          </a:fillRef>
+          <a:effectRef idx="0">
+            <a:schemeClr val="accent1"/>
+          </a:effectRef>
+          <a:fontRef idx="minor">
+            <a:schemeClr val="lt1"/>
+          </a:fontRef>
+        </p:style>
+        <p:txBody>
+          <a:bodyPr vert="horz" rtlCol="0" anchor="ctr"/>
+          <a:lstStyle/>
+          <a:p>
+            <a:r>
+              <a:rPr lang="zh-CN" altLang="en-US" sz="1200" dirty="0">
+                <a:solidFill>
+                  <a:schemeClr val="accent4">
+                    <a:lumMod val="50000"/>
+                  </a:schemeClr>
+                </a:solidFill>
+              </a:rPr>
+              <a:t>客户</a:t>
+            </a:r>
+            <a:endParaRPr lang="en-US" altLang="zh-CN" sz="1200" dirty="0">
+              <a:solidFill>
+                <a:schemeClr val="accent4">
+                  <a:lumMod val="50000"/>
+                </a:schemeClr>
+              </a:solidFill>
+            </a:endParaRPr>
+          </a:p>
+          <a:p>
+            <a:r>
+              <a:rPr lang="zh-CN" altLang="en-US" sz="1200" dirty="0">
+                <a:solidFill>
+                  <a:schemeClr val="accent4">
+                    <a:lumMod val="50000"/>
+                  </a:schemeClr>
+                </a:solidFill>
+              </a:rPr>
+              <a:t>信息</a:t>
+            </a:r>
+            <a:endParaRPr lang="en-US" altLang="zh-CN" sz="1200" dirty="0">
+              <a:solidFill>
+                <a:schemeClr val="accent4">
+                  <a:lumMod val="50000"/>
+                </a:schemeClr>
+              </a:solidFill>
+            </a:endParaRPr>
+          </a:p>
+        </p:txBody>
+      </p:sp>
+      <p:sp>
+        <p:nvSpPr>
+          <p:cNvPr id="39" name="Rectangle 38">
+            <a:extLst>
+              <a:ext uri="{FF2B5EF4-FFF2-40B4-BE49-F238E27FC236}">
+                <a16:creationId xmlns:a16="http://schemas.microsoft.com/office/drawing/2014/main" id="{35F7CA1B-41FC-4B45-99D8-A9261510A933}"/>
+              </a:ext>
+            </a:extLst>
+          </p:cNvPr>
+          <p:cNvSpPr/>
+          <p:nvPr/>
+        </p:nvSpPr>
+        <p:spPr>
+          <a:xfrm>
+            <a:off x="3536084" y="1170713"/>
+            <a:ext cx="1112116" cy="360000"/>
+          </a:xfrm>
+          <a:prstGeom prst="rect">
+            <a:avLst/>
+          </a:prstGeom>
+          <a:solidFill>
+            <a:schemeClr val="accent4">
+              <a:lumMod val="50000"/>
+            </a:schemeClr>
+          </a:solidFill>
+          <a:ln>
+            <a:noFill/>
+          </a:ln>
+        </p:spPr>
+        <p:style>
+          <a:lnRef idx="2">
+            <a:schemeClr val="accent1">
+              <a:shade val="50000"/>
+            </a:schemeClr>
+          </a:lnRef>
+          <a:fillRef idx="1">
+            <a:schemeClr val="accent1"/>
+          </a:fillRef>
+          <a:effectRef idx="0">
+            <a:schemeClr val="accent1"/>
+          </a:effectRef>
+          <a:fontRef idx="minor">
+            <a:schemeClr val="lt1"/>
+          </a:fontRef>
+        </p:style>
+        <p:txBody>
+          <a:bodyPr rtlCol="0" anchor="ctr"/>
+          <a:lstStyle/>
+          <a:p>
+            <a:pPr algn="ctr"/>
+            <a:r>
+              <a:rPr lang="zh-CN" altLang="en-US" sz="1200" dirty="0"/>
+              <a:t>信息采集</a:t>
+            </a:r>
+          </a:p>
+        </p:txBody>
+      </p:sp>
+      <p:sp>
+        <p:nvSpPr>
+          <p:cNvPr id="40" name="Rectangle 39">
+            <a:extLst>
+              <a:ext uri="{FF2B5EF4-FFF2-40B4-BE49-F238E27FC236}">
+                <a16:creationId xmlns:a16="http://schemas.microsoft.com/office/drawing/2014/main" id="{6F504987-7230-4D83-B5FE-014DB52448F7}"/>
+              </a:ext>
+            </a:extLst>
+          </p:cNvPr>
+          <p:cNvSpPr/>
+          <p:nvPr/>
+        </p:nvSpPr>
+        <p:spPr>
+          <a:xfrm>
+            <a:off x="4862042" y="1170713"/>
+            <a:ext cx="1100093" cy="360000"/>
+          </a:xfrm>
+          <a:prstGeom prst="rect">
+            <a:avLst/>
+          </a:prstGeom>
+          <a:solidFill>
+            <a:schemeClr val="accent4">
+              <a:lumMod val="50000"/>
+            </a:schemeClr>
+          </a:solidFill>
+          <a:ln>
+            <a:noFill/>
+          </a:ln>
+        </p:spPr>
+        <p:style>
+          <a:lnRef idx="2">
+            <a:schemeClr val="accent1">
+              <a:shade val="50000"/>
+            </a:schemeClr>
+          </a:lnRef>
+          <a:fillRef idx="1">
+            <a:schemeClr val="accent1"/>
+          </a:fillRef>
+          <a:effectRef idx="0">
+            <a:schemeClr val="accent1"/>
+          </a:effectRef>
+          <a:fontRef idx="minor">
+            <a:schemeClr val="lt1"/>
+          </a:fontRef>
+        </p:style>
+        <p:txBody>
+          <a:bodyPr rtlCol="0" anchor="ctr"/>
+          <a:lstStyle/>
+          <a:p>
+            <a:pPr algn="ctr"/>
+            <a:r>
+              <a:rPr lang="zh-CN" altLang="en-US" sz="1200" dirty="0"/>
+              <a:t>凭证管理</a:t>
+            </a:r>
+          </a:p>
+        </p:txBody>
+      </p:sp>
+      <p:sp>
+        <p:nvSpPr>
+          <p:cNvPr id="41" name="Rectangle 40">
+            <a:extLst>
+              <a:ext uri="{FF2B5EF4-FFF2-40B4-BE49-F238E27FC236}">
+                <a16:creationId xmlns:a16="http://schemas.microsoft.com/office/drawing/2014/main" id="{A6C734F1-18E8-49A8-9B42-B7B5C2162D66}"/>
+              </a:ext>
+            </a:extLst>
+          </p:cNvPr>
+          <p:cNvSpPr/>
+          <p:nvPr/>
+        </p:nvSpPr>
+        <p:spPr>
+          <a:xfrm>
+            <a:off x="7454900" y="1170713"/>
+            <a:ext cx="1060966" cy="360000"/>
+          </a:xfrm>
+          <a:prstGeom prst="rect">
+            <a:avLst/>
+          </a:prstGeom>
+          <a:solidFill>
+            <a:schemeClr val="accent4">
+              <a:lumMod val="50000"/>
+            </a:schemeClr>
+          </a:solidFill>
+          <a:ln>
+            <a:noFill/>
+          </a:ln>
+        </p:spPr>
+        <p:style>
+          <a:lnRef idx="2">
+            <a:schemeClr val="accent1">
+              <a:shade val="50000"/>
+            </a:schemeClr>
+          </a:lnRef>
+          <a:fillRef idx="1">
+            <a:schemeClr val="accent1"/>
+          </a:fillRef>
+          <a:effectRef idx="0">
+            <a:schemeClr val="accent1"/>
+          </a:effectRef>
+          <a:fontRef idx="minor">
+            <a:schemeClr val="lt1"/>
+          </a:fontRef>
+        </p:style>
+        <p:txBody>
+          <a:bodyPr rtlCol="0" anchor="ctr"/>
+          <a:lstStyle/>
+          <a:p>
+            <a:pPr algn="ctr"/>
+            <a:r>
+              <a:rPr lang="zh-CN" altLang="en-US" sz="1200" dirty="0"/>
+              <a:t>客户分级</a:t>
+            </a:r>
+          </a:p>
+        </p:txBody>
+      </p:sp>
+      <p:sp>
+        <p:nvSpPr>
+          <p:cNvPr id="42" name="Rectangle 41">
+            <a:extLst>
+              <a:ext uri="{FF2B5EF4-FFF2-40B4-BE49-F238E27FC236}">
+                <a16:creationId xmlns:a16="http://schemas.microsoft.com/office/drawing/2014/main" id="{7BEA1D41-0D99-476C-9C1E-B1664807BE77}"/>
+              </a:ext>
+            </a:extLst>
+          </p:cNvPr>
+          <p:cNvSpPr/>
+          <p:nvPr/>
+        </p:nvSpPr>
+        <p:spPr>
+          <a:xfrm>
+            <a:off x="6175977" y="1170713"/>
+            <a:ext cx="1065082" cy="360000"/>
+          </a:xfrm>
+          <a:prstGeom prst="rect">
+            <a:avLst/>
+          </a:prstGeom>
+          <a:solidFill>
+            <a:schemeClr val="accent4">
+              <a:lumMod val="50000"/>
+            </a:schemeClr>
+          </a:solidFill>
+          <a:ln>
+            <a:noFill/>
+          </a:ln>
+        </p:spPr>
+        <p:style>
+          <a:lnRef idx="2">
+            <a:schemeClr val="accent1">
+              <a:shade val="50000"/>
+            </a:schemeClr>
+          </a:lnRef>
+          <a:fillRef idx="1">
+            <a:schemeClr val="accent1"/>
+          </a:fillRef>
+          <a:effectRef idx="0">
+            <a:schemeClr val="accent1"/>
+          </a:effectRef>
+          <a:fontRef idx="minor">
+            <a:schemeClr val="lt1"/>
+          </a:fontRef>
+        </p:style>
+        <p:txBody>
+          <a:bodyPr rtlCol="0" anchor="ctr"/>
+          <a:lstStyle/>
+          <a:p>
+            <a:pPr algn="ctr"/>
+            <a:r>
+              <a:rPr lang="zh-CN" altLang="en-US" sz="1200" dirty="0"/>
+              <a:t>信息维护</a:t>
+            </a:r>
+          </a:p>
+        </p:txBody>
+      </p:sp>
+    </p:spTree>
+    <p:extLst>
+      <p:ext uri="{BB962C8B-B14F-4D97-AF65-F5344CB8AC3E}">
+        <p14:creationId xmlns:p14="http://schemas.microsoft.com/office/powerpoint/2010/main" val="312051085"/>
+      </p:ext>
+    </p:extLst>
+  </p:cSld>
+  <p:clrMapOvr>
+    <a:masterClrMapping/>
+  </p:clrMapOvr>
+</p:sld>
+</file>
+
+<file path=ppt/slides/slide14.xml><?xml version="1.0" encoding="utf-8"?>
+<p:sld xmlns:a="http://schemas.openxmlformats.org/drawingml/2006/main" xmlns:r="http://schemas.openxmlformats.org/officeDocument/2006/relationships" xmlns:p="http://schemas.openxmlformats.org/presentationml/2006/main">
+  <p:cSld>
+    <p:spTree>
+      <p:nvGrpSpPr>
+        <p:cNvPr id="1" name=""/>
+        <p:cNvGrpSpPr/>
+        <p:nvPr/>
+      </p:nvGrpSpPr>
+      <p:grpSpPr>
+        <a:xfrm>
+          <a:off x="0" y="0"/>
+          <a:ext cx="0" cy="0"/>
+          <a:chOff x="0" y="0"/>
+          <a:chExt cx="0" cy="0"/>
+        </a:xfrm>
+      </p:grpSpPr>
+      <p:sp>
+        <p:nvSpPr>
+          <p:cNvPr id="2" name="Rectangle 1">
+            <a:extLst>
+              <a:ext uri="{FF2B5EF4-FFF2-40B4-BE49-F238E27FC236}">
+                <a16:creationId xmlns:a16="http://schemas.microsoft.com/office/drawing/2014/main" id="{0CF92DF0-FC8E-4450-901D-DC5104557805}"/>
+              </a:ext>
+            </a:extLst>
+          </p:cNvPr>
+          <p:cNvSpPr/>
+          <p:nvPr/>
+        </p:nvSpPr>
+        <p:spPr>
+          <a:xfrm>
+            <a:off x="2860582" y="334439"/>
+            <a:ext cx="4410170" cy="603233"/>
+          </a:xfrm>
+          <a:prstGeom prst="rect">
+            <a:avLst/>
+          </a:prstGeom>
+          <a:solidFill>
+            <a:schemeClr val="accent6">
+              <a:lumMod val="20000"/>
+              <a:lumOff val="80000"/>
+            </a:schemeClr>
+          </a:solidFill>
+          <a:ln w="6350">
+            <a:solidFill>
+              <a:schemeClr val="accent1">
+                <a:lumMod val="50000"/>
+              </a:schemeClr>
+            </a:solidFill>
+            <a:prstDash val="dash"/>
+          </a:ln>
+        </p:spPr>
+        <p:style>
+          <a:lnRef idx="2">
+            <a:schemeClr val="accent1">
+              <a:shade val="50000"/>
+            </a:schemeClr>
+          </a:lnRef>
+          <a:fillRef idx="1">
+            <a:schemeClr val="accent1"/>
+          </a:fillRef>
+          <a:effectRef idx="0">
+            <a:schemeClr val="accent1"/>
+          </a:effectRef>
+          <a:fontRef idx="minor">
+            <a:schemeClr val="lt1"/>
+          </a:fontRef>
+        </p:style>
+        <p:txBody>
+          <a:bodyPr vert="eaVert" rtlCol="0" anchor="b"/>
+          <a:lstStyle/>
+          <a:p>
+            <a:r>
+              <a:rPr lang="zh-CN" altLang="en-US" sz="1200" dirty="0">
+                <a:solidFill>
+                  <a:schemeClr val="accent1">
+                    <a:lumMod val="50000"/>
+                  </a:schemeClr>
+                </a:solidFill>
+              </a:rPr>
+              <a:t>接口层</a:t>
+            </a:r>
+          </a:p>
+        </p:txBody>
+      </p:sp>
+      <p:sp>
+        <p:nvSpPr>
+          <p:cNvPr id="3" name="Rectangle 2">
+            <a:extLst>
+              <a:ext uri="{FF2B5EF4-FFF2-40B4-BE49-F238E27FC236}">
+                <a16:creationId xmlns:a16="http://schemas.microsoft.com/office/drawing/2014/main" id="{D76DCD34-B8EE-4A89-BA61-38248D2F7D6D}"/>
+              </a:ext>
+            </a:extLst>
+          </p:cNvPr>
+          <p:cNvSpPr/>
+          <p:nvPr/>
+        </p:nvSpPr>
+        <p:spPr>
+          <a:xfrm>
+            <a:off x="3221159" y="479052"/>
+            <a:ext cx="1112116" cy="360000"/>
+          </a:xfrm>
+          <a:prstGeom prst="rect">
+            <a:avLst/>
+          </a:prstGeom>
+          <a:solidFill>
+            <a:schemeClr val="accent6">
+              <a:lumMod val="50000"/>
+            </a:schemeClr>
+          </a:solidFill>
+          <a:ln>
+            <a:noFill/>
+          </a:ln>
+        </p:spPr>
+        <p:style>
+          <a:lnRef idx="2">
+            <a:schemeClr val="accent1">
+              <a:shade val="50000"/>
+            </a:schemeClr>
+          </a:lnRef>
+          <a:fillRef idx="1">
+            <a:schemeClr val="accent1"/>
+          </a:fillRef>
+          <a:effectRef idx="0">
+            <a:schemeClr val="accent1"/>
+          </a:effectRef>
+          <a:fontRef idx="minor">
+            <a:schemeClr val="lt1"/>
+          </a:fontRef>
+        </p:style>
+        <p:txBody>
+          <a:bodyPr rtlCol="0" anchor="ctr"/>
+          <a:lstStyle/>
+          <a:p>
+            <a:pPr algn="ctr"/>
+            <a:r>
+              <a:rPr lang="zh-CN" altLang="en-US" sz="1200" dirty="0"/>
+              <a:t>服务总线</a:t>
+            </a:r>
+          </a:p>
+        </p:txBody>
+      </p:sp>
+      <p:sp>
+        <p:nvSpPr>
+          <p:cNvPr id="4" name="Rectangle 3">
+            <a:extLst>
+              <a:ext uri="{FF2B5EF4-FFF2-40B4-BE49-F238E27FC236}">
+                <a16:creationId xmlns:a16="http://schemas.microsoft.com/office/drawing/2014/main" id="{B1806A1C-FD9B-467E-819D-8C0109D1079F}"/>
+              </a:ext>
+            </a:extLst>
+          </p:cNvPr>
+          <p:cNvSpPr/>
+          <p:nvPr/>
+        </p:nvSpPr>
+        <p:spPr>
+          <a:xfrm>
+            <a:off x="4415474" y="479052"/>
+            <a:ext cx="1470449" cy="360000"/>
+          </a:xfrm>
+          <a:prstGeom prst="rect">
+            <a:avLst/>
+          </a:prstGeom>
+          <a:solidFill>
+            <a:schemeClr val="accent6">
+              <a:lumMod val="50000"/>
+            </a:schemeClr>
+          </a:solidFill>
+          <a:ln>
+            <a:noFill/>
+          </a:ln>
+        </p:spPr>
+        <p:style>
+          <a:lnRef idx="2">
+            <a:schemeClr val="accent1">
+              <a:shade val="50000"/>
+            </a:schemeClr>
+          </a:lnRef>
+          <a:fillRef idx="1">
+            <a:schemeClr val="accent1"/>
+          </a:fillRef>
+          <a:effectRef idx="0">
+            <a:schemeClr val="accent1"/>
+          </a:effectRef>
+          <a:fontRef idx="minor">
+            <a:schemeClr val="lt1"/>
+          </a:fontRef>
+        </p:style>
+        <p:txBody>
+          <a:bodyPr rtlCol="0" anchor="ctr"/>
+          <a:lstStyle/>
+          <a:p>
+            <a:pPr algn="ctr"/>
+            <a:r>
+              <a:rPr lang="zh-CN" altLang="en-US" sz="1200" dirty="0"/>
+              <a:t>互联网开放平台</a:t>
+            </a:r>
+          </a:p>
+        </p:txBody>
+      </p:sp>
+      <p:sp>
+        <p:nvSpPr>
+          <p:cNvPr id="5" name="Rectangle 4">
+            <a:extLst>
+              <a:ext uri="{FF2B5EF4-FFF2-40B4-BE49-F238E27FC236}">
+                <a16:creationId xmlns:a16="http://schemas.microsoft.com/office/drawing/2014/main" id="{72187B78-28D0-4BA1-B9B1-ADC9F2BD8C80}"/>
+              </a:ext>
+            </a:extLst>
+          </p:cNvPr>
+          <p:cNvSpPr/>
+          <p:nvPr/>
+        </p:nvSpPr>
+        <p:spPr>
+          <a:xfrm>
+            <a:off x="5968122" y="479052"/>
+            <a:ext cx="1060966" cy="360000"/>
+          </a:xfrm>
+          <a:prstGeom prst="rect">
+            <a:avLst/>
+          </a:prstGeom>
+          <a:solidFill>
+            <a:schemeClr val="accent6">
+              <a:lumMod val="50000"/>
+            </a:schemeClr>
+          </a:solidFill>
+          <a:ln>
+            <a:noFill/>
+          </a:ln>
+        </p:spPr>
+        <p:style>
+          <a:lnRef idx="2">
+            <a:schemeClr val="accent1">
+              <a:shade val="50000"/>
+            </a:schemeClr>
+          </a:lnRef>
+          <a:fillRef idx="1">
+            <a:schemeClr val="accent1"/>
+          </a:fillRef>
+          <a:effectRef idx="0">
+            <a:schemeClr val="accent1"/>
+          </a:effectRef>
+          <a:fontRef idx="minor">
+            <a:schemeClr val="lt1"/>
+          </a:fontRef>
+        </p:style>
+        <p:txBody>
+          <a:bodyPr rtlCol="0" anchor="ctr"/>
+          <a:lstStyle/>
+          <a:p>
+            <a:pPr algn="ctr"/>
+            <a:r>
+              <a:rPr lang="zh-CN" altLang="en-US" sz="1200" dirty="0"/>
+              <a:t>外部渠道</a:t>
+            </a:r>
+          </a:p>
+        </p:txBody>
+      </p:sp>
+      <p:sp>
+        <p:nvSpPr>
+          <p:cNvPr id="7" name="Rectangle 6">
+            <a:extLst>
+              <a:ext uri="{FF2B5EF4-FFF2-40B4-BE49-F238E27FC236}">
+                <a16:creationId xmlns:a16="http://schemas.microsoft.com/office/drawing/2014/main" id="{A8851A18-0396-4BBC-82AE-500BFFB973B7}"/>
+              </a:ext>
+            </a:extLst>
+          </p:cNvPr>
+          <p:cNvSpPr/>
+          <p:nvPr/>
+        </p:nvSpPr>
+        <p:spPr>
+          <a:xfrm>
+            <a:off x="4753557" y="5563213"/>
+            <a:ext cx="4386656" cy="1167662"/>
+          </a:xfrm>
+          <a:prstGeom prst="rect">
+            <a:avLst/>
+          </a:prstGeom>
+          <a:solidFill>
+            <a:schemeClr val="accent1">
+              <a:lumMod val="20000"/>
+              <a:lumOff val="80000"/>
+            </a:schemeClr>
+          </a:solidFill>
+          <a:ln w="3175">
+            <a:solidFill>
+              <a:schemeClr val="accent1">
+                <a:lumMod val="50000"/>
+              </a:schemeClr>
+            </a:solidFill>
+            <a:prstDash val="dash"/>
+          </a:ln>
+        </p:spPr>
+        <p:style>
+          <a:lnRef idx="2">
+            <a:schemeClr val="accent1">
+              <a:shade val="50000"/>
+            </a:schemeClr>
+          </a:lnRef>
+          <a:fillRef idx="1">
+            <a:schemeClr val="accent1"/>
+          </a:fillRef>
+          <a:effectRef idx="0">
+            <a:schemeClr val="accent1"/>
+          </a:effectRef>
+          <a:fontRef idx="minor">
+            <a:schemeClr val="lt1"/>
+          </a:fontRef>
+        </p:style>
+        <p:txBody>
+          <a:bodyPr vert="eaVert" rtlCol="0" anchor="b"/>
+          <a:lstStyle/>
+          <a:p>
+            <a:pPr algn="ctr"/>
+            <a:r>
+              <a:rPr lang="zh-CN" altLang="en-US" sz="1400" dirty="0">
+                <a:solidFill>
+                  <a:schemeClr val="accent1">
+                    <a:lumMod val="50000"/>
+                  </a:schemeClr>
+                </a:solidFill>
+              </a:rPr>
+              <a:t>产品管理</a:t>
+            </a:r>
+          </a:p>
+        </p:txBody>
+      </p:sp>
+      <p:sp>
+        <p:nvSpPr>
+          <p:cNvPr id="8" name="Rectangle 7">
+            <a:extLst>
+              <a:ext uri="{FF2B5EF4-FFF2-40B4-BE49-F238E27FC236}">
+                <a16:creationId xmlns:a16="http://schemas.microsoft.com/office/drawing/2014/main" id="{360E3650-8270-4834-8012-BB9CFA6D0986}"/>
+              </a:ext>
+            </a:extLst>
+          </p:cNvPr>
+          <p:cNvSpPr/>
+          <p:nvPr/>
+        </p:nvSpPr>
+        <p:spPr>
+          <a:xfrm>
+            <a:off x="5153101" y="5651733"/>
+            <a:ext cx="687866" cy="360000"/>
+          </a:xfrm>
+          <a:prstGeom prst="rect">
+            <a:avLst/>
+          </a:prstGeom>
+          <a:solidFill>
+            <a:schemeClr val="accent1">
+              <a:lumMod val="50000"/>
+            </a:schemeClr>
+          </a:solidFill>
+          <a:ln>
+            <a:noFill/>
+          </a:ln>
+        </p:spPr>
+        <p:style>
+          <a:lnRef idx="2">
+            <a:schemeClr val="accent1">
+              <a:shade val="50000"/>
+            </a:schemeClr>
+          </a:lnRef>
+          <a:fillRef idx="1">
+            <a:schemeClr val="accent1"/>
+          </a:fillRef>
+          <a:effectRef idx="0">
+            <a:schemeClr val="accent1"/>
+          </a:effectRef>
+          <a:fontRef idx="minor">
+            <a:schemeClr val="lt1"/>
+          </a:fontRef>
+        </p:style>
+        <p:txBody>
+          <a:bodyPr rtlCol="0" anchor="ctr"/>
+          <a:lstStyle/>
+          <a:p>
+            <a:pPr algn="ctr"/>
+            <a:r>
+              <a:rPr lang="zh-CN" altLang="en-US" sz="1200" dirty="0"/>
+              <a:t>理财</a:t>
+            </a:r>
+          </a:p>
+        </p:txBody>
+      </p:sp>
+      <p:sp>
+        <p:nvSpPr>
+          <p:cNvPr id="9" name="Rectangle 8">
+            <a:extLst>
+              <a:ext uri="{FF2B5EF4-FFF2-40B4-BE49-F238E27FC236}">
+                <a16:creationId xmlns:a16="http://schemas.microsoft.com/office/drawing/2014/main" id="{E708878A-BF6B-4B2B-8D15-A8D92F30C59C}"/>
+              </a:ext>
+            </a:extLst>
+          </p:cNvPr>
+          <p:cNvSpPr/>
+          <p:nvPr/>
+        </p:nvSpPr>
+        <p:spPr>
+          <a:xfrm>
+            <a:off x="5996107" y="5651733"/>
+            <a:ext cx="687866" cy="360000"/>
+          </a:xfrm>
+          <a:prstGeom prst="rect">
+            <a:avLst/>
+          </a:prstGeom>
+          <a:solidFill>
+            <a:schemeClr val="accent1">
+              <a:lumMod val="50000"/>
+            </a:schemeClr>
+          </a:solidFill>
+          <a:ln>
+            <a:noFill/>
+          </a:ln>
+        </p:spPr>
+        <p:style>
+          <a:lnRef idx="2">
+            <a:schemeClr val="accent1">
+              <a:shade val="50000"/>
+            </a:schemeClr>
+          </a:lnRef>
+          <a:fillRef idx="1">
+            <a:schemeClr val="accent1"/>
+          </a:fillRef>
+          <a:effectRef idx="0">
+            <a:schemeClr val="accent1"/>
+          </a:effectRef>
+          <a:fontRef idx="minor">
+            <a:schemeClr val="lt1"/>
+          </a:fontRef>
+        </p:style>
+        <p:txBody>
+          <a:bodyPr rtlCol="0" anchor="ctr"/>
+          <a:lstStyle/>
+          <a:p>
+            <a:pPr algn="ctr"/>
+            <a:r>
+              <a:rPr lang="zh-CN" altLang="en-US" sz="1200" dirty="0"/>
+              <a:t>票据</a:t>
+            </a:r>
+          </a:p>
+        </p:txBody>
+      </p:sp>
+      <p:sp>
+        <p:nvSpPr>
+          <p:cNvPr id="10" name="Rectangle 9">
+            <a:extLst>
+              <a:ext uri="{FF2B5EF4-FFF2-40B4-BE49-F238E27FC236}">
+                <a16:creationId xmlns:a16="http://schemas.microsoft.com/office/drawing/2014/main" id="{476C90A2-2AF3-4E50-BC4C-129B54CDBDAD}"/>
+              </a:ext>
+            </a:extLst>
+          </p:cNvPr>
+          <p:cNvSpPr/>
+          <p:nvPr/>
+        </p:nvSpPr>
+        <p:spPr>
+          <a:xfrm>
+            <a:off x="7991033" y="5651733"/>
+            <a:ext cx="974128" cy="360000"/>
+          </a:xfrm>
+          <a:prstGeom prst="rect">
+            <a:avLst/>
+          </a:prstGeom>
+          <a:solidFill>
+            <a:schemeClr val="accent1">
+              <a:lumMod val="50000"/>
+            </a:schemeClr>
+          </a:solidFill>
+          <a:ln>
+            <a:noFill/>
+          </a:ln>
+        </p:spPr>
+        <p:style>
+          <a:lnRef idx="2">
+            <a:schemeClr val="accent1">
+              <a:shade val="50000"/>
+            </a:schemeClr>
+          </a:lnRef>
+          <a:fillRef idx="1">
+            <a:schemeClr val="accent1"/>
+          </a:fillRef>
+          <a:effectRef idx="0">
+            <a:schemeClr val="accent1"/>
+          </a:effectRef>
+          <a:fontRef idx="minor">
+            <a:schemeClr val="lt1"/>
+          </a:fontRef>
+        </p:style>
+        <p:txBody>
+          <a:bodyPr rtlCol="0" anchor="ctr"/>
+          <a:lstStyle/>
+          <a:p>
+            <a:pPr algn="ctr"/>
+            <a:r>
+              <a:rPr lang="zh-CN" altLang="en-US" sz="1200" dirty="0"/>
+              <a:t>直销银行</a:t>
+            </a:r>
+          </a:p>
+        </p:txBody>
+      </p:sp>
+      <p:sp>
+        <p:nvSpPr>
+          <p:cNvPr id="11" name="Rectangle 10">
+            <a:extLst>
+              <a:ext uri="{FF2B5EF4-FFF2-40B4-BE49-F238E27FC236}">
+                <a16:creationId xmlns:a16="http://schemas.microsoft.com/office/drawing/2014/main" id="{F80018DB-A54B-404A-A1AB-F4703A8DABBD}"/>
+              </a:ext>
+            </a:extLst>
+          </p:cNvPr>
+          <p:cNvSpPr/>
+          <p:nvPr/>
+        </p:nvSpPr>
+        <p:spPr>
+          <a:xfrm>
+            <a:off x="5153101" y="6172789"/>
+            <a:ext cx="1202722" cy="360000"/>
+          </a:xfrm>
+          <a:prstGeom prst="rect">
+            <a:avLst/>
+          </a:prstGeom>
+          <a:solidFill>
+            <a:schemeClr val="accent1">
+              <a:lumMod val="50000"/>
+            </a:schemeClr>
+          </a:solidFill>
+          <a:ln>
+            <a:noFill/>
+          </a:ln>
+        </p:spPr>
+        <p:style>
+          <a:lnRef idx="2">
+            <a:schemeClr val="accent1">
+              <a:shade val="50000"/>
+            </a:schemeClr>
+          </a:lnRef>
+          <a:fillRef idx="1">
+            <a:schemeClr val="accent1"/>
+          </a:fillRef>
+          <a:effectRef idx="0">
+            <a:schemeClr val="accent1"/>
+          </a:effectRef>
+          <a:fontRef idx="minor">
+            <a:schemeClr val="lt1"/>
+          </a:fontRef>
+        </p:style>
+        <p:txBody>
+          <a:bodyPr rtlCol="0" anchor="ctr"/>
+          <a:lstStyle/>
+          <a:p>
+            <a:pPr algn="ctr"/>
+            <a:r>
+              <a:rPr lang="zh-CN" altLang="en-US" sz="1200" dirty="0"/>
+              <a:t>现金管理</a:t>
+            </a:r>
+          </a:p>
+        </p:txBody>
+      </p:sp>
+      <p:sp>
+        <p:nvSpPr>
+          <p:cNvPr id="12" name="Rectangle 11">
+            <a:extLst>
+              <a:ext uri="{FF2B5EF4-FFF2-40B4-BE49-F238E27FC236}">
+                <a16:creationId xmlns:a16="http://schemas.microsoft.com/office/drawing/2014/main" id="{AFCF0EC3-1822-4B42-ACF7-3EE007B6F14E}"/>
+              </a:ext>
+            </a:extLst>
+          </p:cNvPr>
+          <p:cNvSpPr/>
+          <p:nvPr/>
+        </p:nvSpPr>
+        <p:spPr>
+          <a:xfrm>
+            <a:off x="6839113" y="5651733"/>
+            <a:ext cx="996780" cy="360000"/>
+          </a:xfrm>
+          <a:prstGeom prst="rect">
+            <a:avLst/>
+          </a:prstGeom>
+          <a:solidFill>
+            <a:schemeClr val="accent2">
+              <a:lumMod val="50000"/>
+            </a:schemeClr>
+          </a:solidFill>
+          <a:ln>
+            <a:noFill/>
+          </a:ln>
+        </p:spPr>
+        <p:style>
+          <a:lnRef idx="2">
+            <a:schemeClr val="accent1">
+              <a:shade val="50000"/>
+            </a:schemeClr>
+          </a:lnRef>
+          <a:fillRef idx="1">
+            <a:schemeClr val="accent1"/>
+          </a:fillRef>
+          <a:effectRef idx="0">
+            <a:schemeClr val="accent1"/>
+          </a:effectRef>
+          <a:fontRef idx="minor">
+            <a:schemeClr val="lt1"/>
+          </a:fontRef>
+        </p:style>
+        <p:txBody>
+          <a:bodyPr rtlCol="0" anchor="ctr"/>
+          <a:lstStyle/>
+          <a:p>
+            <a:pPr algn="ctr"/>
+            <a:r>
+              <a:rPr lang="zh-CN" altLang="en-US" sz="1200" dirty="0"/>
+              <a:t>存管系统</a:t>
+            </a:r>
+          </a:p>
+        </p:txBody>
+      </p:sp>
+      <p:sp>
+        <p:nvSpPr>
+          <p:cNvPr id="13" name="Rectangle 12">
+            <a:extLst>
+              <a:ext uri="{FF2B5EF4-FFF2-40B4-BE49-F238E27FC236}">
+                <a16:creationId xmlns:a16="http://schemas.microsoft.com/office/drawing/2014/main" id="{F5C5B8D1-48F0-4F09-884B-3617559CB3F0}"/>
+              </a:ext>
+            </a:extLst>
+          </p:cNvPr>
+          <p:cNvSpPr/>
+          <p:nvPr/>
+        </p:nvSpPr>
+        <p:spPr>
+          <a:xfrm>
+            <a:off x="6450563" y="6172789"/>
+            <a:ext cx="1202722" cy="360000"/>
+          </a:xfrm>
+          <a:prstGeom prst="rect">
+            <a:avLst/>
+          </a:prstGeom>
+          <a:solidFill>
+            <a:schemeClr val="accent1">
+              <a:lumMod val="50000"/>
+            </a:schemeClr>
+          </a:solidFill>
+          <a:ln>
+            <a:noFill/>
+          </a:ln>
+        </p:spPr>
+        <p:style>
+          <a:lnRef idx="2">
+            <a:schemeClr val="accent1">
+              <a:shade val="50000"/>
+            </a:schemeClr>
+          </a:lnRef>
+          <a:fillRef idx="1">
+            <a:schemeClr val="accent1"/>
+          </a:fillRef>
+          <a:effectRef idx="0">
+            <a:schemeClr val="accent1"/>
+          </a:effectRef>
+          <a:fontRef idx="minor">
+            <a:schemeClr val="lt1"/>
+          </a:fontRef>
+        </p:style>
+        <p:txBody>
+          <a:bodyPr rtlCol="0" anchor="ctr"/>
+          <a:lstStyle/>
+          <a:p>
+            <a:pPr algn="ctr"/>
+            <a:r>
+              <a:rPr lang="zh-CN" altLang="en-US" sz="1200" dirty="0"/>
+              <a:t>聚合支付</a:t>
+            </a:r>
+          </a:p>
+        </p:txBody>
+      </p:sp>
+      <p:sp>
+        <p:nvSpPr>
+          <p:cNvPr id="14" name="Rectangle 13">
+            <a:extLst>
+              <a:ext uri="{FF2B5EF4-FFF2-40B4-BE49-F238E27FC236}">
+                <a16:creationId xmlns:a16="http://schemas.microsoft.com/office/drawing/2014/main" id="{CF363AE7-6C4E-45E7-A82B-95D897A7BDDA}"/>
+              </a:ext>
+            </a:extLst>
+          </p:cNvPr>
+          <p:cNvSpPr/>
+          <p:nvPr/>
+        </p:nvSpPr>
+        <p:spPr>
+          <a:xfrm>
+            <a:off x="7762439" y="6172789"/>
+            <a:ext cx="1202722" cy="360000"/>
+          </a:xfrm>
+          <a:prstGeom prst="rect">
+            <a:avLst/>
+          </a:prstGeom>
+          <a:solidFill>
+            <a:schemeClr val="accent1">
+              <a:lumMod val="50000"/>
+            </a:schemeClr>
+          </a:solidFill>
+          <a:ln>
+            <a:noFill/>
+          </a:ln>
+        </p:spPr>
+        <p:style>
+          <a:lnRef idx="2">
+            <a:schemeClr val="accent1">
+              <a:shade val="50000"/>
+            </a:schemeClr>
+          </a:lnRef>
+          <a:fillRef idx="1">
+            <a:schemeClr val="accent1"/>
+          </a:fillRef>
+          <a:effectRef idx="0">
+            <a:schemeClr val="accent1"/>
+          </a:effectRef>
+          <a:fontRef idx="minor">
+            <a:schemeClr val="lt1"/>
+          </a:fontRef>
+        </p:style>
+        <p:txBody>
+          <a:bodyPr rtlCol="0" anchor="ctr"/>
+          <a:lstStyle/>
+          <a:p>
+            <a:pPr algn="ctr"/>
+            <a:r>
+              <a:rPr lang="zh-CN" altLang="en-US" sz="1200" dirty="0"/>
+              <a:t>虚拟账户</a:t>
+            </a:r>
+          </a:p>
+        </p:txBody>
+      </p:sp>
+      <p:sp>
+        <p:nvSpPr>
+          <p:cNvPr id="15" name="Rectangle 14">
+            <a:extLst>
+              <a:ext uri="{FF2B5EF4-FFF2-40B4-BE49-F238E27FC236}">
+                <a16:creationId xmlns:a16="http://schemas.microsoft.com/office/drawing/2014/main" id="{ED02866E-097F-41CB-8EAF-48F0124A2FCC}"/>
+              </a:ext>
+            </a:extLst>
+          </p:cNvPr>
+          <p:cNvSpPr/>
+          <p:nvPr/>
+        </p:nvSpPr>
+        <p:spPr>
+          <a:xfrm>
+            <a:off x="5992573" y="1033204"/>
+            <a:ext cx="1278178" cy="2740301"/>
+          </a:xfrm>
+          <a:prstGeom prst="rect">
+            <a:avLst/>
+          </a:prstGeom>
+          <a:solidFill>
+            <a:schemeClr val="accent1">
+              <a:lumMod val="20000"/>
+              <a:lumOff val="80000"/>
+            </a:schemeClr>
+          </a:solidFill>
+          <a:ln w="3175">
+            <a:solidFill>
+              <a:schemeClr val="accent1">
+                <a:lumMod val="50000"/>
+              </a:schemeClr>
+            </a:solidFill>
+            <a:prstDash val="dash"/>
+          </a:ln>
+        </p:spPr>
+        <p:style>
+          <a:lnRef idx="2">
+            <a:schemeClr val="accent1">
+              <a:shade val="50000"/>
+            </a:schemeClr>
+          </a:lnRef>
+          <a:fillRef idx="1">
+            <a:schemeClr val="accent1"/>
+          </a:fillRef>
+          <a:effectRef idx="0">
+            <a:schemeClr val="accent1"/>
+          </a:effectRef>
+          <a:fontRef idx="minor">
+            <a:schemeClr val="lt1"/>
+          </a:fontRef>
+        </p:style>
+        <p:txBody>
+          <a:bodyPr rtlCol="0" anchor="t"/>
+          <a:lstStyle/>
+          <a:p>
+            <a:pPr algn="ctr"/>
+            <a:r>
+              <a:rPr lang="zh-CN" altLang="en-US" sz="1200" dirty="0">
+                <a:solidFill>
+                  <a:schemeClr val="accent1">
+                    <a:lumMod val="50000"/>
+                  </a:schemeClr>
+                </a:solidFill>
+              </a:rPr>
+              <a:t>运营管理</a:t>
+            </a:r>
+          </a:p>
+        </p:txBody>
+      </p:sp>
+      <p:sp>
+        <p:nvSpPr>
+          <p:cNvPr id="16" name="Rectangle 15">
+            <a:extLst>
+              <a:ext uri="{FF2B5EF4-FFF2-40B4-BE49-F238E27FC236}">
+                <a16:creationId xmlns:a16="http://schemas.microsoft.com/office/drawing/2014/main" id="{FA58EB59-67A9-4DA3-82D0-C5D0B45B9EF8}"/>
+              </a:ext>
+            </a:extLst>
+          </p:cNvPr>
+          <p:cNvSpPr/>
+          <p:nvPr/>
+        </p:nvSpPr>
+        <p:spPr>
+          <a:xfrm>
+            <a:off x="2860581" y="3873830"/>
+            <a:ext cx="4410170" cy="774846"/>
+          </a:xfrm>
+          <a:prstGeom prst="rect">
+            <a:avLst/>
+          </a:prstGeom>
+          <a:solidFill>
+            <a:schemeClr val="accent1">
+              <a:lumMod val="20000"/>
+              <a:lumOff val="80000"/>
+            </a:schemeClr>
+          </a:solidFill>
+          <a:ln w="3175">
+            <a:solidFill>
+              <a:schemeClr val="accent1">
+                <a:lumMod val="50000"/>
+              </a:schemeClr>
+            </a:solidFill>
+            <a:prstDash val="dash"/>
+          </a:ln>
+        </p:spPr>
+        <p:style>
+          <a:lnRef idx="2">
+            <a:schemeClr val="accent1">
+              <a:shade val="50000"/>
+            </a:schemeClr>
+          </a:lnRef>
+          <a:fillRef idx="1">
+            <a:schemeClr val="accent1"/>
+          </a:fillRef>
+          <a:effectRef idx="0">
+            <a:schemeClr val="accent1"/>
+          </a:effectRef>
+          <a:fontRef idx="minor">
+            <a:schemeClr val="lt1"/>
+          </a:fontRef>
+        </p:style>
+        <p:txBody>
+          <a:bodyPr rtlCol="0" anchor="t"/>
+          <a:lstStyle/>
+          <a:p>
+            <a:pPr algn="ctr"/>
+            <a:r>
+              <a:rPr lang="zh-CN" altLang="en-US" sz="1200" dirty="0">
+                <a:solidFill>
+                  <a:schemeClr val="accent1">
+                    <a:lumMod val="50000"/>
+                  </a:schemeClr>
+                </a:solidFill>
+              </a:rPr>
+              <a:t>基础服务</a:t>
+            </a:r>
+          </a:p>
+        </p:txBody>
+      </p:sp>
+      <p:sp>
+        <p:nvSpPr>
+          <p:cNvPr id="18" name="Rectangle 17">
+            <a:extLst>
+              <a:ext uri="{FF2B5EF4-FFF2-40B4-BE49-F238E27FC236}">
+                <a16:creationId xmlns:a16="http://schemas.microsoft.com/office/drawing/2014/main" id="{567A4676-682C-44DF-96E4-D0914102DA6D}"/>
+              </a:ext>
+            </a:extLst>
+          </p:cNvPr>
+          <p:cNvSpPr/>
+          <p:nvPr/>
+        </p:nvSpPr>
+        <p:spPr>
+          <a:xfrm>
+            <a:off x="6060520" y="1324431"/>
+            <a:ext cx="1080000" cy="360000"/>
+          </a:xfrm>
+          <a:prstGeom prst="rect">
+            <a:avLst/>
+          </a:prstGeom>
+          <a:solidFill>
+            <a:schemeClr val="accent1">
+              <a:lumMod val="50000"/>
+            </a:schemeClr>
+          </a:solidFill>
+          <a:ln>
+            <a:noFill/>
+          </a:ln>
+        </p:spPr>
+        <p:style>
+          <a:lnRef idx="2">
+            <a:schemeClr val="accent1">
+              <a:shade val="50000"/>
+            </a:schemeClr>
+          </a:lnRef>
+          <a:fillRef idx="1">
+            <a:schemeClr val="accent1"/>
+          </a:fillRef>
+          <a:effectRef idx="0">
+            <a:schemeClr val="accent1"/>
+          </a:effectRef>
+          <a:fontRef idx="minor">
+            <a:schemeClr val="lt1"/>
+          </a:fontRef>
+        </p:style>
+        <p:txBody>
+          <a:bodyPr rtlCol="0" anchor="ctr"/>
+          <a:lstStyle/>
+          <a:p>
+            <a:pPr algn="ctr"/>
+            <a:r>
+              <a:rPr lang="zh-CN" altLang="en-US" sz="1200" dirty="0"/>
+              <a:t>客户管理</a:t>
+            </a:r>
+          </a:p>
+        </p:txBody>
+      </p:sp>
+      <p:sp>
+        <p:nvSpPr>
+          <p:cNvPr id="19" name="Rectangle 18">
+            <a:extLst>
+              <a:ext uri="{FF2B5EF4-FFF2-40B4-BE49-F238E27FC236}">
+                <a16:creationId xmlns:a16="http://schemas.microsoft.com/office/drawing/2014/main" id="{2CC80B00-7998-4B4F-B9B0-DF04BE8DE2E7}"/>
+              </a:ext>
+            </a:extLst>
+          </p:cNvPr>
+          <p:cNvSpPr/>
+          <p:nvPr/>
+        </p:nvSpPr>
+        <p:spPr>
+          <a:xfrm>
+            <a:off x="2871024" y="6576131"/>
+            <a:ext cx="1080000" cy="360000"/>
+          </a:xfrm>
+          <a:prstGeom prst="rect">
+            <a:avLst/>
+          </a:prstGeom>
+          <a:solidFill>
+            <a:schemeClr val="accent1">
+              <a:lumMod val="50000"/>
+            </a:schemeClr>
+          </a:solidFill>
+          <a:ln>
+            <a:noFill/>
+          </a:ln>
+        </p:spPr>
+        <p:style>
+          <a:lnRef idx="2">
+            <a:schemeClr val="accent1">
+              <a:shade val="50000"/>
+            </a:schemeClr>
+          </a:lnRef>
+          <a:fillRef idx="1">
+            <a:schemeClr val="accent1"/>
+          </a:fillRef>
+          <a:effectRef idx="0">
+            <a:schemeClr val="accent1"/>
+          </a:effectRef>
+          <a:fontRef idx="minor">
+            <a:schemeClr val="lt1"/>
+          </a:fontRef>
+        </p:style>
+        <p:txBody>
+          <a:bodyPr rtlCol="0" anchor="ctr"/>
+          <a:lstStyle/>
+          <a:p>
+            <a:pPr algn="ctr"/>
+            <a:r>
+              <a:rPr lang="zh-CN" altLang="en-US" sz="1200" dirty="0"/>
+              <a:t>支付服务</a:t>
+            </a:r>
+          </a:p>
+        </p:txBody>
+      </p:sp>
+      <p:sp>
+        <p:nvSpPr>
+          <p:cNvPr id="20" name="Rectangle 19">
+            <a:extLst>
+              <a:ext uri="{FF2B5EF4-FFF2-40B4-BE49-F238E27FC236}">
+                <a16:creationId xmlns:a16="http://schemas.microsoft.com/office/drawing/2014/main" id="{F3D9865A-8A26-4B4D-9FC5-12647753C70C}"/>
+              </a:ext>
+            </a:extLst>
+          </p:cNvPr>
+          <p:cNvSpPr/>
+          <p:nvPr/>
+        </p:nvSpPr>
+        <p:spPr>
+          <a:xfrm>
+            <a:off x="2871024" y="7104353"/>
+            <a:ext cx="1080000" cy="360000"/>
+          </a:xfrm>
+          <a:prstGeom prst="rect">
+            <a:avLst/>
+          </a:prstGeom>
+          <a:solidFill>
+            <a:schemeClr val="accent1">
+              <a:lumMod val="50000"/>
+            </a:schemeClr>
+          </a:solidFill>
+          <a:ln>
+            <a:noFill/>
+          </a:ln>
+        </p:spPr>
+        <p:style>
+          <a:lnRef idx="2">
+            <a:schemeClr val="accent1">
+              <a:shade val="50000"/>
+            </a:schemeClr>
+          </a:lnRef>
+          <a:fillRef idx="1">
+            <a:schemeClr val="accent1"/>
+          </a:fillRef>
+          <a:effectRef idx="0">
+            <a:schemeClr val="accent1"/>
+          </a:effectRef>
+          <a:fontRef idx="minor">
+            <a:schemeClr val="lt1"/>
+          </a:fontRef>
+        </p:style>
+        <p:txBody>
+          <a:bodyPr rtlCol="0" anchor="ctr"/>
+          <a:lstStyle/>
+          <a:p>
+            <a:pPr algn="ctr"/>
+            <a:r>
+              <a:rPr lang="zh-CN" altLang="en-US" sz="1200" dirty="0"/>
+              <a:t>资金渠道</a:t>
+            </a:r>
+          </a:p>
+        </p:txBody>
+      </p:sp>
+      <p:sp>
+        <p:nvSpPr>
+          <p:cNvPr id="21" name="Rectangle 20">
+            <a:extLst>
+              <a:ext uri="{FF2B5EF4-FFF2-40B4-BE49-F238E27FC236}">
+                <a16:creationId xmlns:a16="http://schemas.microsoft.com/office/drawing/2014/main" id="{CDB146AE-132F-4CD3-B31B-851F6B89426A}"/>
+              </a:ext>
+            </a:extLst>
+          </p:cNvPr>
+          <p:cNvSpPr/>
+          <p:nvPr/>
+        </p:nvSpPr>
+        <p:spPr>
+          <a:xfrm>
+            <a:off x="2908130" y="6730875"/>
+            <a:ext cx="1080000" cy="360000"/>
+          </a:xfrm>
+          <a:prstGeom prst="rect">
+            <a:avLst/>
+          </a:prstGeom>
+          <a:solidFill>
+            <a:schemeClr val="accent1">
+              <a:lumMod val="50000"/>
+            </a:schemeClr>
+          </a:solidFill>
+          <a:ln>
+            <a:noFill/>
+          </a:ln>
+        </p:spPr>
+        <p:style>
+          <a:lnRef idx="2">
+            <a:schemeClr val="accent1">
+              <a:shade val="50000"/>
+            </a:schemeClr>
+          </a:lnRef>
+          <a:fillRef idx="1">
+            <a:schemeClr val="accent1"/>
+          </a:fillRef>
+          <a:effectRef idx="0">
+            <a:schemeClr val="accent1"/>
+          </a:effectRef>
+          <a:fontRef idx="minor">
+            <a:schemeClr val="lt1"/>
+          </a:fontRef>
+        </p:style>
+        <p:txBody>
+          <a:bodyPr rtlCol="0" anchor="ctr"/>
+          <a:lstStyle/>
+          <a:p>
+            <a:pPr algn="ctr"/>
+            <a:r>
+              <a:rPr lang="zh-CN" altLang="en-US" sz="1200" dirty="0"/>
+              <a:t>订单服务</a:t>
+            </a:r>
+          </a:p>
+        </p:txBody>
+      </p:sp>
+      <p:sp>
+        <p:nvSpPr>
+          <p:cNvPr id="30" name="Rectangle 29">
+            <a:extLst>
+              <a:ext uri="{FF2B5EF4-FFF2-40B4-BE49-F238E27FC236}">
+                <a16:creationId xmlns:a16="http://schemas.microsoft.com/office/drawing/2014/main" id="{45E5A6BF-13FA-4AD9-AC8D-4838CA442AA8}"/>
+              </a:ext>
+            </a:extLst>
+          </p:cNvPr>
+          <p:cNvSpPr/>
+          <p:nvPr/>
+        </p:nvSpPr>
+        <p:spPr>
+          <a:xfrm>
+            <a:off x="6060520" y="1723618"/>
+            <a:ext cx="1080000" cy="360000"/>
+          </a:xfrm>
+          <a:prstGeom prst="rect">
+            <a:avLst/>
+          </a:prstGeom>
+          <a:solidFill>
+            <a:schemeClr val="accent1">
+              <a:lumMod val="50000"/>
+            </a:schemeClr>
+          </a:solidFill>
+          <a:ln>
+            <a:noFill/>
+          </a:ln>
+        </p:spPr>
+        <p:style>
+          <a:lnRef idx="2">
+            <a:schemeClr val="accent1">
+              <a:shade val="50000"/>
+            </a:schemeClr>
+          </a:lnRef>
+          <a:fillRef idx="1">
+            <a:schemeClr val="accent1"/>
+          </a:fillRef>
+          <a:effectRef idx="0">
+            <a:schemeClr val="accent1"/>
+          </a:effectRef>
+          <a:fontRef idx="minor">
+            <a:schemeClr val="lt1"/>
+          </a:fontRef>
+        </p:style>
+        <p:txBody>
+          <a:bodyPr rtlCol="0" anchor="ctr"/>
+          <a:lstStyle/>
+          <a:p>
+            <a:pPr algn="ctr"/>
+            <a:r>
+              <a:rPr lang="zh-CN" altLang="en-US" sz="1200" dirty="0"/>
+              <a:t>交易管理</a:t>
+            </a:r>
+          </a:p>
+        </p:txBody>
+      </p:sp>
+      <p:sp>
+        <p:nvSpPr>
+          <p:cNvPr id="31" name="Rectangle 30">
+            <a:extLst>
+              <a:ext uri="{FF2B5EF4-FFF2-40B4-BE49-F238E27FC236}">
+                <a16:creationId xmlns:a16="http://schemas.microsoft.com/office/drawing/2014/main" id="{63F41476-A441-4A37-8F50-F3BEEE6ABB29}"/>
+              </a:ext>
+            </a:extLst>
+          </p:cNvPr>
+          <p:cNvSpPr/>
+          <p:nvPr/>
+        </p:nvSpPr>
+        <p:spPr>
+          <a:xfrm>
+            <a:off x="6060520" y="2122805"/>
+            <a:ext cx="1080000" cy="360000"/>
+          </a:xfrm>
+          <a:prstGeom prst="rect">
+            <a:avLst/>
+          </a:prstGeom>
+          <a:solidFill>
+            <a:schemeClr val="accent1">
+              <a:lumMod val="50000"/>
+            </a:schemeClr>
+          </a:solidFill>
+          <a:ln>
+            <a:noFill/>
+          </a:ln>
+        </p:spPr>
+        <p:style>
+          <a:lnRef idx="2">
+            <a:schemeClr val="accent1">
+              <a:shade val="50000"/>
+            </a:schemeClr>
+          </a:lnRef>
+          <a:fillRef idx="1">
+            <a:schemeClr val="accent1"/>
+          </a:fillRef>
+          <a:effectRef idx="0">
+            <a:schemeClr val="accent1"/>
+          </a:effectRef>
+          <a:fontRef idx="minor">
+            <a:schemeClr val="lt1"/>
+          </a:fontRef>
+        </p:style>
+        <p:txBody>
+          <a:bodyPr rtlCol="0" anchor="ctr"/>
+          <a:lstStyle/>
+          <a:p>
+            <a:pPr algn="ctr"/>
+            <a:r>
+              <a:rPr lang="zh-CN" altLang="en-US" sz="1200" dirty="0"/>
+              <a:t>对账管理</a:t>
+            </a:r>
+          </a:p>
+        </p:txBody>
+      </p:sp>
+      <p:sp>
+        <p:nvSpPr>
+          <p:cNvPr id="32" name="Rectangle 31">
+            <a:extLst>
+              <a:ext uri="{FF2B5EF4-FFF2-40B4-BE49-F238E27FC236}">
+                <a16:creationId xmlns:a16="http://schemas.microsoft.com/office/drawing/2014/main" id="{84296C3D-5C5D-4DD0-8198-DD631FC8FEF8}"/>
+              </a:ext>
+            </a:extLst>
+          </p:cNvPr>
+          <p:cNvSpPr/>
+          <p:nvPr/>
+        </p:nvSpPr>
+        <p:spPr>
+          <a:xfrm>
+            <a:off x="6060520" y="2521992"/>
+            <a:ext cx="1080000" cy="360000"/>
+          </a:xfrm>
+          <a:prstGeom prst="rect">
+            <a:avLst/>
+          </a:prstGeom>
+          <a:solidFill>
+            <a:schemeClr val="accent1">
+              <a:lumMod val="50000"/>
+            </a:schemeClr>
+          </a:solidFill>
+          <a:ln>
+            <a:noFill/>
+          </a:ln>
+        </p:spPr>
+        <p:style>
+          <a:lnRef idx="2">
+            <a:schemeClr val="accent1">
+              <a:shade val="50000"/>
+            </a:schemeClr>
+          </a:lnRef>
+          <a:fillRef idx="1">
+            <a:schemeClr val="accent1"/>
+          </a:fillRef>
+          <a:effectRef idx="0">
+            <a:schemeClr val="accent1"/>
+          </a:effectRef>
+          <a:fontRef idx="minor">
+            <a:schemeClr val="lt1"/>
+          </a:fontRef>
+        </p:style>
+        <p:txBody>
+          <a:bodyPr rtlCol="0" anchor="ctr"/>
+          <a:lstStyle/>
+          <a:p>
+            <a:pPr algn="ctr"/>
+            <a:r>
+              <a:rPr lang="zh-CN" altLang="en-US" sz="1200" dirty="0"/>
+              <a:t>财务管理</a:t>
+            </a:r>
+          </a:p>
+        </p:txBody>
+      </p:sp>
+      <p:sp>
+        <p:nvSpPr>
+          <p:cNvPr id="33" name="Rectangle 32">
+            <a:extLst>
+              <a:ext uri="{FF2B5EF4-FFF2-40B4-BE49-F238E27FC236}">
+                <a16:creationId xmlns:a16="http://schemas.microsoft.com/office/drawing/2014/main" id="{359EE971-730C-42F5-855D-0CF5EDAD5913}"/>
+              </a:ext>
+            </a:extLst>
+          </p:cNvPr>
+          <p:cNvSpPr/>
+          <p:nvPr/>
+        </p:nvSpPr>
+        <p:spPr>
+          <a:xfrm>
+            <a:off x="6060520" y="3320368"/>
+            <a:ext cx="1080000" cy="360000"/>
+          </a:xfrm>
+          <a:prstGeom prst="rect">
+            <a:avLst/>
+          </a:prstGeom>
+          <a:solidFill>
+            <a:schemeClr val="accent1">
+              <a:lumMod val="50000"/>
+            </a:schemeClr>
+          </a:solidFill>
+          <a:ln>
+            <a:noFill/>
+          </a:ln>
+        </p:spPr>
+        <p:style>
+          <a:lnRef idx="2">
+            <a:schemeClr val="accent1">
+              <a:shade val="50000"/>
+            </a:schemeClr>
+          </a:lnRef>
+          <a:fillRef idx="1">
+            <a:schemeClr val="accent1"/>
+          </a:fillRef>
+          <a:effectRef idx="0">
+            <a:schemeClr val="accent1"/>
+          </a:effectRef>
+          <a:fontRef idx="minor">
+            <a:schemeClr val="lt1"/>
+          </a:fontRef>
+        </p:style>
+        <p:txBody>
+          <a:bodyPr rtlCol="0" anchor="ctr"/>
+          <a:lstStyle/>
+          <a:p>
+            <a:pPr algn="ctr"/>
+            <a:r>
+              <a:rPr lang="zh-CN" altLang="en-US" sz="1200" dirty="0"/>
+              <a:t>头寸管理</a:t>
+            </a:r>
+          </a:p>
+        </p:txBody>
+      </p:sp>
+      <p:sp>
+        <p:nvSpPr>
+          <p:cNvPr id="34" name="Rectangle 33">
+            <a:extLst>
+              <a:ext uri="{FF2B5EF4-FFF2-40B4-BE49-F238E27FC236}">
+                <a16:creationId xmlns:a16="http://schemas.microsoft.com/office/drawing/2014/main" id="{9BF05229-6511-4FE6-AAA8-4C38D4F26DDC}"/>
+              </a:ext>
+            </a:extLst>
+          </p:cNvPr>
+          <p:cNvSpPr/>
+          <p:nvPr/>
+        </p:nvSpPr>
+        <p:spPr>
+          <a:xfrm>
+            <a:off x="6060520" y="2921179"/>
+            <a:ext cx="1080000" cy="360000"/>
+          </a:xfrm>
+          <a:prstGeom prst="rect">
+            <a:avLst/>
+          </a:prstGeom>
+          <a:solidFill>
+            <a:schemeClr val="accent1">
+              <a:lumMod val="50000"/>
+            </a:schemeClr>
+          </a:solidFill>
+          <a:ln>
+            <a:noFill/>
+          </a:ln>
+        </p:spPr>
+        <p:style>
+          <a:lnRef idx="2">
+            <a:schemeClr val="accent1">
+              <a:shade val="50000"/>
+            </a:schemeClr>
+          </a:lnRef>
+          <a:fillRef idx="1">
+            <a:schemeClr val="accent1"/>
+          </a:fillRef>
+          <a:effectRef idx="0">
+            <a:schemeClr val="accent1"/>
+          </a:effectRef>
+          <a:fontRef idx="minor">
+            <a:schemeClr val="lt1"/>
+          </a:fontRef>
+        </p:style>
+        <p:txBody>
+          <a:bodyPr rtlCol="0" anchor="ctr"/>
+          <a:lstStyle/>
+          <a:p>
+            <a:pPr algn="ctr"/>
+            <a:r>
+              <a:rPr lang="zh-CN" altLang="en-US" sz="1200" dirty="0"/>
+              <a:t>风控管理</a:t>
+            </a:r>
+          </a:p>
+        </p:txBody>
+      </p:sp>
+      <p:sp>
+        <p:nvSpPr>
+          <p:cNvPr id="36" name="Rectangle 35">
+            <a:extLst>
+              <a:ext uri="{FF2B5EF4-FFF2-40B4-BE49-F238E27FC236}">
+                <a16:creationId xmlns:a16="http://schemas.microsoft.com/office/drawing/2014/main" id="{8D9041B4-3E09-47C9-8C97-8DD92DD0428C}"/>
+              </a:ext>
+            </a:extLst>
+          </p:cNvPr>
+          <p:cNvSpPr/>
+          <p:nvPr/>
+        </p:nvSpPr>
+        <p:spPr>
+          <a:xfrm>
+            <a:off x="2988749" y="4169173"/>
+            <a:ext cx="865621" cy="360000"/>
+          </a:xfrm>
+          <a:prstGeom prst="rect">
+            <a:avLst/>
+          </a:prstGeom>
+          <a:solidFill>
+            <a:schemeClr val="accent1">
+              <a:lumMod val="50000"/>
+            </a:schemeClr>
+          </a:solidFill>
+          <a:ln>
+            <a:noFill/>
+          </a:ln>
+        </p:spPr>
+        <p:style>
+          <a:lnRef idx="2">
+            <a:schemeClr val="accent1">
+              <a:shade val="50000"/>
+            </a:schemeClr>
+          </a:lnRef>
+          <a:fillRef idx="1">
+            <a:schemeClr val="accent1"/>
+          </a:fillRef>
+          <a:effectRef idx="0">
+            <a:schemeClr val="accent1"/>
+          </a:effectRef>
+          <a:fontRef idx="minor">
+            <a:schemeClr val="lt1"/>
+          </a:fontRef>
+        </p:style>
+        <p:txBody>
+          <a:bodyPr rtlCol="0" anchor="ctr"/>
+          <a:lstStyle/>
+          <a:p>
+            <a:pPr algn="ctr"/>
+            <a:r>
+              <a:rPr lang="zh-CN" altLang="en-US" sz="1200" dirty="0"/>
+              <a:t>支付管理</a:t>
+            </a:r>
+          </a:p>
+        </p:txBody>
+      </p:sp>
+      <p:sp>
+        <p:nvSpPr>
+          <p:cNvPr id="38" name="Rectangle 37">
+            <a:extLst>
+              <a:ext uri="{FF2B5EF4-FFF2-40B4-BE49-F238E27FC236}">
+                <a16:creationId xmlns:a16="http://schemas.microsoft.com/office/drawing/2014/main" id="{CF907B34-1BE3-46BD-95C6-450826F775B5}"/>
+              </a:ext>
+            </a:extLst>
+          </p:cNvPr>
+          <p:cNvSpPr/>
+          <p:nvPr/>
+        </p:nvSpPr>
+        <p:spPr>
+          <a:xfrm>
+            <a:off x="2860581" y="1036597"/>
+            <a:ext cx="3025342" cy="2730033"/>
+          </a:xfrm>
+          <a:prstGeom prst="rect">
+            <a:avLst/>
+          </a:prstGeom>
+          <a:solidFill>
+            <a:schemeClr val="accent4">
+              <a:lumMod val="20000"/>
+              <a:lumOff val="80000"/>
+            </a:schemeClr>
+          </a:solidFill>
+          <a:ln w="6350">
+            <a:solidFill>
+              <a:schemeClr val="accent1">
+                <a:lumMod val="50000"/>
+              </a:schemeClr>
+            </a:solidFill>
+            <a:prstDash val="dash"/>
+          </a:ln>
+        </p:spPr>
+        <p:style>
+          <a:lnRef idx="2">
+            <a:schemeClr val="accent1">
+              <a:shade val="50000"/>
+            </a:schemeClr>
+          </a:lnRef>
+          <a:fillRef idx="1">
+            <a:schemeClr val="accent1"/>
+          </a:fillRef>
+          <a:effectRef idx="0">
+            <a:schemeClr val="accent1"/>
+          </a:effectRef>
+          <a:fontRef idx="minor">
+            <a:schemeClr val="lt1"/>
+          </a:fontRef>
+        </p:style>
+        <p:txBody>
+          <a:bodyPr vert="horz" rtlCol="0" anchor="t"/>
+          <a:lstStyle/>
+          <a:p>
+            <a:pPr algn="ctr"/>
+            <a:r>
+              <a:rPr lang="zh-CN" altLang="en-US" sz="1200" dirty="0">
+                <a:solidFill>
+                  <a:schemeClr val="accent4">
+                    <a:lumMod val="50000"/>
+                  </a:schemeClr>
+                </a:solidFill>
+              </a:rPr>
+              <a:t>客户信息</a:t>
+            </a:r>
+            <a:endParaRPr lang="en-US" altLang="zh-CN" sz="1200" dirty="0">
+              <a:solidFill>
+                <a:schemeClr val="accent4">
+                  <a:lumMod val="50000"/>
+                </a:schemeClr>
+              </a:solidFill>
+            </a:endParaRPr>
+          </a:p>
+        </p:txBody>
+      </p:sp>
+      <p:sp>
+        <p:nvSpPr>
+          <p:cNvPr id="39" name="Rectangle 38">
+            <a:extLst>
+              <a:ext uri="{FF2B5EF4-FFF2-40B4-BE49-F238E27FC236}">
+                <a16:creationId xmlns:a16="http://schemas.microsoft.com/office/drawing/2014/main" id="{35F7CA1B-41FC-4B45-99D8-A9261510A933}"/>
+              </a:ext>
+            </a:extLst>
+          </p:cNvPr>
+          <p:cNvSpPr/>
+          <p:nvPr/>
+        </p:nvSpPr>
+        <p:spPr>
+          <a:xfrm>
+            <a:off x="2994089" y="1324431"/>
+            <a:ext cx="864000" cy="445634"/>
+          </a:xfrm>
+          <a:prstGeom prst="rect">
+            <a:avLst/>
+          </a:prstGeom>
+          <a:solidFill>
+            <a:schemeClr val="accent4">
+              <a:lumMod val="50000"/>
+            </a:schemeClr>
+          </a:solidFill>
+          <a:ln>
+            <a:noFill/>
+          </a:ln>
+        </p:spPr>
+        <p:style>
+          <a:lnRef idx="2">
+            <a:schemeClr val="accent1">
+              <a:shade val="50000"/>
+            </a:schemeClr>
+          </a:lnRef>
+          <a:fillRef idx="1">
+            <a:schemeClr val="accent1"/>
+          </a:fillRef>
+          <a:effectRef idx="0">
+            <a:schemeClr val="accent1"/>
+          </a:effectRef>
+          <a:fontRef idx="minor">
+            <a:schemeClr val="lt1"/>
+          </a:fontRef>
+        </p:style>
+        <p:txBody>
+          <a:bodyPr rtlCol="0" anchor="ctr"/>
+          <a:lstStyle/>
+          <a:p>
+            <a:pPr algn="ctr"/>
+            <a:r>
+              <a:rPr lang="en-US" altLang="zh-CN" sz="1200" dirty="0"/>
+              <a:t>P2P</a:t>
+            </a:r>
+            <a:r>
+              <a:rPr lang="zh-CN" altLang="en-US" sz="1200" dirty="0"/>
+              <a:t>存管</a:t>
+            </a:r>
+          </a:p>
+        </p:txBody>
+      </p:sp>
+      <p:sp>
+        <p:nvSpPr>
+          <p:cNvPr id="40" name="Rectangle 39">
+            <a:extLst>
+              <a:ext uri="{FF2B5EF4-FFF2-40B4-BE49-F238E27FC236}">
+                <a16:creationId xmlns:a16="http://schemas.microsoft.com/office/drawing/2014/main" id="{6F504987-7230-4D83-B5FE-014DB52448F7}"/>
+              </a:ext>
+            </a:extLst>
+          </p:cNvPr>
+          <p:cNvSpPr/>
+          <p:nvPr/>
+        </p:nvSpPr>
+        <p:spPr>
+          <a:xfrm>
+            <a:off x="3964739" y="1324431"/>
+            <a:ext cx="864000" cy="445634"/>
+          </a:xfrm>
+          <a:prstGeom prst="rect">
+            <a:avLst/>
+          </a:prstGeom>
+          <a:solidFill>
+            <a:schemeClr val="accent4">
+              <a:lumMod val="50000"/>
+            </a:schemeClr>
+          </a:solidFill>
+          <a:ln>
+            <a:noFill/>
+          </a:ln>
+        </p:spPr>
+        <p:style>
+          <a:lnRef idx="2">
+            <a:schemeClr val="accent1">
+              <a:shade val="50000"/>
+            </a:schemeClr>
+          </a:lnRef>
+          <a:fillRef idx="1">
+            <a:schemeClr val="accent1"/>
+          </a:fillRef>
+          <a:effectRef idx="0">
+            <a:schemeClr val="accent1"/>
+          </a:effectRef>
+          <a:fontRef idx="minor">
+            <a:schemeClr val="lt1"/>
+          </a:fontRef>
+        </p:style>
+        <p:txBody>
+          <a:bodyPr rtlCol="0" anchor="ctr"/>
+          <a:lstStyle/>
+          <a:p>
+            <a:pPr algn="ctr"/>
+            <a:r>
+              <a:rPr lang="zh-CN" altLang="en-US" sz="1200" dirty="0"/>
+              <a:t>交易资金</a:t>
+            </a:r>
+            <a:endParaRPr lang="en-US" altLang="zh-CN" sz="1200" dirty="0"/>
+          </a:p>
+          <a:p>
+            <a:pPr algn="ctr"/>
+            <a:r>
+              <a:rPr lang="zh-CN" altLang="en-US" sz="1200" dirty="0"/>
+              <a:t>存管</a:t>
+            </a:r>
+          </a:p>
+        </p:txBody>
+      </p:sp>
+      <p:sp>
+        <p:nvSpPr>
+          <p:cNvPr id="41" name="Rectangle 40">
+            <a:extLst>
+              <a:ext uri="{FF2B5EF4-FFF2-40B4-BE49-F238E27FC236}">
+                <a16:creationId xmlns:a16="http://schemas.microsoft.com/office/drawing/2014/main" id="{A6C734F1-18E8-49A8-9B42-B7B5C2162D66}"/>
+              </a:ext>
+            </a:extLst>
+          </p:cNvPr>
+          <p:cNvSpPr/>
+          <p:nvPr/>
+        </p:nvSpPr>
+        <p:spPr>
+          <a:xfrm>
+            <a:off x="2990370" y="1837825"/>
+            <a:ext cx="864000" cy="448717"/>
+          </a:xfrm>
+          <a:prstGeom prst="rect">
+            <a:avLst/>
+          </a:prstGeom>
+          <a:solidFill>
+            <a:schemeClr val="accent4">
+              <a:lumMod val="50000"/>
+            </a:schemeClr>
+          </a:solidFill>
+          <a:ln>
+            <a:noFill/>
+          </a:ln>
+        </p:spPr>
+        <p:style>
+          <a:lnRef idx="2">
+            <a:schemeClr val="accent1">
+              <a:shade val="50000"/>
+            </a:schemeClr>
+          </a:lnRef>
+          <a:fillRef idx="1">
+            <a:schemeClr val="accent1"/>
+          </a:fillRef>
+          <a:effectRef idx="0">
+            <a:schemeClr val="accent1"/>
+          </a:effectRef>
+          <a:fontRef idx="minor">
+            <a:schemeClr val="lt1"/>
+          </a:fontRef>
+        </p:style>
+        <p:txBody>
+          <a:bodyPr rtlCol="0" anchor="ctr"/>
+          <a:lstStyle/>
+          <a:p>
+            <a:pPr algn="ctr"/>
+            <a:r>
+              <a:rPr lang="zh-CN" altLang="en-US" sz="1200" dirty="0"/>
+              <a:t>期货</a:t>
+            </a:r>
+            <a:endParaRPr lang="en-US" altLang="zh-CN" sz="1200" dirty="0"/>
+          </a:p>
+          <a:p>
+            <a:pPr algn="ctr"/>
+            <a:r>
+              <a:rPr lang="zh-CN" altLang="en-US" sz="1200" dirty="0"/>
+              <a:t>保证金</a:t>
+            </a:r>
+          </a:p>
+        </p:txBody>
+      </p:sp>
+      <p:sp>
+        <p:nvSpPr>
+          <p:cNvPr id="42" name="Rectangle 41">
+            <a:extLst>
+              <a:ext uri="{FF2B5EF4-FFF2-40B4-BE49-F238E27FC236}">
+                <a16:creationId xmlns:a16="http://schemas.microsoft.com/office/drawing/2014/main" id="{7BEA1D41-0D99-476C-9C1E-B1664807BE77}"/>
+              </a:ext>
+            </a:extLst>
+          </p:cNvPr>
+          <p:cNvSpPr/>
+          <p:nvPr/>
+        </p:nvSpPr>
+        <p:spPr>
+          <a:xfrm>
+            <a:off x="4935388" y="1324431"/>
+            <a:ext cx="864000" cy="445634"/>
+          </a:xfrm>
+          <a:prstGeom prst="rect">
+            <a:avLst/>
+          </a:prstGeom>
+          <a:solidFill>
+            <a:schemeClr val="accent4">
+              <a:lumMod val="50000"/>
+            </a:schemeClr>
+          </a:solidFill>
+          <a:ln>
+            <a:noFill/>
+          </a:ln>
+        </p:spPr>
+        <p:style>
+          <a:lnRef idx="2">
+            <a:schemeClr val="accent1">
+              <a:shade val="50000"/>
+            </a:schemeClr>
+          </a:lnRef>
+          <a:fillRef idx="1">
+            <a:schemeClr val="accent1"/>
+          </a:fillRef>
+          <a:effectRef idx="0">
+            <a:schemeClr val="accent1"/>
+          </a:effectRef>
+          <a:fontRef idx="minor">
+            <a:schemeClr val="lt1"/>
+          </a:fontRef>
+        </p:style>
+        <p:txBody>
+          <a:bodyPr rtlCol="0" anchor="ctr"/>
+          <a:lstStyle/>
+          <a:p>
+            <a:pPr algn="ctr"/>
+            <a:r>
+              <a:rPr lang="zh-CN" altLang="en-US" sz="1200" dirty="0"/>
+              <a:t>备付金</a:t>
+            </a:r>
+            <a:endParaRPr lang="en-US" altLang="zh-CN" sz="1200" dirty="0"/>
+          </a:p>
+          <a:p>
+            <a:pPr algn="ctr"/>
+            <a:r>
+              <a:rPr lang="zh-CN" altLang="en-US" sz="1200" dirty="0"/>
+              <a:t>存管</a:t>
+            </a:r>
+          </a:p>
+        </p:txBody>
+      </p:sp>
+      <p:sp>
+        <p:nvSpPr>
+          <p:cNvPr id="43" name="Rectangle 42">
+            <a:extLst>
+              <a:ext uri="{FF2B5EF4-FFF2-40B4-BE49-F238E27FC236}">
+                <a16:creationId xmlns:a16="http://schemas.microsoft.com/office/drawing/2014/main" id="{9ED984EA-FF7C-49AB-98BC-E14C65DA47CE}"/>
+              </a:ext>
+            </a:extLst>
+          </p:cNvPr>
+          <p:cNvSpPr/>
+          <p:nvPr/>
+        </p:nvSpPr>
+        <p:spPr>
+          <a:xfrm>
+            <a:off x="3962879" y="1837825"/>
+            <a:ext cx="864000" cy="445634"/>
+          </a:xfrm>
+          <a:prstGeom prst="rect">
+            <a:avLst/>
+          </a:prstGeom>
+          <a:solidFill>
+            <a:schemeClr val="accent4">
+              <a:lumMod val="50000"/>
+            </a:schemeClr>
+          </a:solidFill>
+          <a:ln>
+            <a:noFill/>
+          </a:ln>
+        </p:spPr>
+        <p:style>
+          <a:lnRef idx="2">
+            <a:schemeClr val="accent1">
+              <a:shade val="50000"/>
+            </a:schemeClr>
+          </a:lnRef>
+          <a:fillRef idx="1">
+            <a:schemeClr val="accent1"/>
+          </a:fillRef>
+          <a:effectRef idx="0">
+            <a:schemeClr val="accent1"/>
+          </a:effectRef>
+          <a:fontRef idx="minor">
+            <a:schemeClr val="lt1"/>
+          </a:fontRef>
+        </p:style>
+        <p:txBody>
+          <a:bodyPr rtlCol="0" anchor="ctr"/>
+          <a:lstStyle/>
+          <a:p>
+            <a:pPr algn="ctr"/>
+            <a:r>
+              <a:rPr lang="zh-CN" altLang="en-US" sz="1200" dirty="0"/>
+              <a:t>证券三方</a:t>
+            </a:r>
+            <a:endParaRPr lang="en-US" altLang="zh-CN" sz="1200" dirty="0"/>
+          </a:p>
+          <a:p>
+            <a:pPr algn="ctr"/>
+            <a:r>
+              <a:rPr lang="zh-CN" altLang="en-US" sz="1200" dirty="0"/>
+              <a:t>存管</a:t>
+            </a:r>
+          </a:p>
+        </p:txBody>
+      </p:sp>
+      <p:sp>
+        <p:nvSpPr>
+          <p:cNvPr id="44" name="Rectangle 43">
+            <a:extLst>
+              <a:ext uri="{FF2B5EF4-FFF2-40B4-BE49-F238E27FC236}">
+                <a16:creationId xmlns:a16="http://schemas.microsoft.com/office/drawing/2014/main" id="{6127D36A-4A34-49DB-BF00-132939770C36}"/>
+              </a:ext>
+            </a:extLst>
+          </p:cNvPr>
+          <p:cNvSpPr/>
+          <p:nvPr/>
+        </p:nvSpPr>
+        <p:spPr>
+          <a:xfrm>
+            <a:off x="4935388" y="1837825"/>
+            <a:ext cx="864000" cy="445634"/>
+          </a:xfrm>
+          <a:prstGeom prst="rect">
+            <a:avLst/>
+          </a:prstGeom>
+          <a:solidFill>
+            <a:schemeClr val="accent4">
+              <a:lumMod val="50000"/>
+            </a:schemeClr>
+          </a:solidFill>
+          <a:ln>
+            <a:noFill/>
+          </a:ln>
+        </p:spPr>
+        <p:style>
+          <a:lnRef idx="2">
+            <a:schemeClr val="accent1">
+              <a:shade val="50000"/>
+            </a:schemeClr>
+          </a:lnRef>
+          <a:fillRef idx="1">
+            <a:schemeClr val="accent1"/>
+          </a:fillRef>
+          <a:effectRef idx="0">
+            <a:schemeClr val="accent1"/>
+          </a:effectRef>
+          <a:fontRef idx="minor">
+            <a:schemeClr val="lt1"/>
+          </a:fontRef>
+        </p:style>
+        <p:txBody>
+          <a:bodyPr rtlCol="0" anchor="ctr"/>
+          <a:lstStyle/>
+          <a:p>
+            <a:pPr algn="ctr"/>
+            <a:r>
+              <a:rPr lang="zh-CN" altLang="en-US" sz="1200" dirty="0"/>
+              <a:t>融资融券</a:t>
+            </a:r>
+            <a:endParaRPr lang="en-US" altLang="zh-CN" sz="1200" dirty="0"/>
+          </a:p>
+          <a:p>
+            <a:pPr algn="ctr"/>
+            <a:r>
+              <a:rPr lang="zh-CN" altLang="en-US" sz="1200" dirty="0"/>
+              <a:t>存管</a:t>
+            </a:r>
+          </a:p>
+        </p:txBody>
+      </p:sp>
+      <p:sp>
+        <p:nvSpPr>
+          <p:cNvPr id="45" name="Rectangle 44">
+            <a:extLst>
+              <a:ext uri="{FF2B5EF4-FFF2-40B4-BE49-F238E27FC236}">
+                <a16:creationId xmlns:a16="http://schemas.microsoft.com/office/drawing/2014/main" id="{104D16ED-9185-4F48-86B4-42F8EB94CB46}"/>
+              </a:ext>
+            </a:extLst>
+          </p:cNvPr>
+          <p:cNvSpPr/>
+          <p:nvPr/>
+        </p:nvSpPr>
+        <p:spPr>
+          <a:xfrm>
+            <a:off x="2988750" y="2403355"/>
+            <a:ext cx="2810637" cy="360000"/>
+          </a:xfrm>
+          <a:prstGeom prst="rect">
+            <a:avLst/>
+          </a:prstGeom>
+          <a:solidFill>
+            <a:schemeClr val="accent1">
+              <a:lumMod val="50000"/>
+            </a:schemeClr>
+          </a:solidFill>
+          <a:ln>
+            <a:noFill/>
+          </a:ln>
+        </p:spPr>
+        <p:style>
+          <a:lnRef idx="2">
+            <a:schemeClr val="accent1">
+              <a:shade val="50000"/>
+            </a:schemeClr>
+          </a:lnRef>
+          <a:fillRef idx="1">
+            <a:schemeClr val="accent1"/>
+          </a:fillRef>
+          <a:effectRef idx="0">
+            <a:schemeClr val="accent1"/>
+          </a:effectRef>
+          <a:fontRef idx="minor">
+            <a:schemeClr val="lt1"/>
+          </a:fontRef>
+        </p:style>
+        <p:txBody>
+          <a:bodyPr rtlCol="0" anchor="ctr"/>
+          <a:lstStyle/>
+          <a:p>
+            <a:pPr algn="ctr"/>
+            <a:r>
+              <a:rPr lang="zh-CN" altLang="en-US" sz="1200" dirty="0"/>
+              <a:t>存管业务支撑</a:t>
+            </a:r>
+          </a:p>
+        </p:txBody>
+      </p:sp>
+      <p:sp>
+        <p:nvSpPr>
+          <p:cNvPr id="46" name="Rectangle 45">
+            <a:extLst>
+              <a:ext uri="{FF2B5EF4-FFF2-40B4-BE49-F238E27FC236}">
+                <a16:creationId xmlns:a16="http://schemas.microsoft.com/office/drawing/2014/main" id="{4856585A-B6F5-4C0D-AEE6-277C8E0B1BF8}"/>
+              </a:ext>
+            </a:extLst>
+          </p:cNvPr>
+          <p:cNvSpPr/>
+          <p:nvPr/>
+        </p:nvSpPr>
+        <p:spPr>
+          <a:xfrm>
+            <a:off x="2988750" y="2870555"/>
+            <a:ext cx="1294907" cy="354415"/>
+          </a:xfrm>
+          <a:prstGeom prst="rect">
+            <a:avLst/>
+          </a:prstGeom>
+          <a:solidFill>
+            <a:schemeClr val="accent1">
+              <a:lumMod val="50000"/>
+            </a:schemeClr>
+          </a:solidFill>
+          <a:ln>
+            <a:noFill/>
+          </a:ln>
+        </p:spPr>
+        <p:style>
+          <a:lnRef idx="2">
+            <a:schemeClr val="accent1">
+              <a:shade val="50000"/>
+            </a:schemeClr>
+          </a:lnRef>
+          <a:fillRef idx="1">
+            <a:schemeClr val="accent1"/>
+          </a:fillRef>
+          <a:effectRef idx="0">
+            <a:schemeClr val="accent1"/>
+          </a:effectRef>
+          <a:fontRef idx="minor">
+            <a:schemeClr val="lt1"/>
+          </a:fontRef>
+        </p:style>
+        <p:txBody>
+          <a:bodyPr rtlCol="0" anchor="ctr"/>
+          <a:lstStyle/>
+          <a:p>
+            <a:pPr algn="ctr"/>
+            <a:r>
+              <a:rPr lang="zh-CN" altLang="en-US" sz="1200" dirty="0"/>
+              <a:t>资金账务</a:t>
+            </a:r>
+          </a:p>
+        </p:txBody>
+      </p:sp>
+      <p:sp>
+        <p:nvSpPr>
+          <p:cNvPr id="47" name="Rectangle 46">
+            <a:extLst>
+              <a:ext uri="{FF2B5EF4-FFF2-40B4-BE49-F238E27FC236}">
+                <a16:creationId xmlns:a16="http://schemas.microsoft.com/office/drawing/2014/main" id="{1D7AF33C-8FFC-4426-9E16-550CBABDB14E}"/>
+              </a:ext>
+            </a:extLst>
+          </p:cNvPr>
+          <p:cNvSpPr/>
+          <p:nvPr/>
+        </p:nvSpPr>
+        <p:spPr>
+          <a:xfrm>
+            <a:off x="4411826" y="2872796"/>
+            <a:ext cx="1388372" cy="360000"/>
+          </a:xfrm>
+          <a:prstGeom prst="rect">
+            <a:avLst/>
+          </a:prstGeom>
+          <a:solidFill>
+            <a:schemeClr val="accent1">
+              <a:lumMod val="50000"/>
+            </a:schemeClr>
+          </a:solidFill>
+          <a:ln>
+            <a:noFill/>
+          </a:ln>
+        </p:spPr>
+        <p:style>
+          <a:lnRef idx="2">
+            <a:schemeClr val="accent1">
+              <a:shade val="50000"/>
+            </a:schemeClr>
+          </a:lnRef>
+          <a:fillRef idx="1">
+            <a:schemeClr val="accent1"/>
+          </a:fillRef>
+          <a:effectRef idx="0">
+            <a:schemeClr val="accent1"/>
+          </a:effectRef>
+          <a:fontRef idx="minor">
+            <a:schemeClr val="lt1"/>
+          </a:fontRef>
+        </p:style>
+        <p:txBody>
+          <a:bodyPr rtlCol="0" anchor="ctr"/>
+          <a:lstStyle/>
+          <a:p>
+            <a:pPr algn="ctr"/>
+            <a:r>
+              <a:rPr lang="zh-CN" altLang="en-US" sz="1200" dirty="0"/>
+              <a:t>交易支付</a:t>
+            </a:r>
+          </a:p>
+        </p:txBody>
+      </p:sp>
+      <p:sp>
+        <p:nvSpPr>
+          <p:cNvPr id="48" name="Rectangle 47">
+            <a:extLst>
+              <a:ext uri="{FF2B5EF4-FFF2-40B4-BE49-F238E27FC236}">
+                <a16:creationId xmlns:a16="http://schemas.microsoft.com/office/drawing/2014/main" id="{B952A645-25E2-4E50-BB76-89D5DC54FE61}"/>
+              </a:ext>
+            </a:extLst>
+          </p:cNvPr>
+          <p:cNvSpPr/>
+          <p:nvPr/>
+        </p:nvSpPr>
+        <p:spPr>
+          <a:xfrm>
+            <a:off x="2988749" y="3297215"/>
+            <a:ext cx="1294907" cy="360000"/>
+          </a:xfrm>
+          <a:prstGeom prst="rect">
+            <a:avLst/>
+          </a:prstGeom>
+          <a:solidFill>
+            <a:schemeClr val="accent1">
+              <a:lumMod val="50000"/>
+            </a:schemeClr>
+          </a:solidFill>
+          <a:ln>
+            <a:noFill/>
+          </a:ln>
+        </p:spPr>
+        <p:style>
+          <a:lnRef idx="2">
+            <a:schemeClr val="accent1">
+              <a:shade val="50000"/>
+            </a:schemeClr>
+          </a:lnRef>
+          <a:fillRef idx="1">
+            <a:schemeClr val="accent1"/>
+          </a:fillRef>
+          <a:effectRef idx="0">
+            <a:schemeClr val="accent1"/>
+          </a:effectRef>
+          <a:fontRef idx="minor">
+            <a:schemeClr val="lt1"/>
+          </a:fontRef>
+        </p:style>
+        <p:txBody>
+          <a:bodyPr rtlCol="0" anchor="ctr"/>
+          <a:lstStyle/>
+          <a:p>
+            <a:pPr algn="ctr"/>
+            <a:r>
+              <a:rPr lang="zh-CN" altLang="en-US" sz="1200" dirty="0"/>
+              <a:t>对账中心</a:t>
+            </a:r>
+          </a:p>
+        </p:txBody>
+      </p:sp>
+      <p:sp>
+        <p:nvSpPr>
+          <p:cNvPr id="49" name="Rectangle 48">
+            <a:extLst>
+              <a:ext uri="{FF2B5EF4-FFF2-40B4-BE49-F238E27FC236}">
+                <a16:creationId xmlns:a16="http://schemas.microsoft.com/office/drawing/2014/main" id="{F9530077-3E12-4CE8-B4F7-485C8AA04164}"/>
+              </a:ext>
+            </a:extLst>
+          </p:cNvPr>
+          <p:cNvSpPr/>
+          <p:nvPr/>
+        </p:nvSpPr>
+        <p:spPr>
+          <a:xfrm>
+            <a:off x="4411825" y="3312461"/>
+            <a:ext cx="1387561" cy="360000"/>
+          </a:xfrm>
+          <a:prstGeom prst="rect">
+            <a:avLst/>
+          </a:prstGeom>
+          <a:solidFill>
+            <a:schemeClr val="accent1">
+              <a:lumMod val="50000"/>
+            </a:schemeClr>
+          </a:solidFill>
+          <a:ln>
+            <a:noFill/>
+          </a:ln>
+        </p:spPr>
+        <p:style>
+          <a:lnRef idx="2">
+            <a:schemeClr val="accent1">
+              <a:shade val="50000"/>
+            </a:schemeClr>
+          </a:lnRef>
+          <a:fillRef idx="1">
+            <a:schemeClr val="accent1"/>
+          </a:fillRef>
+          <a:effectRef idx="0">
+            <a:schemeClr val="accent1"/>
+          </a:effectRef>
+          <a:fontRef idx="minor">
+            <a:schemeClr val="lt1"/>
+          </a:fontRef>
+        </p:style>
+        <p:txBody>
+          <a:bodyPr rtlCol="0" anchor="ctr"/>
+          <a:lstStyle/>
+          <a:p>
+            <a:pPr algn="ctr"/>
+            <a:r>
+              <a:rPr lang="zh-CN" altLang="en-US" sz="1200" dirty="0"/>
+              <a:t>清算交收</a:t>
+            </a:r>
+          </a:p>
+        </p:txBody>
+      </p:sp>
+      <p:sp>
+        <p:nvSpPr>
+          <p:cNvPr id="50" name="Rectangle 49">
+            <a:extLst>
+              <a:ext uri="{FF2B5EF4-FFF2-40B4-BE49-F238E27FC236}">
+                <a16:creationId xmlns:a16="http://schemas.microsoft.com/office/drawing/2014/main" id="{7C13EA2A-23E5-4957-83CA-084E8E2B4F03}"/>
+              </a:ext>
+            </a:extLst>
+          </p:cNvPr>
+          <p:cNvSpPr/>
+          <p:nvPr/>
+        </p:nvSpPr>
+        <p:spPr>
+          <a:xfrm>
+            <a:off x="4076220" y="4169173"/>
+            <a:ext cx="865621" cy="360000"/>
+          </a:xfrm>
+          <a:prstGeom prst="rect">
+            <a:avLst/>
+          </a:prstGeom>
+          <a:solidFill>
+            <a:schemeClr val="accent1">
+              <a:lumMod val="50000"/>
+            </a:schemeClr>
+          </a:solidFill>
+          <a:ln>
+            <a:noFill/>
+          </a:ln>
+        </p:spPr>
+        <p:style>
+          <a:lnRef idx="2">
+            <a:schemeClr val="accent1">
+              <a:shade val="50000"/>
+            </a:schemeClr>
+          </a:lnRef>
+          <a:fillRef idx="1">
+            <a:schemeClr val="accent1"/>
+          </a:fillRef>
+          <a:effectRef idx="0">
+            <a:schemeClr val="accent1"/>
+          </a:effectRef>
+          <a:fontRef idx="minor">
+            <a:schemeClr val="lt1"/>
+          </a:fontRef>
+        </p:style>
+        <p:txBody>
+          <a:bodyPr rtlCol="0" anchor="ctr"/>
+          <a:lstStyle/>
+          <a:p>
+            <a:pPr algn="ctr"/>
+            <a:r>
+              <a:rPr lang="zh-CN" altLang="en-US" sz="1200" dirty="0"/>
+              <a:t>账户管理</a:t>
+            </a:r>
+          </a:p>
+        </p:txBody>
+      </p:sp>
+      <p:sp>
+        <p:nvSpPr>
+          <p:cNvPr id="51" name="Rectangle 50">
+            <a:extLst>
+              <a:ext uri="{FF2B5EF4-FFF2-40B4-BE49-F238E27FC236}">
+                <a16:creationId xmlns:a16="http://schemas.microsoft.com/office/drawing/2014/main" id="{60D9A5E2-C388-4A12-ACBD-08FD879463E3}"/>
+              </a:ext>
+            </a:extLst>
+          </p:cNvPr>
+          <p:cNvSpPr/>
+          <p:nvPr/>
+        </p:nvSpPr>
+        <p:spPr>
+          <a:xfrm>
+            <a:off x="5163691" y="4162898"/>
+            <a:ext cx="865621" cy="360000"/>
+          </a:xfrm>
+          <a:prstGeom prst="rect">
+            <a:avLst/>
+          </a:prstGeom>
+          <a:solidFill>
+            <a:schemeClr val="accent1">
+              <a:lumMod val="50000"/>
+            </a:schemeClr>
+          </a:solidFill>
+          <a:ln>
+            <a:noFill/>
+          </a:ln>
+        </p:spPr>
+        <p:style>
+          <a:lnRef idx="2">
+            <a:schemeClr val="accent1">
+              <a:shade val="50000"/>
+            </a:schemeClr>
+          </a:lnRef>
+          <a:fillRef idx="1">
+            <a:schemeClr val="accent1"/>
+          </a:fillRef>
+          <a:effectRef idx="0">
+            <a:schemeClr val="accent1"/>
+          </a:effectRef>
+          <a:fontRef idx="minor">
+            <a:schemeClr val="lt1"/>
+          </a:fontRef>
+        </p:style>
+        <p:txBody>
+          <a:bodyPr rtlCol="0" anchor="ctr"/>
+          <a:lstStyle/>
+          <a:p>
+            <a:pPr algn="ctr"/>
+            <a:r>
+              <a:rPr lang="zh-CN" altLang="en-US" sz="1200" dirty="0"/>
+              <a:t>清分清算</a:t>
+            </a:r>
+          </a:p>
+        </p:txBody>
+      </p:sp>
+      <p:sp>
+        <p:nvSpPr>
+          <p:cNvPr id="52" name="Rectangle 51">
+            <a:extLst>
+              <a:ext uri="{FF2B5EF4-FFF2-40B4-BE49-F238E27FC236}">
+                <a16:creationId xmlns:a16="http://schemas.microsoft.com/office/drawing/2014/main" id="{12FB27C6-D485-40C2-A950-A71AAB8E4A8D}"/>
+              </a:ext>
+            </a:extLst>
+          </p:cNvPr>
+          <p:cNvSpPr/>
+          <p:nvPr/>
+        </p:nvSpPr>
+        <p:spPr>
+          <a:xfrm>
+            <a:off x="6251162" y="4162898"/>
+            <a:ext cx="865621" cy="360000"/>
+          </a:xfrm>
+          <a:prstGeom prst="rect">
+            <a:avLst/>
+          </a:prstGeom>
+          <a:solidFill>
+            <a:schemeClr val="accent1">
+              <a:lumMod val="50000"/>
+            </a:schemeClr>
+          </a:solidFill>
+          <a:ln>
+            <a:noFill/>
+          </a:ln>
+        </p:spPr>
+        <p:style>
+          <a:lnRef idx="2">
+            <a:schemeClr val="accent1">
+              <a:shade val="50000"/>
+            </a:schemeClr>
+          </a:lnRef>
+          <a:fillRef idx="1">
+            <a:schemeClr val="accent1"/>
+          </a:fillRef>
+          <a:effectRef idx="0">
+            <a:schemeClr val="accent1"/>
+          </a:effectRef>
+          <a:fontRef idx="minor">
+            <a:schemeClr val="lt1"/>
+          </a:fontRef>
+        </p:style>
+        <p:txBody>
+          <a:bodyPr rtlCol="0" anchor="ctr"/>
+          <a:lstStyle/>
+          <a:p>
+            <a:pPr algn="ctr"/>
+            <a:r>
+              <a:rPr lang="zh-CN" altLang="en-US" sz="1200" dirty="0"/>
+              <a:t>安全风控</a:t>
+            </a:r>
+          </a:p>
+        </p:txBody>
+      </p:sp>
+    </p:spTree>
+    <p:extLst>
+      <p:ext uri="{BB962C8B-B14F-4D97-AF65-F5344CB8AC3E}">
+        <p14:creationId xmlns:p14="http://schemas.microsoft.com/office/powerpoint/2010/main" val="2251638164"/>
+      </p:ext>
+    </p:extLst>
+  </p:cSld>
+  <p:clrMapOvr>
+    <a:masterClrMapping/>
+  </p:clrMapOvr>
+</p:sld>
+</file>
+
 <file path=ppt/slides/slide2.xml><?xml version="1.0" encoding="utf-8"?>
 <p:sld xmlns:a="http://schemas.openxmlformats.org/drawingml/2006/main" xmlns:r="http://schemas.openxmlformats.org/officeDocument/2006/relationships" xmlns:p="http://schemas.openxmlformats.org/presentationml/2006/main">
   <p:cSld>
